--- a/Compilers.pptx
+++ b/Compilers.pptx
@@ -5,32 +5,34 @@
     <p:sldMasterId id="2147483648" r:id="rId1"/>
   </p:sldMasterIdLst>
   <p:notesMasterIdLst>
-    <p:notesMasterId r:id="rId25"/>
+    <p:notesMasterId r:id="rId27"/>
   </p:notesMasterIdLst>
   <p:sldIdLst>
     <p:sldId id="256" r:id="rId2"/>
     <p:sldId id="257" r:id="rId3"/>
-    <p:sldId id="258" r:id="rId4"/>
-    <p:sldId id="259" r:id="rId5"/>
-    <p:sldId id="261" r:id="rId6"/>
-    <p:sldId id="262" r:id="rId7"/>
-    <p:sldId id="263" r:id="rId8"/>
-    <p:sldId id="264" r:id="rId9"/>
-    <p:sldId id="265" r:id="rId10"/>
-    <p:sldId id="266" r:id="rId11"/>
-    <p:sldId id="267" r:id="rId12"/>
-    <p:sldId id="268" r:id="rId13"/>
-    <p:sldId id="269" r:id="rId14"/>
-    <p:sldId id="270" r:id="rId15"/>
-    <p:sldId id="271" r:id="rId16"/>
-    <p:sldId id="272" r:id="rId17"/>
-    <p:sldId id="273" r:id="rId18"/>
-    <p:sldId id="274" r:id="rId19"/>
-    <p:sldId id="275" r:id="rId20"/>
-    <p:sldId id="276" r:id="rId21"/>
-    <p:sldId id="277" r:id="rId22"/>
-    <p:sldId id="278" r:id="rId23"/>
-    <p:sldId id="260" r:id="rId24"/>
+    <p:sldId id="261" r:id="rId4"/>
+    <p:sldId id="279" r:id="rId5"/>
+    <p:sldId id="281" r:id="rId6"/>
+    <p:sldId id="258" r:id="rId7"/>
+    <p:sldId id="259" r:id="rId8"/>
+    <p:sldId id="262" r:id="rId9"/>
+    <p:sldId id="263" r:id="rId10"/>
+    <p:sldId id="264" r:id="rId11"/>
+    <p:sldId id="265" r:id="rId12"/>
+    <p:sldId id="266" r:id="rId13"/>
+    <p:sldId id="267" r:id="rId14"/>
+    <p:sldId id="268" r:id="rId15"/>
+    <p:sldId id="269" r:id="rId16"/>
+    <p:sldId id="270" r:id="rId17"/>
+    <p:sldId id="271" r:id="rId18"/>
+    <p:sldId id="272" r:id="rId19"/>
+    <p:sldId id="273" r:id="rId20"/>
+    <p:sldId id="274" r:id="rId21"/>
+    <p:sldId id="275" r:id="rId22"/>
+    <p:sldId id="276" r:id="rId23"/>
+    <p:sldId id="277" r:id="rId24"/>
+    <p:sldId id="278" r:id="rId25"/>
+    <p:sldId id="260" r:id="rId26"/>
   </p:sldIdLst>
   <p:sldSz cx="12192000" cy="6858000"/>
   <p:notesSz cx="6858000" cy="9144000"/>
@@ -129,6 +131,11 @@
       </a:defRPr>
     </a:lvl9pPr>
   </p:defaultTextStyle>
+  <p:extLst>
+    <p:ext uri="{EFAFB233-063F-42B5-8137-9DF3F51BA10A}">
+      <p15:sldGuideLst xmlns:p15="http://schemas.microsoft.com/office/powerpoint/2012/main"/>
+    </p:ext>
+  </p:extLst>
 </p:presentation>
 </file>
 
@@ -214,7 +221,7 @@
           <a:p>
             <a:fld id="{38EDD49F-153A-4071-8B24-3ACC5FD8EC71}" type="datetimeFigureOut">
               <a:rPr lang="en-US" smtClean="0"/>
-              <a:t>3/22/2025</a:t>
+              <a:t>3/24/2025</a:t>
             </a:fld>
             <a:endParaRPr lang="en-US"/>
           </a:p>
@@ -628,7 +635,7 @@
           <a:p>
             <a:fld id="{F9689AB9-72E6-45E9-B020-77FC3D4E28B9}" type="datetimeFigureOut">
               <a:rPr lang="en-US" smtClean="0"/>
-              <a:t>3/22/2025</a:t>
+              <a:t>3/24/2025</a:t>
             </a:fld>
             <a:endParaRPr lang="en-US"/>
           </a:p>
@@ -826,7 +833,7 @@
           <a:p>
             <a:fld id="{F9689AB9-72E6-45E9-B020-77FC3D4E28B9}" type="datetimeFigureOut">
               <a:rPr lang="en-US" smtClean="0"/>
-              <a:t>3/22/2025</a:t>
+              <a:t>3/24/2025</a:t>
             </a:fld>
             <a:endParaRPr lang="en-US"/>
           </a:p>
@@ -1034,7 +1041,7 @@
           <a:p>
             <a:fld id="{F9689AB9-72E6-45E9-B020-77FC3D4E28B9}" type="datetimeFigureOut">
               <a:rPr lang="en-US" smtClean="0"/>
-              <a:t>3/22/2025</a:t>
+              <a:t>3/24/2025</a:t>
             </a:fld>
             <a:endParaRPr lang="en-US"/>
           </a:p>
@@ -1232,7 +1239,7 @@
           <a:p>
             <a:fld id="{F9689AB9-72E6-45E9-B020-77FC3D4E28B9}" type="datetimeFigureOut">
               <a:rPr lang="en-US" smtClean="0"/>
-              <a:t>3/22/2025</a:t>
+              <a:t>3/24/2025</a:t>
             </a:fld>
             <a:endParaRPr lang="en-US"/>
           </a:p>
@@ -1507,7 +1514,7 @@
           <a:p>
             <a:fld id="{F9689AB9-72E6-45E9-B020-77FC3D4E28B9}" type="datetimeFigureOut">
               <a:rPr lang="en-US" smtClean="0"/>
-              <a:t>3/22/2025</a:t>
+              <a:t>3/24/2025</a:t>
             </a:fld>
             <a:endParaRPr lang="en-US"/>
           </a:p>
@@ -1772,7 +1779,7 @@
           <a:p>
             <a:fld id="{F9689AB9-72E6-45E9-B020-77FC3D4E28B9}" type="datetimeFigureOut">
               <a:rPr lang="en-US" smtClean="0"/>
-              <a:t>3/22/2025</a:t>
+              <a:t>3/24/2025</a:t>
             </a:fld>
             <a:endParaRPr lang="en-US"/>
           </a:p>
@@ -2184,7 +2191,7 @@
           <a:p>
             <a:fld id="{F9689AB9-72E6-45E9-B020-77FC3D4E28B9}" type="datetimeFigureOut">
               <a:rPr lang="en-US" smtClean="0"/>
-              <a:t>3/22/2025</a:t>
+              <a:t>3/24/2025</a:t>
             </a:fld>
             <a:endParaRPr lang="en-US"/>
           </a:p>
@@ -2325,7 +2332,7 @@
           <a:p>
             <a:fld id="{F9689AB9-72E6-45E9-B020-77FC3D4E28B9}" type="datetimeFigureOut">
               <a:rPr lang="en-US" smtClean="0"/>
-              <a:t>3/22/2025</a:t>
+              <a:t>3/24/2025</a:t>
             </a:fld>
             <a:endParaRPr lang="en-US"/>
           </a:p>
@@ -2438,7 +2445,7 @@
           <a:p>
             <a:fld id="{F9689AB9-72E6-45E9-B020-77FC3D4E28B9}" type="datetimeFigureOut">
               <a:rPr lang="en-US" smtClean="0"/>
-              <a:t>3/22/2025</a:t>
+              <a:t>3/24/2025</a:t>
             </a:fld>
             <a:endParaRPr lang="en-US"/>
           </a:p>
@@ -2749,7 +2756,7 @@
           <a:p>
             <a:fld id="{F9689AB9-72E6-45E9-B020-77FC3D4E28B9}" type="datetimeFigureOut">
               <a:rPr lang="en-US" smtClean="0"/>
-              <a:t>3/22/2025</a:t>
+              <a:t>3/24/2025</a:t>
             </a:fld>
             <a:endParaRPr lang="en-US"/>
           </a:p>
@@ -3037,7 +3044,7 @@
           <a:p>
             <a:fld id="{F9689AB9-72E6-45E9-B020-77FC3D4E28B9}" type="datetimeFigureOut">
               <a:rPr lang="en-US" smtClean="0"/>
-              <a:t>3/22/2025</a:t>
+              <a:t>3/24/2025</a:t>
             </a:fld>
             <a:endParaRPr lang="en-US"/>
           </a:p>
@@ -3278,7 +3285,7 @@
           <a:p>
             <a:fld id="{F9689AB9-72E6-45E9-B020-77FC3D4E28B9}" type="datetimeFigureOut">
               <a:rPr lang="en-US" smtClean="0"/>
-              <a:t>3/22/2025</a:t>
+              <a:t>3/24/2025</a:t>
             </a:fld>
             <a:endParaRPr lang="en-US"/>
           </a:p>
@@ -3986,6 +3993,647 @@
         <p:cNvPr id="1" name="">
           <a:extLst>
             <a:ext uri="{FF2B5EF4-FFF2-40B4-BE49-F238E27FC236}">
+              <a16:creationId xmlns:a16="http://schemas.microsoft.com/office/drawing/2014/main" id="{9C18E758-ED1E-A5DA-D6EF-E9DF5C699923}"/>
+            </a:ext>
+          </a:extLst>
+        </p:cNvPr>
+        <p:cNvGrpSpPr/>
+        <p:nvPr/>
+      </p:nvGrpSpPr>
+      <p:grpSpPr>
+        <a:xfrm>
+          <a:off x="0" y="0"/>
+          <a:ext cx="0" cy="0"/>
+          <a:chOff x="0" y="0"/>
+          <a:chExt cx="0" cy="0"/>
+        </a:xfrm>
+      </p:grpSpPr>
+      <p:sp>
+        <p:nvSpPr>
+          <p:cNvPr id="6" name="Title 5">
+            <a:extLst>
+              <a:ext uri="{FF2B5EF4-FFF2-40B4-BE49-F238E27FC236}">
+                <a16:creationId xmlns:a16="http://schemas.microsoft.com/office/drawing/2014/main" id="{FA4C2B05-E648-9FA4-DCD7-B1EDB9F3BECF}"/>
+              </a:ext>
+            </a:extLst>
+          </p:cNvPr>
+          <p:cNvSpPr>
+            <a:spLocks noGrp="1"/>
+          </p:cNvSpPr>
+          <p:nvPr>
+            <p:ph type="title"/>
+          </p:nvPr>
+        </p:nvSpPr>
+        <p:spPr>
+          <a:xfrm>
+            <a:off x="838200" y="694547"/>
+            <a:ext cx="10515600" cy="1325563"/>
+          </a:xfrm>
+        </p:spPr>
+        <p:txBody>
+          <a:bodyPr/>
+          <a:lstStyle/>
+          <a:p>
+            <a:r>
+              <a:rPr lang="en-US" dirty="0"/>
+              <a:t>Compilers vs Interpreters</a:t>
+            </a:r>
+          </a:p>
+        </p:txBody>
+      </p:sp>
+      <p:sp>
+        <p:nvSpPr>
+          <p:cNvPr id="7" name="Content Placeholder 6">
+            <a:extLst>
+              <a:ext uri="{FF2B5EF4-FFF2-40B4-BE49-F238E27FC236}">
+                <a16:creationId xmlns:a16="http://schemas.microsoft.com/office/drawing/2014/main" id="{D368607E-2AAD-DBDE-9480-8D578F7AC080}"/>
+              </a:ext>
+            </a:extLst>
+          </p:cNvPr>
+          <p:cNvSpPr>
+            <a:spLocks noGrp="1"/>
+          </p:cNvSpPr>
+          <p:nvPr>
+            <p:ph idx="1"/>
+          </p:nvPr>
+        </p:nvSpPr>
+        <p:spPr>
+          <a:xfrm>
+            <a:off x="838200" y="2254763"/>
+            <a:ext cx="10515600" cy="3922201"/>
+          </a:xfrm>
+        </p:spPr>
+        <p:txBody>
+          <a:bodyPr/>
+          <a:lstStyle/>
+          <a:p>
+            <a:r>
+              <a:rPr lang="en-US" dirty="0"/>
+              <a:t>U can write an </a:t>
+            </a:r>
+            <a:r>
+              <a:rPr lang="en-US" dirty="0">
+                <a:solidFill>
+                  <a:schemeClr val="accent2"/>
+                </a:solidFill>
+              </a:rPr>
+              <a:t>interpreter for C </a:t>
+            </a:r>
+            <a:r>
+              <a:rPr lang="en-US" dirty="0"/>
+              <a:t>and a </a:t>
+            </a:r>
+            <a:r>
+              <a:rPr lang="en-US" dirty="0">
+                <a:solidFill>
+                  <a:schemeClr val="accent1"/>
+                </a:solidFill>
+              </a:rPr>
+              <a:t>compiler for JavaScript</a:t>
+            </a:r>
+            <a:r>
+              <a:rPr lang="en-US" dirty="0"/>
+              <a:t>.</a:t>
+            </a:r>
+          </a:p>
+          <a:p>
+            <a:endParaRPr lang="en-US" dirty="0"/>
+          </a:p>
+        </p:txBody>
+      </p:sp>
+      <p:sp>
+        <p:nvSpPr>
+          <p:cNvPr id="4" name="Rectangle 3">
+            <a:extLst>
+              <a:ext uri="{FF2B5EF4-FFF2-40B4-BE49-F238E27FC236}">
+                <a16:creationId xmlns:a16="http://schemas.microsoft.com/office/drawing/2014/main" id="{F233A266-49F8-6F15-9B2E-4BDFA08D628A}"/>
+              </a:ext>
+            </a:extLst>
+          </p:cNvPr>
+          <p:cNvSpPr/>
+          <p:nvPr/>
+        </p:nvSpPr>
+        <p:spPr>
+          <a:xfrm>
+            <a:off x="0" y="0"/>
+            <a:ext cx="12192000" cy="468086"/>
+          </a:xfrm>
+          <a:prstGeom prst="rect">
+            <a:avLst/>
+          </a:prstGeom>
+          <a:solidFill>
+            <a:schemeClr val="bg2"/>
+          </a:solidFill>
+          <a:ln>
+            <a:noFill/>
+          </a:ln>
+        </p:spPr>
+        <p:style>
+          <a:lnRef idx="2">
+            <a:schemeClr val="accent1">
+              <a:shade val="15000"/>
+            </a:schemeClr>
+          </a:lnRef>
+          <a:fillRef idx="1">
+            <a:schemeClr val="accent1"/>
+          </a:fillRef>
+          <a:effectRef idx="0">
+            <a:schemeClr val="accent1"/>
+          </a:effectRef>
+          <a:fontRef idx="minor">
+            <a:schemeClr val="lt1"/>
+          </a:fontRef>
+        </p:style>
+        <p:txBody>
+          <a:bodyPr rtlCol="0" anchor="ctr"/>
+          <a:lstStyle/>
+          <a:p>
+            <a:pPr algn="ctr"/>
+            <a:endParaRPr lang="en-US" sz="1351"/>
+          </a:p>
+        </p:txBody>
+      </p:sp>
+      <p:sp>
+        <p:nvSpPr>
+          <p:cNvPr id="5" name="Oval 4">
+            <a:extLst>
+              <a:ext uri="{FF2B5EF4-FFF2-40B4-BE49-F238E27FC236}">
+                <a16:creationId xmlns:a16="http://schemas.microsoft.com/office/drawing/2014/main" id="{6C2DB65A-3098-E41E-5444-5D4FDADFAAB2}"/>
+              </a:ext>
+            </a:extLst>
+          </p:cNvPr>
+          <p:cNvSpPr/>
+          <p:nvPr/>
+        </p:nvSpPr>
+        <p:spPr>
+          <a:xfrm>
+            <a:off x="129189" y="108651"/>
+            <a:ext cx="246109" cy="250784"/>
+          </a:xfrm>
+          <a:prstGeom prst="ellipse">
+            <a:avLst/>
+          </a:prstGeom>
+          <a:solidFill>
+            <a:schemeClr val="accent1"/>
+          </a:solidFill>
+          <a:ln>
+            <a:noFill/>
+          </a:ln>
+        </p:spPr>
+        <p:style>
+          <a:lnRef idx="2">
+            <a:schemeClr val="accent1">
+              <a:shade val="15000"/>
+            </a:schemeClr>
+          </a:lnRef>
+          <a:fillRef idx="1">
+            <a:schemeClr val="accent1"/>
+          </a:fillRef>
+          <a:effectRef idx="0">
+            <a:schemeClr val="accent1"/>
+          </a:effectRef>
+          <a:fontRef idx="minor">
+            <a:schemeClr val="lt1"/>
+          </a:fontRef>
+        </p:style>
+        <p:txBody>
+          <a:bodyPr rtlCol="0" anchor="ctr"/>
+          <a:lstStyle/>
+          <a:p>
+            <a:pPr algn="ctr"/>
+            <a:endParaRPr lang="en-US"/>
+          </a:p>
+        </p:txBody>
+      </p:sp>
+      <p:sp>
+        <p:nvSpPr>
+          <p:cNvPr id="8" name="Oval 7">
+            <a:extLst>
+              <a:ext uri="{FF2B5EF4-FFF2-40B4-BE49-F238E27FC236}">
+                <a16:creationId xmlns:a16="http://schemas.microsoft.com/office/drawing/2014/main" id="{E833ED17-7925-7B42-2DA8-68FFB1A203C0}"/>
+              </a:ext>
+            </a:extLst>
+          </p:cNvPr>
+          <p:cNvSpPr/>
+          <p:nvPr/>
+        </p:nvSpPr>
+        <p:spPr>
+          <a:xfrm>
+            <a:off x="504487" y="113785"/>
+            <a:ext cx="246109" cy="250784"/>
+          </a:xfrm>
+          <a:prstGeom prst="ellipse">
+            <a:avLst/>
+          </a:prstGeom>
+          <a:solidFill>
+            <a:schemeClr val="accent3"/>
+          </a:solidFill>
+          <a:ln>
+            <a:noFill/>
+          </a:ln>
+        </p:spPr>
+        <p:style>
+          <a:lnRef idx="2">
+            <a:schemeClr val="accent1">
+              <a:shade val="15000"/>
+            </a:schemeClr>
+          </a:lnRef>
+          <a:fillRef idx="1">
+            <a:schemeClr val="accent1"/>
+          </a:fillRef>
+          <a:effectRef idx="0">
+            <a:schemeClr val="accent1"/>
+          </a:effectRef>
+          <a:fontRef idx="minor">
+            <a:schemeClr val="lt1"/>
+          </a:fontRef>
+        </p:style>
+        <p:txBody>
+          <a:bodyPr rtlCol="0" anchor="ctr"/>
+          <a:lstStyle/>
+          <a:p>
+            <a:pPr algn="ctr"/>
+            <a:endParaRPr lang="en-US"/>
+          </a:p>
+        </p:txBody>
+      </p:sp>
+      <p:sp>
+        <p:nvSpPr>
+          <p:cNvPr id="9" name="Oval 8">
+            <a:extLst>
+              <a:ext uri="{FF2B5EF4-FFF2-40B4-BE49-F238E27FC236}">
+                <a16:creationId xmlns:a16="http://schemas.microsoft.com/office/drawing/2014/main" id="{649FFE16-93D7-CFAB-2B7F-C225D824A923}"/>
+              </a:ext>
+            </a:extLst>
+          </p:cNvPr>
+          <p:cNvSpPr/>
+          <p:nvPr/>
+        </p:nvSpPr>
+        <p:spPr>
+          <a:xfrm>
+            <a:off x="879785" y="108651"/>
+            <a:ext cx="246109" cy="250784"/>
+          </a:xfrm>
+          <a:prstGeom prst="ellipse">
+            <a:avLst/>
+          </a:prstGeom>
+          <a:solidFill>
+            <a:schemeClr val="accent2"/>
+          </a:solidFill>
+          <a:ln>
+            <a:noFill/>
+          </a:ln>
+        </p:spPr>
+        <p:style>
+          <a:lnRef idx="2">
+            <a:schemeClr val="accent1">
+              <a:shade val="15000"/>
+            </a:schemeClr>
+          </a:lnRef>
+          <a:fillRef idx="1">
+            <a:schemeClr val="accent1"/>
+          </a:fillRef>
+          <a:effectRef idx="0">
+            <a:schemeClr val="accent1"/>
+          </a:effectRef>
+          <a:fontRef idx="minor">
+            <a:schemeClr val="lt1"/>
+          </a:fontRef>
+        </p:style>
+        <p:txBody>
+          <a:bodyPr rtlCol="0" anchor="ctr"/>
+          <a:lstStyle/>
+          <a:p>
+            <a:pPr algn="ctr"/>
+            <a:endParaRPr lang="en-US"/>
+          </a:p>
+        </p:txBody>
+      </p:sp>
+    </p:spTree>
+    <p:extLst>
+      <p:ext uri="{BB962C8B-B14F-4D97-AF65-F5344CB8AC3E}">
+        <p14:creationId xmlns:p14="http://schemas.microsoft.com/office/powerpoint/2010/main" val="3444062210"/>
+      </p:ext>
+    </p:extLst>
+  </p:cSld>
+  <p:clrMapOvr>
+    <a:masterClrMapping/>
+  </p:clrMapOvr>
+</p:sld>
+</file>
+
+<file path=ppt/slides/slide11.xml><?xml version="1.0" encoding="utf-8"?>
+<p:sld xmlns:a="http://schemas.openxmlformats.org/drawingml/2006/main" xmlns:r="http://schemas.openxmlformats.org/officeDocument/2006/relationships" xmlns:p="http://schemas.openxmlformats.org/presentationml/2006/main">
+  <p:cSld>
+    <p:spTree>
+      <p:nvGrpSpPr>
+        <p:cNvPr id="1" name="">
+          <a:extLst>
+            <a:ext uri="{FF2B5EF4-FFF2-40B4-BE49-F238E27FC236}">
+              <a16:creationId xmlns:a16="http://schemas.microsoft.com/office/drawing/2014/main" id="{70A4F220-17DE-BFD1-4E2A-E2C805F5751E}"/>
+            </a:ext>
+          </a:extLst>
+        </p:cNvPr>
+        <p:cNvGrpSpPr/>
+        <p:nvPr/>
+      </p:nvGrpSpPr>
+      <p:grpSpPr>
+        <a:xfrm>
+          <a:off x="0" y="0"/>
+          <a:ext cx="0" cy="0"/>
+          <a:chOff x="0" y="0"/>
+          <a:chExt cx="0" cy="0"/>
+        </a:xfrm>
+      </p:grpSpPr>
+      <p:sp>
+        <p:nvSpPr>
+          <p:cNvPr id="6" name="Title 5">
+            <a:extLst>
+              <a:ext uri="{FF2B5EF4-FFF2-40B4-BE49-F238E27FC236}">
+                <a16:creationId xmlns:a16="http://schemas.microsoft.com/office/drawing/2014/main" id="{5FD2C2E1-629C-2EFC-7526-E34BD33C1D86}"/>
+              </a:ext>
+            </a:extLst>
+          </p:cNvPr>
+          <p:cNvSpPr>
+            <a:spLocks noGrp="1"/>
+          </p:cNvSpPr>
+          <p:nvPr>
+            <p:ph type="title"/>
+          </p:nvPr>
+        </p:nvSpPr>
+        <p:spPr>
+          <a:xfrm>
+            <a:off x="838200" y="694547"/>
+            <a:ext cx="10515600" cy="1325563"/>
+          </a:xfrm>
+        </p:spPr>
+        <p:txBody>
+          <a:bodyPr/>
+          <a:lstStyle/>
+          <a:p>
+            <a:endParaRPr lang="en-US" dirty="0"/>
+          </a:p>
+        </p:txBody>
+      </p:sp>
+      <p:sp>
+        <p:nvSpPr>
+          <p:cNvPr id="7" name="Content Placeholder 6">
+            <a:extLst>
+              <a:ext uri="{FF2B5EF4-FFF2-40B4-BE49-F238E27FC236}">
+                <a16:creationId xmlns:a16="http://schemas.microsoft.com/office/drawing/2014/main" id="{BA86D30A-6E0F-9FB8-81FD-C98C27A34953}"/>
+              </a:ext>
+            </a:extLst>
+          </p:cNvPr>
+          <p:cNvSpPr>
+            <a:spLocks noGrp="1"/>
+          </p:cNvSpPr>
+          <p:nvPr>
+            <p:ph idx="1"/>
+          </p:nvPr>
+        </p:nvSpPr>
+        <p:spPr>
+          <a:xfrm>
+            <a:off x="838200" y="2254763"/>
+            <a:ext cx="10515600" cy="3922201"/>
+          </a:xfrm>
+        </p:spPr>
+        <p:txBody>
+          <a:bodyPr/>
+          <a:lstStyle/>
+          <a:p>
+            <a:endParaRPr lang="en-US" dirty="0"/>
+          </a:p>
+        </p:txBody>
+      </p:sp>
+      <p:sp>
+        <p:nvSpPr>
+          <p:cNvPr id="4" name="Rectangle 3">
+            <a:extLst>
+              <a:ext uri="{FF2B5EF4-FFF2-40B4-BE49-F238E27FC236}">
+                <a16:creationId xmlns:a16="http://schemas.microsoft.com/office/drawing/2014/main" id="{E0EF9C6A-3957-454C-23B7-0CE40D98EFA6}"/>
+              </a:ext>
+            </a:extLst>
+          </p:cNvPr>
+          <p:cNvSpPr/>
+          <p:nvPr/>
+        </p:nvSpPr>
+        <p:spPr>
+          <a:xfrm>
+            <a:off x="0" y="0"/>
+            <a:ext cx="12192000" cy="468086"/>
+          </a:xfrm>
+          <a:prstGeom prst="rect">
+            <a:avLst/>
+          </a:prstGeom>
+          <a:solidFill>
+            <a:schemeClr val="bg2"/>
+          </a:solidFill>
+          <a:ln>
+            <a:noFill/>
+          </a:ln>
+        </p:spPr>
+        <p:style>
+          <a:lnRef idx="2">
+            <a:schemeClr val="accent1">
+              <a:shade val="15000"/>
+            </a:schemeClr>
+          </a:lnRef>
+          <a:fillRef idx="1">
+            <a:schemeClr val="accent1"/>
+          </a:fillRef>
+          <a:effectRef idx="0">
+            <a:schemeClr val="accent1"/>
+          </a:effectRef>
+          <a:fontRef idx="minor">
+            <a:schemeClr val="lt1"/>
+          </a:fontRef>
+        </p:style>
+        <p:txBody>
+          <a:bodyPr rtlCol="0" anchor="ctr"/>
+          <a:lstStyle/>
+          <a:p>
+            <a:pPr algn="ctr"/>
+            <a:endParaRPr lang="en-US" sz="1351"/>
+          </a:p>
+        </p:txBody>
+      </p:sp>
+      <p:sp>
+        <p:nvSpPr>
+          <p:cNvPr id="5" name="Oval 4">
+            <a:extLst>
+              <a:ext uri="{FF2B5EF4-FFF2-40B4-BE49-F238E27FC236}">
+                <a16:creationId xmlns:a16="http://schemas.microsoft.com/office/drawing/2014/main" id="{26F85CDD-6BF6-A203-C6A8-27CB68893FE8}"/>
+              </a:ext>
+            </a:extLst>
+          </p:cNvPr>
+          <p:cNvSpPr/>
+          <p:nvPr/>
+        </p:nvSpPr>
+        <p:spPr>
+          <a:xfrm>
+            <a:off x="129189" y="108651"/>
+            <a:ext cx="246109" cy="250784"/>
+          </a:xfrm>
+          <a:prstGeom prst="ellipse">
+            <a:avLst/>
+          </a:prstGeom>
+          <a:solidFill>
+            <a:schemeClr val="accent1"/>
+          </a:solidFill>
+          <a:ln>
+            <a:noFill/>
+          </a:ln>
+        </p:spPr>
+        <p:style>
+          <a:lnRef idx="2">
+            <a:schemeClr val="accent1">
+              <a:shade val="15000"/>
+            </a:schemeClr>
+          </a:lnRef>
+          <a:fillRef idx="1">
+            <a:schemeClr val="accent1"/>
+          </a:fillRef>
+          <a:effectRef idx="0">
+            <a:schemeClr val="accent1"/>
+          </a:effectRef>
+          <a:fontRef idx="minor">
+            <a:schemeClr val="lt1"/>
+          </a:fontRef>
+        </p:style>
+        <p:txBody>
+          <a:bodyPr rtlCol="0" anchor="ctr"/>
+          <a:lstStyle/>
+          <a:p>
+            <a:pPr algn="ctr"/>
+            <a:endParaRPr lang="en-US"/>
+          </a:p>
+        </p:txBody>
+      </p:sp>
+      <p:sp>
+        <p:nvSpPr>
+          <p:cNvPr id="8" name="Oval 7">
+            <a:extLst>
+              <a:ext uri="{FF2B5EF4-FFF2-40B4-BE49-F238E27FC236}">
+                <a16:creationId xmlns:a16="http://schemas.microsoft.com/office/drawing/2014/main" id="{4CC06E3F-3519-7120-AACE-852B894664D6}"/>
+              </a:ext>
+            </a:extLst>
+          </p:cNvPr>
+          <p:cNvSpPr/>
+          <p:nvPr/>
+        </p:nvSpPr>
+        <p:spPr>
+          <a:xfrm>
+            <a:off x="504487" y="113785"/>
+            <a:ext cx="246109" cy="250784"/>
+          </a:xfrm>
+          <a:prstGeom prst="ellipse">
+            <a:avLst/>
+          </a:prstGeom>
+          <a:solidFill>
+            <a:schemeClr val="accent3"/>
+          </a:solidFill>
+          <a:ln>
+            <a:noFill/>
+          </a:ln>
+        </p:spPr>
+        <p:style>
+          <a:lnRef idx="2">
+            <a:schemeClr val="accent1">
+              <a:shade val="15000"/>
+            </a:schemeClr>
+          </a:lnRef>
+          <a:fillRef idx="1">
+            <a:schemeClr val="accent1"/>
+          </a:fillRef>
+          <a:effectRef idx="0">
+            <a:schemeClr val="accent1"/>
+          </a:effectRef>
+          <a:fontRef idx="minor">
+            <a:schemeClr val="lt1"/>
+          </a:fontRef>
+        </p:style>
+        <p:txBody>
+          <a:bodyPr rtlCol="0" anchor="ctr"/>
+          <a:lstStyle/>
+          <a:p>
+            <a:pPr algn="ctr"/>
+            <a:endParaRPr lang="en-US"/>
+          </a:p>
+        </p:txBody>
+      </p:sp>
+      <p:sp>
+        <p:nvSpPr>
+          <p:cNvPr id="9" name="Oval 8">
+            <a:extLst>
+              <a:ext uri="{FF2B5EF4-FFF2-40B4-BE49-F238E27FC236}">
+                <a16:creationId xmlns:a16="http://schemas.microsoft.com/office/drawing/2014/main" id="{9655CCD7-DB86-D1B0-89C3-AC93B1DA49B4}"/>
+              </a:ext>
+            </a:extLst>
+          </p:cNvPr>
+          <p:cNvSpPr/>
+          <p:nvPr/>
+        </p:nvSpPr>
+        <p:spPr>
+          <a:xfrm>
+            <a:off x="879785" y="108651"/>
+            <a:ext cx="246109" cy="250784"/>
+          </a:xfrm>
+          <a:prstGeom prst="ellipse">
+            <a:avLst/>
+          </a:prstGeom>
+          <a:solidFill>
+            <a:schemeClr val="accent2"/>
+          </a:solidFill>
+          <a:ln>
+            <a:noFill/>
+          </a:ln>
+        </p:spPr>
+        <p:style>
+          <a:lnRef idx="2">
+            <a:schemeClr val="accent1">
+              <a:shade val="15000"/>
+            </a:schemeClr>
+          </a:lnRef>
+          <a:fillRef idx="1">
+            <a:schemeClr val="accent1"/>
+          </a:fillRef>
+          <a:effectRef idx="0">
+            <a:schemeClr val="accent1"/>
+          </a:effectRef>
+          <a:fontRef idx="minor">
+            <a:schemeClr val="lt1"/>
+          </a:fontRef>
+        </p:style>
+        <p:txBody>
+          <a:bodyPr rtlCol="0" anchor="ctr"/>
+          <a:lstStyle/>
+          <a:p>
+            <a:pPr algn="ctr"/>
+            <a:endParaRPr lang="en-US"/>
+          </a:p>
+        </p:txBody>
+      </p:sp>
+    </p:spTree>
+    <p:extLst>
+      <p:ext uri="{BB962C8B-B14F-4D97-AF65-F5344CB8AC3E}">
+        <p14:creationId xmlns:p14="http://schemas.microsoft.com/office/powerpoint/2010/main" val="1522722365"/>
+      </p:ext>
+    </p:extLst>
+  </p:cSld>
+  <p:clrMapOvr>
+    <a:masterClrMapping/>
+  </p:clrMapOvr>
+</p:sld>
+</file>
+
+<file path=ppt/slides/slide12.xml><?xml version="1.0" encoding="utf-8"?>
+<p:sld xmlns:a="http://schemas.openxmlformats.org/drawingml/2006/main" xmlns:r="http://schemas.openxmlformats.org/officeDocument/2006/relationships" xmlns:p="http://schemas.openxmlformats.org/presentationml/2006/main">
+  <p:cSld>
+    <p:spTree>
+      <p:nvGrpSpPr>
+        <p:cNvPr id="1" name="">
+          <a:extLst>
+            <a:ext uri="{FF2B5EF4-FFF2-40B4-BE49-F238E27FC236}">
               <a16:creationId xmlns:a16="http://schemas.microsoft.com/office/drawing/2014/main" id="{B0E4BF3A-BF04-1630-96B5-3D9177106770}"/>
             </a:ext>
           </a:extLst>
@@ -4285,7 +4933,7 @@
 </p:sld>
 </file>
 
-<file path=ppt/slides/slide11.xml><?xml version="1.0" encoding="utf-8"?>
+<file path=ppt/slides/slide13.xml><?xml version="1.0" encoding="utf-8"?>
 <p:sld xmlns:a="http://schemas.openxmlformats.org/drawingml/2006/main" xmlns:r="http://schemas.openxmlformats.org/officeDocument/2006/relationships" xmlns:p="http://schemas.openxmlformats.org/presentationml/2006/main">
   <p:cSld>
     <p:spTree>
@@ -4592,7 +5240,7 @@
 </p:sld>
 </file>
 
-<file path=ppt/slides/slide12.xml><?xml version="1.0" encoding="utf-8"?>
+<file path=ppt/slides/slide14.xml><?xml version="1.0" encoding="utf-8"?>
 <p:sld xmlns:a="http://schemas.openxmlformats.org/drawingml/2006/main" xmlns:r="http://schemas.openxmlformats.org/officeDocument/2006/relationships" xmlns:p="http://schemas.openxmlformats.org/presentationml/2006/main">
   <p:cSld>
     <p:spTree>
@@ -4896,7 +5544,7 @@
 </p:sld>
 </file>
 
-<file path=ppt/slides/slide13.xml><?xml version="1.0" encoding="utf-8"?>
+<file path=ppt/slides/slide15.xml><?xml version="1.0" encoding="utf-8"?>
 <p:sld xmlns:a="http://schemas.openxmlformats.org/drawingml/2006/main" xmlns:r="http://schemas.openxmlformats.org/officeDocument/2006/relationships" xmlns:p="http://schemas.openxmlformats.org/presentationml/2006/main">
   <p:cSld>
     <p:spTree>
@@ -5200,7 +5848,7 @@
 </p:sld>
 </file>
 
-<file path=ppt/slides/slide14.xml><?xml version="1.0" encoding="utf-8"?>
+<file path=ppt/slides/slide16.xml><?xml version="1.0" encoding="utf-8"?>
 <p:sld xmlns:a="http://schemas.openxmlformats.org/drawingml/2006/main" xmlns:r="http://schemas.openxmlformats.org/officeDocument/2006/relationships" xmlns:p="http://schemas.openxmlformats.org/presentationml/2006/main">
   <p:cSld>
     <p:spTree>
@@ -5504,7 +6152,7 @@
 </p:sld>
 </file>
 
-<file path=ppt/slides/slide15.xml><?xml version="1.0" encoding="utf-8"?>
+<file path=ppt/slides/slide17.xml><?xml version="1.0" encoding="utf-8"?>
 <p:sld xmlns:a="http://schemas.openxmlformats.org/drawingml/2006/main" xmlns:r="http://schemas.openxmlformats.org/officeDocument/2006/relationships" xmlns:p="http://schemas.openxmlformats.org/presentationml/2006/main">
   <p:cSld>
     <p:spTree>
@@ -5808,7 +6456,7 @@
 </p:sld>
 </file>
 
-<file path=ppt/slides/slide16.xml><?xml version="1.0" encoding="utf-8"?>
+<file path=ppt/slides/slide18.xml><?xml version="1.0" encoding="utf-8"?>
 <p:sld xmlns:a="http://schemas.openxmlformats.org/drawingml/2006/main" xmlns:r="http://schemas.openxmlformats.org/officeDocument/2006/relationships" xmlns:p="http://schemas.openxmlformats.org/presentationml/2006/main">
   <p:cSld>
     <p:spTree>
@@ -6115,7 +6763,7 @@
 </p:sld>
 </file>
 
-<file path=ppt/slides/slide17.xml><?xml version="1.0" encoding="utf-8"?>
+<file path=ppt/slides/slide19.xml><?xml version="1.0" encoding="utf-8"?>
 <p:sld xmlns:a="http://schemas.openxmlformats.org/drawingml/2006/main" xmlns:r="http://schemas.openxmlformats.org/officeDocument/2006/relationships" xmlns:p="http://schemas.openxmlformats.org/presentationml/2006/main">
   <p:cSld>
     <p:spTree>
@@ -6410,614 +7058,6 @@
     <p:extLst>
       <p:ext uri="{BB962C8B-B14F-4D97-AF65-F5344CB8AC3E}">
         <p14:creationId xmlns:p14="http://schemas.microsoft.com/office/powerpoint/2010/main" val="3040051952"/>
-      </p:ext>
-    </p:extLst>
-  </p:cSld>
-  <p:clrMapOvr>
-    <a:masterClrMapping/>
-  </p:clrMapOvr>
-</p:sld>
-</file>
-
-<file path=ppt/slides/slide18.xml><?xml version="1.0" encoding="utf-8"?>
-<p:sld xmlns:a="http://schemas.openxmlformats.org/drawingml/2006/main" xmlns:r="http://schemas.openxmlformats.org/officeDocument/2006/relationships" xmlns:p="http://schemas.openxmlformats.org/presentationml/2006/main">
-  <p:cSld>
-    <p:spTree>
-      <p:nvGrpSpPr>
-        <p:cNvPr id="1" name="">
-          <a:extLst>
-            <a:ext uri="{FF2B5EF4-FFF2-40B4-BE49-F238E27FC236}">
-              <a16:creationId xmlns:a16="http://schemas.microsoft.com/office/drawing/2014/main" id="{E270BC7D-9A45-3697-43B3-65F2DB2FAEC3}"/>
-            </a:ext>
-          </a:extLst>
-        </p:cNvPr>
-        <p:cNvGrpSpPr/>
-        <p:nvPr/>
-      </p:nvGrpSpPr>
-      <p:grpSpPr>
-        <a:xfrm>
-          <a:off x="0" y="0"/>
-          <a:ext cx="0" cy="0"/>
-          <a:chOff x="0" y="0"/>
-          <a:chExt cx="0" cy="0"/>
-        </a:xfrm>
-      </p:grpSpPr>
-      <p:sp>
-        <p:nvSpPr>
-          <p:cNvPr id="6" name="Title 5">
-            <a:extLst>
-              <a:ext uri="{FF2B5EF4-FFF2-40B4-BE49-F238E27FC236}">
-                <a16:creationId xmlns:a16="http://schemas.microsoft.com/office/drawing/2014/main" id="{F39F9076-49A8-2E00-699B-EC1A8710713C}"/>
-              </a:ext>
-            </a:extLst>
-          </p:cNvPr>
-          <p:cNvSpPr>
-            <a:spLocks noGrp="1"/>
-          </p:cNvSpPr>
-          <p:nvPr>
-            <p:ph type="title"/>
-          </p:nvPr>
-        </p:nvSpPr>
-        <p:spPr>
-          <a:xfrm>
-            <a:off x="838200" y="694547"/>
-            <a:ext cx="10515600" cy="1325563"/>
-          </a:xfrm>
-        </p:spPr>
-        <p:txBody>
-          <a:bodyPr/>
-          <a:lstStyle/>
-          <a:p>
-            <a:endParaRPr lang="en-US" dirty="0"/>
-          </a:p>
-        </p:txBody>
-      </p:sp>
-      <p:sp>
-        <p:nvSpPr>
-          <p:cNvPr id="7" name="Content Placeholder 6">
-            <a:extLst>
-              <a:ext uri="{FF2B5EF4-FFF2-40B4-BE49-F238E27FC236}">
-                <a16:creationId xmlns:a16="http://schemas.microsoft.com/office/drawing/2014/main" id="{1A8E1FB8-C8B4-E33B-7791-E5E22359ACF6}"/>
-              </a:ext>
-            </a:extLst>
-          </p:cNvPr>
-          <p:cNvSpPr>
-            <a:spLocks noGrp="1"/>
-          </p:cNvSpPr>
-          <p:nvPr>
-            <p:ph idx="1"/>
-          </p:nvPr>
-        </p:nvSpPr>
-        <p:spPr>
-          <a:xfrm>
-            <a:off x="838200" y="2254763"/>
-            <a:ext cx="10515600" cy="3922201"/>
-          </a:xfrm>
-        </p:spPr>
-        <p:txBody>
-          <a:bodyPr/>
-          <a:lstStyle/>
-          <a:p>
-            <a:endParaRPr lang="en-US" dirty="0"/>
-          </a:p>
-        </p:txBody>
-      </p:sp>
-      <p:sp>
-        <p:nvSpPr>
-          <p:cNvPr id="4" name="Rectangle 3">
-            <a:extLst>
-              <a:ext uri="{FF2B5EF4-FFF2-40B4-BE49-F238E27FC236}">
-                <a16:creationId xmlns:a16="http://schemas.microsoft.com/office/drawing/2014/main" id="{75DC3E03-43BB-B308-7A03-4DE02C810697}"/>
-              </a:ext>
-            </a:extLst>
-          </p:cNvPr>
-          <p:cNvSpPr/>
-          <p:nvPr/>
-        </p:nvSpPr>
-        <p:spPr>
-          <a:xfrm>
-            <a:off x="0" y="0"/>
-            <a:ext cx="12192000" cy="468086"/>
-          </a:xfrm>
-          <a:prstGeom prst="rect">
-            <a:avLst/>
-          </a:prstGeom>
-          <a:solidFill>
-            <a:schemeClr val="bg2"/>
-          </a:solidFill>
-          <a:ln>
-            <a:noFill/>
-          </a:ln>
-        </p:spPr>
-        <p:style>
-          <a:lnRef idx="2">
-            <a:schemeClr val="accent1">
-              <a:shade val="15000"/>
-            </a:schemeClr>
-          </a:lnRef>
-          <a:fillRef idx="1">
-            <a:schemeClr val="accent1"/>
-          </a:fillRef>
-          <a:effectRef idx="0">
-            <a:schemeClr val="accent1"/>
-          </a:effectRef>
-          <a:fontRef idx="minor">
-            <a:schemeClr val="lt1"/>
-          </a:fontRef>
-        </p:style>
-        <p:txBody>
-          <a:bodyPr rtlCol="0" anchor="ctr"/>
-          <a:lstStyle/>
-          <a:p>
-            <a:pPr algn="ctr"/>
-            <a:endParaRPr lang="en-US" sz="1351"/>
-          </a:p>
-        </p:txBody>
-      </p:sp>
-      <p:sp>
-        <p:nvSpPr>
-          <p:cNvPr id="5" name="Oval 4">
-            <a:extLst>
-              <a:ext uri="{FF2B5EF4-FFF2-40B4-BE49-F238E27FC236}">
-                <a16:creationId xmlns:a16="http://schemas.microsoft.com/office/drawing/2014/main" id="{7EEFF97A-548A-7A29-944A-F432CFC8908D}"/>
-              </a:ext>
-            </a:extLst>
-          </p:cNvPr>
-          <p:cNvSpPr/>
-          <p:nvPr/>
-        </p:nvSpPr>
-        <p:spPr>
-          <a:xfrm>
-            <a:off x="129189" y="108651"/>
-            <a:ext cx="246109" cy="250784"/>
-          </a:xfrm>
-          <a:prstGeom prst="ellipse">
-            <a:avLst/>
-          </a:prstGeom>
-          <a:solidFill>
-            <a:schemeClr val="accent1"/>
-          </a:solidFill>
-          <a:ln>
-            <a:noFill/>
-          </a:ln>
-        </p:spPr>
-        <p:style>
-          <a:lnRef idx="2">
-            <a:schemeClr val="accent1">
-              <a:shade val="15000"/>
-            </a:schemeClr>
-          </a:lnRef>
-          <a:fillRef idx="1">
-            <a:schemeClr val="accent1"/>
-          </a:fillRef>
-          <a:effectRef idx="0">
-            <a:schemeClr val="accent1"/>
-          </a:effectRef>
-          <a:fontRef idx="minor">
-            <a:schemeClr val="lt1"/>
-          </a:fontRef>
-        </p:style>
-        <p:txBody>
-          <a:bodyPr rtlCol="0" anchor="ctr"/>
-          <a:lstStyle/>
-          <a:p>
-            <a:pPr algn="ctr"/>
-            <a:endParaRPr lang="en-US"/>
-          </a:p>
-        </p:txBody>
-      </p:sp>
-      <p:sp>
-        <p:nvSpPr>
-          <p:cNvPr id="8" name="Oval 7">
-            <a:extLst>
-              <a:ext uri="{FF2B5EF4-FFF2-40B4-BE49-F238E27FC236}">
-                <a16:creationId xmlns:a16="http://schemas.microsoft.com/office/drawing/2014/main" id="{0F7C0D55-1705-9686-E38D-532FFDD45CF5}"/>
-              </a:ext>
-            </a:extLst>
-          </p:cNvPr>
-          <p:cNvSpPr/>
-          <p:nvPr/>
-        </p:nvSpPr>
-        <p:spPr>
-          <a:xfrm>
-            <a:off x="504487" y="113785"/>
-            <a:ext cx="246109" cy="250784"/>
-          </a:xfrm>
-          <a:prstGeom prst="ellipse">
-            <a:avLst/>
-          </a:prstGeom>
-          <a:solidFill>
-            <a:schemeClr val="accent3"/>
-          </a:solidFill>
-          <a:ln>
-            <a:noFill/>
-          </a:ln>
-        </p:spPr>
-        <p:style>
-          <a:lnRef idx="2">
-            <a:schemeClr val="accent1">
-              <a:shade val="15000"/>
-            </a:schemeClr>
-          </a:lnRef>
-          <a:fillRef idx="1">
-            <a:schemeClr val="accent1"/>
-          </a:fillRef>
-          <a:effectRef idx="0">
-            <a:schemeClr val="accent1"/>
-          </a:effectRef>
-          <a:fontRef idx="minor">
-            <a:schemeClr val="lt1"/>
-          </a:fontRef>
-        </p:style>
-        <p:txBody>
-          <a:bodyPr rtlCol="0" anchor="ctr"/>
-          <a:lstStyle/>
-          <a:p>
-            <a:pPr algn="ctr"/>
-            <a:endParaRPr lang="en-US"/>
-          </a:p>
-        </p:txBody>
-      </p:sp>
-      <p:sp>
-        <p:nvSpPr>
-          <p:cNvPr id="9" name="Oval 8">
-            <a:extLst>
-              <a:ext uri="{FF2B5EF4-FFF2-40B4-BE49-F238E27FC236}">
-                <a16:creationId xmlns:a16="http://schemas.microsoft.com/office/drawing/2014/main" id="{6AFD2D3A-491F-85C2-191F-50D1C979132D}"/>
-              </a:ext>
-            </a:extLst>
-          </p:cNvPr>
-          <p:cNvSpPr/>
-          <p:nvPr/>
-        </p:nvSpPr>
-        <p:spPr>
-          <a:xfrm>
-            <a:off x="879785" y="108651"/>
-            <a:ext cx="246109" cy="250784"/>
-          </a:xfrm>
-          <a:prstGeom prst="ellipse">
-            <a:avLst/>
-          </a:prstGeom>
-          <a:solidFill>
-            <a:schemeClr val="accent2"/>
-          </a:solidFill>
-          <a:ln>
-            <a:noFill/>
-          </a:ln>
-        </p:spPr>
-        <p:style>
-          <a:lnRef idx="2">
-            <a:schemeClr val="accent1">
-              <a:shade val="15000"/>
-            </a:schemeClr>
-          </a:lnRef>
-          <a:fillRef idx="1">
-            <a:schemeClr val="accent1"/>
-          </a:fillRef>
-          <a:effectRef idx="0">
-            <a:schemeClr val="accent1"/>
-          </a:effectRef>
-          <a:fontRef idx="minor">
-            <a:schemeClr val="lt1"/>
-          </a:fontRef>
-        </p:style>
-        <p:txBody>
-          <a:bodyPr rtlCol="0" anchor="ctr"/>
-          <a:lstStyle/>
-          <a:p>
-            <a:pPr algn="ctr"/>
-            <a:endParaRPr lang="en-US"/>
-          </a:p>
-        </p:txBody>
-      </p:sp>
-    </p:spTree>
-    <p:extLst>
-      <p:ext uri="{BB962C8B-B14F-4D97-AF65-F5344CB8AC3E}">
-        <p14:creationId xmlns:p14="http://schemas.microsoft.com/office/powerpoint/2010/main" val="3396782613"/>
-      </p:ext>
-    </p:extLst>
-  </p:cSld>
-  <p:clrMapOvr>
-    <a:masterClrMapping/>
-  </p:clrMapOvr>
-</p:sld>
-</file>
-
-<file path=ppt/slides/slide19.xml><?xml version="1.0" encoding="utf-8"?>
-<p:sld xmlns:a="http://schemas.openxmlformats.org/drawingml/2006/main" xmlns:r="http://schemas.openxmlformats.org/officeDocument/2006/relationships" xmlns:p="http://schemas.openxmlformats.org/presentationml/2006/main">
-  <p:cSld>
-    <p:spTree>
-      <p:nvGrpSpPr>
-        <p:cNvPr id="1" name="">
-          <a:extLst>
-            <a:ext uri="{FF2B5EF4-FFF2-40B4-BE49-F238E27FC236}">
-              <a16:creationId xmlns:a16="http://schemas.microsoft.com/office/drawing/2014/main" id="{60979E74-6FFE-F77E-F06D-BE92D1695D98}"/>
-            </a:ext>
-          </a:extLst>
-        </p:cNvPr>
-        <p:cNvGrpSpPr/>
-        <p:nvPr/>
-      </p:nvGrpSpPr>
-      <p:grpSpPr>
-        <a:xfrm>
-          <a:off x="0" y="0"/>
-          <a:ext cx="0" cy="0"/>
-          <a:chOff x="0" y="0"/>
-          <a:chExt cx="0" cy="0"/>
-        </a:xfrm>
-      </p:grpSpPr>
-      <p:sp>
-        <p:nvSpPr>
-          <p:cNvPr id="6" name="Title 5">
-            <a:extLst>
-              <a:ext uri="{FF2B5EF4-FFF2-40B4-BE49-F238E27FC236}">
-                <a16:creationId xmlns:a16="http://schemas.microsoft.com/office/drawing/2014/main" id="{F07CBD58-F80D-AA84-C51A-5171B453B2C0}"/>
-              </a:ext>
-            </a:extLst>
-          </p:cNvPr>
-          <p:cNvSpPr>
-            <a:spLocks noGrp="1"/>
-          </p:cNvSpPr>
-          <p:nvPr>
-            <p:ph type="title"/>
-          </p:nvPr>
-        </p:nvSpPr>
-        <p:spPr>
-          <a:xfrm>
-            <a:off x="838200" y="694547"/>
-            <a:ext cx="10515600" cy="1325563"/>
-          </a:xfrm>
-        </p:spPr>
-        <p:txBody>
-          <a:bodyPr/>
-          <a:lstStyle/>
-          <a:p>
-            <a:endParaRPr lang="en-US" dirty="0"/>
-          </a:p>
-        </p:txBody>
-      </p:sp>
-      <p:sp>
-        <p:nvSpPr>
-          <p:cNvPr id="7" name="Content Placeholder 6">
-            <a:extLst>
-              <a:ext uri="{FF2B5EF4-FFF2-40B4-BE49-F238E27FC236}">
-                <a16:creationId xmlns:a16="http://schemas.microsoft.com/office/drawing/2014/main" id="{2DF87FB7-4F8C-3129-F245-8E922573B243}"/>
-              </a:ext>
-            </a:extLst>
-          </p:cNvPr>
-          <p:cNvSpPr>
-            <a:spLocks noGrp="1"/>
-          </p:cNvSpPr>
-          <p:nvPr>
-            <p:ph idx="1"/>
-          </p:nvPr>
-        </p:nvSpPr>
-        <p:spPr>
-          <a:xfrm>
-            <a:off x="838200" y="2254763"/>
-            <a:ext cx="10515600" cy="3922201"/>
-          </a:xfrm>
-        </p:spPr>
-        <p:txBody>
-          <a:bodyPr/>
-          <a:lstStyle/>
-          <a:p>
-            <a:endParaRPr lang="en-US" dirty="0"/>
-          </a:p>
-        </p:txBody>
-      </p:sp>
-      <p:sp>
-        <p:nvSpPr>
-          <p:cNvPr id="4" name="Rectangle 3">
-            <a:extLst>
-              <a:ext uri="{FF2B5EF4-FFF2-40B4-BE49-F238E27FC236}">
-                <a16:creationId xmlns:a16="http://schemas.microsoft.com/office/drawing/2014/main" id="{FA314FEC-46F7-C49E-565C-4DE857DFED4C}"/>
-              </a:ext>
-            </a:extLst>
-          </p:cNvPr>
-          <p:cNvSpPr/>
-          <p:nvPr/>
-        </p:nvSpPr>
-        <p:spPr>
-          <a:xfrm>
-            <a:off x="0" y="0"/>
-            <a:ext cx="12192000" cy="468086"/>
-          </a:xfrm>
-          <a:prstGeom prst="rect">
-            <a:avLst/>
-          </a:prstGeom>
-          <a:solidFill>
-            <a:schemeClr val="bg2"/>
-          </a:solidFill>
-          <a:ln>
-            <a:noFill/>
-          </a:ln>
-        </p:spPr>
-        <p:style>
-          <a:lnRef idx="2">
-            <a:schemeClr val="accent1">
-              <a:shade val="15000"/>
-            </a:schemeClr>
-          </a:lnRef>
-          <a:fillRef idx="1">
-            <a:schemeClr val="accent1"/>
-          </a:fillRef>
-          <a:effectRef idx="0">
-            <a:schemeClr val="accent1"/>
-          </a:effectRef>
-          <a:fontRef idx="minor">
-            <a:schemeClr val="lt1"/>
-          </a:fontRef>
-        </p:style>
-        <p:txBody>
-          <a:bodyPr rtlCol="0" anchor="ctr"/>
-          <a:lstStyle/>
-          <a:p>
-            <a:pPr algn="ctr"/>
-            <a:endParaRPr lang="en-US" sz="1351"/>
-          </a:p>
-        </p:txBody>
-      </p:sp>
-      <p:sp>
-        <p:nvSpPr>
-          <p:cNvPr id="5" name="Oval 4">
-            <a:extLst>
-              <a:ext uri="{FF2B5EF4-FFF2-40B4-BE49-F238E27FC236}">
-                <a16:creationId xmlns:a16="http://schemas.microsoft.com/office/drawing/2014/main" id="{0D58C3B6-7E3B-CB30-4C84-D4E936444435}"/>
-              </a:ext>
-            </a:extLst>
-          </p:cNvPr>
-          <p:cNvSpPr/>
-          <p:nvPr/>
-        </p:nvSpPr>
-        <p:spPr>
-          <a:xfrm>
-            <a:off x="129189" y="108651"/>
-            <a:ext cx="246109" cy="250784"/>
-          </a:xfrm>
-          <a:prstGeom prst="ellipse">
-            <a:avLst/>
-          </a:prstGeom>
-          <a:solidFill>
-            <a:schemeClr val="accent1"/>
-          </a:solidFill>
-          <a:ln>
-            <a:noFill/>
-          </a:ln>
-        </p:spPr>
-        <p:style>
-          <a:lnRef idx="2">
-            <a:schemeClr val="accent1">
-              <a:shade val="15000"/>
-            </a:schemeClr>
-          </a:lnRef>
-          <a:fillRef idx="1">
-            <a:schemeClr val="accent1"/>
-          </a:fillRef>
-          <a:effectRef idx="0">
-            <a:schemeClr val="accent1"/>
-          </a:effectRef>
-          <a:fontRef idx="minor">
-            <a:schemeClr val="lt1"/>
-          </a:fontRef>
-        </p:style>
-        <p:txBody>
-          <a:bodyPr rtlCol="0" anchor="ctr"/>
-          <a:lstStyle/>
-          <a:p>
-            <a:pPr algn="ctr"/>
-            <a:endParaRPr lang="en-US"/>
-          </a:p>
-        </p:txBody>
-      </p:sp>
-      <p:sp>
-        <p:nvSpPr>
-          <p:cNvPr id="8" name="Oval 7">
-            <a:extLst>
-              <a:ext uri="{FF2B5EF4-FFF2-40B4-BE49-F238E27FC236}">
-                <a16:creationId xmlns:a16="http://schemas.microsoft.com/office/drawing/2014/main" id="{FD469E9E-75BB-C09E-2927-20178CD3C0A6}"/>
-              </a:ext>
-            </a:extLst>
-          </p:cNvPr>
-          <p:cNvSpPr/>
-          <p:nvPr/>
-        </p:nvSpPr>
-        <p:spPr>
-          <a:xfrm>
-            <a:off x="504487" y="113785"/>
-            <a:ext cx="246109" cy="250784"/>
-          </a:xfrm>
-          <a:prstGeom prst="ellipse">
-            <a:avLst/>
-          </a:prstGeom>
-          <a:solidFill>
-            <a:schemeClr val="accent3"/>
-          </a:solidFill>
-          <a:ln>
-            <a:noFill/>
-          </a:ln>
-        </p:spPr>
-        <p:style>
-          <a:lnRef idx="2">
-            <a:schemeClr val="accent1">
-              <a:shade val="15000"/>
-            </a:schemeClr>
-          </a:lnRef>
-          <a:fillRef idx="1">
-            <a:schemeClr val="accent1"/>
-          </a:fillRef>
-          <a:effectRef idx="0">
-            <a:schemeClr val="accent1"/>
-          </a:effectRef>
-          <a:fontRef idx="minor">
-            <a:schemeClr val="lt1"/>
-          </a:fontRef>
-        </p:style>
-        <p:txBody>
-          <a:bodyPr rtlCol="0" anchor="ctr"/>
-          <a:lstStyle/>
-          <a:p>
-            <a:pPr algn="ctr"/>
-            <a:endParaRPr lang="en-US"/>
-          </a:p>
-        </p:txBody>
-      </p:sp>
-      <p:sp>
-        <p:nvSpPr>
-          <p:cNvPr id="9" name="Oval 8">
-            <a:extLst>
-              <a:ext uri="{FF2B5EF4-FFF2-40B4-BE49-F238E27FC236}">
-                <a16:creationId xmlns:a16="http://schemas.microsoft.com/office/drawing/2014/main" id="{E5144132-DD81-0D74-910C-545308DFAFDE}"/>
-              </a:ext>
-            </a:extLst>
-          </p:cNvPr>
-          <p:cNvSpPr/>
-          <p:nvPr/>
-        </p:nvSpPr>
-        <p:spPr>
-          <a:xfrm>
-            <a:off x="879785" y="108651"/>
-            <a:ext cx="246109" cy="250784"/>
-          </a:xfrm>
-          <a:prstGeom prst="ellipse">
-            <a:avLst/>
-          </a:prstGeom>
-          <a:solidFill>
-            <a:schemeClr val="accent2"/>
-          </a:solidFill>
-          <a:ln>
-            <a:noFill/>
-          </a:ln>
-        </p:spPr>
-        <p:style>
-          <a:lnRef idx="2">
-            <a:schemeClr val="accent1">
-              <a:shade val="15000"/>
-            </a:schemeClr>
-          </a:lnRef>
-          <a:fillRef idx="1">
-            <a:schemeClr val="accent1"/>
-          </a:fillRef>
-          <a:effectRef idx="0">
-            <a:schemeClr val="accent1"/>
-          </a:effectRef>
-          <a:fontRef idx="minor">
-            <a:schemeClr val="lt1"/>
-          </a:fontRef>
-        </p:style>
-        <p:txBody>
-          <a:bodyPr rtlCol="0" anchor="ctr"/>
-          <a:lstStyle/>
-          <a:p>
-            <a:pPr algn="ctr"/>
-            <a:endParaRPr lang="en-US"/>
-          </a:p>
-        </p:txBody>
-      </p:sp>
-    </p:spTree>
-    <p:extLst>
-      <p:ext uri="{BB962C8B-B14F-4D97-AF65-F5344CB8AC3E}">
-        <p14:creationId xmlns:p14="http://schemas.microsoft.com/office/powerpoint/2010/main" val="822141317"/>
       </p:ext>
     </p:extLst>
   </p:cSld>
@@ -7543,6 +7583,614 @@
         <p:cNvPr id="1" name="">
           <a:extLst>
             <a:ext uri="{FF2B5EF4-FFF2-40B4-BE49-F238E27FC236}">
+              <a16:creationId xmlns:a16="http://schemas.microsoft.com/office/drawing/2014/main" id="{E270BC7D-9A45-3697-43B3-65F2DB2FAEC3}"/>
+            </a:ext>
+          </a:extLst>
+        </p:cNvPr>
+        <p:cNvGrpSpPr/>
+        <p:nvPr/>
+      </p:nvGrpSpPr>
+      <p:grpSpPr>
+        <a:xfrm>
+          <a:off x="0" y="0"/>
+          <a:ext cx="0" cy="0"/>
+          <a:chOff x="0" y="0"/>
+          <a:chExt cx="0" cy="0"/>
+        </a:xfrm>
+      </p:grpSpPr>
+      <p:sp>
+        <p:nvSpPr>
+          <p:cNvPr id="6" name="Title 5">
+            <a:extLst>
+              <a:ext uri="{FF2B5EF4-FFF2-40B4-BE49-F238E27FC236}">
+                <a16:creationId xmlns:a16="http://schemas.microsoft.com/office/drawing/2014/main" id="{F39F9076-49A8-2E00-699B-EC1A8710713C}"/>
+              </a:ext>
+            </a:extLst>
+          </p:cNvPr>
+          <p:cNvSpPr>
+            <a:spLocks noGrp="1"/>
+          </p:cNvSpPr>
+          <p:nvPr>
+            <p:ph type="title"/>
+          </p:nvPr>
+        </p:nvSpPr>
+        <p:spPr>
+          <a:xfrm>
+            <a:off x="838200" y="694547"/>
+            <a:ext cx="10515600" cy="1325563"/>
+          </a:xfrm>
+        </p:spPr>
+        <p:txBody>
+          <a:bodyPr/>
+          <a:lstStyle/>
+          <a:p>
+            <a:endParaRPr lang="en-US" dirty="0"/>
+          </a:p>
+        </p:txBody>
+      </p:sp>
+      <p:sp>
+        <p:nvSpPr>
+          <p:cNvPr id="7" name="Content Placeholder 6">
+            <a:extLst>
+              <a:ext uri="{FF2B5EF4-FFF2-40B4-BE49-F238E27FC236}">
+                <a16:creationId xmlns:a16="http://schemas.microsoft.com/office/drawing/2014/main" id="{1A8E1FB8-C8B4-E33B-7791-E5E22359ACF6}"/>
+              </a:ext>
+            </a:extLst>
+          </p:cNvPr>
+          <p:cNvSpPr>
+            <a:spLocks noGrp="1"/>
+          </p:cNvSpPr>
+          <p:nvPr>
+            <p:ph idx="1"/>
+          </p:nvPr>
+        </p:nvSpPr>
+        <p:spPr>
+          <a:xfrm>
+            <a:off x="838200" y="2254763"/>
+            <a:ext cx="10515600" cy="3922201"/>
+          </a:xfrm>
+        </p:spPr>
+        <p:txBody>
+          <a:bodyPr/>
+          <a:lstStyle/>
+          <a:p>
+            <a:endParaRPr lang="en-US" dirty="0"/>
+          </a:p>
+        </p:txBody>
+      </p:sp>
+      <p:sp>
+        <p:nvSpPr>
+          <p:cNvPr id="4" name="Rectangle 3">
+            <a:extLst>
+              <a:ext uri="{FF2B5EF4-FFF2-40B4-BE49-F238E27FC236}">
+                <a16:creationId xmlns:a16="http://schemas.microsoft.com/office/drawing/2014/main" id="{75DC3E03-43BB-B308-7A03-4DE02C810697}"/>
+              </a:ext>
+            </a:extLst>
+          </p:cNvPr>
+          <p:cNvSpPr/>
+          <p:nvPr/>
+        </p:nvSpPr>
+        <p:spPr>
+          <a:xfrm>
+            <a:off x="0" y="0"/>
+            <a:ext cx="12192000" cy="468086"/>
+          </a:xfrm>
+          <a:prstGeom prst="rect">
+            <a:avLst/>
+          </a:prstGeom>
+          <a:solidFill>
+            <a:schemeClr val="bg2"/>
+          </a:solidFill>
+          <a:ln>
+            <a:noFill/>
+          </a:ln>
+        </p:spPr>
+        <p:style>
+          <a:lnRef idx="2">
+            <a:schemeClr val="accent1">
+              <a:shade val="15000"/>
+            </a:schemeClr>
+          </a:lnRef>
+          <a:fillRef idx="1">
+            <a:schemeClr val="accent1"/>
+          </a:fillRef>
+          <a:effectRef idx="0">
+            <a:schemeClr val="accent1"/>
+          </a:effectRef>
+          <a:fontRef idx="minor">
+            <a:schemeClr val="lt1"/>
+          </a:fontRef>
+        </p:style>
+        <p:txBody>
+          <a:bodyPr rtlCol="0" anchor="ctr"/>
+          <a:lstStyle/>
+          <a:p>
+            <a:pPr algn="ctr"/>
+            <a:endParaRPr lang="en-US" sz="1351"/>
+          </a:p>
+        </p:txBody>
+      </p:sp>
+      <p:sp>
+        <p:nvSpPr>
+          <p:cNvPr id="5" name="Oval 4">
+            <a:extLst>
+              <a:ext uri="{FF2B5EF4-FFF2-40B4-BE49-F238E27FC236}">
+                <a16:creationId xmlns:a16="http://schemas.microsoft.com/office/drawing/2014/main" id="{7EEFF97A-548A-7A29-944A-F432CFC8908D}"/>
+              </a:ext>
+            </a:extLst>
+          </p:cNvPr>
+          <p:cNvSpPr/>
+          <p:nvPr/>
+        </p:nvSpPr>
+        <p:spPr>
+          <a:xfrm>
+            <a:off x="129189" y="108651"/>
+            <a:ext cx="246109" cy="250784"/>
+          </a:xfrm>
+          <a:prstGeom prst="ellipse">
+            <a:avLst/>
+          </a:prstGeom>
+          <a:solidFill>
+            <a:schemeClr val="accent1"/>
+          </a:solidFill>
+          <a:ln>
+            <a:noFill/>
+          </a:ln>
+        </p:spPr>
+        <p:style>
+          <a:lnRef idx="2">
+            <a:schemeClr val="accent1">
+              <a:shade val="15000"/>
+            </a:schemeClr>
+          </a:lnRef>
+          <a:fillRef idx="1">
+            <a:schemeClr val="accent1"/>
+          </a:fillRef>
+          <a:effectRef idx="0">
+            <a:schemeClr val="accent1"/>
+          </a:effectRef>
+          <a:fontRef idx="minor">
+            <a:schemeClr val="lt1"/>
+          </a:fontRef>
+        </p:style>
+        <p:txBody>
+          <a:bodyPr rtlCol="0" anchor="ctr"/>
+          <a:lstStyle/>
+          <a:p>
+            <a:pPr algn="ctr"/>
+            <a:endParaRPr lang="en-US"/>
+          </a:p>
+        </p:txBody>
+      </p:sp>
+      <p:sp>
+        <p:nvSpPr>
+          <p:cNvPr id="8" name="Oval 7">
+            <a:extLst>
+              <a:ext uri="{FF2B5EF4-FFF2-40B4-BE49-F238E27FC236}">
+                <a16:creationId xmlns:a16="http://schemas.microsoft.com/office/drawing/2014/main" id="{0F7C0D55-1705-9686-E38D-532FFDD45CF5}"/>
+              </a:ext>
+            </a:extLst>
+          </p:cNvPr>
+          <p:cNvSpPr/>
+          <p:nvPr/>
+        </p:nvSpPr>
+        <p:spPr>
+          <a:xfrm>
+            <a:off x="504487" y="113785"/>
+            <a:ext cx="246109" cy="250784"/>
+          </a:xfrm>
+          <a:prstGeom prst="ellipse">
+            <a:avLst/>
+          </a:prstGeom>
+          <a:solidFill>
+            <a:schemeClr val="accent3"/>
+          </a:solidFill>
+          <a:ln>
+            <a:noFill/>
+          </a:ln>
+        </p:spPr>
+        <p:style>
+          <a:lnRef idx="2">
+            <a:schemeClr val="accent1">
+              <a:shade val="15000"/>
+            </a:schemeClr>
+          </a:lnRef>
+          <a:fillRef idx="1">
+            <a:schemeClr val="accent1"/>
+          </a:fillRef>
+          <a:effectRef idx="0">
+            <a:schemeClr val="accent1"/>
+          </a:effectRef>
+          <a:fontRef idx="minor">
+            <a:schemeClr val="lt1"/>
+          </a:fontRef>
+        </p:style>
+        <p:txBody>
+          <a:bodyPr rtlCol="0" anchor="ctr"/>
+          <a:lstStyle/>
+          <a:p>
+            <a:pPr algn="ctr"/>
+            <a:endParaRPr lang="en-US"/>
+          </a:p>
+        </p:txBody>
+      </p:sp>
+      <p:sp>
+        <p:nvSpPr>
+          <p:cNvPr id="9" name="Oval 8">
+            <a:extLst>
+              <a:ext uri="{FF2B5EF4-FFF2-40B4-BE49-F238E27FC236}">
+                <a16:creationId xmlns:a16="http://schemas.microsoft.com/office/drawing/2014/main" id="{6AFD2D3A-491F-85C2-191F-50D1C979132D}"/>
+              </a:ext>
+            </a:extLst>
+          </p:cNvPr>
+          <p:cNvSpPr/>
+          <p:nvPr/>
+        </p:nvSpPr>
+        <p:spPr>
+          <a:xfrm>
+            <a:off x="879785" y="108651"/>
+            <a:ext cx="246109" cy="250784"/>
+          </a:xfrm>
+          <a:prstGeom prst="ellipse">
+            <a:avLst/>
+          </a:prstGeom>
+          <a:solidFill>
+            <a:schemeClr val="accent2"/>
+          </a:solidFill>
+          <a:ln>
+            <a:noFill/>
+          </a:ln>
+        </p:spPr>
+        <p:style>
+          <a:lnRef idx="2">
+            <a:schemeClr val="accent1">
+              <a:shade val="15000"/>
+            </a:schemeClr>
+          </a:lnRef>
+          <a:fillRef idx="1">
+            <a:schemeClr val="accent1"/>
+          </a:fillRef>
+          <a:effectRef idx="0">
+            <a:schemeClr val="accent1"/>
+          </a:effectRef>
+          <a:fontRef idx="minor">
+            <a:schemeClr val="lt1"/>
+          </a:fontRef>
+        </p:style>
+        <p:txBody>
+          <a:bodyPr rtlCol="0" anchor="ctr"/>
+          <a:lstStyle/>
+          <a:p>
+            <a:pPr algn="ctr"/>
+            <a:endParaRPr lang="en-US"/>
+          </a:p>
+        </p:txBody>
+      </p:sp>
+    </p:spTree>
+    <p:extLst>
+      <p:ext uri="{BB962C8B-B14F-4D97-AF65-F5344CB8AC3E}">
+        <p14:creationId xmlns:p14="http://schemas.microsoft.com/office/powerpoint/2010/main" val="3396782613"/>
+      </p:ext>
+    </p:extLst>
+  </p:cSld>
+  <p:clrMapOvr>
+    <a:masterClrMapping/>
+  </p:clrMapOvr>
+</p:sld>
+</file>
+
+<file path=ppt/slides/slide21.xml><?xml version="1.0" encoding="utf-8"?>
+<p:sld xmlns:a="http://schemas.openxmlformats.org/drawingml/2006/main" xmlns:r="http://schemas.openxmlformats.org/officeDocument/2006/relationships" xmlns:p="http://schemas.openxmlformats.org/presentationml/2006/main">
+  <p:cSld>
+    <p:spTree>
+      <p:nvGrpSpPr>
+        <p:cNvPr id="1" name="">
+          <a:extLst>
+            <a:ext uri="{FF2B5EF4-FFF2-40B4-BE49-F238E27FC236}">
+              <a16:creationId xmlns:a16="http://schemas.microsoft.com/office/drawing/2014/main" id="{60979E74-6FFE-F77E-F06D-BE92D1695D98}"/>
+            </a:ext>
+          </a:extLst>
+        </p:cNvPr>
+        <p:cNvGrpSpPr/>
+        <p:nvPr/>
+      </p:nvGrpSpPr>
+      <p:grpSpPr>
+        <a:xfrm>
+          <a:off x="0" y="0"/>
+          <a:ext cx="0" cy="0"/>
+          <a:chOff x="0" y="0"/>
+          <a:chExt cx="0" cy="0"/>
+        </a:xfrm>
+      </p:grpSpPr>
+      <p:sp>
+        <p:nvSpPr>
+          <p:cNvPr id="6" name="Title 5">
+            <a:extLst>
+              <a:ext uri="{FF2B5EF4-FFF2-40B4-BE49-F238E27FC236}">
+                <a16:creationId xmlns:a16="http://schemas.microsoft.com/office/drawing/2014/main" id="{F07CBD58-F80D-AA84-C51A-5171B453B2C0}"/>
+              </a:ext>
+            </a:extLst>
+          </p:cNvPr>
+          <p:cNvSpPr>
+            <a:spLocks noGrp="1"/>
+          </p:cNvSpPr>
+          <p:nvPr>
+            <p:ph type="title"/>
+          </p:nvPr>
+        </p:nvSpPr>
+        <p:spPr>
+          <a:xfrm>
+            <a:off x="838200" y="694547"/>
+            <a:ext cx="10515600" cy="1325563"/>
+          </a:xfrm>
+        </p:spPr>
+        <p:txBody>
+          <a:bodyPr/>
+          <a:lstStyle/>
+          <a:p>
+            <a:endParaRPr lang="en-US" dirty="0"/>
+          </a:p>
+        </p:txBody>
+      </p:sp>
+      <p:sp>
+        <p:nvSpPr>
+          <p:cNvPr id="7" name="Content Placeholder 6">
+            <a:extLst>
+              <a:ext uri="{FF2B5EF4-FFF2-40B4-BE49-F238E27FC236}">
+                <a16:creationId xmlns:a16="http://schemas.microsoft.com/office/drawing/2014/main" id="{2DF87FB7-4F8C-3129-F245-8E922573B243}"/>
+              </a:ext>
+            </a:extLst>
+          </p:cNvPr>
+          <p:cNvSpPr>
+            <a:spLocks noGrp="1"/>
+          </p:cNvSpPr>
+          <p:nvPr>
+            <p:ph idx="1"/>
+          </p:nvPr>
+        </p:nvSpPr>
+        <p:spPr>
+          <a:xfrm>
+            <a:off x="838200" y="2254763"/>
+            <a:ext cx="10515600" cy="3922201"/>
+          </a:xfrm>
+        </p:spPr>
+        <p:txBody>
+          <a:bodyPr/>
+          <a:lstStyle/>
+          <a:p>
+            <a:endParaRPr lang="en-US" dirty="0"/>
+          </a:p>
+        </p:txBody>
+      </p:sp>
+      <p:sp>
+        <p:nvSpPr>
+          <p:cNvPr id="4" name="Rectangle 3">
+            <a:extLst>
+              <a:ext uri="{FF2B5EF4-FFF2-40B4-BE49-F238E27FC236}">
+                <a16:creationId xmlns:a16="http://schemas.microsoft.com/office/drawing/2014/main" id="{FA314FEC-46F7-C49E-565C-4DE857DFED4C}"/>
+              </a:ext>
+            </a:extLst>
+          </p:cNvPr>
+          <p:cNvSpPr/>
+          <p:nvPr/>
+        </p:nvSpPr>
+        <p:spPr>
+          <a:xfrm>
+            <a:off x="0" y="0"/>
+            <a:ext cx="12192000" cy="468086"/>
+          </a:xfrm>
+          <a:prstGeom prst="rect">
+            <a:avLst/>
+          </a:prstGeom>
+          <a:solidFill>
+            <a:schemeClr val="bg2"/>
+          </a:solidFill>
+          <a:ln>
+            <a:noFill/>
+          </a:ln>
+        </p:spPr>
+        <p:style>
+          <a:lnRef idx="2">
+            <a:schemeClr val="accent1">
+              <a:shade val="15000"/>
+            </a:schemeClr>
+          </a:lnRef>
+          <a:fillRef idx="1">
+            <a:schemeClr val="accent1"/>
+          </a:fillRef>
+          <a:effectRef idx="0">
+            <a:schemeClr val="accent1"/>
+          </a:effectRef>
+          <a:fontRef idx="minor">
+            <a:schemeClr val="lt1"/>
+          </a:fontRef>
+        </p:style>
+        <p:txBody>
+          <a:bodyPr rtlCol="0" anchor="ctr"/>
+          <a:lstStyle/>
+          <a:p>
+            <a:pPr algn="ctr"/>
+            <a:endParaRPr lang="en-US" sz="1351"/>
+          </a:p>
+        </p:txBody>
+      </p:sp>
+      <p:sp>
+        <p:nvSpPr>
+          <p:cNvPr id="5" name="Oval 4">
+            <a:extLst>
+              <a:ext uri="{FF2B5EF4-FFF2-40B4-BE49-F238E27FC236}">
+                <a16:creationId xmlns:a16="http://schemas.microsoft.com/office/drawing/2014/main" id="{0D58C3B6-7E3B-CB30-4C84-D4E936444435}"/>
+              </a:ext>
+            </a:extLst>
+          </p:cNvPr>
+          <p:cNvSpPr/>
+          <p:nvPr/>
+        </p:nvSpPr>
+        <p:spPr>
+          <a:xfrm>
+            <a:off x="129189" y="108651"/>
+            <a:ext cx="246109" cy="250784"/>
+          </a:xfrm>
+          <a:prstGeom prst="ellipse">
+            <a:avLst/>
+          </a:prstGeom>
+          <a:solidFill>
+            <a:schemeClr val="accent1"/>
+          </a:solidFill>
+          <a:ln>
+            <a:noFill/>
+          </a:ln>
+        </p:spPr>
+        <p:style>
+          <a:lnRef idx="2">
+            <a:schemeClr val="accent1">
+              <a:shade val="15000"/>
+            </a:schemeClr>
+          </a:lnRef>
+          <a:fillRef idx="1">
+            <a:schemeClr val="accent1"/>
+          </a:fillRef>
+          <a:effectRef idx="0">
+            <a:schemeClr val="accent1"/>
+          </a:effectRef>
+          <a:fontRef idx="minor">
+            <a:schemeClr val="lt1"/>
+          </a:fontRef>
+        </p:style>
+        <p:txBody>
+          <a:bodyPr rtlCol="0" anchor="ctr"/>
+          <a:lstStyle/>
+          <a:p>
+            <a:pPr algn="ctr"/>
+            <a:endParaRPr lang="en-US"/>
+          </a:p>
+        </p:txBody>
+      </p:sp>
+      <p:sp>
+        <p:nvSpPr>
+          <p:cNvPr id="8" name="Oval 7">
+            <a:extLst>
+              <a:ext uri="{FF2B5EF4-FFF2-40B4-BE49-F238E27FC236}">
+                <a16:creationId xmlns:a16="http://schemas.microsoft.com/office/drawing/2014/main" id="{FD469E9E-75BB-C09E-2927-20178CD3C0A6}"/>
+              </a:ext>
+            </a:extLst>
+          </p:cNvPr>
+          <p:cNvSpPr/>
+          <p:nvPr/>
+        </p:nvSpPr>
+        <p:spPr>
+          <a:xfrm>
+            <a:off x="504487" y="113785"/>
+            <a:ext cx="246109" cy="250784"/>
+          </a:xfrm>
+          <a:prstGeom prst="ellipse">
+            <a:avLst/>
+          </a:prstGeom>
+          <a:solidFill>
+            <a:schemeClr val="accent3"/>
+          </a:solidFill>
+          <a:ln>
+            <a:noFill/>
+          </a:ln>
+        </p:spPr>
+        <p:style>
+          <a:lnRef idx="2">
+            <a:schemeClr val="accent1">
+              <a:shade val="15000"/>
+            </a:schemeClr>
+          </a:lnRef>
+          <a:fillRef idx="1">
+            <a:schemeClr val="accent1"/>
+          </a:fillRef>
+          <a:effectRef idx="0">
+            <a:schemeClr val="accent1"/>
+          </a:effectRef>
+          <a:fontRef idx="minor">
+            <a:schemeClr val="lt1"/>
+          </a:fontRef>
+        </p:style>
+        <p:txBody>
+          <a:bodyPr rtlCol="0" anchor="ctr"/>
+          <a:lstStyle/>
+          <a:p>
+            <a:pPr algn="ctr"/>
+            <a:endParaRPr lang="en-US"/>
+          </a:p>
+        </p:txBody>
+      </p:sp>
+      <p:sp>
+        <p:nvSpPr>
+          <p:cNvPr id="9" name="Oval 8">
+            <a:extLst>
+              <a:ext uri="{FF2B5EF4-FFF2-40B4-BE49-F238E27FC236}">
+                <a16:creationId xmlns:a16="http://schemas.microsoft.com/office/drawing/2014/main" id="{E5144132-DD81-0D74-910C-545308DFAFDE}"/>
+              </a:ext>
+            </a:extLst>
+          </p:cNvPr>
+          <p:cNvSpPr/>
+          <p:nvPr/>
+        </p:nvSpPr>
+        <p:spPr>
+          <a:xfrm>
+            <a:off x="879785" y="108651"/>
+            <a:ext cx="246109" cy="250784"/>
+          </a:xfrm>
+          <a:prstGeom prst="ellipse">
+            <a:avLst/>
+          </a:prstGeom>
+          <a:solidFill>
+            <a:schemeClr val="accent2"/>
+          </a:solidFill>
+          <a:ln>
+            <a:noFill/>
+          </a:ln>
+        </p:spPr>
+        <p:style>
+          <a:lnRef idx="2">
+            <a:schemeClr val="accent1">
+              <a:shade val="15000"/>
+            </a:schemeClr>
+          </a:lnRef>
+          <a:fillRef idx="1">
+            <a:schemeClr val="accent1"/>
+          </a:fillRef>
+          <a:effectRef idx="0">
+            <a:schemeClr val="accent1"/>
+          </a:effectRef>
+          <a:fontRef idx="minor">
+            <a:schemeClr val="lt1"/>
+          </a:fontRef>
+        </p:style>
+        <p:txBody>
+          <a:bodyPr rtlCol="0" anchor="ctr"/>
+          <a:lstStyle/>
+          <a:p>
+            <a:pPr algn="ctr"/>
+            <a:endParaRPr lang="en-US"/>
+          </a:p>
+        </p:txBody>
+      </p:sp>
+    </p:spTree>
+    <p:extLst>
+      <p:ext uri="{BB962C8B-B14F-4D97-AF65-F5344CB8AC3E}">
+        <p14:creationId xmlns:p14="http://schemas.microsoft.com/office/powerpoint/2010/main" val="822141317"/>
+      </p:ext>
+    </p:extLst>
+  </p:cSld>
+  <p:clrMapOvr>
+    <a:masterClrMapping/>
+  </p:clrMapOvr>
+</p:sld>
+</file>
+
+<file path=ppt/slides/slide22.xml><?xml version="1.0" encoding="utf-8"?>
+<p:sld xmlns:a="http://schemas.openxmlformats.org/drawingml/2006/main" xmlns:r="http://schemas.openxmlformats.org/officeDocument/2006/relationships" xmlns:p="http://schemas.openxmlformats.org/presentationml/2006/main">
+  <p:cSld>
+    <p:spTree>
+      <p:nvGrpSpPr>
+        <p:cNvPr id="1" name="">
+          <a:extLst>
+            <a:ext uri="{FF2B5EF4-FFF2-40B4-BE49-F238E27FC236}">
               <a16:creationId xmlns:a16="http://schemas.microsoft.com/office/drawing/2014/main" id="{4BFDF45E-EA34-FB0C-2837-D289EC723FFB}"/>
             </a:ext>
           </a:extLst>
@@ -7839,7 +8487,7 @@
 </p:sld>
 </file>
 
-<file path=ppt/slides/slide21.xml><?xml version="1.0" encoding="utf-8"?>
+<file path=ppt/slides/slide23.xml><?xml version="1.0" encoding="utf-8"?>
 <p:sld xmlns:a="http://schemas.openxmlformats.org/drawingml/2006/main" xmlns:r="http://schemas.openxmlformats.org/officeDocument/2006/relationships" xmlns:p="http://schemas.openxmlformats.org/presentationml/2006/main">
   <p:cSld>
     <p:spTree>
@@ -8146,7 +8794,7 @@
 </p:sld>
 </file>
 
-<file path=ppt/slides/slide22.xml><?xml version="1.0" encoding="utf-8"?>
+<file path=ppt/slides/slide24.xml><?xml version="1.0" encoding="utf-8"?>
 <p:sld xmlns:a="http://schemas.openxmlformats.org/drawingml/2006/main" xmlns:r="http://schemas.openxmlformats.org/officeDocument/2006/relationships" xmlns:p="http://schemas.openxmlformats.org/presentationml/2006/main">
   <p:cSld>
     <p:spTree>
@@ -8450,7 +9098,7 @@
 </p:sld>
 </file>
 
-<file path=ppt/slides/slide23.xml><?xml version="1.0" encoding="utf-8"?>
+<file path=ppt/slides/slide25.xml><?xml version="1.0" encoding="utf-8"?>
 <p:sld xmlns:a="http://schemas.openxmlformats.org/drawingml/2006/main" xmlns:r="http://schemas.openxmlformats.org/officeDocument/2006/relationships" xmlns:p="http://schemas.openxmlformats.org/presentationml/2006/main">
   <p:cSld>
     <p:spTree>
@@ -8762,6 +9410,983 @@
         <p:cNvPr id="1" name="">
           <a:extLst>
             <a:ext uri="{FF2B5EF4-FFF2-40B4-BE49-F238E27FC236}">
+              <a16:creationId xmlns:a16="http://schemas.microsoft.com/office/drawing/2014/main" id="{F1636B37-BAAD-57C0-A439-9C65F262BB97}"/>
+            </a:ext>
+          </a:extLst>
+        </p:cNvPr>
+        <p:cNvGrpSpPr/>
+        <p:nvPr/>
+      </p:nvGrpSpPr>
+      <p:grpSpPr>
+        <a:xfrm>
+          <a:off x="0" y="0"/>
+          <a:ext cx="0" cy="0"/>
+          <a:chOff x="0" y="0"/>
+          <a:chExt cx="0" cy="0"/>
+        </a:xfrm>
+      </p:grpSpPr>
+      <p:sp>
+        <p:nvSpPr>
+          <p:cNvPr id="6" name="Title 5">
+            <a:extLst>
+              <a:ext uri="{FF2B5EF4-FFF2-40B4-BE49-F238E27FC236}">
+                <a16:creationId xmlns:a16="http://schemas.microsoft.com/office/drawing/2014/main" id="{D2954296-4151-DDF2-F12C-6757FBA054E3}"/>
+              </a:ext>
+            </a:extLst>
+          </p:cNvPr>
+          <p:cNvSpPr>
+            <a:spLocks noGrp="1"/>
+          </p:cNvSpPr>
+          <p:nvPr>
+            <p:ph type="title"/>
+          </p:nvPr>
+        </p:nvSpPr>
+        <p:spPr>
+          <a:xfrm>
+            <a:off x="838200" y="694547"/>
+            <a:ext cx="10515600" cy="1325563"/>
+          </a:xfrm>
+        </p:spPr>
+        <p:txBody>
+          <a:bodyPr/>
+          <a:lstStyle/>
+          <a:p>
+            <a:r>
+              <a:rPr lang="en-US" dirty="0"/>
+              <a:t>Why we use a compiler:</a:t>
+            </a:r>
+          </a:p>
+        </p:txBody>
+      </p:sp>
+      <p:sp>
+        <p:nvSpPr>
+          <p:cNvPr id="7" name="Content Placeholder 6">
+            <a:extLst>
+              <a:ext uri="{FF2B5EF4-FFF2-40B4-BE49-F238E27FC236}">
+                <a16:creationId xmlns:a16="http://schemas.microsoft.com/office/drawing/2014/main" id="{AD739D32-F71C-8431-882C-BA2E32007F24}"/>
+              </a:ext>
+            </a:extLst>
+          </p:cNvPr>
+          <p:cNvSpPr>
+            <a:spLocks noGrp="1"/>
+          </p:cNvSpPr>
+          <p:nvPr>
+            <p:ph idx="1"/>
+          </p:nvPr>
+        </p:nvSpPr>
+        <p:spPr>
+          <a:xfrm>
+            <a:off x="838200" y="2254763"/>
+            <a:ext cx="10515600" cy="3922201"/>
+          </a:xfrm>
+        </p:spPr>
+        <p:txBody>
+          <a:bodyPr/>
+          <a:lstStyle/>
+          <a:p>
+            <a:pPr>
+              <a:buFont typeface="Arial" panose="020B0604020202020204" pitchFamily="34" charset="0"/>
+              <a:buChar char="•"/>
+            </a:pPr>
+            <a:r>
+              <a:rPr lang="en-US" dirty="0"/>
+              <a:t>In the early 1950s, there were no programming languages, and all code had to be written directly in machine code!</a:t>
+            </a:r>
+          </a:p>
+          <a:p>
+            <a:pPr>
+              <a:buFont typeface="Arial" panose="020B0604020202020204" pitchFamily="34" charset="0"/>
+              <a:buChar char="•"/>
+            </a:pPr>
+            <a:r>
+              <a:rPr lang="en-US" dirty="0"/>
+              <a:t>We needed a more efficient way to interact with computers.</a:t>
+            </a:r>
+          </a:p>
+          <a:p>
+            <a:pPr>
+              <a:buFont typeface="Arial" panose="020B0604020202020204" pitchFamily="34" charset="0"/>
+              <a:buChar char="•"/>
+            </a:pPr>
+            <a:r>
+              <a:rPr lang="en-US" dirty="0"/>
+              <a:t>The solution was to write code in a higher-level programming language, which could then be translated into machine code using a compiler.</a:t>
+            </a:r>
+          </a:p>
+        </p:txBody>
+      </p:sp>
+      <p:sp>
+        <p:nvSpPr>
+          <p:cNvPr id="4" name="Rectangle 3">
+            <a:extLst>
+              <a:ext uri="{FF2B5EF4-FFF2-40B4-BE49-F238E27FC236}">
+                <a16:creationId xmlns:a16="http://schemas.microsoft.com/office/drawing/2014/main" id="{409ECF3F-B187-A31B-3DFA-BF958C6161C9}"/>
+              </a:ext>
+            </a:extLst>
+          </p:cNvPr>
+          <p:cNvSpPr/>
+          <p:nvPr/>
+        </p:nvSpPr>
+        <p:spPr>
+          <a:xfrm>
+            <a:off x="0" y="0"/>
+            <a:ext cx="12192000" cy="468086"/>
+          </a:xfrm>
+          <a:prstGeom prst="rect">
+            <a:avLst/>
+          </a:prstGeom>
+          <a:solidFill>
+            <a:schemeClr val="bg2"/>
+          </a:solidFill>
+          <a:ln>
+            <a:noFill/>
+          </a:ln>
+        </p:spPr>
+        <p:style>
+          <a:lnRef idx="2">
+            <a:schemeClr val="accent1">
+              <a:shade val="15000"/>
+            </a:schemeClr>
+          </a:lnRef>
+          <a:fillRef idx="1">
+            <a:schemeClr val="accent1"/>
+          </a:fillRef>
+          <a:effectRef idx="0">
+            <a:schemeClr val="accent1"/>
+          </a:effectRef>
+          <a:fontRef idx="minor">
+            <a:schemeClr val="lt1"/>
+          </a:fontRef>
+        </p:style>
+        <p:txBody>
+          <a:bodyPr rtlCol="0" anchor="ctr"/>
+          <a:lstStyle/>
+          <a:p>
+            <a:pPr algn="ctr"/>
+            <a:endParaRPr lang="en-US" sz="1351"/>
+          </a:p>
+        </p:txBody>
+      </p:sp>
+      <p:sp>
+        <p:nvSpPr>
+          <p:cNvPr id="5" name="Oval 4">
+            <a:extLst>
+              <a:ext uri="{FF2B5EF4-FFF2-40B4-BE49-F238E27FC236}">
+                <a16:creationId xmlns:a16="http://schemas.microsoft.com/office/drawing/2014/main" id="{CEAFCEDA-61D1-FD09-9472-4EAD6CDDEBD6}"/>
+              </a:ext>
+            </a:extLst>
+          </p:cNvPr>
+          <p:cNvSpPr/>
+          <p:nvPr/>
+        </p:nvSpPr>
+        <p:spPr>
+          <a:xfrm>
+            <a:off x="129189" y="108651"/>
+            <a:ext cx="246109" cy="250784"/>
+          </a:xfrm>
+          <a:prstGeom prst="ellipse">
+            <a:avLst/>
+          </a:prstGeom>
+          <a:solidFill>
+            <a:schemeClr val="accent1"/>
+          </a:solidFill>
+          <a:ln>
+            <a:noFill/>
+          </a:ln>
+        </p:spPr>
+        <p:style>
+          <a:lnRef idx="2">
+            <a:schemeClr val="accent1">
+              <a:shade val="15000"/>
+            </a:schemeClr>
+          </a:lnRef>
+          <a:fillRef idx="1">
+            <a:schemeClr val="accent1"/>
+          </a:fillRef>
+          <a:effectRef idx="0">
+            <a:schemeClr val="accent1"/>
+          </a:effectRef>
+          <a:fontRef idx="minor">
+            <a:schemeClr val="lt1"/>
+          </a:fontRef>
+        </p:style>
+        <p:txBody>
+          <a:bodyPr rtlCol="0" anchor="ctr"/>
+          <a:lstStyle/>
+          <a:p>
+            <a:pPr algn="ctr"/>
+            <a:endParaRPr lang="en-US"/>
+          </a:p>
+        </p:txBody>
+      </p:sp>
+      <p:sp>
+        <p:nvSpPr>
+          <p:cNvPr id="8" name="Oval 7">
+            <a:extLst>
+              <a:ext uri="{FF2B5EF4-FFF2-40B4-BE49-F238E27FC236}">
+                <a16:creationId xmlns:a16="http://schemas.microsoft.com/office/drawing/2014/main" id="{7CE8C956-809D-78C0-7045-F2ED4A77F00D}"/>
+              </a:ext>
+            </a:extLst>
+          </p:cNvPr>
+          <p:cNvSpPr/>
+          <p:nvPr/>
+        </p:nvSpPr>
+        <p:spPr>
+          <a:xfrm>
+            <a:off x="504487" y="113785"/>
+            <a:ext cx="246109" cy="250784"/>
+          </a:xfrm>
+          <a:prstGeom prst="ellipse">
+            <a:avLst/>
+          </a:prstGeom>
+          <a:solidFill>
+            <a:schemeClr val="accent3"/>
+          </a:solidFill>
+          <a:ln>
+            <a:noFill/>
+          </a:ln>
+        </p:spPr>
+        <p:style>
+          <a:lnRef idx="2">
+            <a:schemeClr val="accent1">
+              <a:shade val="15000"/>
+            </a:schemeClr>
+          </a:lnRef>
+          <a:fillRef idx="1">
+            <a:schemeClr val="accent1"/>
+          </a:fillRef>
+          <a:effectRef idx="0">
+            <a:schemeClr val="accent1"/>
+          </a:effectRef>
+          <a:fontRef idx="minor">
+            <a:schemeClr val="lt1"/>
+          </a:fontRef>
+        </p:style>
+        <p:txBody>
+          <a:bodyPr rtlCol="0" anchor="ctr"/>
+          <a:lstStyle/>
+          <a:p>
+            <a:pPr algn="ctr"/>
+            <a:endParaRPr lang="en-US"/>
+          </a:p>
+        </p:txBody>
+      </p:sp>
+      <p:sp>
+        <p:nvSpPr>
+          <p:cNvPr id="9" name="Oval 8">
+            <a:extLst>
+              <a:ext uri="{FF2B5EF4-FFF2-40B4-BE49-F238E27FC236}">
+                <a16:creationId xmlns:a16="http://schemas.microsoft.com/office/drawing/2014/main" id="{C03FFC58-E595-F5A1-7909-15D008F0C716}"/>
+              </a:ext>
+            </a:extLst>
+          </p:cNvPr>
+          <p:cNvSpPr/>
+          <p:nvPr/>
+        </p:nvSpPr>
+        <p:spPr>
+          <a:xfrm>
+            <a:off x="879785" y="108651"/>
+            <a:ext cx="246109" cy="250784"/>
+          </a:xfrm>
+          <a:prstGeom prst="ellipse">
+            <a:avLst/>
+          </a:prstGeom>
+          <a:solidFill>
+            <a:schemeClr val="accent2"/>
+          </a:solidFill>
+          <a:ln>
+            <a:noFill/>
+          </a:ln>
+        </p:spPr>
+        <p:style>
+          <a:lnRef idx="2">
+            <a:schemeClr val="accent1">
+              <a:shade val="15000"/>
+            </a:schemeClr>
+          </a:lnRef>
+          <a:fillRef idx="1">
+            <a:schemeClr val="accent1"/>
+          </a:fillRef>
+          <a:effectRef idx="0">
+            <a:schemeClr val="accent1"/>
+          </a:effectRef>
+          <a:fontRef idx="minor">
+            <a:schemeClr val="lt1"/>
+          </a:fontRef>
+        </p:style>
+        <p:txBody>
+          <a:bodyPr rtlCol="0" anchor="ctr"/>
+          <a:lstStyle/>
+          <a:p>
+            <a:pPr algn="ctr"/>
+            <a:endParaRPr lang="en-US"/>
+          </a:p>
+        </p:txBody>
+      </p:sp>
+    </p:spTree>
+    <p:extLst>
+      <p:ext uri="{BB962C8B-B14F-4D97-AF65-F5344CB8AC3E}">
+        <p14:creationId xmlns:p14="http://schemas.microsoft.com/office/powerpoint/2010/main" val="54948345"/>
+      </p:ext>
+    </p:extLst>
+  </p:cSld>
+  <p:clrMapOvr>
+    <a:masterClrMapping/>
+  </p:clrMapOvr>
+</p:sld>
+</file>
+
+<file path=ppt/slides/slide4.xml><?xml version="1.0" encoding="utf-8"?>
+<p:sld xmlns:a="http://schemas.openxmlformats.org/drawingml/2006/main" xmlns:r="http://schemas.openxmlformats.org/officeDocument/2006/relationships" xmlns:p="http://schemas.openxmlformats.org/presentationml/2006/main">
+  <p:cSld>
+    <p:spTree>
+      <p:nvGrpSpPr>
+        <p:cNvPr id="1" name="">
+          <a:extLst>
+            <a:ext uri="{FF2B5EF4-FFF2-40B4-BE49-F238E27FC236}">
+              <a16:creationId xmlns:a16="http://schemas.microsoft.com/office/drawing/2014/main" id="{5BA21019-481C-C071-DC67-E600C2651E65}"/>
+            </a:ext>
+          </a:extLst>
+        </p:cNvPr>
+        <p:cNvGrpSpPr/>
+        <p:nvPr/>
+      </p:nvGrpSpPr>
+      <p:grpSpPr>
+        <a:xfrm>
+          <a:off x="0" y="0"/>
+          <a:ext cx="0" cy="0"/>
+          <a:chOff x="0" y="0"/>
+          <a:chExt cx="0" cy="0"/>
+        </a:xfrm>
+      </p:grpSpPr>
+      <p:sp>
+        <p:nvSpPr>
+          <p:cNvPr id="6" name="Title 5">
+            <a:extLst>
+              <a:ext uri="{FF2B5EF4-FFF2-40B4-BE49-F238E27FC236}">
+                <a16:creationId xmlns:a16="http://schemas.microsoft.com/office/drawing/2014/main" id="{734B5257-8869-E23B-C851-2B1DE480FB25}"/>
+              </a:ext>
+            </a:extLst>
+          </p:cNvPr>
+          <p:cNvSpPr>
+            <a:spLocks noGrp="1"/>
+          </p:cNvSpPr>
+          <p:nvPr>
+            <p:ph type="title"/>
+          </p:nvPr>
+        </p:nvSpPr>
+        <p:spPr>
+          <a:xfrm>
+            <a:off x="838200" y="694547"/>
+            <a:ext cx="10515600" cy="1325563"/>
+          </a:xfrm>
+        </p:spPr>
+        <p:txBody>
+          <a:bodyPr/>
+          <a:lstStyle/>
+          <a:p>
+            <a:r>
+              <a:rPr lang="en-US" dirty="0"/>
+              <a:t>History of Compilers:</a:t>
+            </a:r>
+          </a:p>
+        </p:txBody>
+      </p:sp>
+      <p:sp>
+        <p:nvSpPr>
+          <p:cNvPr id="7" name="Content Placeholder 6">
+            <a:extLst>
+              <a:ext uri="{FF2B5EF4-FFF2-40B4-BE49-F238E27FC236}">
+                <a16:creationId xmlns:a16="http://schemas.microsoft.com/office/drawing/2014/main" id="{1A07FCB8-8D31-9FC1-22AB-29815C4C7CAB}"/>
+              </a:ext>
+            </a:extLst>
+          </p:cNvPr>
+          <p:cNvSpPr>
+            <a:spLocks noGrp="1"/>
+          </p:cNvSpPr>
+          <p:nvPr>
+            <p:ph idx="1"/>
+          </p:nvPr>
+        </p:nvSpPr>
+        <p:spPr>
+          <a:xfrm>
+            <a:off x="838200" y="2254763"/>
+            <a:ext cx="10515600" cy="3922201"/>
+          </a:xfrm>
+        </p:spPr>
+        <p:txBody>
+          <a:bodyPr/>
+          <a:lstStyle/>
+          <a:p>
+            <a:pPr>
+              <a:buFont typeface="Arial" panose="020B0604020202020204" pitchFamily="34" charset="0"/>
+              <a:buChar char="•"/>
+            </a:pPr>
+            <a:r>
+              <a:rPr lang="en-US" dirty="0"/>
+              <a:t>In 1957 the first programming language FORTRAN (FORmula TRANslation) was invented, its compiler translated complex mathematical formulae into efficient machine code.</a:t>
+            </a:r>
+          </a:p>
+          <a:p>
+            <a:pPr>
+              <a:buFont typeface="Arial" panose="020B0604020202020204" pitchFamily="34" charset="0"/>
+              <a:buChar char="•"/>
+            </a:pPr>
+            <a:r>
+              <a:rPr lang="en-US" dirty="0"/>
+              <a:t>In 1958 LISP’s compiler introduced dynamic memory allocation and garbage collection.</a:t>
+            </a:r>
+          </a:p>
+          <a:p>
+            <a:pPr>
+              <a:buFont typeface="Arial" panose="020B0604020202020204" pitchFamily="34" charset="0"/>
+              <a:buChar char="•"/>
+            </a:pPr>
+            <a:r>
+              <a:rPr lang="en-US" dirty="0"/>
+              <a:t>In 1959 COBOL’s compiler focused on portability, allowing the same code to run on different machines.</a:t>
+            </a:r>
+          </a:p>
+        </p:txBody>
+      </p:sp>
+      <p:sp>
+        <p:nvSpPr>
+          <p:cNvPr id="4" name="Rectangle 3">
+            <a:extLst>
+              <a:ext uri="{FF2B5EF4-FFF2-40B4-BE49-F238E27FC236}">
+                <a16:creationId xmlns:a16="http://schemas.microsoft.com/office/drawing/2014/main" id="{3C3DCB79-D1ED-3BD5-2C49-2CF660780A6E}"/>
+              </a:ext>
+            </a:extLst>
+          </p:cNvPr>
+          <p:cNvSpPr/>
+          <p:nvPr/>
+        </p:nvSpPr>
+        <p:spPr>
+          <a:xfrm>
+            <a:off x="0" y="0"/>
+            <a:ext cx="12192000" cy="468086"/>
+          </a:xfrm>
+          <a:prstGeom prst="rect">
+            <a:avLst/>
+          </a:prstGeom>
+          <a:solidFill>
+            <a:schemeClr val="bg2"/>
+          </a:solidFill>
+          <a:ln>
+            <a:noFill/>
+          </a:ln>
+        </p:spPr>
+        <p:style>
+          <a:lnRef idx="2">
+            <a:schemeClr val="accent1">
+              <a:shade val="15000"/>
+            </a:schemeClr>
+          </a:lnRef>
+          <a:fillRef idx="1">
+            <a:schemeClr val="accent1"/>
+          </a:fillRef>
+          <a:effectRef idx="0">
+            <a:schemeClr val="accent1"/>
+          </a:effectRef>
+          <a:fontRef idx="minor">
+            <a:schemeClr val="lt1"/>
+          </a:fontRef>
+        </p:style>
+        <p:txBody>
+          <a:bodyPr rtlCol="0" anchor="ctr"/>
+          <a:lstStyle/>
+          <a:p>
+            <a:pPr algn="ctr"/>
+            <a:endParaRPr lang="en-US" sz="1351"/>
+          </a:p>
+        </p:txBody>
+      </p:sp>
+      <p:sp>
+        <p:nvSpPr>
+          <p:cNvPr id="5" name="Oval 4">
+            <a:extLst>
+              <a:ext uri="{FF2B5EF4-FFF2-40B4-BE49-F238E27FC236}">
+                <a16:creationId xmlns:a16="http://schemas.microsoft.com/office/drawing/2014/main" id="{08956BF7-BE71-A9EC-079D-5F084AB9F9B6}"/>
+              </a:ext>
+            </a:extLst>
+          </p:cNvPr>
+          <p:cNvSpPr/>
+          <p:nvPr/>
+        </p:nvSpPr>
+        <p:spPr>
+          <a:xfrm>
+            <a:off x="129189" y="108651"/>
+            <a:ext cx="246109" cy="250784"/>
+          </a:xfrm>
+          <a:prstGeom prst="ellipse">
+            <a:avLst/>
+          </a:prstGeom>
+          <a:solidFill>
+            <a:schemeClr val="accent1"/>
+          </a:solidFill>
+          <a:ln>
+            <a:noFill/>
+          </a:ln>
+        </p:spPr>
+        <p:style>
+          <a:lnRef idx="2">
+            <a:schemeClr val="accent1">
+              <a:shade val="15000"/>
+            </a:schemeClr>
+          </a:lnRef>
+          <a:fillRef idx="1">
+            <a:schemeClr val="accent1"/>
+          </a:fillRef>
+          <a:effectRef idx="0">
+            <a:schemeClr val="accent1"/>
+          </a:effectRef>
+          <a:fontRef idx="minor">
+            <a:schemeClr val="lt1"/>
+          </a:fontRef>
+        </p:style>
+        <p:txBody>
+          <a:bodyPr rtlCol="0" anchor="ctr"/>
+          <a:lstStyle/>
+          <a:p>
+            <a:pPr algn="ctr"/>
+            <a:endParaRPr lang="en-US"/>
+          </a:p>
+        </p:txBody>
+      </p:sp>
+      <p:sp>
+        <p:nvSpPr>
+          <p:cNvPr id="8" name="Oval 7">
+            <a:extLst>
+              <a:ext uri="{FF2B5EF4-FFF2-40B4-BE49-F238E27FC236}">
+                <a16:creationId xmlns:a16="http://schemas.microsoft.com/office/drawing/2014/main" id="{A1AF4B99-C1D1-838C-D264-AE129883C737}"/>
+              </a:ext>
+            </a:extLst>
+          </p:cNvPr>
+          <p:cNvSpPr/>
+          <p:nvPr/>
+        </p:nvSpPr>
+        <p:spPr>
+          <a:xfrm>
+            <a:off x="504487" y="113785"/>
+            <a:ext cx="246109" cy="250784"/>
+          </a:xfrm>
+          <a:prstGeom prst="ellipse">
+            <a:avLst/>
+          </a:prstGeom>
+          <a:solidFill>
+            <a:schemeClr val="accent3"/>
+          </a:solidFill>
+          <a:ln>
+            <a:noFill/>
+          </a:ln>
+        </p:spPr>
+        <p:style>
+          <a:lnRef idx="2">
+            <a:schemeClr val="accent1">
+              <a:shade val="15000"/>
+            </a:schemeClr>
+          </a:lnRef>
+          <a:fillRef idx="1">
+            <a:schemeClr val="accent1"/>
+          </a:fillRef>
+          <a:effectRef idx="0">
+            <a:schemeClr val="accent1"/>
+          </a:effectRef>
+          <a:fontRef idx="minor">
+            <a:schemeClr val="lt1"/>
+          </a:fontRef>
+        </p:style>
+        <p:txBody>
+          <a:bodyPr rtlCol="0" anchor="ctr"/>
+          <a:lstStyle/>
+          <a:p>
+            <a:pPr algn="ctr"/>
+            <a:endParaRPr lang="en-US"/>
+          </a:p>
+        </p:txBody>
+      </p:sp>
+      <p:sp>
+        <p:nvSpPr>
+          <p:cNvPr id="9" name="Oval 8">
+            <a:extLst>
+              <a:ext uri="{FF2B5EF4-FFF2-40B4-BE49-F238E27FC236}">
+                <a16:creationId xmlns:a16="http://schemas.microsoft.com/office/drawing/2014/main" id="{E5F109CD-D2A5-E4BA-A32D-3C7E5282DFFB}"/>
+              </a:ext>
+            </a:extLst>
+          </p:cNvPr>
+          <p:cNvSpPr/>
+          <p:nvPr/>
+        </p:nvSpPr>
+        <p:spPr>
+          <a:xfrm>
+            <a:off x="879785" y="108651"/>
+            <a:ext cx="246109" cy="250784"/>
+          </a:xfrm>
+          <a:prstGeom prst="ellipse">
+            <a:avLst/>
+          </a:prstGeom>
+          <a:solidFill>
+            <a:schemeClr val="accent2"/>
+          </a:solidFill>
+          <a:ln>
+            <a:noFill/>
+          </a:ln>
+        </p:spPr>
+        <p:style>
+          <a:lnRef idx="2">
+            <a:schemeClr val="accent1">
+              <a:shade val="15000"/>
+            </a:schemeClr>
+          </a:lnRef>
+          <a:fillRef idx="1">
+            <a:schemeClr val="accent1"/>
+          </a:fillRef>
+          <a:effectRef idx="0">
+            <a:schemeClr val="accent1"/>
+          </a:effectRef>
+          <a:fontRef idx="minor">
+            <a:schemeClr val="lt1"/>
+          </a:fontRef>
+        </p:style>
+        <p:txBody>
+          <a:bodyPr rtlCol="0" anchor="ctr"/>
+          <a:lstStyle/>
+          <a:p>
+            <a:pPr algn="ctr"/>
+            <a:endParaRPr lang="en-US"/>
+          </a:p>
+        </p:txBody>
+      </p:sp>
+    </p:spTree>
+    <p:extLst>
+      <p:ext uri="{BB962C8B-B14F-4D97-AF65-F5344CB8AC3E}">
+        <p14:creationId xmlns:p14="http://schemas.microsoft.com/office/powerpoint/2010/main" val="3762060317"/>
+      </p:ext>
+    </p:extLst>
+  </p:cSld>
+  <p:clrMapOvr>
+    <a:masterClrMapping/>
+  </p:clrMapOvr>
+</p:sld>
+</file>
+
+<file path=ppt/slides/slide5.xml><?xml version="1.0" encoding="utf-8"?>
+<p:sld xmlns:a="http://schemas.openxmlformats.org/drawingml/2006/main" xmlns:r="http://schemas.openxmlformats.org/officeDocument/2006/relationships" xmlns:p="http://schemas.openxmlformats.org/presentationml/2006/main">
+  <p:cSld>
+    <p:spTree>
+      <p:nvGrpSpPr>
+        <p:cNvPr id="1" name="">
+          <a:extLst>
+            <a:ext uri="{FF2B5EF4-FFF2-40B4-BE49-F238E27FC236}">
+              <a16:creationId xmlns:a16="http://schemas.microsoft.com/office/drawing/2014/main" id="{7C89D6A6-9801-230B-7F3A-7E268CD669FF}"/>
+            </a:ext>
+          </a:extLst>
+        </p:cNvPr>
+        <p:cNvGrpSpPr/>
+        <p:nvPr/>
+      </p:nvGrpSpPr>
+      <p:grpSpPr>
+        <a:xfrm>
+          <a:off x="0" y="0"/>
+          <a:ext cx="0" cy="0"/>
+          <a:chOff x="0" y="0"/>
+          <a:chExt cx="0" cy="0"/>
+        </a:xfrm>
+      </p:grpSpPr>
+      <p:sp>
+        <p:nvSpPr>
+          <p:cNvPr id="7" name="Content Placeholder 6">
+            <a:extLst>
+              <a:ext uri="{FF2B5EF4-FFF2-40B4-BE49-F238E27FC236}">
+                <a16:creationId xmlns:a16="http://schemas.microsoft.com/office/drawing/2014/main" id="{ED71A7BE-4AD5-EAB0-A45D-5D41AA4DE238}"/>
+              </a:ext>
+            </a:extLst>
+          </p:cNvPr>
+          <p:cNvSpPr>
+            <a:spLocks noGrp="1"/>
+          </p:cNvSpPr>
+          <p:nvPr>
+            <p:ph idx="1"/>
+          </p:nvPr>
+        </p:nvSpPr>
+        <p:spPr>
+          <a:xfrm>
+            <a:off x="838200" y="988399"/>
+            <a:ext cx="10515600" cy="5188566"/>
+          </a:xfrm>
+        </p:spPr>
+        <p:txBody>
+          <a:bodyPr/>
+          <a:lstStyle/>
+          <a:p>
+            <a:r>
+              <a:rPr lang="en-US" dirty="0"/>
+              <a:t>In 1960 ALGOL’s compiler introduced structured programming and syntax trees, which became critical for modern compiler design.</a:t>
+            </a:r>
+          </a:p>
+          <a:p>
+            <a:r>
+              <a:rPr lang="en-US" dirty="0"/>
+              <a:t>In 1972 C programming language was developed, requiring compilers to optimize for performance.</a:t>
+            </a:r>
+          </a:p>
+          <a:p>
+            <a:r>
+              <a:rPr lang="en-US" dirty="0"/>
+              <a:t>Coming to the modern era, we have made significant advancements in the compiler industry, these are some of the modern compiler used:</a:t>
+            </a:r>
+          </a:p>
+          <a:p>
+            <a:pPr lvl="1"/>
+            <a:r>
+              <a:rPr lang="en-US" dirty="0"/>
+              <a:t>Just in time compiler (more on this later)</a:t>
+            </a:r>
+          </a:p>
+          <a:p>
+            <a:pPr lvl="1"/>
+            <a:r>
+              <a:rPr lang="en-US" dirty="0"/>
+              <a:t>Cross-platform compilers and so on</a:t>
+            </a:r>
+          </a:p>
+          <a:p>
+            <a:r>
+              <a:rPr lang="en-US" dirty="0"/>
+              <a:t>Some modern compilers even integrate AI to predict optimization strategies and improve performance.</a:t>
+            </a:r>
+          </a:p>
+        </p:txBody>
+      </p:sp>
+      <p:sp>
+        <p:nvSpPr>
+          <p:cNvPr id="4" name="Rectangle 3">
+            <a:extLst>
+              <a:ext uri="{FF2B5EF4-FFF2-40B4-BE49-F238E27FC236}">
+                <a16:creationId xmlns:a16="http://schemas.microsoft.com/office/drawing/2014/main" id="{807F996C-DFD7-8D38-E8C7-DB135C5D7B61}"/>
+              </a:ext>
+            </a:extLst>
+          </p:cNvPr>
+          <p:cNvSpPr/>
+          <p:nvPr/>
+        </p:nvSpPr>
+        <p:spPr>
+          <a:xfrm>
+            <a:off x="0" y="0"/>
+            <a:ext cx="12192000" cy="468086"/>
+          </a:xfrm>
+          <a:prstGeom prst="rect">
+            <a:avLst/>
+          </a:prstGeom>
+          <a:solidFill>
+            <a:schemeClr val="bg2"/>
+          </a:solidFill>
+          <a:ln>
+            <a:noFill/>
+          </a:ln>
+        </p:spPr>
+        <p:style>
+          <a:lnRef idx="2">
+            <a:schemeClr val="accent1">
+              <a:shade val="15000"/>
+            </a:schemeClr>
+          </a:lnRef>
+          <a:fillRef idx="1">
+            <a:schemeClr val="accent1"/>
+          </a:fillRef>
+          <a:effectRef idx="0">
+            <a:schemeClr val="accent1"/>
+          </a:effectRef>
+          <a:fontRef idx="minor">
+            <a:schemeClr val="lt1"/>
+          </a:fontRef>
+        </p:style>
+        <p:txBody>
+          <a:bodyPr rtlCol="0" anchor="ctr"/>
+          <a:lstStyle/>
+          <a:p>
+            <a:pPr algn="ctr"/>
+            <a:endParaRPr lang="en-US" sz="1351"/>
+          </a:p>
+        </p:txBody>
+      </p:sp>
+      <p:sp>
+        <p:nvSpPr>
+          <p:cNvPr id="5" name="Oval 4">
+            <a:extLst>
+              <a:ext uri="{FF2B5EF4-FFF2-40B4-BE49-F238E27FC236}">
+                <a16:creationId xmlns:a16="http://schemas.microsoft.com/office/drawing/2014/main" id="{0D9C48AF-76E8-721C-6016-36A2FC618FA2}"/>
+              </a:ext>
+            </a:extLst>
+          </p:cNvPr>
+          <p:cNvSpPr/>
+          <p:nvPr/>
+        </p:nvSpPr>
+        <p:spPr>
+          <a:xfrm>
+            <a:off x="129189" y="108651"/>
+            <a:ext cx="246109" cy="250784"/>
+          </a:xfrm>
+          <a:prstGeom prst="ellipse">
+            <a:avLst/>
+          </a:prstGeom>
+          <a:solidFill>
+            <a:schemeClr val="accent1"/>
+          </a:solidFill>
+          <a:ln>
+            <a:noFill/>
+          </a:ln>
+        </p:spPr>
+        <p:style>
+          <a:lnRef idx="2">
+            <a:schemeClr val="accent1">
+              <a:shade val="15000"/>
+            </a:schemeClr>
+          </a:lnRef>
+          <a:fillRef idx="1">
+            <a:schemeClr val="accent1"/>
+          </a:fillRef>
+          <a:effectRef idx="0">
+            <a:schemeClr val="accent1"/>
+          </a:effectRef>
+          <a:fontRef idx="minor">
+            <a:schemeClr val="lt1"/>
+          </a:fontRef>
+        </p:style>
+        <p:txBody>
+          <a:bodyPr rtlCol="0" anchor="ctr"/>
+          <a:lstStyle/>
+          <a:p>
+            <a:pPr algn="ctr"/>
+            <a:endParaRPr lang="en-US"/>
+          </a:p>
+        </p:txBody>
+      </p:sp>
+      <p:sp>
+        <p:nvSpPr>
+          <p:cNvPr id="8" name="Oval 7">
+            <a:extLst>
+              <a:ext uri="{FF2B5EF4-FFF2-40B4-BE49-F238E27FC236}">
+                <a16:creationId xmlns:a16="http://schemas.microsoft.com/office/drawing/2014/main" id="{4F712E74-2BF1-0FF0-AB3C-DE03EE891E2C}"/>
+              </a:ext>
+            </a:extLst>
+          </p:cNvPr>
+          <p:cNvSpPr/>
+          <p:nvPr/>
+        </p:nvSpPr>
+        <p:spPr>
+          <a:xfrm>
+            <a:off x="504487" y="113785"/>
+            <a:ext cx="246109" cy="250784"/>
+          </a:xfrm>
+          <a:prstGeom prst="ellipse">
+            <a:avLst/>
+          </a:prstGeom>
+          <a:solidFill>
+            <a:schemeClr val="accent3"/>
+          </a:solidFill>
+          <a:ln>
+            <a:noFill/>
+          </a:ln>
+        </p:spPr>
+        <p:style>
+          <a:lnRef idx="2">
+            <a:schemeClr val="accent1">
+              <a:shade val="15000"/>
+            </a:schemeClr>
+          </a:lnRef>
+          <a:fillRef idx="1">
+            <a:schemeClr val="accent1"/>
+          </a:fillRef>
+          <a:effectRef idx="0">
+            <a:schemeClr val="accent1"/>
+          </a:effectRef>
+          <a:fontRef idx="minor">
+            <a:schemeClr val="lt1"/>
+          </a:fontRef>
+        </p:style>
+        <p:txBody>
+          <a:bodyPr rtlCol="0" anchor="ctr"/>
+          <a:lstStyle/>
+          <a:p>
+            <a:pPr algn="ctr"/>
+            <a:endParaRPr lang="en-US"/>
+          </a:p>
+        </p:txBody>
+      </p:sp>
+      <p:sp>
+        <p:nvSpPr>
+          <p:cNvPr id="9" name="Oval 8">
+            <a:extLst>
+              <a:ext uri="{FF2B5EF4-FFF2-40B4-BE49-F238E27FC236}">
+                <a16:creationId xmlns:a16="http://schemas.microsoft.com/office/drawing/2014/main" id="{FE4EFD9F-7E99-51BE-FA26-D2A8D78C4190}"/>
+              </a:ext>
+            </a:extLst>
+          </p:cNvPr>
+          <p:cNvSpPr/>
+          <p:nvPr/>
+        </p:nvSpPr>
+        <p:spPr>
+          <a:xfrm>
+            <a:off x="879785" y="108651"/>
+            <a:ext cx="246109" cy="250784"/>
+          </a:xfrm>
+          <a:prstGeom prst="ellipse">
+            <a:avLst/>
+          </a:prstGeom>
+          <a:solidFill>
+            <a:schemeClr val="accent2"/>
+          </a:solidFill>
+          <a:ln>
+            <a:noFill/>
+          </a:ln>
+        </p:spPr>
+        <p:style>
+          <a:lnRef idx="2">
+            <a:schemeClr val="accent1">
+              <a:shade val="15000"/>
+            </a:schemeClr>
+          </a:lnRef>
+          <a:fillRef idx="1">
+            <a:schemeClr val="accent1"/>
+          </a:fillRef>
+          <a:effectRef idx="0">
+            <a:schemeClr val="accent1"/>
+          </a:effectRef>
+          <a:fontRef idx="minor">
+            <a:schemeClr val="lt1"/>
+          </a:fontRef>
+        </p:style>
+        <p:txBody>
+          <a:bodyPr rtlCol="0" anchor="ctr"/>
+          <a:lstStyle/>
+          <a:p>
+            <a:pPr algn="ctr"/>
+            <a:endParaRPr lang="en-US"/>
+          </a:p>
+        </p:txBody>
+      </p:sp>
+    </p:spTree>
+    <p:extLst>
+      <p:ext uri="{BB962C8B-B14F-4D97-AF65-F5344CB8AC3E}">
+        <p14:creationId xmlns:p14="http://schemas.microsoft.com/office/powerpoint/2010/main" val="3468124863"/>
+      </p:ext>
+    </p:extLst>
+  </p:cSld>
+  <p:clrMapOvr>
+    <a:masterClrMapping/>
+  </p:clrMapOvr>
+</p:sld>
+</file>
+
+<file path=ppt/slides/slide6.xml><?xml version="1.0" encoding="utf-8"?>
+<p:sld xmlns:a="http://schemas.openxmlformats.org/drawingml/2006/main" xmlns:r="http://schemas.openxmlformats.org/officeDocument/2006/relationships" xmlns:p="http://schemas.openxmlformats.org/presentationml/2006/main">
+  <p:cSld>
+    <p:spTree>
+      <p:nvGrpSpPr>
+        <p:cNvPr id="1" name="">
+          <a:extLst>
+            <a:ext uri="{FF2B5EF4-FFF2-40B4-BE49-F238E27FC236}">
               <a16:creationId xmlns:a16="http://schemas.microsoft.com/office/drawing/2014/main" id="{646959B6-2161-A37C-DC4A-DE5348503C5F}"/>
             </a:ext>
           </a:extLst>
@@ -8805,7 +10430,7 @@
           <a:p>
             <a:r>
               <a:rPr lang="en-US" dirty="0"/>
-              <a:t>What the compiler does:</a:t>
+              <a:t>A modern compiler:</a:t>
             </a:r>
           </a:p>
         </p:txBody>
@@ -8829,14 +10454,29 @@
         <p:spPr>
           <a:xfrm>
             <a:off x="838200" y="2254763"/>
-            <a:ext cx="10515600" cy="3922201"/>
+            <a:ext cx="10515600" cy="488437"/>
           </a:xfrm>
         </p:spPr>
         <p:txBody>
           <a:bodyPr/>
           <a:lstStyle/>
           <a:p>
-            <a:endParaRPr lang="en-US" dirty="0"/>
+            <a:r>
+              <a:rPr lang="en-US" dirty="0"/>
+              <a:t>There are </a:t>
+            </a:r>
+            <a:r>
+              <a:rPr lang="en-US" dirty="0">
+                <a:solidFill>
+                  <a:schemeClr val="accent3"/>
+                </a:solidFill>
+              </a:rPr>
+              <a:t>three</a:t>
+            </a:r>
+            <a:r>
+              <a:rPr lang="en-US" dirty="0"/>
+              <a:t> phases:</a:t>
+            </a:r>
           </a:p>
         </p:txBody>
       </p:sp>
@@ -9045,6 +10685,933 @@
           <a:p>
             <a:pPr algn="ctr"/>
             <a:endParaRPr lang="en-US"/>
+          </a:p>
+        </p:txBody>
+      </p:sp>
+      <p:sp>
+        <p:nvSpPr>
+          <p:cNvPr id="2" name="Rectangle: Rounded Corners 1">
+            <a:extLst>
+              <a:ext uri="{FF2B5EF4-FFF2-40B4-BE49-F238E27FC236}">
+                <a16:creationId xmlns:a16="http://schemas.microsoft.com/office/drawing/2014/main" id="{AC1A33AF-345D-BF81-8CC3-D2D4C7AAFB99}"/>
+              </a:ext>
+            </a:extLst>
+          </p:cNvPr>
+          <p:cNvSpPr/>
+          <p:nvPr/>
+        </p:nvSpPr>
+        <p:spPr>
+          <a:xfrm>
+            <a:off x="1932842" y="3429004"/>
+            <a:ext cx="2015211" cy="1080166"/>
+          </a:xfrm>
+          <a:prstGeom prst="roundRect">
+            <a:avLst/>
+          </a:prstGeom>
+          <a:solidFill>
+            <a:schemeClr val="bg2"/>
+          </a:solidFill>
+          <a:ln w="28575">
+            <a:solidFill>
+              <a:schemeClr val="tx1"/>
+            </a:solidFill>
+          </a:ln>
+        </p:spPr>
+        <p:style>
+          <a:lnRef idx="2">
+            <a:schemeClr val="accent1">
+              <a:shade val="15000"/>
+            </a:schemeClr>
+          </a:lnRef>
+          <a:fillRef idx="1">
+            <a:schemeClr val="accent1"/>
+          </a:fillRef>
+          <a:effectRef idx="0">
+            <a:schemeClr val="accent1"/>
+          </a:effectRef>
+          <a:fontRef idx="minor">
+            <a:schemeClr val="lt1"/>
+          </a:fontRef>
+        </p:style>
+        <p:txBody>
+          <a:bodyPr rtlCol="0" anchor="ctr"/>
+          <a:lstStyle/>
+          <a:p>
+            <a:pPr algn="ctr"/>
+            <a:endParaRPr lang="en-US"/>
+          </a:p>
+        </p:txBody>
+      </p:sp>
+      <p:sp>
+        <p:nvSpPr>
+          <p:cNvPr id="12" name="TextBox 11">
+            <a:extLst>
+              <a:ext uri="{FF2B5EF4-FFF2-40B4-BE49-F238E27FC236}">
+                <a16:creationId xmlns:a16="http://schemas.microsoft.com/office/drawing/2014/main" id="{15902D13-2014-13C0-9356-5A96617077ED}"/>
+              </a:ext>
+            </a:extLst>
+          </p:cNvPr>
+          <p:cNvSpPr txBox="1"/>
+          <p:nvPr/>
+        </p:nvSpPr>
+        <p:spPr>
+          <a:xfrm>
+            <a:off x="2083482" y="3738255"/>
+            <a:ext cx="1713931" cy="461665"/>
+          </a:xfrm>
+          <a:prstGeom prst="rect">
+            <a:avLst/>
+          </a:prstGeom>
+          <a:noFill/>
+        </p:spPr>
+        <p:txBody>
+          <a:bodyPr wrap="none" rtlCol="0">
+            <a:spAutoFit/>
+          </a:bodyPr>
+          <a:lstStyle/>
+          <a:p>
+            <a:r>
+              <a:rPr lang="en-US" sz="2400" dirty="0"/>
+              <a:t>Front-End</a:t>
+            </a:r>
+            <a:endParaRPr lang="en-US" dirty="0"/>
+          </a:p>
+        </p:txBody>
+      </p:sp>
+      <p:sp>
+        <p:nvSpPr>
+          <p:cNvPr id="13" name="Rectangle: Rounded Corners 12">
+            <a:extLst>
+              <a:ext uri="{FF2B5EF4-FFF2-40B4-BE49-F238E27FC236}">
+                <a16:creationId xmlns:a16="http://schemas.microsoft.com/office/drawing/2014/main" id="{FDAEF1EA-5000-7F53-36FB-851463F57EEE}"/>
+              </a:ext>
+            </a:extLst>
+          </p:cNvPr>
+          <p:cNvSpPr/>
+          <p:nvPr/>
+        </p:nvSpPr>
+        <p:spPr>
+          <a:xfrm>
+            <a:off x="4938117" y="3429000"/>
+            <a:ext cx="2015211" cy="1080166"/>
+          </a:xfrm>
+          <a:prstGeom prst="roundRect">
+            <a:avLst/>
+          </a:prstGeom>
+          <a:solidFill>
+            <a:schemeClr val="bg2"/>
+          </a:solidFill>
+          <a:ln w="28575">
+            <a:solidFill>
+              <a:schemeClr val="tx1"/>
+            </a:solidFill>
+          </a:ln>
+        </p:spPr>
+        <p:style>
+          <a:lnRef idx="2">
+            <a:schemeClr val="accent1">
+              <a:shade val="15000"/>
+            </a:schemeClr>
+          </a:lnRef>
+          <a:fillRef idx="1">
+            <a:schemeClr val="accent1"/>
+          </a:fillRef>
+          <a:effectRef idx="0">
+            <a:schemeClr val="accent1"/>
+          </a:effectRef>
+          <a:fontRef idx="minor">
+            <a:schemeClr val="lt1"/>
+          </a:fontRef>
+        </p:style>
+        <p:txBody>
+          <a:bodyPr rtlCol="0" anchor="ctr"/>
+          <a:lstStyle/>
+          <a:p>
+            <a:pPr algn="ctr"/>
+            <a:endParaRPr lang="en-US"/>
+          </a:p>
+        </p:txBody>
+      </p:sp>
+      <p:sp>
+        <p:nvSpPr>
+          <p:cNvPr id="14" name="Rectangle: Rounded Corners 13">
+            <a:extLst>
+              <a:ext uri="{FF2B5EF4-FFF2-40B4-BE49-F238E27FC236}">
+                <a16:creationId xmlns:a16="http://schemas.microsoft.com/office/drawing/2014/main" id="{703B6DB2-FCB2-2A53-F671-81F400E17666}"/>
+              </a:ext>
+            </a:extLst>
+          </p:cNvPr>
+          <p:cNvSpPr/>
+          <p:nvPr/>
+        </p:nvSpPr>
+        <p:spPr>
+          <a:xfrm>
+            <a:off x="7943393" y="3429000"/>
+            <a:ext cx="2015211" cy="1080166"/>
+          </a:xfrm>
+          <a:prstGeom prst="roundRect">
+            <a:avLst/>
+          </a:prstGeom>
+          <a:solidFill>
+            <a:schemeClr val="bg2"/>
+          </a:solidFill>
+          <a:ln w="28575">
+            <a:solidFill>
+              <a:schemeClr val="tx1"/>
+            </a:solidFill>
+          </a:ln>
+        </p:spPr>
+        <p:style>
+          <a:lnRef idx="2">
+            <a:schemeClr val="accent1">
+              <a:shade val="15000"/>
+            </a:schemeClr>
+          </a:lnRef>
+          <a:fillRef idx="1">
+            <a:schemeClr val="accent1"/>
+          </a:fillRef>
+          <a:effectRef idx="0">
+            <a:schemeClr val="accent1"/>
+          </a:effectRef>
+          <a:fontRef idx="minor">
+            <a:schemeClr val="lt1"/>
+          </a:fontRef>
+        </p:style>
+        <p:txBody>
+          <a:bodyPr rtlCol="0" anchor="ctr"/>
+          <a:lstStyle/>
+          <a:p>
+            <a:pPr algn="ctr"/>
+            <a:endParaRPr lang="en-US"/>
+          </a:p>
+        </p:txBody>
+      </p:sp>
+      <p:sp>
+        <p:nvSpPr>
+          <p:cNvPr id="15" name="TextBox 14">
+            <a:extLst>
+              <a:ext uri="{FF2B5EF4-FFF2-40B4-BE49-F238E27FC236}">
+                <a16:creationId xmlns:a16="http://schemas.microsoft.com/office/drawing/2014/main" id="{E47CC249-A378-F78C-D6F2-F7E00463882F}"/>
+              </a:ext>
+            </a:extLst>
+          </p:cNvPr>
+          <p:cNvSpPr txBox="1"/>
+          <p:nvPr/>
+        </p:nvSpPr>
+        <p:spPr>
+          <a:xfrm>
+            <a:off x="5093566" y="3784417"/>
+            <a:ext cx="1704313" cy="369332"/>
+          </a:xfrm>
+          <a:prstGeom prst="rect">
+            <a:avLst/>
+          </a:prstGeom>
+          <a:noFill/>
+        </p:spPr>
+        <p:txBody>
+          <a:bodyPr wrap="none" rtlCol="0">
+            <a:spAutoFit/>
+          </a:bodyPr>
+          <a:lstStyle/>
+          <a:p>
+            <a:r>
+              <a:rPr lang="en-US" dirty="0"/>
+              <a:t>Optimization</a:t>
+            </a:r>
+          </a:p>
+        </p:txBody>
+      </p:sp>
+      <p:sp>
+        <p:nvSpPr>
+          <p:cNvPr id="16" name="TextBox 15">
+            <a:extLst>
+              <a:ext uri="{FF2B5EF4-FFF2-40B4-BE49-F238E27FC236}">
+                <a16:creationId xmlns:a16="http://schemas.microsoft.com/office/drawing/2014/main" id="{A3145048-7603-81A2-4303-A36AEEC8BB47}"/>
+              </a:ext>
+            </a:extLst>
+          </p:cNvPr>
+          <p:cNvSpPr txBox="1"/>
+          <p:nvPr/>
+        </p:nvSpPr>
+        <p:spPr>
+          <a:xfrm>
+            <a:off x="8178992" y="3738255"/>
+            <a:ext cx="1544012" cy="461665"/>
+          </a:xfrm>
+          <a:prstGeom prst="rect">
+            <a:avLst/>
+          </a:prstGeom>
+          <a:noFill/>
+        </p:spPr>
+        <p:txBody>
+          <a:bodyPr wrap="none" rtlCol="0">
+            <a:spAutoFit/>
+          </a:bodyPr>
+          <a:lstStyle/>
+          <a:p>
+            <a:r>
+              <a:rPr lang="en-US" sz="2400" dirty="0"/>
+              <a:t>Back-End</a:t>
+            </a:r>
+          </a:p>
+        </p:txBody>
+      </p:sp>
+      <p:sp>
+        <p:nvSpPr>
+          <p:cNvPr id="18" name="TextBox 17">
+            <a:extLst>
+              <a:ext uri="{FF2B5EF4-FFF2-40B4-BE49-F238E27FC236}">
+                <a16:creationId xmlns:a16="http://schemas.microsoft.com/office/drawing/2014/main" id="{872953DA-9D92-06BC-3A31-B481952DBF64}"/>
+              </a:ext>
+            </a:extLst>
+          </p:cNvPr>
+          <p:cNvSpPr txBox="1"/>
+          <p:nvPr/>
+        </p:nvSpPr>
+        <p:spPr>
+          <a:xfrm>
+            <a:off x="10412384" y="3553586"/>
+            <a:ext cx="1374095" cy="830997"/>
+          </a:xfrm>
+          <a:prstGeom prst="rect">
+            <a:avLst/>
+          </a:prstGeom>
+          <a:noFill/>
+        </p:spPr>
+        <p:txBody>
+          <a:bodyPr wrap="none" rtlCol="0">
+            <a:spAutoFit/>
+          </a:bodyPr>
+          <a:lstStyle/>
+          <a:p>
+            <a:pPr algn="ctr"/>
+            <a:r>
+              <a:rPr lang="en-US" sz="2400" dirty="0">
+                <a:solidFill>
+                  <a:schemeClr val="accent2"/>
+                </a:solidFill>
+              </a:rPr>
+              <a:t>Machine</a:t>
+            </a:r>
+          </a:p>
+          <a:p>
+            <a:pPr algn="ctr"/>
+            <a:r>
+              <a:rPr lang="en-US" sz="2400" dirty="0">
+                <a:solidFill>
+                  <a:schemeClr val="accent2"/>
+                </a:solidFill>
+              </a:rPr>
+              <a:t>Code</a:t>
+            </a:r>
+          </a:p>
+        </p:txBody>
+      </p:sp>
+      <p:sp>
+        <p:nvSpPr>
+          <p:cNvPr id="19" name="TextBox 18">
+            <a:extLst>
+              <a:ext uri="{FF2B5EF4-FFF2-40B4-BE49-F238E27FC236}">
+                <a16:creationId xmlns:a16="http://schemas.microsoft.com/office/drawing/2014/main" id="{FD240AF7-989F-0182-3BD4-71AD7A0745BE}"/>
+              </a:ext>
+            </a:extLst>
+          </p:cNvPr>
+          <p:cNvSpPr txBox="1"/>
+          <p:nvPr/>
+        </p:nvSpPr>
+        <p:spPr>
+          <a:xfrm>
+            <a:off x="252243" y="3553585"/>
+            <a:ext cx="1204177" cy="830997"/>
+          </a:xfrm>
+          <a:prstGeom prst="rect">
+            <a:avLst/>
+          </a:prstGeom>
+          <a:noFill/>
+        </p:spPr>
+        <p:txBody>
+          <a:bodyPr wrap="none" rtlCol="0">
+            <a:spAutoFit/>
+          </a:bodyPr>
+          <a:lstStyle/>
+          <a:p>
+            <a:pPr algn="ctr"/>
+            <a:r>
+              <a:rPr lang="en-US" sz="2400" dirty="0">
+                <a:solidFill>
+                  <a:schemeClr val="accent1"/>
+                </a:solidFill>
+              </a:rPr>
+              <a:t>Source</a:t>
+            </a:r>
+          </a:p>
+          <a:p>
+            <a:pPr algn="ctr"/>
+            <a:r>
+              <a:rPr lang="en-US" sz="2400" dirty="0">
+                <a:solidFill>
+                  <a:schemeClr val="accent1"/>
+                </a:solidFill>
+              </a:rPr>
+              <a:t>Code</a:t>
+            </a:r>
+          </a:p>
+        </p:txBody>
+      </p:sp>
+      <p:cxnSp>
+        <p:nvCxnSpPr>
+          <p:cNvPr id="24" name="Straight Arrow Connector 23">
+            <a:extLst>
+              <a:ext uri="{FF2B5EF4-FFF2-40B4-BE49-F238E27FC236}">
+                <a16:creationId xmlns:a16="http://schemas.microsoft.com/office/drawing/2014/main" id="{9EE9BC22-4CE6-51CD-C2E2-415C95EFDAB7}"/>
+              </a:ext>
+            </a:extLst>
+          </p:cNvPr>
+          <p:cNvCxnSpPr>
+            <a:cxnSpLocks/>
+            <a:stCxn id="2" idx="3"/>
+            <a:endCxn id="31" idx="1"/>
+          </p:cNvCxnSpPr>
+          <p:nvPr/>
+        </p:nvCxnSpPr>
+        <p:spPr>
+          <a:xfrm flipV="1">
+            <a:off x="3948053" y="3969083"/>
+            <a:ext cx="276062" cy="4"/>
+          </a:xfrm>
+          <a:prstGeom prst="straightConnector1">
+            <a:avLst/>
+          </a:prstGeom>
+          <a:ln w="38100">
+            <a:solidFill>
+              <a:schemeClr val="tx1"/>
+            </a:solidFill>
+            <a:headEnd type="none" w="med" len="med"/>
+            <a:tailEnd type="arrow" w="med" len="med"/>
+          </a:ln>
+        </p:spPr>
+        <p:style>
+          <a:lnRef idx="1">
+            <a:schemeClr val="accent1"/>
+          </a:lnRef>
+          <a:fillRef idx="0">
+            <a:schemeClr val="accent1"/>
+          </a:fillRef>
+          <a:effectRef idx="0">
+            <a:schemeClr val="accent1"/>
+          </a:effectRef>
+          <a:fontRef idx="minor">
+            <a:schemeClr val="tx1"/>
+          </a:fontRef>
+        </p:style>
+      </p:cxnSp>
+      <p:cxnSp>
+        <p:nvCxnSpPr>
+          <p:cNvPr id="26" name="Straight Arrow Connector 25">
+            <a:extLst>
+              <a:ext uri="{FF2B5EF4-FFF2-40B4-BE49-F238E27FC236}">
+                <a16:creationId xmlns:a16="http://schemas.microsoft.com/office/drawing/2014/main" id="{477B2C82-8357-B60D-5BA8-E25387354B35}"/>
+              </a:ext>
+            </a:extLst>
+          </p:cNvPr>
+          <p:cNvCxnSpPr>
+            <a:cxnSpLocks/>
+            <a:stCxn id="13" idx="3"/>
+            <a:endCxn id="32" idx="1"/>
+          </p:cNvCxnSpPr>
+          <p:nvPr/>
+        </p:nvCxnSpPr>
+        <p:spPr>
+          <a:xfrm>
+            <a:off x="6953328" y="3969083"/>
+            <a:ext cx="276062" cy="0"/>
+          </a:xfrm>
+          <a:prstGeom prst="straightConnector1">
+            <a:avLst/>
+          </a:prstGeom>
+          <a:ln w="38100">
+            <a:solidFill>
+              <a:schemeClr val="tx1"/>
+            </a:solidFill>
+            <a:headEnd type="none" w="med" len="med"/>
+            <a:tailEnd type="arrow" w="med" len="med"/>
+          </a:ln>
+        </p:spPr>
+        <p:style>
+          <a:lnRef idx="1">
+            <a:schemeClr val="accent1"/>
+          </a:lnRef>
+          <a:fillRef idx="0">
+            <a:schemeClr val="accent1"/>
+          </a:fillRef>
+          <a:effectRef idx="0">
+            <a:schemeClr val="accent1"/>
+          </a:effectRef>
+          <a:fontRef idx="minor">
+            <a:schemeClr val="tx1"/>
+          </a:fontRef>
+        </p:style>
+      </p:cxnSp>
+      <p:cxnSp>
+        <p:nvCxnSpPr>
+          <p:cNvPr id="28" name="Straight Arrow Connector 27">
+            <a:extLst>
+              <a:ext uri="{FF2B5EF4-FFF2-40B4-BE49-F238E27FC236}">
+                <a16:creationId xmlns:a16="http://schemas.microsoft.com/office/drawing/2014/main" id="{3F705142-D5C5-0670-F535-F04374C8C1B4}"/>
+              </a:ext>
+            </a:extLst>
+          </p:cNvPr>
+          <p:cNvCxnSpPr>
+            <a:stCxn id="14" idx="3"/>
+            <a:endCxn id="18" idx="1"/>
+          </p:cNvCxnSpPr>
+          <p:nvPr/>
+        </p:nvCxnSpPr>
+        <p:spPr>
+          <a:xfrm>
+            <a:off x="9958604" y="3969083"/>
+            <a:ext cx="453780" cy="2"/>
+          </a:xfrm>
+          <a:prstGeom prst="straightConnector1">
+            <a:avLst/>
+          </a:prstGeom>
+          <a:ln w="38100">
+            <a:solidFill>
+              <a:schemeClr val="tx1"/>
+            </a:solidFill>
+            <a:headEnd type="none" w="med" len="med"/>
+            <a:tailEnd type="arrow" w="med" len="med"/>
+          </a:ln>
+        </p:spPr>
+        <p:style>
+          <a:lnRef idx="1">
+            <a:schemeClr val="accent1"/>
+          </a:lnRef>
+          <a:fillRef idx="0">
+            <a:schemeClr val="accent1"/>
+          </a:fillRef>
+          <a:effectRef idx="0">
+            <a:schemeClr val="accent1"/>
+          </a:effectRef>
+          <a:fontRef idx="minor">
+            <a:schemeClr val="tx1"/>
+          </a:fontRef>
+        </p:style>
+      </p:cxnSp>
+      <p:cxnSp>
+        <p:nvCxnSpPr>
+          <p:cNvPr id="30" name="Straight Arrow Connector 29">
+            <a:extLst>
+              <a:ext uri="{FF2B5EF4-FFF2-40B4-BE49-F238E27FC236}">
+                <a16:creationId xmlns:a16="http://schemas.microsoft.com/office/drawing/2014/main" id="{C07212FB-FEE3-7C2E-6BFA-EE3314FAA3C2}"/>
+              </a:ext>
+            </a:extLst>
+          </p:cNvPr>
+          <p:cNvCxnSpPr>
+            <a:stCxn id="19" idx="3"/>
+            <a:endCxn id="2" idx="1"/>
+          </p:cNvCxnSpPr>
+          <p:nvPr/>
+        </p:nvCxnSpPr>
+        <p:spPr>
+          <a:xfrm>
+            <a:off x="1456420" y="3969084"/>
+            <a:ext cx="476422" cy="3"/>
+          </a:xfrm>
+          <a:prstGeom prst="straightConnector1">
+            <a:avLst/>
+          </a:prstGeom>
+          <a:ln w="38100">
+            <a:solidFill>
+              <a:schemeClr val="tx1"/>
+            </a:solidFill>
+            <a:headEnd type="none" w="med" len="med"/>
+            <a:tailEnd type="arrow" w="med" len="med"/>
+          </a:ln>
+        </p:spPr>
+        <p:style>
+          <a:lnRef idx="1">
+            <a:schemeClr val="accent1"/>
+          </a:lnRef>
+          <a:fillRef idx="0">
+            <a:schemeClr val="accent1"/>
+          </a:fillRef>
+          <a:effectRef idx="0">
+            <a:schemeClr val="accent1"/>
+          </a:effectRef>
+          <a:fontRef idx="minor">
+            <a:schemeClr val="tx1"/>
+          </a:fontRef>
+        </p:style>
+      </p:cxnSp>
+      <p:sp>
+        <p:nvSpPr>
+          <p:cNvPr id="31" name="TextBox 30">
+            <a:extLst>
+              <a:ext uri="{FF2B5EF4-FFF2-40B4-BE49-F238E27FC236}">
+                <a16:creationId xmlns:a16="http://schemas.microsoft.com/office/drawing/2014/main" id="{7C99FEF2-9424-5139-43AB-EC6C9503E67F}"/>
+              </a:ext>
+            </a:extLst>
+          </p:cNvPr>
+          <p:cNvSpPr txBox="1"/>
+          <p:nvPr/>
+        </p:nvSpPr>
+        <p:spPr>
+          <a:xfrm>
+            <a:off x="4224115" y="3784417"/>
+            <a:ext cx="437940" cy="369332"/>
+          </a:xfrm>
+          <a:prstGeom prst="rect">
+            <a:avLst/>
+          </a:prstGeom>
+          <a:noFill/>
+        </p:spPr>
+        <p:txBody>
+          <a:bodyPr wrap="none" rtlCol="0">
+            <a:spAutoFit/>
+          </a:bodyPr>
+          <a:lstStyle/>
+          <a:p>
+            <a:r>
+              <a:rPr lang="en-US" dirty="0">
+                <a:solidFill>
+                  <a:schemeClr val="accent5"/>
+                </a:solidFill>
+              </a:rPr>
+              <a:t>IR</a:t>
+            </a:r>
+          </a:p>
+        </p:txBody>
+      </p:sp>
+      <p:sp>
+        <p:nvSpPr>
+          <p:cNvPr id="32" name="TextBox 31">
+            <a:extLst>
+              <a:ext uri="{FF2B5EF4-FFF2-40B4-BE49-F238E27FC236}">
+                <a16:creationId xmlns:a16="http://schemas.microsoft.com/office/drawing/2014/main" id="{9735F1F7-48EE-89DD-563A-F7A3435DD93D}"/>
+              </a:ext>
+            </a:extLst>
+          </p:cNvPr>
+          <p:cNvSpPr txBox="1"/>
+          <p:nvPr/>
+        </p:nvSpPr>
+        <p:spPr>
+          <a:xfrm>
+            <a:off x="7229390" y="3784417"/>
+            <a:ext cx="437940" cy="369332"/>
+          </a:xfrm>
+          <a:prstGeom prst="rect">
+            <a:avLst/>
+          </a:prstGeom>
+          <a:noFill/>
+        </p:spPr>
+        <p:txBody>
+          <a:bodyPr wrap="none" rtlCol="0">
+            <a:spAutoFit/>
+          </a:bodyPr>
+          <a:lstStyle/>
+          <a:p>
+            <a:r>
+              <a:rPr lang="en-US" dirty="0">
+                <a:solidFill>
+                  <a:schemeClr val="accent6"/>
+                </a:solidFill>
+              </a:rPr>
+              <a:t>IR</a:t>
+            </a:r>
+          </a:p>
+        </p:txBody>
+      </p:sp>
+      <p:cxnSp>
+        <p:nvCxnSpPr>
+          <p:cNvPr id="35" name="Straight Arrow Connector 34">
+            <a:extLst>
+              <a:ext uri="{FF2B5EF4-FFF2-40B4-BE49-F238E27FC236}">
+                <a16:creationId xmlns:a16="http://schemas.microsoft.com/office/drawing/2014/main" id="{E13B8F66-B0DA-A027-6131-FC4DCCBE66ED}"/>
+              </a:ext>
+            </a:extLst>
+          </p:cNvPr>
+          <p:cNvCxnSpPr>
+            <a:cxnSpLocks/>
+            <a:stCxn id="31" idx="3"/>
+            <a:endCxn id="13" idx="1"/>
+          </p:cNvCxnSpPr>
+          <p:nvPr/>
+        </p:nvCxnSpPr>
+        <p:spPr>
+          <a:xfrm>
+            <a:off x="4662055" y="3969083"/>
+            <a:ext cx="276062" cy="0"/>
+          </a:xfrm>
+          <a:prstGeom prst="straightConnector1">
+            <a:avLst/>
+          </a:prstGeom>
+          <a:ln w="38100">
+            <a:solidFill>
+              <a:schemeClr val="tx1"/>
+            </a:solidFill>
+            <a:headEnd type="none" w="med" len="med"/>
+            <a:tailEnd type="arrow" w="med" len="med"/>
+          </a:ln>
+        </p:spPr>
+        <p:style>
+          <a:lnRef idx="1">
+            <a:schemeClr val="accent1"/>
+          </a:lnRef>
+          <a:fillRef idx="0">
+            <a:schemeClr val="accent1"/>
+          </a:fillRef>
+          <a:effectRef idx="0">
+            <a:schemeClr val="accent1"/>
+          </a:effectRef>
+          <a:fontRef idx="minor">
+            <a:schemeClr val="tx1"/>
+          </a:fontRef>
+        </p:style>
+      </p:cxnSp>
+      <p:cxnSp>
+        <p:nvCxnSpPr>
+          <p:cNvPr id="40" name="Straight Arrow Connector 39">
+            <a:extLst>
+              <a:ext uri="{FF2B5EF4-FFF2-40B4-BE49-F238E27FC236}">
+                <a16:creationId xmlns:a16="http://schemas.microsoft.com/office/drawing/2014/main" id="{5D411E7B-C752-C7BD-7DC3-C1A2C3D52D2B}"/>
+              </a:ext>
+            </a:extLst>
+          </p:cNvPr>
+          <p:cNvCxnSpPr>
+            <a:cxnSpLocks/>
+            <a:stCxn id="32" idx="3"/>
+            <a:endCxn id="14" idx="1"/>
+          </p:cNvCxnSpPr>
+          <p:nvPr/>
+        </p:nvCxnSpPr>
+        <p:spPr>
+          <a:xfrm>
+            <a:off x="7667330" y="3969083"/>
+            <a:ext cx="276063" cy="0"/>
+          </a:xfrm>
+          <a:prstGeom prst="straightConnector1">
+            <a:avLst/>
+          </a:prstGeom>
+          <a:ln w="38100">
+            <a:solidFill>
+              <a:schemeClr val="tx1"/>
+            </a:solidFill>
+            <a:headEnd type="none" w="med" len="med"/>
+            <a:tailEnd type="arrow" w="med" len="med"/>
+          </a:ln>
+        </p:spPr>
+        <p:style>
+          <a:lnRef idx="1">
+            <a:schemeClr val="accent1"/>
+          </a:lnRef>
+          <a:fillRef idx="0">
+            <a:schemeClr val="accent1"/>
+          </a:fillRef>
+          <a:effectRef idx="0">
+            <a:schemeClr val="accent1"/>
+          </a:effectRef>
+          <a:fontRef idx="minor">
+            <a:schemeClr val="tx1"/>
+          </a:fontRef>
+        </p:style>
+      </p:cxnSp>
+      <p:sp>
+        <p:nvSpPr>
+          <p:cNvPr id="47" name="Content Placeholder 6">
+            <a:extLst>
+              <a:ext uri="{FF2B5EF4-FFF2-40B4-BE49-F238E27FC236}">
+                <a16:creationId xmlns:a16="http://schemas.microsoft.com/office/drawing/2014/main" id="{61C92DF1-61AD-FF4F-C431-078DB64D0E40}"/>
+              </a:ext>
+            </a:extLst>
+          </p:cNvPr>
+          <p:cNvSpPr txBox="1">
+            <a:spLocks/>
+          </p:cNvSpPr>
+          <p:nvPr/>
+        </p:nvSpPr>
+        <p:spPr>
+          <a:xfrm>
+            <a:off x="838200" y="5191996"/>
+            <a:ext cx="10515600" cy="488437"/>
+          </a:xfrm>
+          <a:prstGeom prst="rect">
+            <a:avLst/>
+          </a:prstGeom>
+        </p:spPr>
+        <p:txBody>
+          <a:bodyPr vert="horz" lIns="91440" tIns="45720" rIns="91440" bIns="45720" rtlCol="0">
+            <a:normAutofit/>
+          </a:bodyPr>
+          <a:lstStyle>
+            <a:lvl1pPr marL="228594" indent="-228594" algn="l" defTabSz="914377" rtl="0" eaLnBrk="1" latinLnBrk="0" hangingPunct="1">
+              <a:lnSpc>
+                <a:spcPct val="90000"/>
+              </a:lnSpc>
+              <a:spcBef>
+                <a:spcPts val="1000"/>
+              </a:spcBef>
+              <a:buFont typeface="Arial" panose="020B0604020202020204" pitchFamily="34" charset="0"/>
+              <a:buChar char="•"/>
+              <a:defRPr sz="2800" kern="1200">
+                <a:solidFill>
+                  <a:schemeClr val="tx1"/>
+                </a:solidFill>
+                <a:latin typeface="+mn-lt"/>
+                <a:ea typeface="+mn-ea"/>
+                <a:cs typeface="+mn-cs"/>
+              </a:defRPr>
+            </a:lvl1pPr>
+            <a:lvl2pPr marL="685783" indent="-228594" algn="l" defTabSz="914377" rtl="0" eaLnBrk="1" latinLnBrk="0" hangingPunct="1">
+              <a:lnSpc>
+                <a:spcPct val="90000"/>
+              </a:lnSpc>
+              <a:spcBef>
+                <a:spcPts val="500"/>
+              </a:spcBef>
+              <a:buFont typeface="Arial" panose="020B0604020202020204" pitchFamily="34" charset="0"/>
+              <a:buChar char="•"/>
+              <a:defRPr sz="2400" kern="1200">
+                <a:solidFill>
+                  <a:schemeClr val="tx1"/>
+                </a:solidFill>
+                <a:latin typeface="+mn-lt"/>
+                <a:ea typeface="+mn-ea"/>
+                <a:cs typeface="+mn-cs"/>
+              </a:defRPr>
+            </a:lvl2pPr>
+            <a:lvl3pPr marL="1142971" indent="-228594" algn="l" defTabSz="914377" rtl="0" eaLnBrk="1" latinLnBrk="0" hangingPunct="1">
+              <a:lnSpc>
+                <a:spcPct val="90000"/>
+              </a:lnSpc>
+              <a:spcBef>
+                <a:spcPts val="500"/>
+              </a:spcBef>
+              <a:buFont typeface="Arial" panose="020B0604020202020204" pitchFamily="34" charset="0"/>
+              <a:buChar char="•"/>
+              <a:defRPr sz="2000" kern="1200">
+                <a:solidFill>
+                  <a:schemeClr val="tx1"/>
+                </a:solidFill>
+                <a:latin typeface="+mn-lt"/>
+                <a:ea typeface="+mn-ea"/>
+                <a:cs typeface="+mn-cs"/>
+              </a:defRPr>
+            </a:lvl3pPr>
+            <a:lvl4pPr marL="1600160" indent="-228594" algn="l" defTabSz="914377" rtl="0" eaLnBrk="1" latinLnBrk="0" hangingPunct="1">
+              <a:lnSpc>
+                <a:spcPct val="90000"/>
+              </a:lnSpc>
+              <a:spcBef>
+                <a:spcPts val="500"/>
+              </a:spcBef>
+              <a:buFont typeface="Arial" panose="020B0604020202020204" pitchFamily="34" charset="0"/>
+              <a:buChar char="•"/>
+              <a:defRPr sz="1800" kern="1200">
+                <a:solidFill>
+                  <a:schemeClr val="tx1"/>
+                </a:solidFill>
+                <a:latin typeface="+mn-lt"/>
+                <a:ea typeface="+mn-ea"/>
+                <a:cs typeface="+mn-cs"/>
+              </a:defRPr>
+            </a:lvl4pPr>
+            <a:lvl5pPr marL="2057349" indent="-228594" algn="l" defTabSz="914377" rtl="0" eaLnBrk="1" latinLnBrk="0" hangingPunct="1">
+              <a:lnSpc>
+                <a:spcPct val="90000"/>
+              </a:lnSpc>
+              <a:spcBef>
+                <a:spcPts val="500"/>
+              </a:spcBef>
+              <a:buFont typeface="Arial" panose="020B0604020202020204" pitchFamily="34" charset="0"/>
+              <a:buChar char="•"/>
+              <a:defRPr sz="1800" kern="1200">
+                <a:solidFill>
+                  <a:schemeClr val="tx1"/>
+                </a:solidFill>
+                <a:latin typeface="+mn-lt"/>
+                <a:ea typeface="+mn-ea"/>
+                <a:cs typeface="+mn-cs"/>
+              </a:defRPr>
+            </a:lvl5pPr>
+            <a:lvl6pPr marL="2514537" indent="-228594" algn="l" defTabSz="914377" rtl="0" eaLnBrk="1" latinLnBrk="0" hangingPunct="1">
+              <a:lnSpc>
+                <a:spcPct val="90000"/>
+              </a:lnSpc>
+              <a:spcBef>
+                <a:spcPts val="500"/>
+              </a:spcBef>
+              <a:buFont typeface="Arial" panose="020B0604020202020204" pitchFamily="34" charset="0"/>
+              <a:buChar char="•"/>
+              <a:defRPr sz="1800" kern="1200">
+                <a:solidFill>
+                  <a:schemeClr val="tx1"/>
+                </a:solidFill>
+                <a:latin typeface="+mn-lt"/>
+                <a:ea typeface="+mn-ea"/>
+                <a:cs typeface="+mn-cs"/>
+              </a:defRPr>
+            </a:lvl6pPr>
+            <a:lvl7pPr marL="2971726" indent="-228594" algn="l" defTabSz="914377" rtl="0" eaLnBrk="1" latinLnBrk="0" hangingPunct="1">
+              <a:lnSpc>
+                <a:spcPct val="90000"/>
+              </a:lnSpc>
+              <a:spcBef>
+                <a:spcPts val="500"/>
+              </a:spcBef>
+              <a:buFont typeface="Arial" panose="020B0604020202020204" pitchFamily="34" charset="0"/>
+              <a:buChar char="•"/>
+              <a:defRPr sz="1800" kern="1200">
+                <a:solidFill>
+                  <a:schemeClr val="tx1"/>
+                </a:solidFill>
+                <a:latin typeface="+mn-lt"/>
+                <a:ea typeface="+mn-ea"/>
+                <a:cs typeface="+mn-cs"/>
+              </a:defRPr>
+            </a:lvl7pPr>
+            <a:lvl8pPr marL="3428914" indent="-228594" algn="l" defTabSz="914377" rtl="0" eaLnBrk="1" latinLnBrk="0" hangingPunct="1">
+              <a:lnSpc>
+                <a:spcPct val="90000"/>
+              </a:lnSpc>
+              <a:spcBef>
+                <a:spcPts val="500"/>
+              </a:spcBef>
+              <a:buFont typeface="Arial" panose="020B0604020202020204" pitchFamily="34" charset="0"/>
+              <a:buChar char="•"/>
+              <a:defRPr sz="1800" kern="1200">
+                <a:solidFill>
+                  <a:schemeClr val="tx1"/>
+                </a:solidFill>
+                <a:latin typeface="+mn-lt"/>
+                <a:ea typeface="+mn-ea"/>
+                <a:cs typeface="+mn-cs"/>
+              </a:defRPr>
+            </a:lvl8pPr>
+            <a:lvl9pPr marL="3886103" indent="-228594" algn="l" defTabSz="914377" rtl="0" eaLnBrk="1" latinLnBrk="0" hangingPunct="1">
+              <a:lnSpc>
+                <a:spcPct val="90000"/>
+              </a:lnSpc>
+              <a:spcBef>
+                <a:spcPts val="500"/>
+              </a:spcBef>
+              <a:buFont typeface="Arial" panose="020B0604020202020204" pitchFamily="34" charset="0"/>
+              <a:buChar char="•"/>
+              <a:defRPr sz="1800" kern="1200">
+                <a:solidFill>
+                  <a:schemeClr val="tx1"/>
+                </a:solidFill>
+                <a:latin typeface="+mn-lt"/>
+                <a:ea typeface="+mn-ea"/>
+                <a:cs typeface="+mn-cs"/>
+              </a:defRPr>
+            </a:lvl9pPr>
+          </a:lstStyle>
+          <a:p>
+            <a:r>
+              <a:rPr lang="en-US" dirty="0"/>
+              <a:t>Let’s look at them briefly.</a:t>
+            </a:r>
           </a:p>
         </p:txBody>
       </p:sp>
@@ -9061,7 +11628,7 @@
 </p:sld>
 </file>
 
-<file path=ppt/slides/slide4.xml><?xml version="1.0" encoding="utf-8"?>
+<file path=ppt/slides/slide7.xml><?xml version="1.0" encoding="utf-8"?>
 <p:sld xmlns:a="http://schemas.openxmlformats.org/drawingml/2006/main" xmlns:r="http://schemas.openxmlformats.org/officeDocument/2006/relationships" xmlns:p="http://schemas.openxmlformats.org/presentationml/2006/main">
   <p:cSld>
     <p:spTree>
@@ -9086,36 +11653,6 @@
       </p:grpSpPr>
       <p:sp>
         <p:nvSpPr>
-          <p:cNvPr id="6" name="Title 5">
-            <a:extLst>
-              <a:ext uri="{FF2B5EF4-FFF2-40B4-BE49-F238E27FC236}">
-                <a16:creationId xmlns:a16="http://schemas.microsoft.com/office/drawing/2014/main" id="{0D6D8B0C-924D-76CF-1E9D-558A96F3FF6F}"/>
-              </a:ext>
-            </a:extLst>
-          </p:cNvPr>
-          <p:cNvSpPr>
-            <a:spLocks noGrp="1"/>
-          </p:cNvSpPr>
-          <p:nvPr>
-            <p:ph type="title"/>
-          </p:nvPr>
-        </p:nvSpPr>
-        <p:spPr>
-          <a:xfrm>
-            <a:off x="838200" y="694547"/>
-            <a:ext cx="10515600" cy="1325563"/>
-          </a:xfrm>
-        </p:spPr>
-        <p:txBody>
-          <a:bodyPr/>
-          <a:lstStyle/>
-          <a:p>
-            <a:endParaRPr lang="en-US" dirty="0"/>
-          </a:p>
-        </p:txBody>
-      </p:sp>
-      <p:sp>
-        <p:nvSpPr>
           <p:cNvPr id="7" name="Content Placeholder 6">
             <a:extLst>
               <a:ext uri="{FF2B5EF4-FFF2-40B4-BE49-F238E27FC236}">
@@ -9132,15 +11669,89 @@
         </p:nvSpPr>
         <p:spPr>
           <a:xfrm>
-            <a:off x="838200" y="2254763"/>
-            <a:ext cx="10515600" cy="3922201"/>
+            <a:off x="838200" y="988399"/>
+            <a:ext cx="10515600" cy="5188566"/>
           </a:xfrm>
         </p:spPr>
         <p:txBody>
           <a:bodyPr/>
           <a:lstStyle/>
           <a:p>
-            <a:endParaRPr lang="en-US" dirty="0"/>
+            <a:r>
+              <a:rPr lang="en-US" dirty="0">
+                <a:solidFill>
+                  <a:schemeClr val="accent1"/>
+                </a:solidFill>
+              </a:rPr>
+              <a:t>Front End</a:t>
+            </a:r>
+            <a:r>
+              <a:rPr lang="en-US" dirty="0"/>
+              <a:t>:</a:t>
+            </a:r>
+          </a:p>
+          <a:p>
+            <a:pPr lvl="1"/>
+            <a:r>
+              <a:rPr lang="en-US" dirty="0"/>
+              <a:t>Converts the code into an intermediate representation</a:t>
+            </a:r>
+          </a:p>
+          <a:p>
+            <a:pPr lvl="1"/>
+            <a:r>
+              <a:rPr lang="en-US" dirty="0"/>
+              <a:t>It involves preprocessing, tokenizing, parsing, and then finally generating the IR.</a:t>
+            </a:r>
+          </a:p>
+          <a:p>
+            <a:r>
+              <a:rPr lang="en-US" dirty="0">
+                <a:solidFill>
+                  <a:schemeClr val="accent4"/>
+                </a:solidFill>
+              </a:rPr>
+              <a:t>Optimization</a:t>
+            </a:r>
+            <a:r>
+              <a:rPr lang="en-US" dirty="0"/>
+              <a:t>:</a:t>
+            </a:r>
+          </a:p>
+          <a:p>
+            <a:pPr lvl="1"/>
+            <a:r>
+              <a:rPr lang="en-US" dirty="0"/>
+              <a:t>The IR generated in the frontend is then optimized for either speed or space.</a:t>
+            </a:r>
+          </a:p>
+          <a:p>
+            <a:pPr lvl="1"/>
+            <a:r>
+              <a:rPr lang="en-US" dirty="0"/>
+              <a:t>Such as loop optimization, dead code elimination etc.</a:t>
+            </a:r>
+          </a:p>
+          <a:p>
+            <a:r>
+              <a:rPr lang="en-US" dirty="0">
+                <a:solidFill>
+                  <a:schemeClr val="accent2"/>
+                </a:solidFill>
+              </a:rPr>
+              <a:t>Back End</a:t>
+            </a:r>
+            <a:r>
+              <a:rPr lang="en-US" dirty="0"/>
+              <a:t>:</a:t>
+            </a:r>
+          </a:p>
+          <a:p>
+            <a:pPr lvl="1"/>
+            <a:r>
+              <a:rPr lang="en-US" dirty="0"/>
+              <a:t>It translates the optimized IR into machine code or assembly language specific to the target device.</a:t>
+            </a:r>
           </a:p>
         </p:txBody>
       </p:sp>
@@ -9365,314 +11976,7 @@
 </p:sld>
 </file>
 
-<file path=ppt/slides/slide5.xml><?xml version="1.0" encoding="utf-8"?>
-<p:sld xmlns:a="http://schemas.openxmlformats.org/drawingml/2006/main" xmlns:r="http://schemas.openxmlformats.org/officeDocument/2006/relationships" xmlns:p="http://schemas.openxmlformats.org/presentationml/2006/main">
-  <p:cSld>
-    <p:spTree>
-      <p:nvGrpSpPr>
-        <p:cNvPr id="1" name="">
-          <a:extLst>
-            <a:ext uri="{FF2B5EF4-FFF2-40B4-BE49-F238E27FC236}">
-              <a16:creationId xmlns:a16="http://schemas.microsoft.com/office/drawing/2014/main" id="{F1636B37-BAAD-57C0-A439-9C65F262BB97}"/>
-            </a:ext>
-          </a:extLst>
-        </p:cNvPr>
-        <p:cNvGrpSpPr/>
-        <p:nvPr/>
-      </p:nvGrpSpPr>
-      <p:grpSpPr>
-        <a:xfrm>
-          <a:off x="0" y="0"/>
-          <a:ext cx="0" cy="0"/>
-          <a:chOff x="0" y="0"/>
-          <a:chExt cx="0" cy="0"/>
-        </a:xfrm>
-      </p:grpSpPr>
-      <p:sp>
-        <p:nvSpPr>
-          <p:cNvPr id="6" name="Title 5">
-            <a:extLst>
-              <a:ext uri="{FF2B5EF4-FFF2-40B4-BE49-F238E27FC236}">
-                <a16:creationId xmlns:a16="http://schemas.microsoft.com/office/drawing/2014/main" id="{D2954296-4151-DDF2-F12C-6757FBA054E3}"/>
-              </a:ext>
-            </a:extLst>
-          </p:cNvPr>
-          <p:cNvSpPr>
-            <a:spLocks noGrp="1"/>
-          </p:cNvSpPr>
-          <p:nvPr>
-            <p:ph type="title"/>
-          </p:nvPr>
-        </p:nvSpPr>
-        <p:spPr>
-          <a:xfrm>
-            <a:off x="838200" y="694547"/>
-            <a:ext cx="10515600" cy="1325563"/>
-          </a:xfrm>
-        </p:spPr>
-        <p:txBody>
-          <a:bodyPr/>
-          <a:lstStyle/>
-          <a:p>
-            <a:r>
-              <a:rPr lang="en-US" dirty="0"/>
-              <a:t>Why we use a compiler:</a:t>
-            </a:r>
-          </a:p>
-        </p:txBody>
-      </p:sp>
-      <p:sp>
-        <p:nvSpPr>
-          <p:cNvPr id="7" name="Content Placeholder 6">
-            <a:extLst>
-              <a:ext uri="{FF2B5EF4-FFF2-40B4-BE49-F238E27FC236}">
-                <a16:creationId xmlns:a16="http://schemas.microsoft.com/office/drawing/2014/main" id="{AD739D32-F71C-8431-882C-BA2E32007F24}"/>
-              </a:ext>
-            </a:extLst>
-          </p:cNvPr>
-          <p:cNvSpPr>
-            <a:spLocks noGrp="1"/>
-          </p:cNvSpPr>
-          <p:nvPr>
-            <p:ph idx="1"/>
-          </p:nvPr>
-        </p:nvSpPr>
-        <p:spPr>
-          <a:xfrm>
-            <a:off x="838200" y="2254763"/>
-            <a:ext cx="10515600" cy="3922201"/>
-          </a:xfrm>
-        </p:spPr>
-        <p:txBody>
-          <a:bodyPr/>
-          <a:lstStyle/>
-          <a:p>
-            <a:endParaRPr lang="en-US" dirty="0"/>
-          </a:p>
-        </p:txBody>
-      </p:sp>
-      <p:sp>
-        <p:nvSpPr>
-          <p:cNvPr id="4" name="Rectangle 3">
-            <a:extLst>
-              <a:ext uri="{FF2B5EF4-FFF2-40B4-BE49-F238E27FC236}">
-                <a16:creationId xmlns:a16="http://schemas.microsoft.com/office/drawing/2014/main" id="{409ECF3F-B187-A31B-3DFA-BF958C6161C9}"/>
-              </a:ext>
-            </a:extLst>
-          </p:cNvPr>
-          <p:cNvSpPr/>
-          <p:nvPr/>
-        </p:nvSpPr>
-        <p:spPr>
-          <a:xfrm>
-            <a:off x="0" y="0"/>
-            <a:ext cx="12192000" cy="468086"/>
-          </a:xfrm>
-          <a:prstGeom prst="rect">
-            <a:avLst/>
-          </a:prstGeom>
-          <a:solidFill>
-            <a:schemeClr val="bg2"/>
-          </a:solidFill>
-          <a:ln>
-            <a:noFill/>
-          </a:ln>
-        </p:spPr>
-        <p:style>
-          <a:lnRef idx="2">
-            <a:schemeClr val="accent1">
-              <a:shade val="15000"/>
-            </a:schemeClr>
-          </a:lnRef>
-          <a:fillRef idx="1">
-            <a:schemeClr val="accent1"/>
-          </a:fillRef>
-          <a:effectRef idx="0">
-            <a:schemeClr val="accent1"/>
-          </a:effectRef>
-          <a:fontRef idx="minor">
-            <a:schemeClr val="lt1"/>
-          </a:fontRef>
-        </p:style>
-        <p:txBody>
-          <a:bodyPr rtlCol="0" anchor="ctr"/>
-          <a:lstStyle/>
-          <a:p>
-            <a:pPr algn="ctr"/>
-            <a:endParaRPr lang="en-US" sz="1351"/>
-          </a:p>
-        </p:txBody>
-      </p:sp>
-      <p:sp>
-        <p:nvSpPr>
-          <p:cNvPr id="5" name="Oval 4">
-            <a:extLst>
-              <a:ext uri="{FF2B5EF4-FFF2-40B4-BE49-F238E27FC236}">
-                <a16:creationId xmlns:a16="http://schemas.microsoft.com/office/drawing/2014/main" id="{CEAFCEDA-61D1-FD09-9472-4EAD6CDDEBD6}"/>
-              </a:ext>
-            </a:extLst>
-          </p:cNvPr>
-          <p:cNvSpPr/>
-          <p:nvPr/>
-        </p:nvSpPr>
-        <p:spPr>
-          <a:xfrm>
-            <a:off x="129189" y="108651"/>
-            <a:ext cx="246109" cy="250784"/>
-          </a:xfrm>
-          <a:prstGeom prst="ellipse">
-            <a:avLst/>
-          </a:prstGeom>
-          <a:solidFill>
-            <a:schemeClr val="accent1"/>
-          </a:solidFill>
-          <a:ln>
-            <a:noFill/>
-          </a:ln>
-        </p:spPr>
-        <p:style>
-          <a:lnRef idx="2">
-            <a:schemeClr val="accent1">
-              <a:shade val="15000"/>
-            </a:schemeClr>
-          </a:lnRef>
-          <a:fillRef idx="1">
-            <a:schemeClr val="accent1"/>
-          </a:fillRef>
-          <a:effectRef idx="0">
-            <a:schemeClr val="accent1"/>
-          </a:effectRef>
-          <a:fontRef idx="minor">
-            <a:schemeClr val="lt1"/>
-          </a:fontRef>
-        </p:style>
-        <p:txBody>
-          <a:bodyPr rtlCol="0" anchor="ctr"/>
-          <a:lstStyle/>
-          <a:p>
-            <a:pPr algn="ctr"/>
-            <a:endParaRPr lang="en-US"/>
-          </a:p>
-        </p:txBody>
-      </p:sp>
-      <p:sp>
-        <p:nvSpPr>
-          <p:cNvPr id="8" name="Oval 7">
-            <a:extLst>
-              <a:ext uri="{FF2B5EF4-FFF2-40B4-BE49-F238E27FC236}">
-                <a16:creationId xmlns:a16="http://schemas.microsoft.com/office/drawing/2014/main" id="{7CE8C956-809D-78C0-7045-F2ED4A77F00D}"/>
-              </a:ext>
-            </a:extLst>
-          </p:cNvPr>
-          <p:cNvSpPr/>
-          <p:nvPr/>
-        </p:nvSpPr>
-        <p:spPr>
-          <a:xfrm>
-            <a:off x="504487" y="113785"/>
-            <a:ext cx="246109" cy="250784"/>
-          </a:xfrm>
-          <a:prstGeom prst="ellipse">
-            <a:avLst/>
-          </a:prstGeom>
-          <a:solidFill>
-            <a:schemeClr val="accent3"/>
-          </a:solidFill>
-          <a:ln>
-            <a:noFill/>
-          </a:ln>
-        </p:spPr>
-        <p:style>
-          <a:lnRef idx="2">
-            <a:schemeClr val="accent1">
-              <a:shade val="15000"/>
-            </a:schemeClr>
-          </a:lnRef>
-          <a:fillRef idx="1">
-            <a:schemeClr val="accent1"/>
-          </a:fillRef>
-          <a:effectRef idx="0">
-            <a:schemeClr val="accent1"/>
-          </a:effectRef>
-          <a:fontRef idx="minor">
-            <a:schemeClr val="lt1"/>
-          </a:fontRef>
-        </p:style>
-        <p:txBody>
-          <a:bodyPr rtlCol="0" anchor="ctr"/>
-          <a:lstStyle/>
-          <a:p>
-            <a:pPr algn="ctr"/>
-            <a:endParaRPr lang="en-US"/>
-          </a:p>
-        </p:txBody>
-      </p:sp>
-      <p:sp>
-        <p:nvSpPr>
-          <p:cNvPr id="9" name="Oval 8">
-            <a:extLst>
-              <a:ext uri="{FF2B5EF4-FFF2-40B4-BE49-F238E27FC236}">
-                <a16:creationId xmlns:a16="http://schemas.microsoft.com/office/drawing/2014/main" id="{C03FFC58-E595-F5A1-7909-15D008F0C716}"/>
-              </a:ext>
-            </a:extLst>
-          </p:cNvPr>
-          <p:cNvSpPr/>
-          <p:nvPr/>
-        </p:nvSpPr>
-        <p:spPr>
-          <a:xfrm>
-            <a:off x="879785" y="108651"/>
-            <a:ext cx="246109" cy="250784"/>
-          </a:xfrm>
-          <a:prstGeom prst="ellipse">
-            <a:avLst/>
-          </a:prstGeom>
-          <a:solidFill>
-            <a:schemeClr val="accent2"/>
-          </a:solidFill>
-          <a:ln>
-            <a:noFill/>
-          </a:ln>
-        </p:spPr>
-        <p:style>
-          <a:lnRef idx="2">
-            <a:schemeClr val="accent1">
-              <a:shade val="15000"/>
-            </a:schemeClr>
-          </a:lnRef>
-          <a:fillRef idx="1">
-            <a:schemeClr val="accent1"/>
-          </a:fillRef>
-          <a:effectRef idx="0">
-            <a:schemeClr val="accent1"/>
-          </a:effectRef>
-          <a:fontRef idx="minor">
-            <a:schemeClr val="lt1"/>
-          </a:fontRef>
-        </p:style>
-        <p:txBody>
-          <a:bodyPr rtlCol="0" anchor="ctr"/>
-          <a:lstStyle/>
-          <a:p>
-            <a:pPr algn="ctr"/>
-            <a:endParaRPr lang="en-US"/>
-          </a:p>
-        </p:txBody>
-      </p:sp>
-    </p:spTree>
-    <p:extLst>
-      <p:ext uri="{BB962C8B-B14F-4D97-AF65-F5344CB8AC3E}">
-        <p14:creationId xmlns:p14="http://schemas.microsoft.com/office/powerpoint/2010/main" val="54948345"/>
-      </p:ext>
-    </p:extLst>
-  </p:cSld>
-  <p:clrMapOvr>
-    <a:masterClrMapping/>
-  </p:clrMapOvr>
-</p:sld>
-</file>
-
-<file path=ppt/slides/slide6.xml><?xml version="1.0" encoding="utf-8"?>
+<file path=ppt/slides/slide8.xml><?xml version="1.0" encoding="utf-8"?>
 <p:sld xmlns:a="http://schemas.openxmlformats.org/drawingml/2006/main" xmlns:r="http://schemas.openxmlformats.org/officeDocument/2006/relationships" xmlns:p="http://schemas.openxmlformats.org/presentationml/2006/main">
   <p:cSld>
     <p:spTree>
@@ -9979,7 +12283,7 @@
 </p:sld>
 </file>
 
-<file path=ppt/slides/slide7.xml><?xml version="1.0" encoding="utf-8"?>
+<file path=ppt/slides/slide9.xml><?xml version="1.0" encoding="utf-8"?>
 <p:sld xmlns:a="http://schemas.openxmlformats.org/drawingml/2006/main" xmlns:r="http://schemas.openxmlformats.org/officeDocument/2006/relationships" xmlns:p="http://schemas.openxmlformats.org/presentationml/2006/main">
   <p:cSld>
     <p:spTree>
@@ -10274,647 +12578,6 @@
     <p:extLst>
       <p:ext uri="{BB962C8B-B14F-4D97-AF65-F5344CB8AC3E}">
         <p14:creationId xmlns:p14="http://schemas.microsoft.com/office/powerpoint/2010/main" val="1606818620"/>
-      </p:ext>
-    </p:extLst>
-  </p:cSld>
-  <p:clrMapOvr>
-    <a:masterClrMapping/>
-  </p:clrMapOvr>
-</p:sld>
-</file>
-
-<file path=ppt/slides/slide8.xml><?xml version="1.0" encoding="utf-8"?>
-<p:sld xmlns:a="http://schemas.openxmlformats.org/drawingml/2006/main" xmlns:r="http://schemas.openxmlformats.org/officeDocument/2006/relationships" xmlns:p="http://schemas.openxmlformats.org/presentationml/2006/main">
-  <p:cSld>
-    <p:spTree>
-      <p:nvGrpSpPr>
-        <p:cNvPr id="1" name="">
-          <a:extLst>
-            <a:ext uri="{FF2B5EF4-FFF2-40B4-BE49-F238E27FC236}">
-              <a16:creationId xmlns:a16="http://schemas.microsoft.com/office/drawing/2014/main" id="{9C18E758-ED1E-A5DA-D6EF-E9DF5C699923}"/>
-            </a:ext>
-          </a:extLst>
-        </p:cNvPr>
-        <p:cNvGrpSpPr/>
-        <p:nvPr/>
-      </p:nvGrpSpPr>
-      <p:grpSpPr>
-        <a:xfrm>
-          <a:off x="0" y="0"/>
-          <a:ext cx="0" cy="0"/>
-          <a:chOff x="0" y="0"/>
-          <a:chExt cx="0" cy="0"/>
-        </a:xfrm>
-      </p:grpSpPr>
-      <p:sp>
-        <p:nvSpPr>
-          <p:cNvPr id="6" name="Title 5">
-            <a:extLst>
-              <a:ext uri="{FF2B5EF4-FFF2-40B4-BE49-F238E27FC236}">
-                <a16:creationId xmlns:a16="http://schemas.microsoft.com/office/drawing/2014/main" id="{FA4C2B05-E648-9FA4-DCD7-B1EDB9F3BECF}"/>
-              </a:ext>
-            </a:extLst>
-          </p:cNvPr>
-          <p:cNvSpPr>
-            <a:spLocks noGrp="1"/>
-          </p:cNvSpPr>
-          <p:nvPr>
-            <p:ph type="title"/>
-          </p:nvPr>
-        </p:nvSpPr>
-        <p:spPr>
-          <a:xfrm>
-            <a:off x="838200" y="694547"/>
-            <a:ext cx="10515600" cy="1325563"/>
-          </a:xfrm>
-        </p:spPr>
-        <p:txBody>
-          <a:bodyPr/>
-          <a:lstStyle/>
-          <a:p>
-            <a:r>
-              <a:rPr lang="en-US" dirty="0"/>
-              <a:t>Compilers vs Interpreters</a:t>
-            </a:r>
-          </a:p>
-        </p:txBody>
-      </p:sp>
-      <p:sp>
-        <p:nvSpPr>
-          <p:cNvPr id="7" name="Content Placeholder 6">
-            <a:extLst>
-              <a:ext uri="{FF2B5EF4-FFF2-40B4-BE49-F238E27FC236}">
-                <a16:creationId xmlns:a16="http://schemas.microsoft.com/office/drawing/2014/main" id="{D368607E-2AAD-DBDE-9480-8D578F7AC080}"/>
-              </a:ext>
-            </a:extLst>
-          </p:cNvPr>
-          <p:cNvSpPr>
-            <a:spLocks noGrp="1"/>
-          </p:cNvSpPr>
-          <p:nvPr>
-            <p:ph idx="1"/>
-          </p:nvPr>
-        </p:nvSpPr>
-        <p:spPr>
-          <a:xfrm>
-            <a:off x="838200" y="2254763"/>
-            <a:ext cx="10515600" cy="3922201"/>
-          </a:xfrm>
-        </p:spPr>
-        <p:txBody>
-          <a:bodyPr/>
-          <a:lstStyle/>
-          <a:p>
-            <a:r>
-              <a:rPr lang="en-US" dirty="0"/>
-              <a:t>U can write an </a:t>
-            </a:r>
-            <a:r>
-              <a:rPr lang="en-US" dirty="0">
-                <a:solidFill>
-                  <a:schemeClr val="accent2"/>
-                </a:solidFill>
-              </a:rPr>
-              <a:t>interpreter for C </a:t>
-            </a:r>
-            <a:r>
-              <a:rPr lang="en-US" dirty="0"/>
-              <a:t>and a </a:t>
-            </a:r>
-            <a:r>
-              <a:rPr lang="en-US" dirty="0">
-                <a:solidFill>
-                  <a:schemeClr val="accent1"/>
-                </a:solidFill>
-              </a:rPr>
-              <a:t>compiler for JavaScript</a:t>
-            </a:r>
-            <a:r>
-              <a:rPr lang="en-US" dirty="0"/>
-              <a:t>.</a:t>
-            </a:r>
-          </a:p>
-          <a:p>
-            <a:endParaRPr lang="en-US" dirty="0"/>
-          </a:p>
-        </p:txBody>
-      </p:sp>
-      <p:sp>
-        <p:nvSpPr>
-          <p:cNvPr id="4" name="Rectangle 3">
-            <a:extLst>
-              <a:ext uri="{FF2B5EF4-FFF2-40B4-BE49-F238E27FC236}">
-                <a16:creationId xmlns:a16="http://schemas.microsoft.com/office/drawing/2014/main" id="{F233A266-49F8-6F15-9B2E-4BDFA08D628A}"/>
-              </a:ext>
-            </a:extLst>
-          </p:cNvPr>
-          <p:cNvSpPr/>
-          <p:nvPr/>
-        </p:nvSpPr>
-        <p:spPr>
-          <a:xfrm>
-            <a:off x="0" y="0"/>
-            <a:ext cx="12192000" cy="468086"/>
-          </a:xfrm>
-          <a:prstGeom prst="rect">
-            <a:avLst/>
-          </a:prstGeom>
-          <a:solidFill>
-            <a:schemeClr val="bg2"/>
-          </a:solidFill>
-          <a:ln>
-            <a:noFill/>
-          </a:ln>
-        </p:spPr>
-        <p:style>
-          <a:lnRef idx="2">
-            <a:schemeClr val="accent1">
-              <a:shade val="15000"/>
-            </a:schemeClr>
-          </a:lnRef>
-          <a:fillRef idx="1">
-            <a:schemeClr val="accent1"/>
-          </a:fillRef>
-          <a:effectRef idx="0">
-            <a:schemeClr val="accent1"/>
-          </a:effectRef>
-          <a:fontRef idx="minor">
-            <a:schemeClr val="lt1"/>
-          </a:fontRef>
-        </p:style>
-        <p:txBody>
-          <a:bodyPr rtlCol="0" anchor="ctr"/>
-          <a:lstStyle/>
-          <a:p>
-            <a:pPr algn="ctr"/>
-            <a:endParaRPr lang="en-US" sz="1351"/>
-          </a:p>
-        </p:txBody>
-      </p:sp>
-      <p:sp>
-        <p:nvSpPr>
-          <p:cNvPr id="5" name="Oval 4">
-            <a:extLst>
-              <a:ext uri="{FF2B5EF4-FFF2-40B4-BE49-F238E27FC236}">
-                <a16:creationId xmlns:a16="http://schemas.microsoft.com/office/drawing/2014/main" id="{6C2DB65A-3098-E41E-5444-5D4FDADFAAB2}"/>
-              </a:ext>
-            </a:extLst>
-          </p:cNvPr>
-          <p:cNvSpPr/>
-          <p:nvPr/>
-        </p:nvSpPr>
-        <p:spPr>
-          <a:xfrm>
-            <a:off x="129189" y="108651"/>
-            <a:ext cx="246109" cy="250784"/>
-          </a:xfrm>
-          <a:prstGeom prst="ellipse">
-            <a:avLst/>
-          </a:prstGeom>
-          <a:solidFill>
-            <a:schemeClr val="accent1"/>
-          </a:solidFill>
-          <a:ln>
-            <a:noFill/>
-          </a:ln>
-        </p:spPr>
-        <p:style>
-          <a:lnRef idx="2">
-            <a:schemeClr val="accent1">
-              <a:shade val="15000"/>
-            </a:schemeClr>
-          </a:lnRef>
-          <a:fillRef idx="1">
-            <a:schemeClr val="accent1"/>
-          </a:fillRef>
-          <a:effectRef idx="0">
-            <a:schemeClr val="accent1"/>
-          </a:effectRef>
-          <a:fontRef idx="minor">
-            <a:schemeClr val="lt1"/>
-          </a:fontRef>
-        </p:style>
-        <p:txBody>
-          <a:bodyPr rtlCol="0" anchor="ctr"/>
-          <a:lstStyle/>
-          <a:p>
-            <a:pPr algn="ctr"/>
-            <a:endParaRPr lang="en-US"/>
-          </a:p>
-        </p:txBody>
-      </p:sp>
-      <p:sp>
-        <p:nvSpPr>
-          <p:cNvPr id="8" name="Oval 7">
-            <a:extLst>
-              <a:ext uri="{FF2B5EF4-FFF2-40B4-BE49-F238E27FC236}">
-                <a16:creationId xmlns:a16="http://schemas.microsoft.com/office/drawing/2014/main" id="{E833ED17-7925-7B42-2DA8-68FFB1A203C0}"/>
-              </a:ext>
-            </a:extLst>
-          </p:cNvPr>
-          <p:cNvSpPr/>
-          <p:nvPr/>
-        </p:nvSpPr>
-        <p:spPr>
-          <a:xfrm>
-            <a:off x="504487" y="113785"/>
-            <a:ext cx="246109" cy="250784"/>
-          </a:xfrm>
-          <a:prstGeom prst="ellipse">
-            <a:avLst/>
-          </a:prstGeom>
-          <a:solidFill>
-            <a:schemeClr val="accent3"/>
-          </a:solidFill>
-          <a:ln>
-            <a:noFill/>
-          </a:ln>
-        </p:spPr>
-        <p:style>
-          <a:lnRef idx="2">
-            <a:schemeClr val="accent1">
-              <a:shade val="15000"/>
-            </a:schemeClr>
-          </a:lnRef>
-          <a:fillRef idx="1">
-            <a:schemeClr val="accent1"/>
-          </a:fillRef>
-          <a:effectRef idx="0">
-            <a:schemeClr val="accent1"/>
-          </a:effectRef>
-          <a:fontRef idx="minor">
-            <a:schemeClr val="lt1"/>
-          </a:fontRef>
-        </p:style>
-        <p:txBody>
-          <a:bodyPr rtlCol="0" anchor="ctr"/>
-          <a:lstStyle/>
-          <a:p>
-            <a:pPr algn="ctr"/>
-            <a:endParaRPr lang="en-US"/>
-          </a:p>
-        </p:txBody>
-      </p:sp>
-      <p:sp>
-        <p:nvSpPr>
-          <p:cNvPr id="9" name="Oval 8">
-            <a:extLst>
-              <a:ext uri="{FF2B5EF4-FFF2-40B4-BE49-F238E27FC236}">
-                <a16:creationId xmlns:a16="http://schemas.microsoft.com/office/drawing/2014/main" id="{649FFE16-93D7-CFAB-2B7F-C225D824A923}"/>
-              </a:ext>
-            </a:extLst>
-          </p:cNvPr>
-          <p:cNvSpPr/>
-          <p:nvPr/>
-        </p:nvSpPr>
-        <p:spPr>
-          <a:xfrm>
-            <a:off x="879785" y="108651"/>
-            <a:ext cx="246109" cy="250784"/>
-          </a:xfrm>
-          <a:prstGeom prst="ellipse">
-            <a:avLst/>
-          </a:prstGeom>
-          <a:solidFill>
-            <a:schemeClr val="accent2"/>
-          </a:solidFill>
-          <a:ln>
-            <a:noFill/>
-          </a:ln>
-        </p:spPr>
-        <p:style>
-          <a:lnRef idx="2">
-            <a:schemeClr val="accent1">
-              <a:shade val="15000"/>
-            </a:schemeClr>
-          </a:lnRef>
-          <a:fillRef idx="1">
-            <a:schemeClr val="accent1"/>
-          </a:fillRef>
-          <a:effectRef idx="0">
-            <a:schemeClr val="accent1"/>
-          </a:effectRef>
-          <a:fontRef idx="minor">
-            <a:schemeClr val="lt1"/>
-          </a:fontRef>
-        </p:style>
-        <p:txBody>
-          <a:bodyPr rtlCol="0" anchor="ctr"/>
-          <a:lstStyle/>
-          <a:p>
-            <a:pPr algn="ctr"/>
-            <a:endParaRPr lang="en-US"/>
-          </a:p>
-        </p:txBody>
-      </p:sp>
-    </p:spTree>
-    <p:extLst>
-      <p:ext uri="{BB962C8B-B14F-4D97-AF65-F5344CB8AC3E}">
-        <p14:creationId xmlns:p14="http://schemas.microsoft.com/office/powerpoint/2010/main" val="3444062210"/>
-      </p:ext>
-    </p:extLst>
-  </p:cSld>
-  <p:clrMapOvr>
-    <a:masterClrMapping/>
-  </p:clrMapOvr>
-</p:sld>
-</file>
-
-<file path=ppt/slides/slide9.xml><?xml version="1.0" encoding="utf-8"?>
-<p:sld xmlns:a="http://schemas.openxmlformats.org/drawingml/2006/main" xmlns:r="http://schemas.openxmlformats.org/officeDocument/2006/relationships" xmlns:p="http://schemas.openxmlformats.org/presentationml/2006/main">
-  <p:cSld>
-    <p:spTree>
-      <p:nvGrpSpPr>
-        <p:cNvPr id="1" name="">
-          <a:extLst>
-            <a:ext uri="{FF2B5EF4-FFF2-40B4-BE49-F238E27FC236}">
-              <a16:creationId xmlns:a16="http://schemas.microsoft.com/office/drawing/2014/main" id="{70A4F220-17DE-BFD1-4E2A-E2C805F5751E}"/>
-            </a:ext>
-          </a:extLst>
-        </p:cNvPr>
-        <p:cNvGrpSpPr/>
-        <p:nvPr/>
-      </p:nvGrpSpPr>
-      <p:grpSpPr>
-        <a:xfrm>
-          <a:off x="0" y="0"/>
-          <a:ext cx="0" cy="0"/>
-          <a:chOff x="0" y="0"/>
-          <a:chExt cx="0" cy="0"/>
-        </a:xfrm>
-      </p:grpSpPr>
-      <p:sp>
-        <p:nvSpPr>
-          <p:cNvPr id="6" name="Title 5">
-            <a:extLst>
-              <a:ext uri="{FF2B5EF4-FFF2-40B4-BE49-F238E27FC236}">
-                <a16:creationId xmlns:a16="http://schemas.microsoft.com/office/drawing/2014/main" id="{5FD2C2E1-629C-2EFC-7526-E34BD33C1D86}"/>
-              </a:ext>
-            </a:extLst>
-          </p:cNvPr>
-          <p:cNvSpPr>
-            <a:spLocks noGrp="1"/>
-          </p:cNvSpPr>
-          <p:nvPr>
-            <p:ph type="title"/>
-          </p:nvPr>
-        </p:nvSpPr>
-        <p:spPr>
-          <a:xfrm>
-            <a:off x="838200" y="694547"/>
-            <a:ext cx="10515600" cy="1325563"/>
-          </a:xfrm>
-        </p:spPr>
-        <p:txBody>
-          <a:bodyPr/>
-          <a:lstStyle/>
-          <a:p>
-            <a:endParaRPr lang="en-US" dirty="0"/>
-          </a:p>
-        </p:txBody>
-      </p:sp>
-      <p:sp>
-        <p:nvSpPr>
-          <p:cNvPr id="7" name="Content Placeholder 6">
-            <a:extLst>
-              <a:ext uri="{FF2B5EF4-FFF2-40B4-BE49-F238E27FC236}">
-                <a16:creationId xmlns:a16="http://schemas.microsoft.com/office/drawing/2014/main" id="{BA86D30A-6E0F-9FB8-81FD-C98C27A34953}"/>
-              </a:ext>
-            </a:extLst>
-          </p:cNvPr>
-          <p:cNvSpPr>
-            <a:spLocks noGrp="1"/>
-          </p:cNvSpPr>
-          <p:nvPr>
-            <p:ph idx="1"/>
-          </p:nvPr>
-        </p:nvSpPr>
-        <p:spPr>
-          <a:xfrm>
-            <a:off x="838200" y="2254763"/>
-            <a:ext cx="10515600" cy="3922201"/>
-          </a:xfrm>
-        </p:spPr>
-        <p:txBody>
-          <a:bodyPr/>
-          <a:lstStyle/>
-          <a:p>
-            <a:endParaRPr lang="en-US" dirty="0"/>
-          </a:p>
-        </p:txBody>
-      </p:sp>
-      <p:sp>
-        <p:nvSpPr>
-          <p:cNvPr id="4" name="Rectangle 3">
-            <a:extLst>
-              <a:ext uri="{FF2B5EF4-FFF2-40B4-BE49-F238E27FC236}">
-                <a16:creationId xmlns:a16="http://schemas.microsoft.com/office/drawing/2014/main" id="{E0EF9C6A-3957-454C-23B7-0CE40D98EFA6}"/>
-              </a:ext>
-            </a:extLst>
-          </p:cNvPr>
-          <p:cNvSpPr/>
-          <p:nvPr/>
-        </p:nvSpPr>
-        <p:spPr>
-          <a:xfrm>
-            <a:off x="0" y="0"/>
-            <a:ext cx="12192000" cy="468086"/>
-          </a:xfrm>
-          <a:prstGeom prst="rect">
-            <a:avLst/>
-          </a:prstGeom>
-          <a:solidFill>
-            <a:schemeClr val="bg2"/>
-          </a:solidFill>
-          <a:ln>
-            <a:noFill/>
-          </a:ln>
-        </p:spPr>
-        <p:style>
-          <a:lnRef idx="2">
-            <a:schemeClr val="accent1">
-              <a:shade val="15000"/>
-            </a:schemeClr>
-          </a:lnRef>
-          <a:fillRef idx="1">
-            <a:schemeClr val="accent1"/>
-          </a:fillRef>
-          <a:effectRef idx="0">
-            <a:schemeClr val="accent1"/>
-          </a:effectRef>
-          <a:fontRef idx="minor">
-            <a:schemeClr val="lt1"/>
-          </a:fontRef>
-        </p:style>
-        <p:txBody>
-          <a:bodyPr rtlCol="0" anchor="ctr"/>
-          <a:lstStyle/>
-          <a:p>
-            <a:pPr algn="ctr"/>
-            <a:endParaRPr lang="en-US" sz="1351"/>
-          </a:p>
-        </p:txBody>
-      </p:sp>
-      <p:sp>
-        <p:nvSpPr>
-          <p:cNvPr id="5" name="Oval 4">
-            <a:extLst>
-              <a:ext uri="{FF2B5EF4-FFF2-40B4-BE49-F238E27FC236}">
-                <a16:creationId xmlns:a16="http://schemas.microsoft.com/office/drawing/2014/main" id="{26F85CDD-6BF6-A203-C6A8-27CB68893FE8}"/>
-              </a:ext>
-            </a:extLst>
-          </p:cNvPr>
-          <p:cNvSpPr/>
-          <p:nvPr/>
-        </p:nvSpPr>
-        <p:spPr>
-          <a:xfrm>
-            <a:off x="129189" y="108651"/>
-            <a:ext cx="246109" cy="250784"/>
-          </a:xfrm>
-          <a:prstGeom prst="ellipse">
-            <a:avLst/>
-          </a:prstGeom>
-          <a:solidFill>
-            <a:schemeClr val="accent1"/>
-          </a:solidFill>
-          <a:ln>
-            <a:noFill/>
-          </a:ln>
-        </p:spPr>
-        <p:style>
-          <a:lnRef idx="2">
-            <a:schemeClr val="accent1">
-              <a:shade val="15000"/>
-            </a:schemeClr>
-          </a:lnRef>
-          <a:fillRef idx="1">
-            <a:schemeClr val="accent1"/>
-          </a:fillRef>
-          <a:effectRef idx="0">
-            <a:schemeClr val="accent1"/>
-          </a:effectRef>
-          <a:fontRef idx="minor">
-            <a:schemeClr val="lt1"/>
-          </a:fontRef>
-        </p:style>
-        <p:txBody>
-          <a:bodyPr rtlCol="0" anchor="ctr"/>
-          <a:lstStyle/>
-          <a:p>
-            <a:pPr algn="ctr"/>
-            <a:endParaRPr lang="en-US"/>
-          </a:p>
-        </p:txBody>
-      </p:sp>
-      <p:sp>
-        <p:nvSpPr>
-          <p:cNvPr id="8" name="Oval 7">
-            <a:extLst>
-              <a:ext uri="{FF2B5EF4-FFF2-40B4-BE49-F238E27FC236}">
-                <a16:creationId xmlns:a16="http://schemas.microsoft.com/office/drawing/2014/main" id="{4CC06E3F-3519-7120-AACE-852B894664D6}"/>
-              </a:ext>
-            </a:extLst>
-          </p:cNvPr>
-          <p:cNvSpPr/>
-          <p:nvPr/>
-        </p:nvSpPr>
-        <p:spPr>
-          <a:xfrm>
-            <a:off x="504487" y="113785"/>
-            <a:ext cx="246109" cy="250784"/>
-          </a:xfrm>
-          <a:prstGeom prst="ellipse">
-            <a:avLst/>
-          </a:prstGeom>
-          <a:solidFill>
-            <a:schemeClr val="accent3"/>
-          </a:solidFill>
-          <a:ln>
-            <a:noFill/>
-          </a:ln>
-        </p:spPr>
-        <p:style>
-          <a:lnRef idx="2">
-            <a:schemeClr val="accent1">
-              <a:shade val="15000"/>
-            </a:schemeClr>
-          </a:lnRef>
-          <a:fillRef idx="1">
-            <a:schemeClr val="accent1"/>
-          </a:fillRef>
-          <a:effectRef idx="0">
-            <a:schemeClr val="accent1"/>
-          </a:effectRef>
-          <a:fontRef idx="minor">
-            <a:schemeClr val="lt1"/>
-          </a:fontRef>
-        </p:style>
-        <p:txBody>
-          <a:bodyPr rtlCol="0" anchor="ctr"/>
-          <a:lstStyle/>
-          <a:p>
-            <a:pPr algn="ctr"/>
-            <a:endParaRPr lang="en-US"/>
-          </a:p>
-        </p:txBody>
-      </p:sp>
-      <p:sp>
-        <p:nvSpPr>
-          <p:cNvPr id="9" name="Oval 8">
-            <a:extLst>
-              <a:ext uri="{FF2B5EF4-FFF2-40B4-BE49-F238E27FC236}">
-                <a16:creationId xmlns:a16="http://schemas.microsoft.com/office/drawing/2014/main" id="{9655CCD7-DB86-D1B0-89C3-AC93B1DA49B4}"/>
-              </a:ext>
-            </a:extLst>
-          </p:cNvPr>
-          <p:cNvSpPr/>
-          <p:nvPr/>
-        </p:nvSpPr>
-        <p:spPr>
-          <a:xfrm>
-            <a:off x="879785" y="108651"/>
-            <a:ext cx="246109" cy="250784"/>
-          </a:xfrm>
-          <a:prstGeom prst="ellipse">
-            <a:avLst/>
-          </a:prstGeom>
-          <a:solidFill>
-            <a:schemeClr val="accent2"/>
-          </a:solidFill>
-          <a:ln>
-            <a:noFill/>
-          </a:ln>
-        </p:spPr>
-        <p:style>
-          <a:lnRef idx="2">
-            <a:schemeClr val="accent1">
-              <a:shade val="15000"/>
-            </a:schemeClr>
-          </a:lnRef>
-          <a:fillRef idx="1">
-            <a:schemeClr val="accent1"/>
-          </a:fillRef>
-          <a:effectRef idx="0">
-            <a:schemeClr val="accent1"/>
-          </a:effectRef>
-          <a:fontRef idx="minor">
-            <a:schemeClr val="lt1"/>
-          </a:fontRef>
-        </p:style>
-        <p:txBody>
-          <a:bodyPr rtlCol="0" anchor="ctr"/>
-          <a:lstStyle/>
-          <a:p>
-            <a:pPr algn="ctr"/>
-            <a:endParaRPr lang="en-US"/>
-          </a:p>
-        </p:txBody>
-      </p:sp>
-    </p:spTree>
-    <p:extLst>
-      <p:ext uri="{BB962C8B-B14F-4D97-AF65-F5344CB8AC3E}">
-        <p14:creationId xmlns:p14="http://schemas.microsoft.com/office/powerpoint/2010/main" val="1522722365"/>
       </p:ext>
     </p:extLst>
   </p:cSld>

--- a/Compilers.pptx
+++ b/Compilers.pptx
@@ -5,7 +5,7 @@
     <p:sldMasterId id="2147483648" r:id="rId1"/>
   </p:sldMasterIdLst>
   <p:notesMasterIdLst>
-    <p:notesMasterId r:id="rId27"/>
+    <p:notesMasterId r:id="rId26"/>
   </p:notesMasterIdLst>
   <p:sldIdLst>
     <p:sldId id="256" r:id="rId2"/>
@@ -16,23 +16,22 @@
     <p:sldId id="258" r:id="rId7"/>
     <p:sldId id="259" r:id="rId8"/>
     <p:sldId id="262" r:id="rId9"/>
-    <p:sldId id="263" r:id="rId10"/>
-    <p:sldId id="264" r:id="rId11"/>
-    <p:sldId id="265" r:id="rId12"/>
-    <p:sldId id="266" r:id="rId13"/>
-    <p:sldId id="267" r:id="rId14"/>
-    <p:sldId id="268" r:id="rId15"/>
-    <p:sldId id="269" r:id="rId16"/>
-    <p:sldId id="270" r:id="rId17"/>
-    <p:sldId id="271" r:id="rId18"/>
-    <p:sldId id="272" r:id="rId19"/>
-    <p:sldId id="273" r:id="rId20"/>
-    <p:sldId id="274" r:id="rId21"/>
-    <p:sldId id="275" r:id="rId22"/>
-    <p:sldId id="276" r:id="rId23"/>
-    <p:sldId id="277" r:id="rId24"/>
-    <p:sldId id="278" r:id="rId25"/>
-    <p:sldId id="260" r:id="rId26"/>
+    <p:sldId id="264" r:id="rId10"/>
+    <p:sldId id="283" r:id="rId11"/>
+    <p:sldId id="266" r:id="rId12"/>
+    <p:sldId id="267" r:id="rId13"/>
+    <p:sldId id="284" r:id="rId14"/>
+    <p:sldId id="285" r:id="rId15"/>
+    <p:sldId id="286" r:id="rId16"/>
+    <p:sldId id="287" r:id="rId17"/>
+    <p:sldId id="272" r:id="rId18"/>
+    <p:sldId id="288" r:id="rId19"/>
+    <p:sldId id="289" r:id="rId20"/>
+    <p:sldId id="290" r:id="rId21"/>
+    <p:sldId id="291" r:id="rId22"/>
+    <p:sldId id="277" r:id="rId23"/>
+    <p:sldId id="292" r:id="rId24"/>
+    <p:sldId id="293" r:id="rId25"/>
   </p:sldIdLst>
   <p:sldSz cx="12192000" cy="6858000"/>
   <p:notesSz cx="6858000" cy="9144000"/>
@@ -3993,7 +3992,7 @@
         <p:cNvPr id="1" name="">
           <a:extLst>
             <a:ext uri="{FF2B5EF4-FFF2-40B4-BE49-F238E27FC236}">
-              <a16:creationId xmlns:a16="http://schemas.microsoft.com/office/drawing/2014/main" id="{9C18E758-ED1E-A5DA-D6EF-E9DF5C699923}"/>
+              <a16:creationId xmlns:a16="http://schemas.microsoft.com/office/drawing/2014/main" id="{BE705356-F522-421E-B70C-296C57450B8C}"/>
             </a:ext>
           </a:extLst>
         </p:cNvPr>
@@ -4010,43 +4009,10 @@
       </p:grpSpPr>
       <p:sp>
         <p:nvSpPr>
-          <p:cNvPr id="6" name="Title 5">
-            <a:extLst>
-              <a:ext uri="{FF2B5EF4-FFF2-40B4-BE49-F238E27FC236}">
-                <a16:creationId xmlns:a16="http://schemas.microsoft.com/office/drawing/2014/main" id="{FA4C2B05-E648-9FA4-DCD7-B1EDB9F3BECF}"/>
-              </a:ext>
-            </a:extLst>
-          </p:cNvPr>
-          <p:cNvSpPr>
-            <a:spLocks noGrp="1"/>
-          </p:cNvSpPr>
-          <p:nvPr>
-            <p:ph type="title"/>
-          </p:nvPr>
-        </p:nvSpPr>
-        <p:spPr>
-          <a:xfrm>
-            <a:off x="838200" y="694547"/>
-            <a:ext cx="10515600" cy="1325563"/>
-          </a:xfrm>
-        </p:spPr>
-        <p:txBody>
-          <a:bodyPr/>
-          <a:lstStyle/>
-          <a:p>
-            <a:r>
-              <a:rPr lang="en-US" dirty="0"/>
-              <a:t>Compilers vs Interpreters</a:t>
-            </a:r>
-          </a:p>
-        </p:txBody>
-      </p:sp>
-      <p:sp>
-        <p:nvSpPr>
           <p:cNvPr id="7" name="Content Placeholder 6">
             <a:extLst>
               <a:ext uri="{FF2B5EF4-FFF2-40B4-BE49-F238E27FC236}">
-                <a16:creationId xmlns:a16="http://schemas.microsoft.com/office/drawing/2014/main" id="{D368607E-2AAD-DBDE-9480-8D578F7AC080}"/>
+                <a16:creationId xmlns:a16="http://schemas.microsoft.com/office/drawing/2014/main" id="{942CFDBF-5840-DFFD-CDE5-6E5F20A83302}"/>
               </a:ext>
             </a:extLst>
           </p:cNvPr>
@@ -4059,44 +4025,14 @@
         </p:nvSpPr>
         <p:spPr>
           <a:xfrm>
-            <a:off x="838200" y="2254763"/>
-            <a:ext cx="10515600" cy="3922201"/>
+            <a:off x="838200" y="988399"/>
+            <a:ext cx="10515600" cy="5188566"/>
           </a:xfrm>
         </p:spPr>
         <p:txBody>
           <a:bodyPr/>
           <a:lstStyle/>
           <a:p>
-            <a:r>
-              <a:rPr lang="en-US" dirty="0"/>
-              <a:t>U can write an </a:t>
-            </a:r>
-            <a:r>
-              <a:rPr lang="en-US" dirty="0">
-                <a:solidFill>
-                  <a:schemeClr val="accent2"/>
-                </a:solidFill>
-              </a:rPr>
-              <a:t>interpreter for C </a:t>
-            </a:r>
-            <a:r>
-              <a:rPr lang="en-US" dirty="0"/>
-              <a:t>and a </a:t>
-            </a:r>
-            <a:r>
-              <a:rPr lang="en-US" dirty="0">
-                <a:solidFill>
-                  <a:schemeClr val="accent1"/>
-                </a:solidFill>
-              </a:rPr>
-              <a:t>compiler for JavaScript</a:t>
-            </a:r>
-            <a:r>
-              <a:rPr lang="en-US" dirty="0"/>
-              <a:t>.</a:t>
-            </a:r>
-          </a:p>
-          <a:p>
             <a:endParaRPr lang="en-US" dirty="0"/>
           </a:p>
         </p:txBody>
@@ -4106,7 +4042,7 @@
           <p:cNvPr id="4" name="Rectangle 3">
             <a:extLst>
               <a:ext uri="{FF2B5EF4-FFF2-40B4-BE49-F238E27FC236}">
-                <a16:creationId xmlns:a16="http://schemas.microsoft.com/office/drawing/2014/main" id="{F233A266-49F8-6F15-9B2E-4BDFA08D628A}"/>
+                <a16:creationId xmlns:a16="http://schemas.microsoft.com/office/drawing/2014/main" id="{211F523A-1E6C-5400-3D9C-C84E5AABE493}"/>
               </a:ext>
             </a:extLst>
           </p:cNvPr>
@@ -4158,7 +4094,7 @@
           <p:cNvPr id="5" name="Oval 4">
             <a:extLst>
               <a:ext uri="{FF2B5EF4-FFF2-40B4-BE49-F238E27FC236}">
-                <a16:creationId xmlns:a16="http://schemas.microsoft.com/office/drawing/2014/main" id="{6C2DB65A-3098-E41E-5444-5D4FDADFAAB2}"/>
+                <a16:creationId xmlns:a16="http://schemas.microsoft.com/office/drawing/2014/main" id="{0F57A81C-64D0-7310-AB5F-3C8AEA5C6048}"/>
               </a:ext>
             </a:extLst>
           </p:cNvPr>
@@ -4210,7 +4146,7 @@
           <p:cNvPr id="8" name="Oval 7">
             <a:extLst>
               <a:ext uri="{FF2B5EF4-FFF2-40B4-BE49-F238E27FC236}">
-                <a16:creationId xmlns:a16="http://schemas.microsoft.com/office/drawing/2014/main" id="{E833ED17-7925-7B42-2DA8-68FFB1A203C0}"/>
+                <a16:creationId xmlns:a16="http://schemas.microsoft.com/office/drawing/2014/main" id="{97558254-F01B-09B7-F7AA-E9D05D91E17C}"/>
               </a:ext>
             </a:extLst>
           </p:cNvPr>
@@ -4262,7 +4198,7 @@
           <p:cNvPr id="9" name="Oval 8">
             <a:extLst>
               <a:ext uri="{FF2B5EF4-FFF2-40B4-BE49-F238E27FC236}">
-                <a16:creationId xmlns:a16="http://schemas.microsoft.com/office/drawing/2014/main" id="{649FFE16-93D7-CFAB-2B7F-C225D824A923}"/>
+                <a16:creationId xmlns:a16="http://schemas.microsoft.com/office/drawing/2014/main" id="{8E92F570-D1A3-5BCB-15C8-8A24A9F2D77A}"/>
               </a:ext>
             </a:extLst>
           </p:cNvPr>
@@ -4312,7 +4248,7 @@
     </p:spTree>
     <p:extLst>
       <p:ext uri="{BB962C8B-B14F-4D97-AF65-F5344CB8AC3E}">
-        <p14:creationId xmlns:p14="http://schemas.microsoft.com/office/powerpoint/2010/main" val="3444062210"/>
+        <p14:creationId xmlns:p14="http://schemas.microsoft.com/office/powerpoint/2010/main" val="3695012322"/>
       </p:ext>
     </p:extLst>
   </p:cSld>
@@ -4323,310 +4259,6 @@
 </file>
 
 <file path=ppt/slides/slide11.xml><?xml version="1.0" encoding="utf-8"?>
-<p:sld xmlns:a="http://schemas.openxmlformats.org/drawingml/2006/main" xmlns:r="http://schemas.openxmlformats.org/officeDocument/2006/relationships" xmlns:p="http://schemas.openxmlformats.org/presentationml/2006/main">
-  <p:cSld>
-    <p:spTree>
-      <p:nvGrpSpPr>
-        <p:cNvPr id="1" name="">
-          <a:extLst>
-            <a:ext uri="{FF2B5EF4-FFF2-40B4-BE49-F238E27FC236}">
-              <a16:creationId xmlns:a16="http://schemas.microsoft.com/office/drawing/2014/main" id="{70A4F220-17DE-BFD1-4E2A-E2C805F5751E}"/>
-            </a:ext>
-          </a:extLst>
-        </p:cNvPr>
-        <p:cNvGrpSpPr/>
-        <p:nvPr/>
-      </p:nvGrpSpPr>
-      <p:grpSpPr>
-        <a:xfrm>
-          <a:off x="0" y="0"/>
-          <a:ext cx="0" cy="0"/>
-          <a:chOff x="0" y="0"/>
-          <a:chExt cx="0" cy="0"/>
-        </a:xfrm>
-      </p:grpSpPr>
-      <p:sp>
-        <p:nvSpPr>
-          <p:cNvPr id="6" name="Title 5">
-            <a:extLst>
-              <a:ext uri="{FF2B5EF4-FFF2-40B4-BE49-F238E27FC236}">
-                <a16:creationId xmlns:a16="http://schemas.microsoft.com/office/drawing/2014/main" id="{5FD2C2E1-629C-2EFC-7526-E34BD33C1D86}"/>
-              </a:ext>
-            </a:extLst>
-          </p:cNvPr>
-          <p:cNvSpPr>
-            <a:spLocks noGrp="1"/>
-          </p:cNvSpPr>
-          <p:nvPr>
-            <p:ph type="title"/>
-          </p:nvPr>
-        </p:nvSpPr>
-        <p:spPr>
-          <a:xfrm>
-            <a:off x="838200" y="694547"/>
-            <a:ext cx="10515600" cy="1325563"/>
-          </a:xfrm>
-        </p:spPr>
-        <p:txBody>
-          <a:bodyPr/>
-          <a:lstStyle/>
-          <a:p>
-            <a:endParaRPr lang="en-US" dirty="0"/>
-          </a:p>
-        </p:txBody>
-      </p:sp>
-      <p:sp>
-        <p:nvSpPr>
-          <p:cNvPr id="7" name="Content Placeholder 6">
-            <a:extLst>
-              <a:ext uri="{FF2B5EF4-FFF2-40B4-BE49-F238E27FC236}">
-                <a16:creationId xmlns:a16="http://schemas.microsoft.com/office/drawing/2014/main" id="{BA86D30A-6E0F-9FB8-81FD-C98C27A34953}"/>
-              </a:ext>
-            </a:extLst>
-          </p:cNvPr>
-          <p:cNvSpPr>
-            <a:spLocks noGrp="1"/>
-          </p:cNvSpPr>
-          <p:nvPr>
-            <p:ph idx="1"/>
-          </p:nvPr>
-        </p:nvSpPr>
-        <p:spPr>
-          <a:xfrm>
-            <a:off x="838200" y="2254763"/>
-            <a:ext cx="10515600" cy="3922201"/>
-          </a:xfrm>
-        </p:spPr>
-        <p:txBody>
-          <a:bodyPr/>
-          <a:lstStyle/>
-          <a:p>
-            <a:endParaRPr lang="en-US" dirty="0"/>
-          </a:p>
-        </p:txBody>
-      </p:sp>
-      <p:sp>
-        <p:nvSpPr>
-          <p:cNvPr id="4" name="Rectangle 3">
-            <a:extLst>
-              <a:ext uri="{FF2B5EF4-FFF2-40B4-BE49-F238E27FC236}">
-                <a16:creationId xmlns:a16="http://schemas.microsoft.com/office/drawing/2014/main" id="{E0EF9C6A-3957-454C-23B7-0CE40D98EFA6}"/>
-              </a:ext>
-            </a:extLst>
-          </p:cNvPr>
-          <p:cNvSpPr/>
-          <p:nvPr/>
-        </p:nvSpPr>
-        <p:spPr>
-          <a:xfrm>
-            <a:off x="0" y="0"/>
-            <a:ext cx="12192000" cy="468086"/>
-          </a:xfrm>
-          <a:prstGeom prst="rect">
-            <a:avLst/>
-          </a:prstGeom>
-          <a:solidFill>
-            <a:schemeClr val="bg2"/>
-          </a:solidFill>
-          <a:ln>
-            <a:noFill/>
-          </a:ln>
-        </p:spPr>
-        <p:style>
-          <a:lnRef idx="2">
-            <a:schemeClr val="accent1">
-              <a:shade val="15000"/>
-            </a:schemeClr>
-          </a:lnRef>
-          <a:fillRef idx="1">
-            <a:schemeClr val="accent1"/>
-          </a:fillRef>
-          <a:effectRef idx="0">
-            <a:schemeClr val="accent1"/>
-          </a:effectRef>
-          <a:fontRef idx="minor">
-            <a:schemeClr val="lt1"/>
-          </a:fontRef>
-        </p:style>
-        <p:txBody>
-          <a:bodyPr rtlCol="0" anchor="ctr"/>
-          <a:lstStyle/>
-          <a:p>
-            <a:pPr algn="ctr"/>
-            <a:endParaRPr lang="en-US" sz="1351"/>
-          </a:p>
-        </p:txBody>
-      </p:sp>
-      <p:sp>
-        <p:nvSpPr>
-          <p:cNvPr id="5" name="Oval 4">
-            <a:extLst>
-              <a:ext uri="{FF2B5EF4-FFF2-40B4-BE49-F238E27FC236}">
-                <a16:creationId xmlns:a16="http://schemas.microsoft.com/office/drawing/2014/main" id="{26F85CDD-6BF6-A203-C6A8-27CB68893FE8}"/>
-              </a:ext>
-            </a:extLst>
-          </p:cNvPr>
-          <p:cNvSpPr/>
-          <p:nvPr/>
-        </p:nvSpPr>
-        <p:spPr>
-          <a:xfrm>
-            <a:off x="129189" y="108651"/>
-            <a:ext cx="246109" cy="250784"/>
-          </a:xfrm>
-          <a:prstGeom prst="ellipse">
-            <a:avLst/>
-          </a:prstGeom>
-          <a:solidFill>
-            <a:schemeClr val="accent1"/>
-          </a:solidFill>
-          <a:ln>
-            <a:noFill/>
-          </a:ln>
-        </p:spPr>
-        <p:style>
-          <a:lnRef idx="2">
-            <a:schemeClr val="accent1">
-              <a:shade val="15000"/>
-            </a:schemeClr>
-          </a:lnRef>
-          <a:fillRef idx="1">
-            <a:schemeClr val="accent1"/>
-          </a:fillRef>
-          <a:effectRef idx="0">
-            <a:schemeClr val="accent1"/>
-          </a:effectRef>
-          <a:fontRef idx="minor">
-            <a:schemeClr val="lt1"/>
-          </a:fontRef>
-        </p:style>
-        <p:txBody>
-          <a:bodyPr rtlCol="0" anchor="ctr"/>
-          <a:lstStyle/>
-          <a:p>
-            <a:pPr algn="ctr"/>
-            <a:endParaRPr lang="en-US"/>
-          </a:p>
-        </p:txBody>
-      </p:sp>
-      <p:sp>
-        <p:nvSpPr>
-          <p:cNvPr id="8" name="Oval 7">
-            <a:extLst>
-              <a:ext uri="{FF2B5EF4-FFF2-40B4-BE49-F238E27FC236}">
-                <a16:creationId xmlns:a16="http://schemas.microsoft.com/office/drawing/2014/main" id="{4CC06E3F-3519-7120-AACE-852B894664D6}"/>
-              </a:ext>
-            </a:extLst>
-          </p:cNvPr>
-          <p:cNvSpPr/>
-          <p:nvPr/>
-        </p:nvSpPr>
-        <p:spPr>
-          <a:xfrm>
-            <a:off x="504487" y="113785"/>
-            <a:ext cx="246109" cy="250784"/>
-          </a:xfrm>
-          <a:prstGeom prst="ellipse">
-            <a:avLst/>
-          </a:prstGeom>
-          <a:solidFill>
-            <a:schemeClr val="accent3"/>
-          </a:solidFill>
-          <a:ln>
-            <a:noFill/>
-          </a:ln>
-        </p:spPr>
-        <p:style>
-          <a:lnRef idx="2">
-            <a:schemeClr val="accent1">
-              <a:shade val="15000"/>
-            </a:schemeClr>
-          </a:lnRef>
-          <a:fillRef idx="1">
-            <a:schemeClr val="accent1"/>
-          </a:fillRef>
-          <a:effectRef idx="0">
-            <a:schemeClr val="accent1"/>
-          </a:effectRef>
-          <a:fontRef idx="minor">
-            <a:schemeClr val="lt1"/>
-          </a:fontRef>
-        </p:style>
-        <p:txBody>
-          <a:bodyPr rtlCol="0" anchor="ctr"/>
-          <a:lstStyle/>
-          <a:p>
-            <a:pPr algn="ctr"/>
-            <a:endParaRPr lang="en-US"/>
-          </a:p>
-        </p:txBody>
-      </p:sp>
-      <p:sp>
-        <p:nvSpPr>
-          <p:cNvPr id="9" name="Oval 8">
-            <a:extLst>
-              <a:ext uri="{FF2B5EF4-FFF2-40B4-BE49-F238E27FC236}">
-                <a16:creationId xmlns:a16="http://schemas.microsoft.com/office/drawing/2014/main" id="{9655CCD7-DB86-D1B0-89C3-AC93B1DA49B4}"/>
-              </a:ext>
-            </a:extLst>
-          </p:cNvPr>
-          <p:cNvSpPr/>
-          <p:nvPr/>
-        </p:nvSpPr>
-        <p:spPr>
-          <a:xfrm>
-            <a:off x="879785" y="108651"/>
-            <a:ext cx="246109" cy="250784"/>
-          </a:xfrm>
-          <a:prstGeom prst="ellipse">
-            <a:avLst/>
-          </a:prstGeom>
-          <a:solidFill>
-            <a:schemeClr val="accent2"/>
-          </a:solidFill>
-          <a:ln>
-            <a:noFill/>
-          </a:ln>
-        </p:spPr>
-        <p:style>
-          <a:lnRef idx="2">
-            <a:schemeClr val="accent1">
-              <a:shade val="15000"/>
-            </a:schemeClr>
-          </a:lnRef>
-          <a:fillRef idx="1">
-            <a:schemeClr val="accent1"/>
-          </a:fillRef>
-          <a:effectRef idx="0">
-            <a:schemeClr val="accent1"/>
-          </a:effectRef>
-          <a:fontRef idx="minor">
-            <a:schemeClr val="lt1"/>
-          </a:fontRef>
-        </p:style>
-        <p:txBody>
-          <a:bodyPr rtlCol="0" anchor="ctr"/>
-          <a:lstStyle/>
-          <a:p>
-            <a:pPr algn="ctr"/>
-            <a:endParaRPr lang="en-US"/>
-          </a:p>
-        </p:txBody>
-      </p:sp>
-    </p:spTree>
-    <p:extLst>
-      <p:ext uri="{BB962C8B-B14F-4D97-AF65-F5344CB8AC3E}">
-        <p14:creationId xmlns:p14="http://schemas.microsoft.com/office/powerpoint/2010/main" val="1522722365"/>
-      </p:ext>
-    </p:extLst>
-  </p:cSld>
-  <p:clrMapOvr>
-    <a:masterClrMapping/>
-  </p:clrMapOvr>
-</p:sld>
-</file>
-
-<file path=ppt/slides/slide12.xml><?xml version="1.0" encoding="utf-8"?>
 <p:sld xmlns:a="http://schemas.openxmlformats.org/drawingml/2006/main" xmlns:r="http://schemas.openxmlformats.org/officeDocument/2006/relationships" xmlns:p="http://schemas.openxmlformats.org/presentationml/2006/main">
   <p:cSld>
     <p:spTree>
@@ -4933,7 +4565,7 @@
 </p:sld>
 </file>
 
-<file path=ppt/slides/slide13.xml><?xml version="1.0" encoding="utf-8"?>
+<file path=ppt/slides/slide12.xml><?xml version="1.0" encoding="utf-8"?>
 <p:sld xmlns:a="http://schemas.openxmlformats.org/drawingml/2006/main" xmlns:r="http://schemas.openxmlformats.org/officeDocument/2006/relationships" xmlns:p="http://schemas.openxmlformats.org/presentationml/2006/main">
   <p:cSld>
     <p:spTree>
@@ -5240,7 +4872,7 @@
 </p:sld>
 </file>
 
-<file path=ppt/slides/slide14.xml><?xml version="1.0" encoding="utf-8"?>
+<file path=ppt/slides/slide13.xml><?xml version="1.0" encoding="utf-8"?>
 <p:sld xmlns:a="http://schemas.openxmlformats.org/drawingml/2006/main" xmlns:r="http://schemas.openxmlformats.org/officeDocument/2006/relationships" xmlns:p="http://schemas.openxmlformats.org/presentationml/2006/main">
   <p:cSld>
     <p:spTree>
@@ -5248,7 +4880,7 @@
         <p:cNvPr id="1" name="">
           <a:extLst>
             <a:ext uri="{FF2B5EF4-FFF2-40B4-BE49-F238E27FC236}">
-              <a16:creationId xmlns:a16="http://schemas.microsoft.com/office/drawing/2014/main" id="{3EDC162E-AF98-0947-61F6-65F23962FE70}"/>
+              <a16:creationId xmlns:a16="http://schemas.microsoft.com/office/drawing/2014/main" id="{715EAF80-B67F-ED18-A5CE-F0702210F67F}"/>
             </a:ext>
           </a:extLst>
         </p:cNvPr>
@@ -5265,40 +4897,10 @@
       </p:grpSpPr>
       <p:sp>
         <p:nvSpPr>
-          <p:cNvPr id="6" name="Title 5">
-            <a:extLst>
-              <a:ext uri="{FF2B5EF4-FFF2-40B4-BE49-F238E27FC236}">
-                <a16:creationId xmlns:a16="http://schemas.microsoft.com/office/drawing/2014/main" id="{55100DC3-B6EF-C9D5-BE2B-A4B0A3D195E4}"/>
-              </a:ext>
-            </a:extLst>
-          </p:cNvPr>
-          <p:cNvSpPr>
-            <a:spLocks noGrp="1"/>
-          </p:cNvSpPr>
-          <p:nvPr>
-            <p:ph type="title"/>
-          </p:nvPr>
-        </p:nvSpPr>
-        <p:spPr>
-          <a:xfrm>
-            <a:off x="838200" y="694547"/>
-            <a:ext cx="10515600" cy="1325563"/>
-          </a:xfrm>
-        </p:spPr>
-        <p:txBody>
-          <a:bodyPr/>
-          <a:lstStyle/>
-          <a:p>
-            <a:endParaRPr lang="en-US" dirty="0"/>
-          </a:p>
-        </p:txBody>
-      </p:sp>
-      <p:sp>
-        <p:nvSpPr>
           <p:cNvPr id="7" name="Content Placeholder 6">
             <a:extLst>
               <a:ext uri="{FF2B5EF4-FFF2-40B4-BE49-F238E27FC236}">
-                <a16:creationId xmlns:a16="http://schemas.microsoft.com/office/drawing/2014/main" id="{33AF322A-6853-2571-913C-46DAB63D8B71}"/>
+                <a16:creationId xmlns:a16="http://schemas.microsoft.com/office/drawing/2014/main" id="{A00C6BC0-B6E4-9EC4-54E4-8A588AABBFE1}"/>
               </a:ext>
             </a:extLst>
           </p:cNvPr>
@@ -5311,8 +4913,8 @@
         </p:nvSpPr>
         <p:spPr>
           <a:xfrm>
-            <a:off x="838200" y="2254763"/>
-            <a:ext cx="10515600" cy="3922201"/>
+            <a:off x="838200" y="988399"/>
+            <a:ext cx="10515600" cy="5188566"/>
           </a:xfrm>
         </p:spPr>
         <p:txBody>
@@ -5328,7 +4930,7 @@
           <p:cNvPr id="4" name="Rectangle 3">
             <a:extLst>
               <a:ext uri="{FF2B5EF4-FFF2-40B4-BE49-F238E27FC236}">
-                <a16:creationId xmlns:a16="http://schemas.microsoft.com/office/drawing/2014/main" id="{0DE8DA06-2109-66EC-0ACF-5D6A1531FD6D}"/>
+                <a16:creationId xmlns:a16="http://schemas.microsoft.com/office/drawing/2014/main" id="{0F3F4EF6-5F98-55DE-5AEC-C51CDBFD5DD7}"/>
               </a:ext>
             </a:extLst>
           </p:cNvPr>
@@ -5380,7 +4982,7 @@
           <p:cNvPr id="5" name="Oval 4">
             <a:extLst>
               <a:ext uri="{FF2B5EF4-FFF2-40B4-BE49-F238E27FC236}">
-                <a16:creationId xmlns:a16="http://schemas.microsoft.com/office/drawing/2014/main" id="{414BD676-6226-C3A7-5139-46428DA25949}"/>
+                <a16:creationId xmlns:a16="http://schemas.microsoft.com/office/drawing/2014/main" id="{847AD322-5550-375B-CF4D-DD936501487C}"/>
               </a:ext>
             </a:extLst>
           </p:cNvPr>
@@ -5432,7 +5034,7 @@
           <p:cNvPr id="8" name="Oval 7">
             <a:extLst>
               <a:ext uri="{FF2B5EF4-FFF2-40B4-BE49-F238E27FC236}">
-                <a16:creationId xmlns:a16="http://schemas.microsoft.com/office/drawing/2014/main" id="{39F55C9E-DD7F-6FDB-5E95-C36B8563C4FA}"/>
+                <a16:creationId xmlns:a16="http://schemas.microsoft.com/office/drawing/2014/main" id="{4B065C95-A04B-0C6A-2F23-D6965CC6517B}"/>
               </a:ext>
             </a:extLst>
           </p:cNvPr>
@@ -5484,7 +5086,7 @@
           <p:cNvPr id="9" name="Oval 8">
             <a:extLst>
               <a:ext uri="{FF2B5EF4-FFF2-40B4-BE49-F238E27FC236}">
-                <a16:creationId xmlns:a16="http://schemas.microsoft.com/office/drawing/2014/main" id="{5CF7482E-78A1-9138-DF24-412E0399FE10}"/>
+                <a16:creationId xmlns:a16="http://schemas.microsoft.com/office/drawing/2014/main" id="{B7D64E3C-8A72-A20E-D294-C5A028D9F799}"/>
               </a:ext>
             </a:extLst>
           </p:cNvPr>
@@ -5534,7 +5136,281 @@
     </p:spTree>
     <p:extLst>
       <p:ext uri="{BB962C8B-B14F-4D97-AF65-F5344CB8AC3E}">
-        <p14:creationId xmlns:p14="http://schemas.microsoft.com/office/powerpoint/2010/main" val="3257752176"/>
+        <p14:creationId xmlns:p14="http://schemas.microsoft.com/office/powerpoint/2010/main" val="2431755871"/>
+      </p:ext>
+    </p:extLst>
+  </p:cSld>
+  <p:clrMapOvr>
+    <a:masterClrMapping/>
+  </p:clrMapOvr>
+</p:sld>
+</file>
+
+<file path=ppt/slides/slide14.xml><?xml version="1.0" encoding="utf-8"?>
+<p:sld xmlns:a="http://schemas.openxmlformats.org/drawingml/2006/main" xmlns:r="http://schemas.openxmlformats.org/officeDocument/2006/relationships" xmlns:p="http://schemas.openxmlformats.org/presentationml/2006/main">
+  <p:cSld>
+    <p:spTree>
+      <p:nvGrpSpPr>
+        <p:cNvPr id="1" name="">
+          <a:extLst>
+            <a:ext uri="{FF2B5EF4-FFF2-40B4-BE49-F238E27FC236}">
+              <a16:creationId xmlns:a16="http://schemas.microsoft.com/office/drawing/2014/main" id="{37F1FA02-40CA-84F0-7963-7834A12B3581}"/>
+            </a:ext>
+          </a:extLst>
+        </p:cNvPr>
+        <p:cNvGrpSpPr/>
+        <p:nvPr/>
+      </p:nvGrpSpPr>
+      <p:grpSpPr>
+        <a:xfrm>
+          <a:off x="0" y="0"/>
+          <a:ext cx="0" cy="0"/>
+          <a:chOff x="0" y="0"/>
+          <a:chExt cx="0" cy="0"/>
+        </a:xfrm>
+      </p:grpSpPr>
+      <p:sp>
+        <p:nvSpPr>
+          <p:cNvPr id="7" name="Content Placeholder 6">
+            <a:extLst>
+              <a:ext uri="{FF2B5EF4-FFF2-40B4-BE49-F238E27FC236}">
+                <a16:creationId xmlns:a16="http://schemas.microsoft.com/office/drawing/2014/main" id="{E7104316-A825-F46A-A748-08E63FE64609}"/>
+              </a:ext>
+            </a:extLst>
+          </p:cNvPr>
+          <p:cNvSpPr>
+            <a:spLocks noGrp="1"/>
+          </p:cNvSpPr>
+          <p:nvPr>
+            <p:ph idx="1"/>
+          </p:nvPr>
+        </p:nvSpPr>
+        <p:spPr>
+          <a:xfrm>
+            <a:off x="838200" y="988399"/>
+            <a:ext cx="10515600" cy="5188566"/>
+          </a:xfrm>
+        </p:spPr>
+        <p:txBody>
+          <a:bodyPr/>
+          <a:lstStyle/>
+          <a:p>
+            <a:endParaRPr lang="en-US" dirty="0"/>
+          </a:p>
+        </p:txBody>
+      </p:sp>
+      <p:sp>
+        <p:nvSpPr>
+          <p:cNvPr id="4" name="Rectangle 3">
+            <a:extLst>
+              <a:ext uri="{FF2B5EF4-FFF2-40B4-BE49-F238E27FC236}">
+                <a16:creationId xmlns:a16="http://schemas.microsoft.com/office/drawing/2014/main" id="{51756967-1BF0-B4DB-5533-A42B579C50EB}"/>
+              </a:ext>
+            </a:extLst>
+          </p:cNvPr>
+          <p:cNvSpPr/>
+          <p:nvPr/>
+        </p:nvSpPr>
+        <p:spPr>
+          <a:xfrm>
+            <a:off x="0" y="0"/>
+            <a:ext cx="12192000" cy="468086"/>
+          </a:xfrm>
+          <a:prstGeom prst="rect">
+            <a:avLst/>
+          </a:prstGeom>
+          <a:solidFill>
+            <a:schemeClr val="bg2"/>
+          </a:solidFill>
+          <a:ln>
+            <a:noFill/>
+          </a:ln>
+        </p:spPr>
+        <p:style>
+          <a:lnRef idx="2">
+            <a:schemeClr val="accent1">
+              <a:shade val="15000"/>
+            </a:schemeClr>
+          </a:lnRef>
+          <a:fillRef idx="1">
+            <a:schemeClr val="accent1"/>
+          </a:fillRef>
+          <a:effectRef idx="0">
+            <a:schemeClr val="accent1"/>
+          </a:effectRef>
+          <a:fontRef idx="minor">
+            <a:schemeClr val="lt1"/>
+          </a:fontRef>
+        </p:style>
+        <p:txBody>
+          <a:bodyPr rtlCol="0" anchor="ctr"/>
+          <a:lstStyle/>
+          <a:p>
+            <a:pPr algn="ctr"/>
+            <a:endParaRPr lang="en-US" sz="1351"/>
+          </a:p>
+        </p:txBody>
+      </p:sp>
+      <p:sp>
+        <p:nvSpPr>
+          <p:cNvPr id="5" name="Oval 4">
+            <a:extLst>
+              <a:ext uri="{FF2B5EF4-FFF2-40B4-BE49-F238E27FC236}">
+                <a16:creationId xmlns:a16="http://schemas.microsoft.com/office/drawing/2014/main" id="{4ED86FEF-9C86-E5B5-E3E6-0072D34D5FC1}"/>
+              </a:ext>
+            </a:extLst>
+          </p:cNvPr>
+          <p:cNvSpPr/>
+          <p:nvPr/>
+        </p:nvSpPr>
+        <p:spPr>
+          <a:xfrm>
+            <a:off x="129189" y="108651"/>
+            <a:ext cx="246109" cy="250784"/>
+          </a:xfrm>
+          <a:prstGeom prst="ellipse">
+            <a:avLst/>
+          </a:prstGeom>
+          <a:solidFill>
+            <a:schemeClr val="accent1"/>
+          </a:solidFill>
+          <a:ln>
+            <a:noFill/>
+          </a:ln>
+        </p:spPr>
+        <p:style>
+          <a:lnRef idx="2">
+            <a:schemeClr val="accent1">
+              <a:shade val="15000"/>
+            </a:schemeClr>
+          </a:lnRef>
+          <a:fillRef idx="1">
+            <a:schemeClr val="accent1"/>
+          </a:fillRef>
+          <a:effectRef idx="0">
+            <a:schemeClr val="accent1"/>
+          </a:effectRef>
+          <a:fontRef idx="minor">
+            <a:schemeClr val="lt1"/>
+          </a:fontRef>
+        </p:style>
+        <p:txBody>
+          <a:bodyPr rtlCol="0" anchor="ctr"/>
+          <a:lstStyle/>
+          <a:p>
+            <a:pPr algn="ctr"/>
+            <a:endParaRPr lang="en-US"/>
+          </a:p>
+        </p:txBody>
+      </p:sp>
+      <p:sp>
+        <p:nvSpPr>
+          <p:cNvPr id="8" name="Oval 7">
+            <a:extLst>
+              <a:ext uri="{FF2B5EF4-FFF2-40B4-BE49-F238E27FC236}">
+                <a16:creationId xmlns:a16="http://schemas.microsoft.com/office/drawing/2014/main" id="{3C54FB61-6EAB-6449-C18B-F1AF4A480E1A}"/>
+              </a:ext>
+            </a:extLst>
+          </p:cNvPr>
+          <p:cNvSpPr/>
+          <p:nvPr/>
+        </p:nvSpPr>
+        <p:spPr>
+          <a:xfrm>
+            <a:off x="504487" y="113785"/>
+            <a:ext cx="246109" cy="250784"/>
+          </a:xfrm>
+          <a:prstGeom prst="ellipse">
+            <a:avLst/>
+          </a:prstGeom>
+          <a:solidFill>
+            <a:schemeClr val="accent3"/>
+          </a:solidFill>
+          <a:ln>
+            <a:noFill/>
+          </a:ln>
+        </p:spPr>
+        <p:style>
+          <a:lnRef idx="2">
+            <a:schemeClr val="accent1">
+              <a:shade val="15000"/>
+            </a:schemeClr>
+          </a:lnRef>
+          <a:fillRef idx="1">
+            <a:schemeClr val="accent1"/>
+          </a:fillRef>
+          <a:effectRef idx="0">
+            <a:schemeClr val="accent1"/>
+          </a:effectRef>
+          <a:fontRef idx="minor">
+            <a:schemeClr val="lt1"/>
+          </a:fontRef>
+        </p:style>
+        <p:txBody>
+          <a:bodyPr rtlCol="0" anchor="ctr"/>
+          <a:lstStyle/>
+          <a:p>
+            <a:pPr algn="ctr"/>
+            <a:endParaRPr lang="en-US"/>
+          </a:p>
+        </p:txBody>
+      </p:sp>
+      <p:sp>
+        <p:nvSpPr>
+          <p:cNvPr id="9" name="Oval 8">
+            <a:extLst>
+              <a:ext uri="{FF2B5EF4-FFF2-40B4-BE49-F238E27FC236}">
+                <a16:creationId xmlns:a16="http://schemas.microsoft.com/office/drawing/2014/main" id="{5B5F4E08-F4EA-6EBD-5D27-50482205E87D}"/>
+              </a:ext>
+            </a:extLst>
+          </p:cNvPr>
+          <p:cNvSpPr/>
+          <p:nvPr/>
+        </p:nvSpPr>
+        <p:spPr>
+          <a:xfrm>
+            <a:off x="879785" y="108651"/>
+            <a:ext cx="246109" cy="250784"/>
+          </a:xfrm>
+          <a:prstGeom prst="ellipse">
+            <a:avLst/>
+          </a:prstGeom>
+          <a:solidFill>
+            <a:schemeClr val="accent2"/>
+          </a:solidFill>
+          <a:ln>
+            <a:noFill/>
+          </a:ln>
+        </p:spPr>
+        <p:style>
+          <a:lnRef idx="2">
+            <a:schemeClr val="accent1">
+              <a:shade val="15000"/>
+            </a:schemeClr>
+          </a:lnRef>
+          <a:fillRef idx="1">
+            <a:schemeClr val="accent1"/>
+          </a:fillRef>
+          <a:effectRef idx="0">
+            <a:schemeClr val="accent1"/>
+          </a:effectRef>
+          <a:fontRef idx="minor">
+            <a:schemeClr val="lt1"/>
+          </a:fontRef>
+        </p:style>
+        <p:txBody>
+          <a:bodyPr rtlCol="0" anchor="ctr"/>
+          <a:lstStyle/>
+          <a:p>
+            <a:pPr algn="ctr"/>
+            <a:endParaRPr lang="en-US"/>
+          </a:p>
+        </p:txBody>
+      </p:sp>
+    </p:spTree>
+    <p:extLst>
+      <p:ext uri="{BB962C8B-B14F-4D97-AF65-F5344CB8AC3E}">
+        <p14:creationId xmlns:p14="http://schemas.microsoft.com/office/powerpoint/2010/main" val="2370209695"/>
       </p:ext>
     </p:extLst>
   </p:cSld>
@@ -5552,7 +5428,7 @@
         <p:cNvPr id="1" name="">
           <a:extLst>
             <a:ext uri="{FF2B5EF4-FFF2-40B4-BE49-F238E27FC236}">
-              <a16:creationId xmlns:a16="http://schemas.microsoft.com/office/drawing/2014/main" id="{2238E190-33AE-EAF9-276C-748F8CEEF4D7}"/>
+              <a16:creationId xmlns:a16="http://schemas.microsoft.com/office/drawing/2014/main" id="{853B9750-ACB3-B516-462A-A1F5F0134A8E}"/>
             </a:ext>
           </a:extLst>
         </p:cNvPr>
@@ -5569,40 +5445,10 @@
       </p:grpSpPr>
       <p:sp>
         <p:nvSpPr>
-          <p:cNvPr id="6" name="Title 5">
-            <a:extLst>
-              <a:ext uri="{FF2B5EF4-FFF2-40B4-BE49-F238E27FC236}">
-                <a16:creationId xmlns:a16="http://schemas.microsoft.com/office/drawing/2014/main" id="{05E79A87-F06E-D1CB-5FF4-0C6D025E679C}"/>
-              </a:ext>
-            </a:extLst>
-          </p:cNvPr>
-          <p:cNvSpPr>
-            <a:spLocks noGrp="1"/>
-          </p:cNvSpPr>
-          <p:nvPr>
-            <p:ph type="title"/>
-          </p:nvPr>
-        </p:nvSpPr>
-        <p:spPr>
-          <a:xfrm>
-            <a:off x="838200" y="694547"/>
-            <a:ext cx="10515600" cy="1325563"/>
-          </a:xfrm>
-        </p:spPr>
-        <p:txBody>
-          <a:bodyPr/>
-          <a:lstStyle/>
-          <a:p>
-            <a:endParaRPr lang="en-US" dirty="0"/>
-          </a:p>
-        </p:txBody>
-      </p:sp>
-      <p:sp>
-        <p:nvSpPr>
           <p:cNvPr id="7" name="Content Placeholder 6">
             <a:extLst>
               <a:ext uri="{FF2B5EF4-FFF2-40B4-BE49-F238E27FC236}">
-                <a16:creationId xmlns:a16="http://schemas.microsoft.com/office/drawing/2014/main" id="{BF027BA5-484C-1184-9346-C77D5309ABAC}"/>
+                <a16:creationId xmlns:a16="http://schemas.microsoft.com/office/drawing/2014/main" id="{DCA8F52A-CD28-6FC0-58E9-3EB4A8B76A54}"/>
               </a:ext>
             </a:extLst>
           </p:cNvPr>
@@ -5615,8 +5461,8 @@
         </p:nvSpPr>
         <p:spPr>
           <a:xfrm>
-            <a:off x="838200" y="2254763"/>
-            <a:ext cx="10515600" cy="3922201"/>
+            <a:off x="838200" y="988399"/>
+            <a:ext cx="10515600" cy="5188566"/>
           </a:xfrm>
         </p:spPr>
         <p:txBody>
@@ -5632,7 +5478,7 @@
           <p:cNvPr id="4" name="Rectangle 3">
             <a:extLst>
               <a:ext uri="{FF2B5EF4-FFF2-40B4-BE49-F238E27FC236}">
-                <a16:creationId xmlns:a16="http://schemas.microsoft.com/office/drawing/2014/main" id="{51112834-DA3D-2885-22A7-CDDE56035300}"/>
+                <a16:creationId xmlns:a16="http://schemas.microsoft.com/office/drawing/2014/main" id="{C65502F2-D6B2-27F5-E55D-3720A11DEB5F}"/>
               </a:ext>
             </a:extLst>
           </p:cNvPr>
@@ -5684,7 +5530,7 @@
           <p:cNvPr id="5" name="Oval 4">
             <a:extLst>
               <a:ext uri="{FF2B5EF4-FFF2-40B4-BE49-F238E27FC236}">
-                <a16:creationId xmlns:a16="http://schemas.microsoft.com/office/drawing/2014/main" id="{880C5A98-65A9-4FC5-5323-3CD059229320}"/>
+                <a16:creationId xmlns:a16="http://schemas.microsoft.com/office/drawing/2014/main" id="{B91518D8-1F06-18BE-078D-018F0CD37258}"/>
               </a:ext>
             </a:extLst>
           </p:cNvPr>
@@ -5736,7 +5582,7 @@
           <p:cNvPr id="8" name="Oval 7">
             <a:extLst>
               <a:ext uri="{FF2B5EF4-FFF2-40B4-BE49-F238E27FC236}">
-                <a16:creationId xmlns:a16="http://schemas.microsoft.com/office/drawing/2014/main" id="{398968AF-A338-118D-36C7-53B385697FA2}"/>
+                <a16:creationId xmlns:a16="http://schemas.microsoft.com/office/drawing/2014/main" id="{774C9233-7474-C360-CFB2-8A06325A63BA}"/>
               </a:ext>
             </a:extLst>
           </p:cNvPr>
@@ -5788,7 +5634,7 @@
           <p:cNvPr id="9" name="Oval 8">
             <a:extLst>
               <a:ext uri="{FF2B5EF4-FFF2-40B4-BE49-F238E27FC236}">
-                <a16:creationId xmlns:a16="http://schemas.microsoft.com/office/drawing/2014/main" id="{1D916510-32F1-4E8E-4F12-820F2AEF7650}"/>
+                <a16:creationId xmlns:a16="http://schemas.microsoft.com/office/drawing/2014/main" id="{140DEC8A-EA63-18EC-1364-619FF770896B}"/>
               </a:ext>
             </a:extLst>
           </p:cNvPr>
@@ -5838,7 +5684,7 @@
     </p:spTree>
     <p:extLst>
       <p:ext uri="{BB962C8B-B14F-4D97-AF65-F5344CB8AC3E}">
-        <p14:creationId xmlns:p14="http://schemas.microsoft.com/office/powerpoint/2010/main" val="2889300233"/>
+        <p14:creationId xmlns:p14="http://schemas.microsoft.com/office/powerpoint/2010/main" val="1851556603"/>
       </p:ext>
     </p:extLst>
   </p:cSld>
@@ -5856,7 +5702,7 @@
         <p:cNvPr id="1" name="">
           <a:extLst>
             <a:ext uri="{FF2B5EF4-FFF2-40B4-BE49-F238E27FC236}">
-              <a16:creationId xmlns:a16="http://schemas.microsoft.com/office/drawing/2014/main" id="{1F46B1DE-DA8D-A70C-3854-7E0EA9117CBB}"/>
+              <a16:creationId xmlns:a16="http://schemas.microsoft.com/office/drawing/2014/main" id="{324F28D5-F54B-7146-993B-353967B8F63E}"/>
             </a:ext>
           </a:extLst>
         </p:cNvPr>
@@ -5873,40 +5719,10 @@
       </p:grpSpPr>
       <p:sp>
         <p:nvSpPr>
-          <p:cNvPr id="6" name="Title 5">
-            <a:extLst>
-              <a:ext uri="{FF2B5EF4-FFF2-40B4-BE49-F238E27FC236}">
-                <a16:creationId xmlns:a16="http://schemas.microsoft.com/office/drawing/2014/main" id="{5CB7CA6D-7248-3798-F1E2-CF41C2BCA811}"/>
-              </a:ext>
-            </a:extLst>
-          </p:cNvPr>
-          <p:cNvSpPr>
-            <a:spLocks noGrp="1"/>
-          </p:cNvSpPr>
-          <p:nvPr>
-            <p:ph type="title"/>
-          </p:nvPr>
-        </p:nvSpPr>
-        <p:spPr>
-          <a:xfrm>
-            <a:off x="838200" y="694547"/>
-            <a:ext cx="10515600" cy="1325563"/>
-          </a:xfrm>
-        </p:spPr>
-        <p:txBody>
-          <a:bodyPr/>
-          <a:lstStyle/>
-          <a:p>
-            <a:endParaRPr lang="en-US" dirty="0"/>
-          </a:p>
-        </p:txBody>
-      </p:sp>
-      <p:sp>
-        <p:nvSpPr>
           <p:cNvPr id="7" name="Content Placeholder 6">
             <a:extLst>
               <a:ext uri="{FF2B5EF4-FFF2-40B4-BE49-F238E27FC236}">
-                <a16:creationId xmlns:a16="http://schemas.microsoft.com/office/drawing/2014/main" id="{E71EF87C-F57B-A995-7CE6-7EEE60E8EE73}"/>
+                <a16:creationId xmlns:a16="http://schemas.microsoft.com/office/drawing/2014/main" id="{8AB08AB2-6307-1892-6A64-17DF995EA0C2}"/>
               </a:ext>
             </a:extLst>
           </p:cNvPr>
@@ -5919,8 +5735,8 @@
         </p:nvSpPr>
         <p:spPr>
           <a:xfrm>
-            <a:off x="838200" y="2254763"/>
-            <a:ext cx="10515600" cy="3922201"/>
+            <a:off x="838200" y="988399"/>
+            <a:ext cx="10515600" cy="5188566"/>
           </a:xfrm>
         </p:spPr>
         <p:txBody>
@@ -5936,7 +5752,7 @@
           <p:cNvPr id="4" name="Rectangle 3">
             <a:extLst>
               <a:ext uri="{FF2B5EF4-FFF2-40B4-BE49-F238E27FC236}">
-                <a16:creationId xmlns:a16="http://schemas.microsoft.com/office/drawing/2014/main" id="{58874EAA-8B72-10AB-63E6-3BF3E92C5B70}"/>
+                <a16:creationId xmlns:a16="http://schemas.microsoft.com/office/drawing/2014/main" id="{A8B3D747-5CA6-E8D8-180C-B0C117649C60}"/>
               </a:ext>
             </a:extLst>
           </p:cNvPr>
@@ -5988,7 +5804,7 @@
           <p:cNvPr id="5" name="Oval 4">
             <a:extLst>
               <a:ext uri="{FF2B5EF4-FFF2-40B4-BE49-F238E27FC236}">
-                <a16:creationId xmlns:a16="http://schemas.microsoft.com/office/drawing/2014/main" id="{1F62E79E-8E82-E28E-F0FF-8B6E4949DEE1}"/>
+                <a16:creationId xmlns:a16="http://schemas.microsoft.com/office/drawing/2014/main" id="{C3A52EBC-5DF7-03D3-C162-8895631C0873}"/>
               </a:ext>
             </a:extLst>
           </p:cNvPr>
@@ -6040,7 +5856,7 @@
           <p:cNvPr id="8" name="Oval 7">
             <a:extLst>
               <a:ext uri="{FF2B5EF4-FFF2-40B4-BE49-F238E27FC236}">
-                <a16:creationId xmlns:a16="http://schemas.microsoft.com/office/drawing/2014/main" id="{9099EB03-B38B-7A90-808E-3E4CA157976F}"/>
+                <a16:creationId xmlns:a16="http://schemas.microsoft.com/office/drawing/2014/main" id="{982A4732-96A0-589C-1E30-58ED9FABA5B9}"/>
               </a:ext>
             </a:extLst>
           </p:cNvPr>
@@ -6092,7 +5908,7 @@
           <p:cNvPr id="9" name="Oval 8">
             <a:extLst>
               <a:ext uri="{FF2B5EF4-FFF2-40B4-BE49-F238E27FC236}">
-                <a16:creationId xmlns:a16="http://schemas.microsoft.com/office/drawing/2014/main" id="{EA2592AF-6B90-A617-3176-01CF97057A8A}"/>
+                <a16:creationId xmlns:a16="http://schemas.microsoft.com/office/drawing/2014/main" id="{0B876252-CD70-298F-76E2-3F076A3C6C6D}"/>
               </a:ext>
             </a:extLst>
           </p:cNvPr>
@@ -6142,7 +5958,7 @@
     </p:spTree>
     <p:extLst>
       <p:ext uri="{BB962C8B-B14F-4D97-AF65-F5344CB8AC3E}">
-        <p14:creationId xmlns:p14="http://schemas.microsoft.com/office/powerpoint/2010/main" val="3243838564"/>
+        <p14:creationId xmlns:p14="http://schemas.microsoft.com/office/powerpoint/2010/main" val="2944349700"/>
       </p:ext>
     </p:extLst>
   </p:cSld>
@@ -6153,310 +5969,6 @@
 </file>
 
 <file path=ppt/slides/slide17.xml><?xml version="1.0" encoding="utf-8"?>
-<p:sld xmlns:a="http://schemas.openxmlformats.org/drawingml/2006/main" xmlns:r="http://schemas.openxmlformats.org/officeDocument/2006/relationships" xmlns:p="http://schemas.openxmlformats.org/presentationml/2006/main">
-  <p:cSld>
-    <p:spTree>
-      <p:nvGrpSpPr>
-        <p:cNvPr id="1" name="">
-          <a:extLst>
-            <a:ext uri="{FF2B5EF4-FFF2-40B4-BE49-F238E27FC236}">
-              <a16:creationId xmlns:a16="http://schemas.microsoft.com/office/drawing/2014/main" id="{E2E1F03E-540A-DC78-2038-EBA785F840F8}"/>
-            </a:ext>
-          </a:extLst>
-        </p:cNvPr>
-        <p:cNvGrpSpPr/>
-        <p:nvPr/>
-      </p:nvGrpSpPr>
-      <p:grpSpPr>
-        <a:xfrm>
-          <a:off x="0" y="0"/>
-          <a:ext cx="0" cy="0"/>
-          <a:chOff x="0" y="0"/>
-          <a:chExt cx="0" cy="0"/>
-        </a:xfrm>
-      </p:grpSpPr>
-      <p:sp>
-        <p:nvSpPr>
-          <p:cNvPr id="6" name="Title 5">
-            <a:extLst>
-              <a:ext uri="{FF2B5EF4-FFF2-40B4-BE49-F238E27FC236}">
-                <a16:creationId xmlns:a16="http://schemas.microsoft.com/office/drawing/2014/main" id="{F0FAF421-1FA7-07B4-2D06-13982308E0C6}"/>
-              </a:ext>
-            </a:extLst>
-          </p:cNvPr>
-          <p:cNvSpPr>
-            <a:spLocks noGrp="1"/>
-          </p:cNvSpPr>
-          <p:nvPr>
-            <p:ph type="title"/>
-          </p:nvPr>
-        </p:nvSpPr>
-        <p:spPr>
-          <a:xfrm>
-            <a:off x="838200" y="694547"/>
-            <a:ext cx="10515600" cy="1325563"/>
-          </a:xfrm>
-        </p:spPr>
-        <p:txBody>
-          <a:bodyPr/>
-          <a:lstStyle/>
-          <a:p>
-            <a:endParaRPr lang="en-US" dirty="0"/>
-          </a:p>
-        </p:txBody>
-      </p:sp>
-      <p:sp>
-        <p:nvSpPr>
-          <p:cNvPr id="7" name="Content Placeholder 6">
-            <a:extLst>
-              <a:ext uri="{FF2B5EF4-FFF2-40B4-BE49-F238E27FC236}">
-                <a16:creationId xmlns:a16="http://schemas.microsoft.com/office/drawing/2014/main" id="{6AA3FF78-9DDC-7AE4-C26F-CCA40A5F6BD3}"/>
-              </a:ext>
-            </a:extLst>
-          </p:cNvPr>
-          <p:cNvSpPr>
-            <a:spLocks noGrp="1"/>
-          </p:cNvSpPr>
-          <p:nvPr>
-            <p:ph idx="1"/>
-          </p:nvPr>
-        </p:nvSpPr>
-        <p:spPr>
-          <a:xfrm>
-            <a:off x="838200" y="2254763"/>
-            <a:ext cx="10515600" cy="3922201"/>
-          </a:xfrm>
-        </p:spPr>
-        <p:txBody>
-          <a:bodyPr/>
-          <a:lstStyle/>
-          <a:p>
-            <a:endParaRPr lang="en-US" dirty="0"/>
-          </a:p>
-        </p:txBody>
-      </p:sp>
-      <p:sp>
-        <p:nvSpPr>
-          <p:cNvPr id="4" name="Rectangle 3">
-            <a:extLst>
-              <a:ext uri="{FF2B5EF4-FFF2-40B4-BE49-F238E27FC236}">
-                <a16:creationId xmlns:a16="http://schemas.microsoft.com/office/drawing/2014/main" id="{7E8188E3-5A1D-0F07-4E23-75E8FF438511}"/>
-              </a:ext>
-            </a:extLst>
-          </p:cNvPr>
-          <p:cNvSpPr/>
-          <p:nvPr/>
-        </p:nvSpPr>
-        <p:spPr>
-          <a:xfrm>
-            <a:off x="0" y="0"/>
-            <a:ext cx="12192000" cy="468086"/>
-          </a:xfrm>
-          <a:prstGeom prst="rect">
-            <a:avLst/>
-          </a:prstGeom>
-          <a:solidFill>
-            <a:schemeClr val="bg2"/>
-          </a:solidFill>
-          <a:ln>
-            <a:noFill/>
-          </a:ln>
-        </p:spPr>
-        <p:style>
-          <a:lnRef idx="2">
-            <a:schemeClr val="accent1">
-              <a:shade val="15000"/>
-            </a:schemeClr>
-          </a:lnRef>
-          <a:fillRef idx="1">
-            <a:schemeClr val="accent1"/>
-          </a:fillRef>
-          <a:effectRef idx="0">
-            <a:schemeClr val="accent1"/>
-          </a:effectRef>
-          <a:fontRef idx="minor">
-            <a:schemeClr val="lt1"/>
-          </a:fontRef>
-        </p:style>
-        <p:txBody>
-          <a:bodyPr rtlCol="0" anchor="ctr"/>
-          <a:lstStyle/>
-          <a:p>
-            <a:pPr algn="ctr"/>
-            <a:endParaRPr lang="en-US" sz="1351"/>
-          </a:p>
-        </p:txBody>
-      </p:sp>
-      <p:sp>
-        <p:nvSpPr>
-          <p:cNvPr id="5" name="Oval 4">
-            <a:extLst>
-              <a:ext uri="{FF2B5EF4-FFF2-40B4-BE49-F238E27FC236}">
-                <a16:creationId xmlns:a16="http://schemas.microsoft.com/office/drawing/2014/main" id="{FF5C2771-8DC9-909F-5172-2F9F7AD93016}"/>
-              </a:ext>
-            </a:extLst>
-          </p:cNvPr>
-          <p:cNvSpPr/>
-          <p:nvPr/>
-        </p:nvSpPr>
-        <p:spPr>
-          <a:xfrm>
-            <a:off x="129189" y="108651"/>
-            <a:ext cx="246109" cy="250784"/>
-          </a:xfrm>
-          <a:prstGeom prst="ellipse">
-            <a:avLst/>
-          </a:prstGeom>
-          <a:solidFill>
-            <a:schemeClr val="accent1"/>
-          </a:solidFill>
-          <a:ln>
-            <a:noFill/>
-          </a:ln>
-        </p:spPr>
-        <p:style>
-          <a:lnRef idx="2">
-            <a:schemeClr val="accent1">
-              <a:shade val="15000"/>
-            </a:schemeClr>
-          </a:lnRef>
-          <a:fillRef idx="1">
-            <a:schemeClr val="accent1"/>
-          </a:fillRef>
-          <a:effectRef idx="0">
-            <a:schemeClr val="accent1"/>
-          </a:effectRef>
-          <a:fontRef idx="minor">
-            <a:schemeClr val="lt1"/>
-          </a:fontRef>
-        </p:style>
-        <p:txBody>
-          <a:bodyPr rtlCol="0" anchor="ctr"/>
-          <a:lstStyle/>
-          <a:p>
-            <a:pPr algn="ctr"/>
-            <a:endParaRPr lang="en-US"/>
-          </a:p>
-        </p:txBody>
-      </p:sp>
-      <p:sp>
-        <p:nvSpPr>
-          <p:cNvPr id="8" name="Oval 7">
-            <a:extLst>
-              <a:ext uri="{FF2B5EF4-FFF2-40B4-BE49-F238E27FC236}">
-                <a16:creationId xmlns:a16="http://schemas.microsoft.com/office/drawing/2014/main" id="{2C834065-65FA-9CCD-7DF8-CF08A6A2E486}"/>
-              </a:ext>
-            </a:extLst>
-          </p:cNvPr>
-          <p:cNvSpPr/>
-          <p:nvPr/>
-        </p:nvSpPr>
-        <p:spPr>
-          <a:xfrm>
-            <a:off x="504487" y="113785"/>
-            <a:ext cx="246109" cy="250784"/>
-          </a:xfrm>
-          <a:prstGeom prst="ellipse">
-            <a:avLst/>
-          </a:prstGeom>
-          <a:solidFill>
-            <a:schemeClr val="accent3"/>
-          </a:solidFill>
-          <a:ln>
-            <a:noFill/>
-          </a:ln>
-        </p:spPr>
-        <p:style>
-          <a:lnRef idx="2">
-            <a:schemeClr val="accent1">
-              <a:shade val="15000"/>
-            </a:schemeClr>
-          </a:lnRef>
-          <a:fillRef idx="1">
-            <a:schemeClr val="accent1"/>
-          </a:fillRef>
-          <a:effectRef idx="0">
-            <a:schemeClr val="accent1"/>
-          </a:effectRef>
-          <a:fontRef idx="minor">
-            <a:schemeClr val="lt1"/>
-          </a:fontRef>
-        </p:style>
-        <p:txBody>
-          <a:bodyPr rtlCol="0" anchor="ctr"/>
-          <a:lstStyle/>
-          <a:p>
-            <a:pPr algn="ctr"/>
-            <a:endParaRPr lang="en-US"/>
-          </a:p>
-        </p:txBody>
-      </p:sp>
-      <p:sp>
-        <p:nvSpPr>
-          <p:cNvPr id="9" name="Oval 8">
-            <a:extLst>
-              <a:ext uri="{FF2B5EF4-FFF2-40B4-BE49-F238E27FC236}">
-                <a16:creationId xmlns:a16="http://schemas.microsoft.com/office/drawing/2014/main" id="{AE07ABF5-DDAE-F9B9-6072-3977F7C78F70}"/>
-              </a:ext>
-            </a:extLst>
-          </p:cNvPr>
-          <p:cNvSpPr/>
-          <p:nvPr/>
-        </p:nvSpPr>
-        <p:spPr>
-          <a:xfrm>
-            <a:off x="879785" y="108651"/>
-            <a:ext cx="246109" cy="250784"/>
-          </a:xfrm>
-          <a:prstGeom prst="ellipse">
-            <a:avLst/>
-          </a:prstGeom>
-          <a:solidFill>
-            <a:schemeClr val="accent2"/>
-          </a:solidFill>
-          <a:ln>
-            <a:noFill/>
-          </a:ln>
-        </p:spPr>
-        <p:style>
-          <a:lnRef idx="2">
-            <a:schemeClr val="accent1">
-              <a:shade val="15000"/>
-            </a:schemeClr>
-          </a:lnRef>
-          <a:fillRef idx="1">
-            <a:schemeClr val="accent1"/>
-          </a:fillRef>
-          <a:effectRef idx="0">
-            <a:schemeClr val="accent1"/>
-          </a:effectRef>
-          <a:fontRef idx="minor">
-            <a:schemeClr val="lt1"/>
-          </a:fontRef>
-        </p:style>
-        <p:txBody>
-          <a:bodyPr rtlCol="0" anchor="ctr"/>
-          <a:lstStyle/>
-          <a:p>
-            <a:pPr algn="ctr"/>
-            <a:endParaRPr lang="en-US"/>
-          </a:p>
-        </p:txBody>
-      </p:sp>
-    </p:spTree>
-    <p:extLst>
-      <p:ext uri="{BB962C8B-B14F-4D97-AF65-F5344CB8AC3E}">
-        <p14:creationId xmlns:p14="http://schemas.microsoft.com/office/powerpoint/2010/main" val="3146655257"/>
-      </p:ext>
-    </p:extLst>
-  </p:cSld>
-  <p:clrMapOvr>
-    <a:masterClrMapping/>
-  </p:clrMapOvr>
-</p:sld>
-</file>
-
-<file path=ppt/slides/slide18.xml><?xml version="1.0" encoding="utf-8"?>
 <p:sld xmlns:a="http://schemas.openxmlformats.org/drawingml/2006/main" xmlns:r="http://schemas.openxmlformats.org/officeDocument/2006/relationships" xmlns:p="http://schemas.openxmlformats.org/presentationml/2006/main">
   <p:cSld>
     <p:spTree>
@@ -6763,7 +6275,7 @@
 </p:sld>
 </file>
 
-<file path=ppt/slides/slide19.xml><?xml version="1.0" encoding="utf-8"?>
+<file path=ppt/slides/slide18.xml><?xml version="1.0" encoding="utf-8"?>
 <p:sld xmlns:a="http://schemas.openxmlformats.org/drawingml/2006/main" xmlns:r="http://schemas.openxmlformats.org/officeDocument/2006/relationships" xmlns:p="http://schemas.openxmlformats.org/presentationml/2006/main">
   <p:cSld>
     <p:spTree>
@@ -6771,7 +6283,7 @@
         <p:cNvPr id="1" name="">
           <a:extLst>
             <a:ext uri="{FF2B5EF4-FFF2-40B4-BE49-F238E27FC236}">
-              <a16:creationId xmlns:a16="http://schemas.microsoft.com/office/drawing/2014/main" id="{3231F165-B681-D9FA-4D2B-714BF70F2004}"/>
+              <a16:creationId xmlns:a16="http://schemas.microsoft.com/office/drawing/2014/main" id="{FBB8BBEA-B72C-22D9-9A34-E8E7E253C9C4}"/>
             </a:ext>
           </a:extLst>
         </p:cNvPr>
@@ -6788,40 +6300,10 @@
       </p:grpSpPr>
       <p:sp>
         <p:nvSpPr>
-          <p:cNvPr id="6" name="Title 5">
-            <a:extLst>
-              <a:ext uri="{FF2B5EF4-FFF2-40B4-BE49-F238E27FC236}">
-                <a16:creationId xmlns:a16="http://schemas.microsoft.com/office/drawing/2014/main" id="{3602F572-AA51-50B4-A0D2-C315C4F732AB}"/>
-              </a:ext>
-            </a:extLst>
-          </p:cNvPr>
-          <p:cNvSpPr>
-            <a:spLocks noGrp="1"/>
-          </p:cNvSpPr>
-          <p:nvPr>
-            <p:ph type="title"/>
-          </p:nvPr>
-        </p:nvSpPr>
-        <p:spPr>
-          <a:xfrm>
-            <a:off x="838200" y="694547"/>
-            <a:ext cx="10515600" cy="1325563"/>
-          </a:xfrm>
-        </p:spPr>
-        <p:txBody>
-          <a:bodyPr/>
-          <a:lstStyle/>
-          <a:p>
-            <a:endParaRPr lang="en-US" dirty="0"/>
-          </a:p>
-        </p:txBody>
-      </p:sp>
-      <p:sp>
-        <p:nvSpPr>
           <p:cNvPr id="7" name="Content Placeholder 6">
             <a:extLst>
               <a:ext uri="{FF2B5EF4-FFF2-40B4-BE49-F238E27FC236}">
-                <a16:creationId xmlns:a16="http://schemas.microsoft.com/office/drawing/2014/main" id="{A30924BE-36D4-908A-5B16-04207EDF2F44}"/>
+                <a16:creationId xmlns:a16="http://schemas.microsoft.com/office/drawing/2014/main" id="{CE5E54DB-0E08-3A30-5E8E-BF61A8B4F450}"/>
               </a:ext>
             </a:extLst>
           </p:cNvPr>
@@ -6834,8 +6316,8 @@
         </p:nvSpPr>
         <p:spPr>
           <a:xfrm>
-            <a:off x="838200" y="2254763"/>
-            <a:ext cx="10515600" cy="3922201"/>
+            <a:off x="838200" y="988399"/>
+            <a:ext cx="10515600" cy="5188566"/>
           </a:xfrm>
         </p:spPr>
         <p:txBody>
@@ -6851,7 +6333,7 @@
           <p:cNvPr id="4" name="Rectangle 3">
             <a:extLst>
               <a:ext uri="{FF2B5EF4-FFF2-40B4-BE49-F238E27FC236}">
-                <a16:creationId xmlns:a16="http://schemas.microsoft.com/office/drawing/2014/main" id="{1DA4E887-7982-8D5D-A2C0-6F1DE31EC691}"/>
+                <a16:creationId xmlns:a16="http://schemas.microsoft.com/office/drawing/2014/main" id="{96C3D7A8-F041-A238-5F17-8EA308298ED4}"/>
               </a:ext>
             </a:extLst>
           </p:cNvPr>
@@ -6903,7 +6385,7 @@
           <p:cNvPr id="5" name="Oval 4">
             <a:extLst>
               <a:ext uri="{FF2B5EF4-FFF2-40B4-BE49-F238E27FC236}">
-                <a16:creationId xmlns:a16="http://schemas.microsoft.com/office/drawing/2014/main" id="{011EDBC1-57CC-F2FB-F2AE-BE64616188F9}"/>
+                <a16:creationId xmlns:a16="http://schemas.microsoft.com/office/drawing/2014/main" id="{99F86D32-6AF1-5091-CF8E-1DB773B48698}"/>
               </a:ext>
             </a:extLst>
           </p:cNvPr>
@@ -6955,7 +6437,7 @@
           <p:cNvPr id="8" name="Oval 7">
             <a:extLst>
               <a:ext uri="{FF2B5EF4-FFF2-40B4-BE49-F238E27FC236}">
-                <a16:creationId xmlns:a16="http://schemas.microsoft.com/office/drawing/2014/main" id="{D6E5050B-BC0F-3084-03C1-63B4D0B1E430}"/>
+                <a16:creationId xmlns:a16="http://schemas.microsoft.com/office/drawing/2014/main" id="{E27E168E-475D-9784-12F7-4755DE03D82C}"/>
               </a:ext>
             </a:extLst>
           </p:cNvPr>
@@ -7007,7 +6489,7 @@
           <p:cNvPr id="9" name="Oval 8">
             <a:extLst>
               <a:ext uri="{FF2B5EF4-FFF2-40B4-BE49-F238E27FC236}">
-                <a16:creationId xmlns:a16="http://schemas.microsoft.com/office/drawing/2014/main" id="{A14FF317-6D55-53FB-42BC-937E175430ED}"/>
+                <a16:creationId xmlns:a16="http://schemas.microsoft.com/office/drawing/2014/main" id="{357E7E89-FC59-E0AB-1CB0-FAB110DBE5D1}"/>
               </a:ext>
             </a:extLst>
           </p:cNvPr>
@@ -7057,7 +6539,281 @@
     </p:spTree>
     <p:extLst>
       <p:ext uri="{BB962C8B-B14F-4D97-AF65-F5344CB8AC3E}">
-        <p14:creationId xmlns:p14="http://schemas.microsoft.com/office/powerpoint/2010/main" val="3040051952"/>
+        <p14:creationId xmlns:p14="http://schemas.microsoft.com/office/powerpoint/2010/main" val="3651787086"/>
+      </p:ext>
+    </p:extLst>
+  </p:cSld>
+  <p:clrMapOvr>
+    <a:masterClrMapping/>
+  </p:clrMapOvr>
+</p:sld>
+</file>
+
+<file path=ppt/slides/slide19.xml><?xml version="1.0" encoding="utf-8"?>
+<p:sld xmlns:a="http://schemas.openxmlformats.org/drawingml/2006/main" xmlns:r="http://schemas.openxmlformats.org/officeDocument/2006/relationships" xmlns:p="http://schemas.openxmlformats.org/presentationml/2006/main">
+  <p:cSld>
+    <p:spTree>
+      <p:nvGrpSpPr>
+        <p:cNvPr id="1" name="">
+          <a:extLst>
+            <a:ext uri="{FF2B5EF4-FFF2-40B4-BE49-F238E27FC236}">
+              <a16:creationId xmlns:a16="http://schemas.microsoft.com/office/drawing/2014/main" id="{4006BBBD-5C09-5940-6E05-8F30A57A4832}"/>
+            </a:ext>
+          </a:extLst>
+        </p:cNvPr>
+        <p:cNvGrpSpPr/>
+        <p:nvPr/>
+      </p:nvGrpSpPr>
+      <p:grpSpPr>
+        <a:xfrm>
+          <a:off x="0" y="0"/>
+          <a:ext cx="0" cy="0"/>
+          <a:chOff x="0" y="0"/>
+          <a:chExt cx="0" cy="0"/>
+        </a:xfrm>
+      </p:grpSpPr>
+      <p:sp>
+        <p:nvSpPr>
+          <p:cNvPr id="7" name="Content Placeholder 6">
+            <a:extLst>
+              <a:ext uri="{FF2B5EF4-FFF2-40B4-BE49-F238E27FC236}">
+                <a16:creationId xmlns:a16="http://schemas.microsoft.com/office/drawing/2014/main" id="{218FEBD3-B021-F0B6-B437-500EF2EE52D5}"/>
+              </a:ext>
+            </a:extLst>
+          </p:cNvPr>
+          <p:cNvSpPr>
+            <a:spLocks noGrp="1"/>
+          </p:cNvSpPr>
+          <p:nvPr>
+            <p:ph idx="1"/>
+          </p:nvPr>
+        </p:nvSpPr>
+        <p:spPr>
+          <a:xfrm>
+            <a:off x="838200" y="988399"/>
+            <a:ext cx="10515600" cy="5188566"/>
+          </a:xfrm>
+        </p:spPr>
+        <p:txBody>
+          <a:bodyPr/>
+          <a:lstStyle/>
+          <a:p>
+            <a:endParaRPr lang="en-US" dirty="0"/>
+          </a:p>
+        </p:txBody>
+      </p:sp>
+      <p:sp>
+        <p:nvSpPr>
+          <p:cNvPr id="4" name="Rectangle 3">
+            <a:extLst>
+              <a:ext uri="{FF2B5EF4-FFF2-40B4-BE49-F238E27FC236}">
+                <a16:creationId xmlns:a16="http://schemas.microsoft.com/office/drawing/2014/main" id="{6B734884-79B7-E49D-F8B9-7E24B1A4F9BC}"/>
+              </a:ext>
+            </a:extLst>
+          </p:cNvPr>
+          <p:cNvSpPr/>
+          <p:nvPr/>
+        </p:nvSpPr>
+        <p:spPr>
+          <a:xfrm>
+            <a:off x="0" y="0"/>
+            <a:ext cx="12192000" cy="468086"/>
+          </a:xfrm>
+          <a:prstGeom prst="rect">
+            <a:avLst/>
+          </a:prstGeom>
+          <a:solidFill>
+            <a:schemeClr val="bg2"/>
+          </a:solidFill>
+          <a:ln>
+            <a:noFill/>
+          </a:ln>
+        </p:spPr>
+        <p:style>
+          <a:lnRef idx="2">
+            <a:schemeClr val="accent1">
+              <a:shade val="15000"/>
+            </a:schemeClr>
+          </a:lnRef>
+          <a:fillRef idx="1">
+            <a:schemeClr val="accent1"/>
+          </a:fillRef>
+          <a:effectRef idx="0">
+            <a:schemeClr val="accent1"/>
+          </a:effectRef>
+          <a:fontRef idx="minor">
+            <a:schemeClr val="lt1"/>
+          </a:fontRef>
+        </p:style>
+        <p:txBody>
+          <a:bodyPr rtlCol="0" anchor="ctr"/>
+          <a:lstStyle/>
+          <a:p>
+            <a:pPr algn="ctr"/>
+            <a:endParaRPr lang="en-US" sz="1351"/>
+          </a:p>
+        </p:txBody>
+      </p:sp>
+      <p:sp>
+        <p:nvSpPr>
+          <p:cNvPr id="5" name="Oval 4">
+            <a:extLst>
+              <a:ext uri="{FF2B5EF4-FFF2-40B4-BE49-F238E27FC236}">
+                <a16:creationId xmlns:a16="http://schemas.microsoft.com/office/drawing/2014/main" id="{31E2FBF8-7E8C-B581-F42E-91DC5F9BE2A8}"/>
+              </a:ext>
+            </a:extLst>
+          </p:cNvPr>
+          <p:cNvSpPr/>
+          <p:nvPr/>
+        </p:nvSpPr>
+        <p:spPr>
+          <a:xfrm>
+            <a:off x="129189" y="108651"/>
+            <a:ext cx="246109" cy="250784"/>
+          </a:xfrm>
+          <a:prstGeom prst="ellipse">
+            <a:avLst/>
+          </a:prstGeom>
+          <a:solidFill>
+            <a:schemeClr val="accent1"/>
+          </a:solidFill>
+          <a:ln>
+            <a:noFill/>
+          </a:ln>
+        </p:spPr>
+        <p:style>
+          <a:lnRef idx="2">
+            <a:schemeClr val="accent1">
+              <a:shade val="15000"/>
+            </a:schemeClr>
+          </a:lnRef>
+          <a:fillRef idx="1">
+            <a:schemeClr val="accent1"/>
+          </a:fillRef>
+          <a:effectRef idx="0">
+            <a:schemeClr val="accent1"/>
+          </a:effectRef>
+          <a:fontRef idx="minor">
+            <a:schemeClr val="lt1"/>
+          </a:fontRef>
+        </p:style>
+        <p:txBody>
+          <a:bodyPr rtlCol="0" anchor="ctr"/>
+          <a:lstStyle/>
+          <a:p>
+            <a:pPr algn="ctr"/>
+            <a:endParaRPr lang="en-US"/>
+          </a:p>
+        </p:txBody>
+      </p:sp>
+      <p:sp>
+        <p:nvSpPr>
+          <p:cNvPr id="8" name="Oval 7">
+            <a:extLst>
+              <a:ext uri="{FF2B5EF4-FFF2-40B4-BE49-F238E27FC236}">
+                <a16:creationId xmlns:a16="http://schemas.microsoft.com/office/drawing/2014/main" id="{FC2F5809-2092-24E4-BC04-43C924B5C83A}"/>
+              </a:ext>
+            </a:extLst>
+          </p:cNvPr>
+          <p:cNvSpPr/>
+          <p:nvPr/>
+        </p:nvSpPr>
+        <p:spPr>
+          <a:xfrm>
+            <a:off x="504487" y="113785"/>
+            <a:ext cx="246109" cy="250784"/>
+          </a:xfrm>
+          <a:prstGeom prst="ellipse">
+            <a:avLst/>
+          </a:prstGeom>
+          <a:solidFill>
+            <a:schemeClr val="accent3"/>
+          </a:solidFill>
+          <a:ln>
+            <a:noFill/>
+          </a:ln>
+        </p:spPr>
+        <p:style>
+          <a:lnRef idx="2">
+            <a:schemeClr val="accent1">
+              <a:shade val="15000"/>
+            </a:schemeClr>
+          </a:lnRef>
+          <a:fillRef idx="1">
+            <a:schemeClr val="accent1"/>
+          </a:fillRef>
+          <a:effectRef idx="0">
+            <a:schemeClr val="accent1"/>
+          </a:effectRef>
+          <a:fontRef idx="minor">
+            <a:schemeClr val="lt1"/>
+          </a:fontRef>
+        </p:style>
+        <p:txBody>
+          <a:bodyPr rtlCol="0" anchor="ctr"/>
+          <a:lstStyle/>
+          <a:p>
+            <a:pPr algn="ctr"/>
+            <a:endParaRPr lang="en-US"/>
+          </a:p>
+        </p:txBody>
+      </p:sp>
+      <p:sp>
+        <p:nvSpPr>
+          <p:cNvPr id="9" name="Oval 8">
+            <a:extLst>
+              <a:ext uri="{FF2B5EF4-FFF2-40B4-BE49-F238E27FC236}">
+                <a16:creationId xmlns:a16="http://schemas.microsoft.com/office/drawing/2014/main" id="{D9172223-9867-C64D-D19E-6C8E4EEA16E7}"/>
+              </a:ext>
+            </a:extLst>
+          </p:cNvPr>
+          <p:cNvSpPr/>
+          <p:nvPr/>
+        </p:nvSpPr>
+        <p:spPr>
+          <a:xfrm>
+            <a:off x="879785" y="108651"/>
+            <a:ext cx="246109" cy="250784"/>
+          </a:xfrm>
+          <a:prstGeom prst="ellipse">
+            <a:avLst/>
+          </a:prstGeom>
+          <a:solidFill>
+            <a:schemeClr val="accent2"/>
+          </a:solidFill>
+          <a:ln>
+            <a:noFill/>
+          </a:ln>
+        </p:spPr>
+        <p:style>
+          <a:lnRef idx="2">
+            <a:schemeClr val="accent1">
+              <a:shade val="15000"/>
+            </a:schemeClr>
+          </a:lnRef>
+          <a:fillRef idx="1">
+            <a:schemeClr val="accent1"/>
+          </a:fillRef>
+          <a:effectRef idx="0">
+            <a:schemeClr val="accent1"/>
+          </a:effectRef>
+          <a:fontRef idx="minor">
+            <a:schemeClr val="lt1"/>
+          </a:fontRef>
+        </p:style>
+        <p:txBody>
+          <a:bodyPr rtlCol="0" anchor="ctr"/>
+          <a:lstStyle/>
+          <a:p>
+            <a:pPr algn="ctr"/>
+            <a:endParaRPr lang="en-US"/>
+          </a:p>
+        </p:txBody>
+      </p:sp>
+    </p:spTree>
+    <p:extLst>
+      <p:ext uri="{BB962C8B-B14F-4D97-AF65-F5344CB8AC3E}">
+        <p14:creationId xmlns:p14="http://schemas.microsoft.com/office/powerpoint/2010/main" val="3868304331"/>
       </p:ext>
     </p:extLst>
   </p:cSld>
@@ -7583,7 +7339,7 @@
         <p:cNvPr id="1" name="">
           <a:extLst>
             <a:ext uri="{FF2B5EF4-FFF2-40B4-BE49-F238E27FC236}">
-              <a16:creationId xmlns:a16="http://schemas.microsoft.com/office/drawing/2014/main" id="{E270BC7D-9A45-3697-43B3-65F2DB2FAEC3}"/>
+              <a16:creationId xmlns:a16="http://schemas.microsoft.com/office/drawing/2014/main" id="{32BEE9FE-735E-DBE7-AEFF-6CA50E45287F}"/>
             </a:ext>
           </a:extLst>
         </p:cNvPr>
@@ -7600,40 +7356,10 @@
       </p:grpSpPr>
       <p:sp>
         <p:nvSpPr>
-          <p:cNvPr id="6" name="Title 5">
-            <a:extLst>
-              <a:ext uri="{FF2B5EF4-FFF2-40B4-BE49-F238E27FC236}">
-                <a16:creationId xmlns:a16="http://schemas.microsoft.com/office/drawing/2014/main" id="{F39F9076-49A8-2E00-699B-EC1A8710713C}"/>
-              </a:ext>
-            </a:extLst>
-          </p:cNvPr>
-          <p:cNvSpPr>
-            <a:spLocks noGrp="1"/>
-          </p:cNvSpPr>
-          <p:nvPr>
-            <p:ph type="title"/>
-          </p:nvPr>
-        </p:nvSpPr>
-        <p:spPr>
-          <a:xfrm>
-            <a:off x="838200" y="694547"/>
-            <a:ext cx="10515600" cy="1325563"/>
-          </a:xfrm>
-        </p:spPr>
-        <p:txBody>
-          <a:bodyPr/>
-          <a:lstStyle/>
-          <a:p>
-            <a:endParaRPr lang="en-US" dirty="0"/>
-          </a:p>
-        </p:txBody>
-      </p:sp>
-      <p:sp>
-        <p:nvSpPr>
           <p:cNvPr id="7" name="Content Placeholder 6">
             <a:extLst>
               <a:ext uri="{FF2B5EF4-FFF2-40B4-BE49-F238E27FC236}">
-                <a16:creationId xmlns:a16="http://schemas.microsoft.com/office/drawing/2014/main" id="{1A8E1FB8-C8B4-E33B-7791-E5E22359ACF6}"/>
+                <a16:creationId xmlns:a16="http://schemas.microsoft.com/office/drawing/2014/main" id="{B7F217C8-13EE-6DE9-4130-6DEE15382423}"/>
               </a:ext>
             </a:extLst>
           </p:cNvPr>
@@ -7646,8 +7372,8 @@
         </p:nvSpPr>
         <p:spPr>
           <a:xfrm>
-            <a:off x="838200" y="2254763"/>
-            <a:ext cx="10515600" cy="3922201"/>
+            <a:off x="838200" y="988399"/>
+            <a:ext cx="10515600" cy="5188566"/>
           </a:xfrm>
         </p:spPr>
         <p:txBody>
@@ -7663,7 +7389,7 @@
           <p:cNvPr id="4" name="Rectangle 3">
             <a:extLst>
               <a:ext uri="{FF2B5EF4-FFF2-40B4-BE49-F238E27FC236}">
-                <a16:creationId xmlns:a16="http://schemas.microsoft.com/office/drawing/2014/main" id="{75DC3E03-43BB-B308-7A03-4DE02C810697}"/>
+                <a16:creationId xmlns:a16="http://schemas.microsoft.com/office/drawing/2014/main" id="{A1749CB8-47BC-D299-3D60-7B5E02CCEDC6}"/>
               </a:ext>
             </a:extLst>
           </p:cNvPr>
@@ -7715,7 +7441,7 @@
           <p:cNvPr id="5" name="Oval 4">
             <a:extLst>
               <a:ext uri="{FF2B5EF4-FFF2-40B4-BE49-F238E27FC236}">
-                <a16:creationId xmlns:a16="http://schemas.microsoft.com/office/drawing/2014/main" id="{7EEFF97A-548A-7A29-944A-F432CFC8908D}"/>
+                <a16:creationId xmlns:a16="http://schemas.microsoft.com/office/drawing/2014/main" id="{06DD29D1-9863-6BAC-D8D2-246034C9F638}"/>
               </a:ext>
             </a:extLst>
           </p:cNvPr>
@@ -7767,7 +7493,7 @@
           <p:cNvPr id="8" name="Oval 7">
             <a:extLst>
               <a:ext uri="{FF2B5EF4-FFF2-40B4-BE49-F238E27FC236}">
-                <a16:creationId xmlns:a16="http://schemas.microsoft.com/office/drawing/2014/main" id="{0F7C0D55-1705-9686-E38D-532FFDD45CF5}"/>
+                <a16:creationId xmlns:a16="http://schemas.microsoft.com/office/drawing/2014/main" id="{DFB32E11-85C1-B765-2B6C-2C0E033E888D}"/>
               </a:ext>
             </a:extLst>
           </p:cNvPr>
@@ -7819,7 +7545,7 @@
           <p:cNvPr id="9" name="Oval 8">
             <a:extLst>
               <a:ext uri="{FF2B5EF4-FFF2-40B4-BE49-F238E27FC236}">
-                <a16:creationId xmlns:a16="http://schemas.microsoft.com/office/drawing/2014/main" id="{6AFD2D3A-491F-85C2-191F-50D1C979132D}"/>
+                <a16:creationId xmlns:a16="http://schemas.microsoft.com/office/drawing/2014/main" id="{7C3B64ED-770C-A9C9-325E-D4068910481D}"/>
               </a:ext>
             </a:extLst>
           </p:cNvPr>
@@ -7869,7 +7595,7 @@
     </p:spTree>
     <p:extLst>
       <p:ext uri="{BB962C8B-B14F-4D97-AF65-F5344CB8AC3E}">
-        <p14:creationId xmlns:p14="http://schemas.microsoft.com/office/powerpoint/2010/main" val="3396782613"/>
+        <p14:creationId xmlns:p14="http://schemas.microsoft.com/office/powerpoint/2010/main" val="3093505509"/>
       </p:ext>
     </p:extLst>
   </p:cSld>
@@ -7887,7 +7613,7 @@
         <p:cNvPr id="1" name="">
           <a:extLst>
             <a:ext uri="{FF2B5EF4-FFF2-40B4-BE49-F238E27FC236}">
-              <a16:creationId xmlns:a16="http://schemas.microsoft.com/office/drawing/2014/main" id="{60979E74-6FFE-F77E-F06D-BE92D1695D98}"/>
+              <a16:creationId xmlns:a16="http://schemas.microsoft.com/office/drawing/2014/main" id="{4C8068A4-40B4-C9D4-BD02-491C5B7FB052}"/>
             </a:ext>
           </a:extLst>
         </p:cNvPr>
@@ -7904,40 +7630,10 @@
       </p:grpSpPr>
       <p:sp>
         <p:nvSpPr>
-          <p:cNvPr id="6" name="Title 5">
-            <a:extLst>
-              <a:ext uri="{FF2B5EF4-FFF2-40B4-BE49-F238E27FC236}">
-                <a16:creationId xmlns:a16="http://schemas.microsoft.com/office/drawing/2014/main" id="{F07CBD58-F80D-AA84-C51A-5171B453B2C0}"/>
-              </a:ext>
-            </a:extLst>
-          </p:cNvPr>
-          <p:cNvSpPr>
-            <a:spLocks noGrp="1"/>
-          </p:cNvSpPr>
-          <p:nvPr>
-            <p:ph type="title"/>
-          </p:nvPr>
-        </p:nvSpPr>
-        <p:spPr>
-          <a:xfrm>
-            <a:off x="838200" y="694547"/>
-            <a:ext cx="10515600" cy="1325563"/>
-          </a:xfrm>
-        </p:spPr>
-        <p:txBody>
-          <a:bodyPr/>
-          <a:lstStyle/>
-          <a:p>
-            <a:endParaRPr lang="en-US" dirty="0"/>
-          </a:p>
-        </p:txBody>
-      </p:sp>
-      <p:sp>
-        <p:nvSpPr>
           <p:cNvPr id="7" name="Content Placeholder 6">
             <a:extLst>
               <a:ext uri="{FF2B5EF4-FFF2-40B4-BE49-F238E27FC236}">
-                <a16:creationId xmlns:a16="http://schemas.microsoft.com/office/drawing/2014/main" id="{2DF87FB7-4F8C-3129-F245-8E922573B243}"/>
+                <a16:creationId xmlns:a16="http://schemas.microsoft.com/office/drawing/2014/main" id="{B7824B80-2897-830F-34D5-3E02FE6DABB8}"/>
               </a:ext>
             </a:extLst>
           </p:cNvPr>
@@ -7950,8 +7646,8 @@
         </p:nvSpPr>
         <p:spPr>
           <a:xfrm>
-            <a:off x="838200" y="2254763"/>
-            <a:ext cx="10515600" cy="3922201"/>
+            <a:off x="838200" y="988399"/>
+            <a:ext cx="10515600" cy="5188566"/>
           </a:xfrm>
         </p:spPr>
         <p:txBody>
@@ -7967,7 +7663,7 @@
           <p:cNvPr id="4" name="Rectangle 3">
             <a:extLst>
               <a:ext uri="{FF2B5EF4-FFF2-40B4-BE49-F238E27FC236}">
-                <a16:creationId xmlns:a16="http://schemas.microsoft.com/office/drawing/2014/main" id="{FA314FEC-46F7-C49E-565C-4DE857DFED4C}"/>
+                <a16:creationId xmlns:a16="http://schemas.microsoft.com/office/drawing/2014/main" id="{D598E26D-29EF-ECA1-79BA-FF79AAC7CAF0}"/>
               </a:ext>
             </a:extLst>
           </p:cNvPr>
@@ -8019,7 +7715,7 @@
           <p:cNvPr id="5" name="Oval 4">
             <a:extLst>
               <a:ext uri="{FF2B5EF4-FFF2-40B4-BE49-F238E27FC236}">
-                <a16:creationId xmlns:a16="http://schemas.microsoft.com/office/drawing/2014/main" id="{0D58C3B6-7E3B-CB30-4C84-D4E936444435}"/>
+                <a16:creationId xmlns:a16="http://schemas.microsoft.com/office/drawing/2014/main" id="{E4269344-8580-7C33-2103-8527A67BD717}"/>
               </a:ext>
             </a:extLst>
           </p:cNvPr>
@@ -8071,7 +7767,7 @@
           <p:cNvPr id="8" name="Oval 7">
             <a:extLst>
               <a:ext uri="{FF2B5EF4-FFF2-40B4-BE49-F238E27FC236}">
-                <a16:creationId xmlns:a16="http://schemas.microsoft.com/office/drawing/2014/main" id="{FD469E9E-75BB-C09E-2927-20178CD3C0A6}"/>
+                <a16:creationId xmlns:a16="http://schemas.microsoft.com/office/drawing/2014/main" id="{A78B6879-7BDB-4BBC-BF72-70E24FD34B65}"/>
               </a:ext>
             </a:extLst>
           </p:cNvPr>
@@ -8123,7 +7819,7 @@
           <p:cNvPr id="9" name="Oval 8">
             <a:extLst>
               <a:ext uri="{FF2B5EF4-FFF2-40B4-BE49-F238E27FC236}">
-                <a16:creationId xmlns:a16="http://schemas.microsoft.com/office/drawing/2014/main" id="{E5144132-DD81-0D74-910C-545308DFAFDE}"/>
+                <a16:creationId xmlns:a16="http://schemas.microsoft.com/office/drawing/2014/main" id="{9197FB46-B145-6CDA-F333-8A9C783D9C94}"/>
               </a:ext>
             </a:extLst>
           </p:cNvPr>
@@ -8173,7 +7869,7 @@
     </p:spTree>
     <p:extLst>
       <p:ext uri="{BB962C8B-B14F-4D97-AF65-F5344CB8AC3E}">
-        <p14:creationId xmlns:p14="http://schemas.microsoft.com/office/powerpoint/2010/main" val="822141317"/>
+        <p14:creationId xmlns:p14="http://schemas.microsoft.com/office/powerpoint/2010/main" val="3748489237"/>
       </p:ext>
     </p:extLst>
   </p:cSld>
@@ -8184,310 +7880,6 @@
 </file>
 
 <file path=ppt/slides/slide22.xml><?xml version="1.0" encoding="utf-8"?>
-<p:sld xmlns:a="http://schemas.openxmlformats.org/drawingml/2006/main" xmlns:r="http://schemas.openxmlformats.org/officeDocument/2006/relationships" xmlns:p="http://schemas.openxmlformats.org/presentationml/2006/main">
-  <p:cSld>
-    <p:spTree>
-      <p:nvGrpSpPr>
-        <p:cNvPr id="1" name="">
-          <a:extLst>
-            <a:ext uri="{FF2B5EF4-FFF2-40B4-BE49-F238E27FC236}">
-              <a16:creationId xmlns:a16="http://schemas.microsoft.com/office/drawing/2014/main" id="{4BFDF45E-EA34-FB0C-2837-D289EC723FFB}"/>
-            </a:ext>
-          </a:extLst>
-        </p:cNvPr>
-        <p:cNvGrpSpPr/>
-        <p:nvPr/>
-      </p:nvGrpSpPr>
-      <p:grpSpPr>
-        <a:xfrm>
-          <a:off x="0" y="0"/>
-          <a:ext cx="0" cy="0"/>
-          <a:chOff x="0" y="0"/>
-          <a:chExt cx="0" cy="0"/>
-        </a:xfrm>
-      </p:grpSpPr>
-      <p:sp>
-        <p:nvSpPr>
-          <p:cNvPr id="6" name="Title 5">
-            <a:extLst>
-              <a:ext uri="{FF2B5EF4-FFF2-40B4-BE49-F238E27FC236}">
-                <a16:creationId xmlns:a16="http://schemas.microsoft.com/office/drawing/2014/main" id="{E02253A1-0548-EB69-54A1-CA8B606AC150}"/>
-              </a:ext>
-            </a:extLst>
-          </p:cNvPr>
-          <p:cNvSpPr>
-            <a:spLocks noGrp="1"/>
-          </p:cNvSpPr>
-          <p:nvPr>
-            <p:ph type="title"/>
-          </p:nvPr>
-        </p:nvSpPr>
-        <p:spPr>
-          <a:xfrm>
-            <a:off x="838200" y="694547"/>
-            <a:ext cx="10515600" cy="1325563"/>
-          </a:xfrm>
-        </p:spPr>
-        <p:txBody>
-          <a:bodyPr/>
-          <a:lstStyle/>
-          <a:p>
-            <a:endParaRPr lang="en-US" dirty="0"/>
-          </a:p>
-        </p:txBody>
-      </p:sp>
-      <p:sp>
-        <p:nvSpPr>
-          <p:cNvPr id="7" name="Content Placeholder 6">
-            <a:extLst>
-              <a:ext uri="{FF2B5EF4-FFF2-40B4-BE49-F238E27FC236}">
-                <a16:creationId xmlns:a16="http://schemas.microsoft.com/office/drawing/2014/main" id="{0A1BF2A2-0CF1-26DA-AC69-E2F7F5D78762}"/>
-              </a:ext>
-            </a:extLst>
-          </p:cNvPr>
-          <p:cNvSpPr>
-            <a:spLocks noGrp="1"/>
-          </p:cNvSpPr>
-          <p:nvPr>
-            <p:ph idx="1"/>
-          </p:nvPr>
-        </p:nvSpPr>
-        <p:spPr>
-          <a:xfrm>
-            <a:off x="838200" y="2254763"/>
-            <a:ext cx="10515600" cy="3922201"/>
-          </a:xfrm>
-        </p:spPr>
-        <p:txBody>
-          <a:bodyPr/>
-          <a:lstStyle/>
-          <a:p>
-            <a:endParaRPr lang="en-US" dirty="0"/>
-          </a:p>
-        </p:txBody>
-      </p:sp>
-      <p:sp>
-        <p:nvSpPr>
-          <p:cNvPr id="4" name="Rectangle 3">
-            <a:extLst>
-              <a:ext uri="{FF2B5EF4-FFF2-40B4-BE49-F238E27FC236}">
-                <a16:creationId xmlns:a16="http://schemas.microsoft.com/office/drawing/2014/main" id="{406DF293-CFBA-D43D-B004-8AC5DBCA1A2B}"/>
-              </a:ext>
-            </a:extLst>
-          </p:cNvPr>
-          <p:cNvSpPr/>
-          <p:nvPr/>
-        </p:nvSpPr>
-        <p:spPr>
-          <a:xfrm>
-            <a:off x="0" y="0"/>
-            <a:ext cx="12192000" cy="468086"/>
-          </a:xfrm>
-          <a:prstGeom prst="rect">
-            <a:avLst/>
-          </a:prstGeom>
-          <a:solidFill>
-            <a:schemeClr val="bg2"/>
-          </a:solidFill>
-          <a:ln>
-            <a:noFill/>
-          </a:ln>
-        </p:spPr>
-        <p:style>
-          <a:lnRef idx="2">
-            <a:schemeClr val="accent1">
-              <a:shade val="15000"/>
-            </a:schemeClr>
-          </a:lnRef>
-          <a:fillRef idx="1">
-            <a:schemeClr val="accent1"/>
-          </a:fillRef>
-          <a:effectRef idx="0">
-            <a:schemeClr val="accent1"/>
-          </a:effectRef>
-          <a:fontRef idx="minor">
-            <a:schemeClr val="lt1"/>
-          </a:fontRef>
-        </p:style>
-        <p:txBody>
-          <a:bodyPr rtlCol="0" anchor="ctr"/>
-          <a:lstStyle/>
-          <a:p>
-            <a:pPr algn="ctr"/>
-            <a:endParaRPr lang="en-US" sz="1351"/>
-          </a:p>
-        </p:txBody>
-      </p:sp>
-      <p:sp>
-        <p:nvSpPr>
-          <p:cNvPr id="5" name="Oval 4">
-            <a:extLst>
-              <a:ext uri="{FF2B5EF4-FFF2-40B4-BE49-F238E27FC236}">
-                <a16:creationId xmlns:a16="http://schemas.microsoft.com/office/drawing/2014/main" id="{A4B8F599-64DE-E390-15AD-4744AC10C2B5}"/>
-              </a:ext>
-            </a:extLst>
-          </p:cNvPr>
-          <p:cNvSpPr/>
-          <p:nvPr/>
-        </p:nvSpPr>
-        <p:spPr>
-          <a:xfrm>
-            <a:off x="129189" y="108651"/>
-            <a:ext cx="246109" cy="250784"/>
-          </a:xfrm>
-          <a:prstGeom prst="ellipse">
-            <a:avLst/>
-          </a:prstGeom>
-          <a:solidFill>
-            <a:schemeClr val="accent1"/>
-          </a:solidFill>
-          <a:ln>
-            <a:noFill/>
-          </a:ln>
-        </p:spPr>
-        <p:style>
-          <a:lnRef idx="2">
-            <a:schemeClr val="accent1">
-              <a:shade val="15000"/>
-            </a:schemeClr>
-          </a:lnRef>
-          <a:fillRef idx="1">
-            <a:schemeClr val="accent1"/>
-          </a:fillRef>
-          <a:effectRef idx="0">
-            <a:schemeClr val="accent1"/>
-          </a:effectRef>
-          <a:fontRef idx="minor">
-            <a:schemeClr val="lt1"/>
-          </a:fontRef>
-        </p:style>
-        <p:txBody>
-          <a:bodyPr rtlCol="0" anchor="ctr"/>
-          <a:lstStyle/>
-          <a:p>
-            <a:pPr algn="ctr"/>
-            <a:endParaRPr lang="en-US"/>
-          </a:p>
-        </p:txBody>
-      </p:sp>
-      <p:sp>
-        <p:nvSpPr>
-          <p:cNvPr id="8" name="Oval 7">
-            <a:extLst>
-              <a:ext uri="{FF2B5EF4-FFF2-40B4-BE49-F238E27FC236}">
-                <a16:creationId xmlns:a16="http://schemas.microsoft.com/office/drawing/2014/main" id="{27E5A692-93ED-328A-5E4F-60FAFF09E51E}"/>
-              </a:ext>
-            </a:extLst>
-          </p:cNvPr>
-          <p:cNvSpPr/>
-          <p:nvPr/>
-        </p:nvSpPr>
-        <p:spPr>
-          <a:xfrm>
-            <a:off x="504487" y="113785"/>
-            <a:ext cx="246109" cy="250784"/>
-          </a:xfrm>
-          <a:prstGeom prst="ellipse">
-            <a:avLst/>
-          </a:prstGeom>
-          <a:solidFill>
-            <a:schemeClr val="accent3"/>
-          </a:solidFill>
-          <a:ln>
-            <a:noFill/>
-          </a:ln>
-        </p:spPr>
-        <p:style>
-          <a:lnRef idx="2">
-            <a:schemeClr val="accent1">
-              <a:shade val="15000"/>
-            </a:schemeClr>
-          </a:lnRef>
-          <a:fillRef idx="1">
-            <a:schemeClr val="accent1"/>
-          </a:fillRef>
-          <a:effectRef idx="0">
-            <a:schemeClr val="accent1"/>
-          </a:effectRef>
-          <a:fontRef idx="minor">
-            <a:schemeClr val="lt1"/>
-          </a:fontRef>
-        </p:style>
-        <p:txBody>
-          <a:bodyPr rtlCol="0" anchor="ctr"/>
-          <a:lstStyle/>
-          <a:p>
-            <a:pPr algn="ctr"/>
-            <a:endParaRPr lang="en-US"/>
-          </a:p>
-        </p:txBody>
-      </p:sp>
-      <p:sp>
-        <p:nvSpPr>
-          <p:cNvPr id="9" name="Oval 8">
-            <a:extLst>
-              <a:ext uri="{FF2B5EF4-FFF2-40B4-BE49-F238E27FC236}">
-                <a16:creationId xmlns:a16="http://schemas.microsoft.com/office/drawing/2014/main" id="{98873DBD-C16B-C14C-846D-8F5008436C9D}"/>
-              </a:ext>
-            </a:extLst>
-          </p:cNvPr>
-          <p:cNvSpPr/>
-          <p:nvPr/>
-        </p:nvSpPr>
-        <p:spPr>
-          <a:xfrm>
-            <a:off x="879785" y="108651"/>
-            <a:ext cx="246109" cy="250784"/>
-          </a:xfrm>
-          <a:prstGeom prst="ellipse">
-            <a:avLst/>
-          </a:prstGeom>
-          <a:solidFill>
-            <a:schemeClr val="accent2"/>
-          </a:solidFill>
-          <a:ln>
-            <a:noFill/>
-          </a:ln>
-        </p:spPr>
-        <p:style>
-          <a:lnRef idx="2">
-            <a:schemeClr val="accent1">
-              <a:shade val="15000"/>
-            </a:schemeClr>
-          </a:lnRef>
-          <a:fillRef idx="1">
-            <a:schemeClr val="accent1"/>
-          </a:fillRef>
-          <a:effectRef idx="0">
-            <a:schemeClr val="accent1"/>
-          </a:effectRef>
-          <a:fontRef idx="minor">
-            <a:schemeClr val="lt1"/>
-          </a:fontRef>
-        </p:style>
-        <p:txBody>
-          <a:bodyPr rtlCol="0" anchor="ctr"/>
-          <a:lstStyle/>
-          <a:p>
-            <a:pPr algn="ctr"/>
-            <a:endParaRPr lang="en-US"/>
-          </a:p>
-        </p:txBody>
-      </p:sp>
-    </p:spTree>
-    <p:extLst>
-      <p:ext uri="{BB962C8B-B14F-4D97-AF65-F5344CB8AC3E}">
-        <p14:creationId xmlns:p14="http://schemas.microsoft.com/office/powerpoint/2010/main" val="4138792433"/>
-      </p:ext>
-    </p:extLst>
-  </p:cSld>
-  <p:clrMapOvr>
-    <a:masterClrMapping/>
-  </p:clrMapOvr>
-</p:sld>
-</file>
-
-<file path=ppt/slides/slide23.xml><?xml version="1.0" encoding="utf-8"?>
 <p:sld xmlns:a="http://schemas.openxmlformats.org/drawingml/2006/main" xmlns:r="http://schemas.openxmlformats.org/officeDocument/2006/relationships" xmlns:p="http://schemas.openxmlformats.org/presentationml/2006/main">
   <p:cSld>
     <p:spTree>
@@ -8569,6 +7961,59 @@
           <a:bodyPr/>
           <a:lstStyle/>
           <a:p>
+            <a:r>
+              <a:rPr lang="en-US" dirty="0"/>
+              <a:t>The programming language name is “English Programming Language” or EPL for short</a:t>
+            </a:r>
+          </a:p>
+          <a:p>
+            <a:r>
+              <a:rPr lang="en-US" dirty="0"/>
+              <a:t>It can contain stuff like</a:t>
+            </a:r>
+            <a:br>
+              <a:rPr lang="en-US" dirty="0"/>
+            </a:br>
+            <a:r>
+              <a:rPr lang="en-US" dirty="0"/>
+              <a:t>can you please </a:t>
+            </a:r>
+            <a:r>
+              <a:rPr lang="en-US" dirty="0">
+                <a:solidFill>
+                  <a:schemeClr val="accent1"/>
+                </a:solidFill>
+              </a:rPr>
+              <a:t>print </a:t>
+            </a:r>
+            <a:r>
+              <a:rPr lang="en-US" dirty="0"/>
+              <a:t>stuff like </a:t>
+            </a:r>
+            <a:r>
+              <a:rPr lang="en-US" dirty="0">
+                <a:solidFill>
+                  <a:schemeClr val="accent2"/>
+                </a:solidFill>
+              </a:rPr>
+              <a:t>“Hello World!!!”</a:t>
+            </a:r>
+            <a:r>
+              <a:rPr lang="en-US" dirty="0">
+                <a:solidFill>
+                  <a:schemeClr val="accent6"/>
+                </a:solidFill>
+              </a:rPr>
+              <a:t>.</a:t>
+            </a:r>
+          </a:p>
+          <a:p>
+            <a:r>
+              <a:rPr lang="en-US" dirty="0"/>
+              <a:t>Here only print is read by my compiler and it only prints whatever is present in double inverted commas, the line ends with the full stop (replacement for semicolon)</a:t>
+            </a:r>
+          </a:p>
+          <a:p>
             <a:endParaRPr lang="en-US" dirty="0"/>
           </a:p>
         </p:txBody>
@@ -8785,6 +8230,350 @@
     <p:extLst>
       <p:ext uri="{BB962C8B-B14F-4D97-AF65-F5344CB8AC3E}">
         <p14:creationId xmlns:p14="http://schemas.microsoft.com/office/powerpoint/2010/main" val="3264929547"/>
+      </p:ext>
+    </p:extLst>
+  </p:cSld>
+  <p:clrMapOvr>
+    <a:masterClrMapping/>
+  </p:clrMapOvr>
+</p:sld>
+</file>
+
+<file path=ppt/slides/slide23.xml><?xml version="1.0" encoding="utf-8"?>
+<p:sld xmlns:a="http://schemas.openxmlformats.org/drawingml/2006/main" xmlns:r="http://schemas.openxmlformats.org/officeDocument/2006/relationships" xmlns:p="http://schemas.openxmlformats.org/presentationml/2006/main">
+  <p:cSld>
+    <p:spTree>
+      <p:nvGrpSpPr>
+        <p:cNvPr id="1" name="">
+          <a:extLst>
+            <a:ext uri="{FF2B5EF4-FFF2-40B4-BE49-F238E27FC236}">
+              <a16:creationId xmlns:a16="http://schemas.microsoft.com/office/drawing/2014/main" id="{D4BB2BCE-1F27-F9EB-3EDA-B2C1F2E70C3A}"/>
+            </a:ext>
+          </a:extLst>
+        </p:cNvPr>
+        <p:cNvGrpSpPr/>
+        <p:nvPr/>
+      </p:nvGrpSpPr>
+      <p:grpSpPr>
+        <a:xfrm>
+          <a:off x="0" y="0"/>
+          <a:ext cx="0" cy="0"/>
+          <a:chOff x="0" y="0"/>
+          <a:chExt cx="0" cy="0"/>
+        </a:xfrm>
+      </p:grpSpPr>
+      <p:sp>
+        <p:nvSpPr>
+          <p:cNvPr id="7" name="Content Placeholder 6">
+            <a:extLst>
+              <a:ext uri="{FF2B5EF4-FFF2-40B4-BE49-F238E27FC236}">
+                <a16:creationId xmlns:a16="http://schemas.microsoft.com/office/drawing/2014/main" id="{EC27B04B-0B42-BF7C-9066-0B82CCBAE0AB}"/>
+              </a:ext>
+            </a:extLst>
+          </p:cNvPr>
+          <p:cNvSpPr>
+            <a:spLocks noGrp="1"/>
+          </p:cNvSpPr>
+          <p:nvPr>
+            <p:ph idx="1"/>
+          </p:nvPr>
+        </p:nvSpPr>
+        <p:spPr>
+          <a:xfrm>
+            <a:off x="838200" y="988399"/>
+            <a:ext cx="10515600" cy="5188566"/>
+          </a:xfrm>
+        </p:spPr>
+        <p:txBody>
+          <a:bodyPr/>
+          <a:lstStyle/>
+          <a:p>
+            <a:r>
+              <a:rPr lang="en-US" dirty="0"/>
+              <a:t>It can even do things like</a:t>
+            </a:r>
+            <a:br>
+              <a:rPr lang="en-US" dirty="0"/>
+            </a:br>
+            <a:r>
+              <a:rPr lang="en-US" dirty="0"/>
+              <a:t>can you </a:t>
+            </a:r>
+            <a:r>
+              <a:rPr lang="en-US" dirty="0">
+                <a:solidFill>
+                  <a:schemeClr val="accent1"/>
+                </a:solidFill>
+              </a:rPr>
+              <a:t>let </a:t>
+            </a:r>
+            <a:r>
+              <a:rPr lang="en-US" dirty="0"/>
+              <a:t>‘x’ be of </a:t>
+            </a:r>
+            <a:r>
+              <a:rPr lang="en-US" dirty="0">
+                <a:solidFill>
+                  <a:schemeClr val="accent1"/>
+                </a:solidFill>
+              </a:rPr>
+              <a:t>type</a:t>
+            </a:r>
+            <a:r>
+              <a:rPr lang="en-US" dirty="0"/>
+              <a:t> </a:t>
+            </a:r>
+            <a:r>
+              <a:rPr lang="en-US" dirty="0">
+                <a:solidFill>
+                  <a:schemeClr val="accent5"/>
+                </a:solidFill>
+              </a:rPr>
+              <a:t>integer</a:t>
+            </a:r>
+            <a:r>
+              <a:rPr lang="en-US" dirty="0"/>
+              <a:t> “5”.</a:t>
+            </a:r>
+          </a:p>
+          <a:p>
+            <a:r>
+              <a:rPr lang="en-US" dirty="0"/>
+              <a:t>Basically, my compiler translates EPL into C code then it uses GCC to compile it into a binary lmao.</a:t>
+            </a:r>
+          </a:p>
+          <a:p>
+            <a:r>
+              <a:rPr lang="en-US" dirty="0"/>
+              <a:t>Here you could say that the c code is my intermediate representation.</a:t>
+            </a:r>
+          </a:p>
+          <a:p>
+            <a:r>
+              <a:rPr lang="en-US" dirty="0"/>
+              <a:t>The frontend part translates EPL into C, there is no optimization step, the backend is just GCC, hence the C code gets converted into machine code ready to be executed. (insaneee ik)</a:t>
+            </a:r>
+          </a:p>
+          <a:p>
+            <a:r>
+              <a:rPr lang="en-US" dirty="0"/>
+              <a:t>And also note, my compiler is written in C (oof)</a:t>
+            </a:r>
+          </a:p>
+        </p:txBody>
+      </p:sp>
+      <p:sp>
+        <p:nvSpPr>
+          <p:cNvPr id="4" name="Rectangle 3">
+            <a:extLst>
+              <a:ext uri="{FF2B5EF4-FFF2-40B4-BE49-F238E27FC236}">
+                <a16:creationId xmlns:a16="http://schemas.microsoft.com/office/drawing/2014/main" id="{50511AF6-3C49-345B-CCAE-D6BF2FDE6366}"/>
+              </a:ext>
+            </a:extLst>
+          </p:cNvPr>
+          <p:cNvSpPr/>
+          <p:nvPr/>
+        </p:nvSpPr>
+        <p:spPr>
+          <a:xfrm>
+            <a:off x="0" y="0"/>
+            <a:ext cx="12192000" cy="468086"/>
+          </a:xfrm>
+          <a:prstGeom prst="rect">
+            <a:avLst/>
+          </a:prstGeom>
+          <a:solidFill>
+            <a:schemeClr val="bg2"/>
+          </a:solidFill>
+          <a:ln>
+            <a:noFill/>
+          </a:ln>
+        </p:spPr>
+        <p:style>
+          <a:lnRef idx="2">
+            <a:schemeClr val="accent1">
+              <a:shade val="15000"/>
+            </a:schemeClr>
+          </a:lnRef>
+          <a:fillRef idx="1">
+            <a:schemeClr val="accent1"/>
+          </a:fillRef>
+          <a:effectRef idx="0">
+            <a:schemeClr val="accent1"/>
+          </a:effectRef>
+          <a:fontRef idx="minor">
+            <a:schemeClr val="lt1"/>
+          </a:fontRef>
+        </p:style>
+        <p:txBody>
+          <a:bodyPr rtlCol="0" anchor="ctr"/>
+          <a:lstStyle/>
+          <a:p>
+            <a:pPr algn="ctr"/>
+            <a:endParaRPr lang="en-US" sz="1351"/>
+          </a:p>
+        </p:txBody>
+      </p:sp>
+      <p:sp>
+        <p:nvSpPr>
+          <p:cNvPr id="5" name="Oval 4">
+            <a:extLst>
+              <a:ext uri="{FF2B5EF4-FFF2-40B4-BE49-F238E27FC236}">
+                <a16:creationId xmlns:a16="http://schemas.microsoft.com/office/drawing/2014/main" id="{A1AF8711-F559-0A4F-41B7-BF8E76C9026D}"/>
+              </a:ext>
+            </a:extLst>
+          </p:cNvPr>
+          <p:cNvSpPr/>
+          <p:nvPr/>
+        </p:nvSpPr>
+        <p:spPr>
+          <a:xfrm>
+            <a:off x="129189" y="108651"/>
+            <a:ext cx="246109" cy="250784"/>
+          </a:xfrm>
+          <a:prstGeom prst="ellipse">
+            <a:avLst/>
+          </a:prstGeom>
+          <a:solidFill>
+            <a:schemeClr val="accent1"/>
+          </a:solidFill>
+          <a:ln>
+            <a:noFill/>
+          </a:ln>
+        </p:spPr>
+        <p:style>
+          <a:lnRef idx="2">
+            <a:schemeClr val="accent1">
+              <a:shade val="15000"/>
+            </a:schemeClr>
+          </a:lnRef>
+          <a:fillRef idx="1">
+            <a:schemeClr val="accent1"/>
+          </a:fillRef>
+          <a:effectRef idx="0">
+            <a:schemeClr val="accent1"/>
+          </a:effectRef>
+          <a:fontRef idx="minor">
+            <a:schemeClr val="lt1"/>
+          </a:fontRef>
+        </p:style>
+        <p:txBody>
+          <a:bodyPr rtlCol="0" anchor="ctr"/>
+          <a:lstStyle/>
+          <a:p>
+            <a:pPr algn="ctr"/>
+            <a:endParaRPr lang="en-US"/>
+          </a:p>
+        </p:txBody>
+      </p:sp>
+      <p:sp>
+        <p:nvSpPr>
+          <p:cNvPr id="8" name="Oval 7">
+            <a:extLst>
+              <a:ext uri="{FF2B5EF4-FFF2-40B4-BE49-F238E27FC236}">
+                <a16:creationId xmlns:a16="http://schemas.microsoft.com/office/drawing/2014/main" id="{AC3E67B0-A6BC-7FB9-3653-D4F5F4EBD8F2}"/>
+              </a:ext>
+            </a:extLst>
+          </p:cNvPr>
+          <p:cNvSpPr/>
+          <p:nvPr/>
+        </p:nvSpPr>
+        <p:spPr>
+          <a:xfrm>
+            <a:off x="504487" y="113785"/>
+            <a:ext cx="246109" cy="250784"/>
+          </a:xfrm>
+          <a:prstGeom prst="ellipse">
+            <a:avLst/>
+          </a:prstGeom>
+          <a:solidFill>
+            <a:schemeClr val="accent3"/>
+          </a:solidFill>
+          <a:ln>
+            <a:noFill/>
+          </a:ln>
+        </p:spPr>
+        <p:style>
+          <a:lnRef idx="2">
+            <a:schemeClr val="accent1">
+              <a:shade val="15000"/>
+            </a:schemeClr>
+          </a:lnRef>
+          <a:fillRef idx="1">
+            <a:schemeClr val="accent1"/>
+          </a:fillRef>
+          <a:effectRef idx="0">
+            <a:schemeClr val="accent1"/>
+          </a:effectRef>
+          <a:fontRef idx="minor">
+            <a:schemeClr val="lt1"/>
+          </a:fontRef>
+        </p:style>
+        <p:txBody>
+          <a:bodyPr rtlCol="0" anchor="ctr"/>
+          <a:lstStyle/>
+          <a:p>
+            <a:pPr algn="ctr"/>
+            <a:endParaRPr lang="en-US"/>
+          </a:p>
+        </p:txBody>
+      </p:sp>
+      <p:sp>
+        <p:nvSpPr>
+          <p:cNvPr id="9" name="Oval 8">
+            <a:extLst>
+              <a:ext uri="{FF2B5EF4-FFF2-40B4-BE49-F238E27FC236}">
+                <a16:creationId xmlns:a16="http://schemas.microsoft.com/office/drawing/2014/main" id="{D39BFEC0-380A-3C95-FDF7-405FB3E0A021}"/>
+              </a:ext>
+            </a:extLst>
+          </p:cNvPr>
+          <p:cNvSpPr/>
+          <p:nvPr/>
+        </p:nvSpPr>
+        <p:spPr>
+          <a:xfrm>
+            <a:off x="879785" y="108651"/>
+            <a:ext cx="246109" cy="250784"/>
+          </a:xfrm>
+          <a:prstGeom prst="ellipse">
+            <a:avLst/>
+          </a:prstGeom>
+          <a:solidFill>
+            <a:schemeClr val="accent2"/>
+          </a:solidFill>
+          <a:ln>
+            <a:noFill/>
+          </a:ln>
+        </p:spPr>
+        <p:style>
+          <a:lnRef idx="2">
+            <a:schemeClr val="accent1">
+              <a:shade val="15000"/>
+            </a:schemeClr>
+          </a:lnRef>
+          <a:fillRef idx="1">
+            <a:schemeClr val="accent1"/>
+          </a:fillRef>
+          <a:effectRef idx="0">
+            <a:schemeClr val="accent1"/>
+          </a:effectRef>
+          <a:fontRef idx="minor">
+            <a:schemeClr val="lt1"/>
+          </a:fontRef>
+        </p:style>
+        <p:txBody>
+          <a:bodyPr rtlCol="0" anchor="ctr"/>
+          <a:lstStyle/>
+          <a:p>
+            <a:pPr algn="ctr"/>
+            <a:endParaRPr lang="en-US"/>
+          </a:p>
+        </p:txBody>
+      </p:sp>
+    </p:spTree>
+    <p:extLst>
+      <p:ext uri="{BB962C8B-B14F-4D97-AF65-F5344CB8AC3E}">
+        <p14:creationId xmlns:p14="http://schemas.microsoft.com/office/powerpoint/2010/main" val="898163375"/>
       </p:ext>
     </p:extLst>
   </p:cSld>
@@ -8802,7 +8591,7 @@
         <p:cNvPr id="1" name="">
           <a:extLst>
             <a:ext uri="{FF2B5EF4-FFF2-40B4-BE49-F238E27FC236}">
-              <a16:creationId xmlns:a16="http://schemas.microsoft.com/office/drawing/2014/main" id="{12583145-6B12-90D9-879F-2191D6FAB3FB}"/>
+              <a16:creationId xmlns:a16="http://schemas.microsoft.com/office/drawing/2014/main" id="{F85DEDA4-6CB9-EE2E-D23D-943D4E7A92E6}"/>
             </a:ext>
           </a:extLst>
         </p:cNvPr>
@@ -8819,40 +8608,10 @@
       </p:grpSpPr>
       <p:sp>
         <p:nvSpPr>
-          <p:cNvPr id="6" name="Title 5">
-            <a:extLst>
-              <a:ext uri="{FF2B5EF4-FFF2-40B4-BE49-F238E27FC236}">
-                <a16:creationId xmlns:a16="http://schemas.microsoft.com/office/drawing/2014/main" id="{06615D88-973B-3485-F465-10369CFEA6B3}"/>
-              </a:ext>
-            </a:extLst>
-          </p:cNvPr>
-          <p:cNvSpPr>
-            <a:spLocks noGrp="1"/>
-          </p:cNvSpPr>
-          <p:nvPr>
-            <p:ph type="title"/>
-          </p:nvPr>
-        </p:nvSpPr>
-        <p:spPr>
-          <a:xfrm>
-            <a:off x="838200" y="694547"/>
-            <a:ext cx="10515600" cy="1325563"/>
-          </a:xfrm>
-        </p:spPr>
-        <p:txBody>
-          <a:bodyPr/>
-          <a:lstStyle/>
-          <a:p>
-            <a:endParaRPr lang="en-US" dirty="0"/>
-          </a:p>
-        </p:txBody>
-      </p:sp>
-      <p:sp>
-        <p:nvSpPr>
           <p:cNvPr id="7" name="Content Placeholder 6">
             <a:extLst>
               <a:ext uri="{FF2B5EF4-FFF2-40B4-BE49-F238E27FC236}">
-                <a16:creationId xmlns:a16="http://schemas.microsoft.com/office/drawing/2014/main" id="{CB382495-4B1E-8879-C49D-B3DE3DA23D8D}"/>
+                <a16:creationId xmlns:a16="http://schemas.microsoft.com/office/drawing/2014/main" id="{0036EEB7-44CE-7C32-9F41-483B0AA5BCCC}"/>
               </a:ext>
             </a:extLst>
           </p:cNvPr>
@@ -8865,8 +8624,8 @@
         </p:nvSpPr>
         <p:spPr>
           <a:xfrm>
-            <a:off x="838200" y="2254763"/>
-            <a:ext cx="10515600" cy="3922201"/>
+            <a:off x="838200" y="988399"/>
+            <a:ext cx="10515600" cy="5188566"/>
           </a:xfrm>
         </p:spPr>
         <p:txBody>
@@ -8882,7 +8641,7 @@
           <p:cNvPr id="4" name="Rectangle 3">
             <a:extLst>
               <a:ext uri="{FF2B5EF4-FFF2-40B4-BE49-F238E27FC236}">
-                <a16:creationId xmlns:a16="http://schemas.microsoft.com/office/drawing/2014/main" id="{78CDFCEE-FF5A-47F8-0ECB-091115E055C1}"/>
+                <a16:creationId xmlns:a16="http://schemas.microsoft.com/office/drawing/2014/main" id="{1BF608EE-39CD-22FB-3167-C91D91077C06}"/>
               </a:ext>
             </a:extLst>
           </p:cNvPr>
@@ -8934,7 +8693,7 @@
           <p:cNvPr id="5" name="Oval 4">
             <a:extLst>
               <a:ext uri="{FF2B5EF4-FFF2-40B4-BE49-F238E27FC236}">
-                <a16:creationId xmlns:a16="http://schemas.microsoft.com/office/drawing/2014/main" id="{1212AEE6-834B-7482-54BE-FBC11CE2B04F}"/>
+                <a16:creationId xmlns:a16="http://schemas.microsoft.com/office/drawing/2014/main" id="{189520A7-9CDE-71B5-F5EA-1A0BF6CF830B}"/>
               </a:ext>
             </a:extLst>
           </p:cNvPr>
@@ -8986,7 +8745,7 @@
           <p:cNvPr id="8" name="Oval 7">
             <a:extLst>
               <a:ext uri="{FF2B5EF4-FFF2-40B4-BE49-F238E27FC236}">
-                <a16:creationId xmlns:a16="http://schemas.microsoft.com/office/drawing/2014/main" id="{FB91025F-88A4-3E46-9016-C6345FC1FAA1}"/>
+                <a16:creationId xmlns:a16="http://schemas.microsoft.com/office/drawing/2014/main" id="{6D488FE2-1724-80DD-4D8F-F0B54314BB08}"/>
               </a:ext>
             </a:extLst>
           </p:cNvPr>
@@ -9038,7 +8797,7 @@
           <p:cNvPr id="9" name="Oval 8">
             <a:extLst>
               <a:ext uri="{FF2B5EF4-FFF2-40B4-BE49-F238E27FC236}">
-                <a16:creationId xmlns:a16="http://schemas.microsoft.com/office/drawing/2014/main" id="{42CF4BCD-90FF-F1D7-5AE7-911655743C0A}"/>
+                <a16:creationId xmlns:a16="http://schemas.microsoft.com/office/drawing/2014/main" id="{0541E38E-CCAA-4FF0-E14B-501CF1E54079}"/>
               </a:ext>
             </a:extLst>
           </p:cNvPr>
@@ -9088,311 +8847,7 @@
     </p:spTree>
     <p:extLst>
       <p:ext uri="{BB962C8B-B14F-4D97-AF65-F5344CB8AC3E}">
-        <p14:creationId xmlns:p14="http://schemas.microsoft.com/office/powerpoint/2010/main" val="2118145895"/>
-      </p:ext>
-    </p:extLst>
-  </p:cSld>
-  <p:clrMapOvr>
-    <a:masterClrMapping/>
-  </p:clrMapOvr>
-</p:sld>
-</file>
-
-<file path=ppt/slides/slide25.xml><?xml version="1.0" encoding="utf-8"?>
-<p:sld xmlns:a="http://schemas.openxmlformats.org/drawingml/2006/main" xmlns:r="http://schemas.openxmlformats.org/officeDocument/2006/relationships" xmlns:p="http://schemas.openxmlformats.org/presentationml/2006/main">
-  <p:cSld>
-    <p:spTree>
-      <p:nvGrpSpPr>
-        <p:cNvPr id="1" name="">
-          <a:extLst>
-            <a:ext uri="{FF2B5EF4-FFF2-40B4-BE49-F238E27FC236}">
-              <a16:creationId xmlns:a16="http://schemas.microsoft.com/office/drawing/2014/main" id="{2049ABD4-C70B-229B-F019-8FEBB69F5E90}"/>
-            </a:ext>
-          </a:extLst>
-        </p:cNvPr>
-        <p:cNvGrpSpPr/>
-        <p:nvPr/>
-      </p:nvGrpSpPr>
-      <p:grpSpPr>
-        <a:xfrm>
-          <a:off x="0" y="0"/>
-          <a:ext cx="0" cy="0"/>
-          <a:chOff x="0" y="0"/>
-          <a:chExt cx="0" cy="0"/>
-        </a:xfrm>
-      </p:grpSpPr>
-      <p:sp>
-        <p:nvSpPr>
-          <p:cNvPr id="6" name="Title 5">
-            <a:extLst>
-              <a:ext uri="{FF2B5EF4-FFF2-40B4-BE49-F238E27FC236}">
-                <a16:creationId xmlns:a16="http://schemas.microsoft.com/office/drawing/2014/main" id="{CA4ADF60-C78D-5BA5-CDDC-BDBF8502A6E6}"/>
-              </a:ext>
-            </a:extLst>
-          </p:cNvPr>
-          <p:cNvSpPr>
-            <a:spLocks noGrp="1"/>
-          </p:cNvSpPr>
-          <p:nvPr>
-            <p:ph type="title"/>
-          </p:nvPr>
-        </p:nvSpPr>
-        <p:spPr>
-          <a:xfrm>
-            <a:off x="838200" y="694547"/>
-            <a:ext cx="10515600" cy="1325563"/>
-          </a:xfrm>
-        </p:spPr>
-        <p:txBody>
-          <a:bodyPr/>
-          <a:lstStyle/>
-          <a:p>
-            <a:endParaRPr lang="en-US" dirty="0"/>
-          </a:p>
-        </p:txBody>
-      </p:sp>
-      <p:sp>
-        <p:nvSpPr>
-          <p:cNvPr id="7" name="Content Placeholder 6">
-            <a:extLst>
-              <a:ext uri="{FF2B5EF4-FFF2-40B4-BE49-F238E27FC236}">
-                <a16:creationId xmlns:a16="http://schemas.microsoft.com/office/drawing/2014/main" id="{24939951-DDAC-2BB0-8CCD-3423838AE1A6}"/>
-              </a:ext>
-            </a:extLst>
-          </p:cNvPr>
-          <p:cNvSpPr>
-            <a:spLocks noGrp="1"/>
-          </p:cNvSpPr>
-          <p:nvPr>
-            <p:ph idx="1"/>
-          </p:nvPr>
-        </p:nvSpPr>
-        <p:spPr>
-          <a:xfrm>
-            <a:off x="838200" y="2254763"/>
-            <a:ext cx="10515600" cy="3922201"/>
-          </a:xfrm>
-        </p:spPr>
-        <p:txBody>
-          <a:bodyPr/>
-          <a:lstStyle/>
-          <a:p>
-            <a:endParaRPr lang="en-US" dirty="0"/>
-          </a:p>
-        </p:txBody>
-      </p:sp>
-      <p:sp>
-        <p:nvSpPr>
-          <p:cNvPr id="4" name="Rectangle 3">
-            <a:extLst>
-              <a:ext uri="{FF2B5EF4-FFF2-40B4-BE49-F238E27FC236}">
-                <a16:creationId xmlns:a16="http://schemas.microsoft.com/office/drawing/2014/main" id="{17BAB443-0273-36FA-E697-C1BB87DF55A7}"/>
-              </a:ext>
-            </a:extLst>
-          </p:cNvPr>
-          <p:cNvSpPr/>
-          <p:nvPr/>
-        </p:nvSpPr>
-        <p:spPr>
-          <a:xfrm>
-            <a:off x="0" y="0"/>
-            <a:ext cx="12192000" cy="468086"/>
-          </a:xfrm>
-          <a:prstGeom prst="rect">
-            <a:avLst/>
-          </a:prstGeom>
-          <a:solidFill>
-            <a:schemeClr val="bg2"/>
-          </a:solidFill>
-          <a:ln>
-            <a:noFill/>
-          </a:ln>
-        </p:spPr>
-        <p:style>
-          <a:lnRef idx="2">
-            <a:schemeClr val="accent1">
-              <a:shade val="15000"/>
-            </a:schemeClr>
-          </a:lnRef>
-          <a:fillRef idx="1">
-            <a:schemeClr val="accent1"/>
-          </a:fillRef>
-          <a:effectRef idx="0">
-            <a:schemeClr val="accent1"/>
-          </a:effectRef>
-          <a:fontRef idx="minor">
-            <a:schemeClr val="lt1"/>
-          </a:fontRef>
-        </p:style>
-        <p:txBody>
-          <a:bodyPr rtlCol="0" anchor="ctr"/>
-          <a:lstStyle/>
-          <a:p>
-            <a:pPr algn="ctr"/>
-            <a:endParaRPr lang="en-US" sz="1351"/>
-          </a:p>
-        </p:txBody>
-      </p:sp>
-      <p:sp>
-        <p:nvSpPr>
-          <p:cNvPr id="5" name="Oval 4">
-            <a:extLst>
-              <a:ext uri="{FF2B5EF4-FFF2-40B4-BE49-F238E27FC236}">
-                <a16:creationId xmlns:a16="http://schemas.microsoft.com/office/drawing/2014/main" id="{8F82ECB2-7FFF-AE86-D805-6358D75AC228}"/>
-              </a:ext>
-            </a:extLst>
-          </p:cNvPr>
-          <p:cNvSpPr/>
-          <p:nvPr/>
-        </p:nvSpPr>
-        <p:spPr>
-          <a:xfrm>
-            <a:off x="129189" y="108651"/>
-            <a:ext cx="246109" cy="250784"/>
-          </a:xfrm>
-          <a:prstGeom prst="ellipse">
-            <a:avLst/>
-          </a:prstGeom>
-          <a:solidFill>
-            <a:schemeClr val="accent1"/>
-          </a:solidFill>
-          <a:ln>
-            <a:noFill/>
-          </a:ln>
-        </p:spPr>
-        <p:style>
-          <a:lnRef idx="2">
-            <a:schemeClr val="accent1">
-              <a:shade val="15000"/>
-            </a:schemeClr>
-          </a:lnRef>
-          <a:fillRef idx="1">
-            <a:schemeClr val="accent1"/>
-          </a:fillRef>
-          <a:effectRef idx="0">
-            <a:schemeClr val="accent1"/>
-          </a:effectRef>
-          <a:fontRef idx="minor">
-            <a:schemeClr val="lt1"/>
-          </a:fontRef>
-        </p:style>
-        <p:txBody>
-          <a:bodyPr rtlCol="0" anchor="ctr"/>
-          <a:lstStyle/>
-          <a:p>
-            <a:pPr algn="ctr"/>
-            <a:endParaRPr lang="en-US"/>
-          </a:p>
-        </p:txBody>
-      </p:sp>
-      <p:sp>
-        <p:nvSpPr>
-          <p:cNvPr id="8" name="Oval 7">
-            <a:extLst>
-              <a:ext uri="{FF2B5EF4-FFF2-40B4-BE49-F238E27FC236}">
-                <a16:creationId xmlns:a16="http://schemas.microsoft.com/office/drawing/2014/main" id="{8E3DD73D-8FDA-EA61-ADD0-98FD046B4EE8}"/>
-              </a:ext>
-            </a:extLst>
-          </p:cNvPr>
-          <p:cNvSpPr/>
-          <p:nvPr/>
-        </p:nvSpPr>
-        <p:spPr>
-          <a:xfrm>
-            <a:off x="504487" y="113785"/>
-            <a:ext cx="246109" cy="250784"/>
-          </a:xfrm>
-          <a:prstGeom prst="ellipse">
-            <a:avLst/>
-          </a:prstGeom>
-          <a:solidFill>
-            <a:schemeClr val="accent3"/>
-          </a:solidFill>
-          <a:ln>
-            <a:noFill/>
-          </a:ln>
-        </p:spPr>
-        <p:style>
-          <a:lnRef idx="2">
-            <a:schemeClr val="accent1">
-              <a:shade val="15000"/>
-            </a:schemeClr>
-          </a:lnRef>
-          <a:fillRef idx="1">
-            <a:schemeClr val="accent1"/>
-          </a:fillRef>
-          <a:effectRef idx="0">
-            <a:schemeClr val="accent1"/>
-          </a:effectRef>
-          <a:fontRef idx="minor">
-            <a:schemeClr val="lt1"/>
-          </a:fontRef>
-        </p:style>
-        <p:txBody>
-          <a:bodyPr rtlCol="0" anchor="ctr"/>
-          <a:lstStyle/>
-          <a:p>
-            <a:pPr algn="ctr"/>
-            <a:endParaRPr lang="en-US"/>
-          </a:p>
-        </p:txBody>
-      </p:sp>
-      <p:sp>
-        <p:nvSpPr>
-          <p:cNvPr id="9" name="Oval 8">
-            <a:extLst>
-              <a:ext uri="{FF2B5EF4-FFF2-40B4-BE49-F238E27FC236}">
-                <a16:creationId xmlns:a16="http://schemas.microsoft.com/office/drawing/2014/main" id="{5F8547C7-0336-1D52-0DCD-9F77E8501ED3}"/>
-              </a:ext>
-            </a:extLst>
-          </p:cNvPr>
-          <p:cNvSpPr/>
-          <p:nvPr/>
-        </p:nvSpPr>
-        <p:spPr>
-          <a:xfrm>
-            <a:off x="879785" y="108651"/>
-            <a:ext cx="246109" cy="250784"/>
-          </a:xfrm>
-          <a:prstGeom prst="ellipse">
-            <a:avLst/>
-          </a:prstGeom>
-          <a:solidFill>
-            <a:schemeClr val="accent2"/>
-          </a:solidFill>
-          <a:ln>
-            <a:noFill/>
-          </a:ln>
-        </p:spPr>
-        <p:style>
-          <a:lnRef idx="2">
-            <a:schemeClr val="accent1">
-              <a:shade val="15000"/>
-            </a:schemeClr>
-          </a:lnRef>
-          <a:fillRef idx="1">
-            <a:schemeClr val="accent1"/>
-          </a:fillRef>
-          <a:effectRef idx="0">
-            <a:schemeClr val="accent1"/>
-          </a:effectRef>
-          <a:fontRef idx="minor">
-            <a:schemeClr val="lt1"/>
-          </a:fontRef>
-        </p:style>
-        <p:txBody>
-          <a:bodyPr rtlCol="0" anchor="ctr"/>
-          <a:lstStyle/>
-          <a:p>
-            <a:pPr algn="ctr"/>
-            <a:endParaRPr lang="en-US"/>
-          </a:p>
-        </p:txBody>
-      </p:sp>
-    </p:spTree>
-    <p:extLst>
-      <p:ext uri="{BB962C8B-B14F-4D97-AF65-F5344CB8AC3E}">
-        <p14:creationId xmlns:p14="http://schemas.microsoft.com/office/powerpoint/2010/main" val="1801838751"/>
+        <p14:creationId xmlns:p14="http://schemas.microsoft.com/office/powerpoint/2010/main" val="2955507698"/>
       </p:ext>
     </p:extLst>
   </p:cSld>
@@ -12058,7 +11513,10 @@
           <a:bodyPr/>
           <a:lstStyle/>
           <a:p>
-            <a:endParaRPr lang="en-US" dirty="0"/>
+            <a:r>
+              <a:rPr lang="en-US" dirty="0"/>
+              <a:t>It takes the source code and directly executes it.</a:t>
+            </a:r>
           </a:p>
         </p:txBody>
       </p:sp>
@@ -12291,7 +11749,7 @@
         <p:cNvPr id="1" name="">
           <a:extLst>
             <a:ext uri="{FF2B5EF4-FFF2-40B4-BE49-F238E27FC236}">
-              <a16:creationId xmlns:a16="http://schemas.microsoft.com/office/drawing/2014/main" id="{B82D3BB3-44D8-6D36-1F5D-9AAD2EE9961E}"/>
+              <a16:creationId xmlns:a16="http://schemas.microsoft.com/office/drawing/2014/main" id="{9C18E758-ED1E-A5DA-D6EF-E9DF5C699923}"/>
             </a:ext>
           </a:extLst>
         </p:cNvPr>
@@ -12311,7 +11769,7 @@
           <p:cNvPr id="6" name="Title 5">
             <a:extLst>
               <a:ext uri="{FF2B5EF4-FFF2-40B4-BE49-F238E27FC236}">
-                <a16:creationId xmlns:a16="http://schemas.microsoft.com/office/drawing/2014/main" id="{AD977B9A-1BC1-426B-DC1C-701748411B84}"/>
+                <a16:creationId xmlns:a16="http://schemas.microsoft.com/office/drawing/2014/main" id="{FA4C2B05-E648-9FA4-DCD7-B1EDB9F3BECF}"/>
               </a:ext>
             </a:extLst>
           </p:cNvPr>
@@ -12332,7 +11790,10 @@
           <a:bodyPr/>
           <a:lstStyle/>
           <a:p>
-            <a:endParaRPr lang="en-US" dirty="0"/>
+            <a:r>
+              <a:rPr lang="en-US" dirty="0"/>
+              <a:t>Compilers vs Interpreters</a:t>
+            </a:r>
           </a:p>
         </p:txBody>
       </p:sp>
@@ -12341,7 +11802,7 @@
           <p:cNvPr id="7" name="Content Placeholder 6">
             <a:extLst>
               <a:ext uri="{FF2B5EF4-FFF2-40B4-BE49-F238E27FC236}">
-                <a16:creationId xmlns:a16="http://schemas.microsoft.com/office/drawing/2014/main" id="{233CD246-9200-ED13-E469-12174F984581}"/>
+                <a16:creationId xmlns:a16="http://schemas.microsoft.com/office/drawing/2014/main" id="{D368607E-2AAD-DBDE-9480-8D578F7AC080}"/>
               </a:ext>
             </a:extLst>
           </p:cNvPr>
@@ -12362,6 +11823,36 @@
           <a:bodyPr/>
           <a:lstStyle/>
           <a:p>
+            <a:r>
+              <a:rPr lang="en-US" dirty="0"/>
+              <a:t>U can write an </a:t>
+            </a:r>
+            <a:r>
+              <a:rPr lang="en-US" dirty="0">
+                <a:solidFill>
+                  <a:schemeClr val="accent2"/>
+                </a:solidFill>
+              </a:rPr>
+              <a:t>interpreter for C </a:t>
+            </a:r>
+            <a:r>
+              <a:rPr lang="en-US" dirty="0"/>
+              <a:t>and a </a:t>
+            </a:r>
+            <a:r>
+              <a:rPr lang="en-US" dirty="0">
+                <a:solidFill>
+                  <a:schemeClr val="accent1"/>
+                </a:solidFill>
+              </a:rPr>
+              <a:t>compiler for JavaScript</a:t>
+            </a:r>
+            <a:r>
+              <a:rPr lang="en-US" dirty="0"/>
+              <a:t>.</a:t>
+            </a:r>
+          </a:p>
+          <a:p>
             <a:endParaRPr lang="en-US" dirty="0"/>
           </a:p>
         </p:txBody>
@@ -12371,7 +11862,7 @@
           <p:cNvPr id="4" name="Rectangle 3">
             <a:extLst>
               <a:ext uri="{FF2B5EF4-FFF2-40B4-BE49-F238E27FC236}">
-                <a16:creationId xmlns:a16="http://schemas.microsoft.com/office/drawing/2014/main" id="{B37B9716-5F46-6466-F134-231965C8C2F7}"/>
+                <a16:creationId xmlns:a16="http://schemas.microsoft.com/office/drawing/2014/main" id="{F233A266-49F8-6F15-9B2E-4BDFA08D628A}"/>
               </a:ext>
             </a:extLst>
           </p:cNvPr>
@@ -12423,7 +11914,7 @@
           <p:cNvPr id="5" name="Oval 4">
             <a:extLst>
               <a:ext uri="{FF2B5EF4-FFF2-40B4-BE49-F238E27FC236}">
-                <a16:creationId xmlns:a16="http://schemas.microsoft.com/office/drawing/2014/main" id="{32FA1AC5-60A7-81D9-8135-CB1D08E290B9}"/>
+                <a16:creationId xmlns:a16="http://schemas.microsoft.com/office/drawing/2014/main" id="{6C2DB65A-3098-E41E-5444-5D4FDADFAAB2}"/>
               </a:ext>
             </a:extLst>
           </p:cNvPr>
@@ -12475,7 +11966,7 @@
           <p:cNvPr id="8" name="Oval 7">
             <a:extLst>
               <a:ext uri="{FF2B5EF4-FFF2-40B4-BE49-F238E27FC236}">
-                <a16:creationId xmlns:a16="http://schemas.microsoft.com/office/drawing/2014/main" id="{9206C3FF-11A0-91DD-7723-A1BB5C0A5139}"/>
+                <a16:creationId xmlns:a16="http://schemas.microsoft.com/office/drawing/2014/main" id="{E833ED17-7925-7B42-2DA8-68FFB1A203C0}"/>
               </a:ext>
             </a:extLst>
           </p:cNvPr>
@@ -12527,7 +12018,7 @@
           <p:cNvPr id="9" name="Oval 8">
             <a:extLst>
               <a:ext uri="{FF2B5EF4-FFF2-40B4-BE49-F238E27FC236}">
-                <a16:creationId xmlns:a16="http://schemas.microsoft.com/office/drawing/2014/main" id="{E92B25E2-AB25-73B6-845B-418A52700116}"/>
+                <a16:creationId xmlns:a16="http://schemas.microsoft.com/office/drawing/2014/main" id="{649FFE16-93D7-CFAB-2B7F-C225D824A923}"/>
               </a:ext>
             </a:extLst>
           </p:cNvPr>
@@ -12577,7 +12068,7 @@
     </p:spTree>
     <p:extLst>
       <p:ext uri="{BB962C8B-B14F-4D97-AF65-F5344CB8AC3E}">
-        <p14:creationId xmlns:p14="http://schemas.microsoft.com/office/powerpoint/2010/main" val="1606818620"/>
+        <p14:creationId xmlns:p14="http://schemas.microsoft.com/office/powerpoint/2010/main" val="3444062210"/>
       </p:ext>
     </p:extLst>
   </p:cSld>

--- a/Compilers.pptx
+++ b/Compilers.pptx
@@ -5,7 +5,7 @@
     <p:sldMasterId id="2147483648" r:id="rId1"/>
   </p:sldMasterIdLst>
   <p:notesMasterIdLst>
-    <p:notesMasterId r:id="rId26"/>
+    <p:notesMasterId r:id="rId27"/>
   </p:notesMasterIdLst>
   <p:sldIdLst>
     <p:sldId id="256" r:id="rId2"/>
@@ -16,22 +16,23 @@
     <p:sldId id="258" r:id="rId7"/>
     <p:sldId id="259" r:id="rId8"/>
     <p:sldId id="262" r:id="rId9"/>
-    <p:sldId id="264" r:id="rId10"/>
-    <p:sldId id="283" r:id="rId11"/>
-    <p:sldId id="266" r:id="rId12"/>
-    <p:sldId id="267" r:id="rId13"/>
-    <p:sldId id="284" r:id="rId14"/>
-    <p:sldId id="285" r:id="rId15"/>
-    <p:sldId id="286" r:id="rId16"/>
-    <p:sldId id="287" r:id="rId17"/>
-    <p:sldId id="272" r:id="rId18"/>
-    <p:sldId id="288" r:id="rId19"/>
-    <p:sldId id="289" r:id="rId20"/>
-    <p:sldId id="290" r:id="rId21"/>
-    <p:sldId id="291" r:id="rId22"/>
-    <p:sldId id="277" r:id="rId23"/>
-    <p:sldId id="292" r:id="rId24"/>
-    <p:sldId id="293" r:id="rId25"/>
+    <p:sldId id="294" r:id="rId10"/>
+    <p:sldId id="264" r:id="rId11"/>
+    <p:sldId id="283" r:id="rId12"/>
+    <p:sldId id="266" r:id="rId13"/>
+    <p:sldId id="267" r:id="rId14"/>
+    <p:sldId id="284" r:id="rId15"/>
+    <p:sldId id="285" r:id="rId16"/>
+    <p:sldId id="286" r:id="rId17"/>
+    <p:sldId id="287" r:id="rId18"/>
+    <p:sldId id="272" r:id="rId19"/>
+    <p:sldId id="288" r:id="rId20"/>
+    <p:sldId id="289" r:id="rId21"/>
+    <p:sldId id="290" r:id="rId22"/>
+    <p:sldId id="291" r:id="rId23"/>
+    <p:sldId id="277" r:id="rId24"/>
+    <p:sldId id="292" r:id="rId25"/>
+    <p:sldId id="293" r:id="rId26"/>
   </p:sldIdLst>
   <p:sldSz cx="12192000" cy="6858000"/>
   <p:notesSz cx="6858000" cy="9144000"/>
@@ -3992,6 +3993,343 @@
         <p:cNvPr id="1" name="">
           <a:extLst>
             <a:ext uri="{FF2B5EF4-FFF2-40B4-BE49-F238E27FC236}">
+              <a16:creationId xmlns:a16="http://schemas.microsoft.com/office/drawing/2014/main" id="{9C18E758-ED1E-A5DA-D6EF-E9DF5C699923}"/>
+            </a:ext>
+          </a:extLst>
+        </p:cNvPr>
+        <p:cNvGrpSpPr/>
+        <p:nvPr/>
+      </p:nvGrpSpPr>
+      <p:grpSpPr>
+        <a:xfrm>
+          <a:off x="0" y="0"/>
+          <a:ext cx="0" cy="0"/>
+          <a:chOff x="0" y="0"/>
+          <a:chExt cx="0" cy="0"/>
+        </a:xfrm>
+      </p:grpSpPr>
+      <p:sp>
+        <p:nvSpPr>
+          <p:cNvPr id="6" name="Title 5">
+            <a:extLst>
+              <a:ext uri="{FF2B5EF4-FFF2-40B4-BE49-F238E27FC236}">
+                <a16:creationId xmlns:a16="http://schemas.microsoft.com/office/drawing/2014/main" id="{FA4C2B05-E648-9FA4-DCD7-B1EDB9F3BECF}"/>
+              </a:ext>
+            </a:extLst>
+          </p:cNvPr>
+          <p:cNvSpPr>
+            <a:spLocks noGrp="1"/>
+          </p:cNvSpPr>
+          <p:nvPr>
+            <p:ph type="title"/>
+          </p:nvPr>
+        </p:nvSpPr>
+        <p:spPr>
+          <a:xfrm>
+            <a:off x="838200" y="694547"/>
+            <a:ext cx="10515600" cy="1325563"/>
+          </a:xfrm>
+        </p:spPr>
+        <p:txBody>
+          <a:bodyPr/>
+          <a:lstStyle/>
+          <a:p>
+            <a:r>
+              <a:rPr lang="en-US" dirty="0"/>
+              <a:t>Compilers vs Interpreters</a:t>
+            </a:r>
+          </a:p>
+        </p:txBody>
+      </p:sp>
+      <p:sp>
+        <p:nvSpPr>
+          <p:cNvPr id="7" name="Content Placeholder 6">
+            <a:extLst>
+              <a:ext uri="{FF2B5EF4-FFF2-40B4-BE49-F238E27FC236}">
+                <a16:creationId xmlns:a16="http://schemas.microsoft.com/office/drawing/2014/main" id="{D368607E-2AAD-DBDE-9480-8D578F7AC080}"/>
+              </a:ext>
+            </a:extLst>
+          </p:cNvPr>
+          <p:cNvSpPr>
+            <a:spLocks noGrp="1"/>
+          </p:cNvSpPr>
+          <p:nvPr>
+            <p:ph idx="1"/>
+          </p:nvPr>
+        </p:nvSpPr>
+        <p:spPr>
+          <a:xfrm>
+            <a:off x="838200" y="2254763"/>
+            <a:ext cx="10515600" cy="3922201"/>
+          </a:xfrm>
+        </p:spPr>
+        <p:txBody>
+          <a:bodyPr/>
+          <a:lstStyle/>
+          <a:p>
+            <a:r>
+              <a:rPr lang="en-US" dirty="0"/>
+              <a:t>U can write an </a:t>
+            </a:r>
+            <a:r>
+              <a:rPr lang="en-US" dirty="0">
+                <a:solidFill>
+                  <a:schemeClr val="accent2"/>
+                </a:solidFill>
+              </a:rPr>
+              <a:t>interpreter for C </a:t>
+            </a:r>
+            <a:r>
+              <a:rPr lang="en-US" dirty="0"/>
+              <a:t>and a </a:t>
+            </a:r>
+            <a:r>
+              <a:rPr lang="en-US" dirty="0">
+                <a:solidFill>
+                  <a:schemeClr val="accent1"/>
+                </a:solidFill>
+              </a:rPr>
+              <a:t>compiler for JavaScript</a:t>
+            </a:r>
+            <a:r>
+              <a:rPr lang="en-US" dirty="0"/>
+              <a:t>.</a:t>
+            </a:r>
+          </a:p>
+          <a:p>
+            <a:endParaRPr lang="en-US" dirty="0"/>
+          </a:p>
+        </p:txBody>
+      </p:sp>
+      <p:sp>
+        <p:nvSpPr>
+          <p:cNvPr id="4" name="Rectangle 3">
+            <a:extLst>
+              <a:ext uri="{FF2B5EF4-FFF2-40B4-BE49-F238E27FC236}">
+                <a16:creationId xmlns:a16="http://schemas.microsoft.com/office/drawing/2014/main" id="{F233A266-49F8-6F15-9B2E-4BDFA08D628A}"/>
+              </a:ext>
+            </a:extLst>
+          </p:cNvPr>
+          <p:cNvSpPr/>
+          <p:nvPr/>
+        </p:nvSpPr>
+        <p:spPr>
+          <a:xfrm>
+            <a:off x="0" y="0"/>
+            <a:ext cx="12192000" cy="468086"/>
+          </a:xfrm>
+          <a:prstGeom prst="rect">
+            <a:avLst/>
+          </a:prstGeom>
+          <a:solidFill>
+            <a:schemeClr val="bg2"/>
+          </a:solidFill>
+          <a:ln>
+            <a:noFill/>
+          </a:ln>
+        </p:spPr>
+        <p:style>
+          <a:lnRef idx="2">
+            <a:schemeClr val="accent1">
+              <a:shade val="15000"/>
+            </a:schemeClr>
+          </a:lnRef>
+          <a:fillRef idx="1">
+            <a:schemeClr val="accent1"/>
+          </a:fillRef>
+          <a:effectRef idx="0">
+            <a:schemeClr val="accent1"/>
+          </a:effectRef>
+          <a:fontRef idx="minor">
+            <a:schemeClr val="lt1"/>
+          </a:fontRef>
+        </p:style>
+        <p:txBody>
+          <a:bodyPr rtlCol="0" anchor="ctr"/>
+          <a:lstStyle/>
+          <a:p>
+            <a:pPr algn="ctr"/>
+            <a:endParaRPr lang="en-US" sz="1351"/>
+          </a:p>
+        </p:txBody>
+      </p:sp>
+      <p:sp>
+        <p:nvSpPr>
+          <p:cNvPr id="5" name="Oval 4">
+            <a:extLst>
+              <a:ext uri="{FF2B5EF4-FFF2-40B4-BE49-F238E27FC236}">
+                <a16:creationId xmlns:a16="http://schemas.microsoft.com/office/drawing/2014/main" id="{6C2DB65A-3098-E41E-5444-5D4FDADFAAB2}"/>
+              </a:ext>
+            </a:extLst>
+          </p:cNvPr>
+          <p:cNvSpPr/>
+          <p:nvPr/>
+        </p:nvSpPr>
+        <p:spPr>
+          <a:xfrm>
+            <a:off x="129189" y="108651"/>
+            <a:ext cx="246109" cy="250784"/>
+          </a:xfrm>
+          <a:prstGeom prst="ellipse">
+            <a:avLst/>
+          </a:prstGeom>
+          <a:solidFill>
+            <a:schemeClr val="accent1"/>
+          </a:solidFill>
+          <a:ln>
+            <a:noFill/>
+          </a:ln>
+        </p:spPr>
+        <p:style>
+          <a:lnRef idx="2">
+            <a:schemeClr val="accent1">
+              <a:shade val="15000"/>
+            </a:schemeClr>
+          </a:lnRef>
+          <a:fillRef idx="1">
+            <a:schemeClr val="accent1"/>
+          </a:fillRef>
+          <a:effectRef idx="0">
+            <a:schemeClr val="accent1"/>
+          </a:effectRef>
+          <a:fontRef idx="minor">
+            <a:schemeClr val="lt1"/>
+          </a:fontRef>
+        </p:style>
+        <p:txBody>
+          <a:bodyPr rtlCol="0" anchor="ctr"/>
+          <a:lstStyle/>
+          <a:p>
+            <a:pPr algn="ctr"/>
+            <a:endParaRPr lang="en-US"/>
+          </a:p>
+        </p:txBody>
+      </p:sp>
+      <p:sp>
+        <p:nvSpPr>
+          <p:cNvPr id="8" name="Oval 7">
+            <a:extLst>
+              <a:ext uri="{FF2B5EF4-FFF2-40B4-BE49-F238E27FC236}">
+                <a16:creationId xmlns:a16="http://schemas.microsoft.com/office/drawing/2014/main" id="{E833ED17-7925-7B42-2DA8-68FFB1A203C0}"/>
+              </a:ext>
+            </a:extLst>
+          </p:cNvPr>
+          <p:cNvSpPr/>
+          <p:nvPr/>
+        </p:nvSpPr>
+        <p:spPr>
+          <a:xfrm>
+            <a:off x="504487" y="113785"/>
+            <a:ext cx="246109" cy="250784"/>
+          </a:xfrm>
+          <a:prstGeom prst="ellipse">
+            <a:avLst/>
+          </a:prstGeom>
+          <a:solidFill>
+            <a:schemeClr val="accent3"/>
+          </a:solidFill>
+          <a:ln>
+            <a:noFill/>
+          </a:ln>
+        </p:spPr>
+        <p:style>
+          <a:lnRef idx="2">
+            <a:schemeClr val="accent1">
+              <a:shade val="15000"/>
+            </a:schemeClr>
+          </a:lnRef>
+          <a:fillRef idx="1">
+            <a:schemeClr val="accent1"/>
+          </a:fillRef>
+          <a:effectRef idx="0">
+            <a:schemeClr val="accent1"/>
+          </a:effectRef>
+          <a:fontRef idx="minor">
+            <a:schemeClr val="lt1"/>
+          </a:fontRef>
+        </p:style>
+        <p:txBody>
+          <a:bodyPr rtlCol="0" anchor="ctr"/>
+          <a:lstStyle/>
+          <a:p>
+            <a:pPr algn="ctr"/>
+            <a:endParaRPr lang="en-US"/>
+          </a:p>
+        </p:txBody>
+      </p:sp>
+      <p:sp>
+        <p:nvSpPr>
+          <p:cNvPr id="9" name="Oval 8">
+            <a:extLst>
+              <a:ext uri="{FF2B5EF4-FFF2-40B4-BE49-F238E27FC236}">
+                <a16:creationId xmlns:a16="http://schemas.microsoft.com/office/drawing/2014/main" id="{649FFE16-93D7-CFAB-2B7F-C225D824A923}"/>
+              </a:ext>
+            </a:extLst>
+          </p:cNvPr>
+          <p:cNvSpPr/>
+          <p:nvPr/>
+        </p:nvSpPr>
+        <p:spPr>
+          <a:xfrm>
+            <a:off x="879785" y="108651"/>
+            <a:ext cx="246109" cy="250784"/>
+          </a:xfrm>
+          <a:prstGeom prst="ellipse">
+            <a:avLst/>
+          </a:prstGeom>
+          <a:solidFill>
+            <a:schemeClr val="accent2"/>
+          </a:solidFill>
+          <a:ln>
+            <a:noFill/>
+          </a:ln>
+        </p:spPr>
+        <p:style>
+          <a:lnRef idx="2">
+            <a:schemeClr val="accent1">
+              <a:shade val="15000"/>
+            </a:schemeClr>
+          </a:lnRef>
+          <a:fillRef idx="1">
+            <a:schemeClr val="accent1"/>
+          </a:fillRef>
+          <a:effectRef idx="0">
+            <a:schemeClr val="accent1"/>
+          </a:effectRef>
+          <a:fontRef idx="minor">
+            <a:schemeClr val="lt1"/>
+          </a:fontRef>
+        </p:style>
+        <p:txBody>
+          <a:bodyPr rtlCol="0" anchor="ctr"/>
+          <a:lstStyle/>
+          <a:p>
+            <a:pPr algn="ctr"/>
+            <a:endParaRPr lang="en-US"/>
+          </a:p>
+        </p:txBody>
+      </p:sp>
+    </p:spTree>
+    <p:extLst>
+      <p:ext uri="{BB962C8B-B14F-4D97-AF65-F5344CB8AC3E}">
+        <p14:creationId xmlns:p14="http://schemas.microsoft.com/office/powerpoint/2010/main" val="3444062210"/>
+      </p:ext>
+    </p:extLst>
+  </p:cSld>
+  <p:clrMapOvr>
+    <a:masterClrMapping/>
+  </p:clrMapOvr>
+</p:sld>
+</file>
+
+<file path=ppt/slides/slide11.xml><?xml version="1.0" encoding="utf-8"?>
+<p:sld xmlns:a="http://schemas.openxmlformats.org/drawingml/2006/main" xmlns:r="http://schemas.openxmlformats.org/officeDocument/2006/relationships" xmlns:p="http://schemas.openxmlformats.org/presentationml/2006/main">
+  <p:cSld>
+    <p:spTree>
+      <p:nvGrpSpPr>
+        <p:cNvPr id="1" name="">
+          <a:extLst>
+            <a:ext uri="{FF2B5EF4-FFF2-40B4-BE49-F238E27FC236}">
               <a16:creationId xmlns:a16="http://schemas.microsoft.com/office/drawing/2014/main" id="{BE705356-F522-421E-B70C-296C57450B8C}"/>
             </a:ext>
           </a:extLst>
@@ -4258,7 +4596,7 @@
 </p:sld>
 </file>
 
-<file path=ppt/slides/slide11.xml><?xml version="1.0" encoding="utf-8"?>
+<file path=ppt/slides/slide12.xml><?xml version="1.0" encoding="utf-8"?>
 <p:sld xmlns:a="http://schemas.openxmlformats.org/drawingml/2006/main" xmlns:r="http://schemas.openxmlformats.org/officeDocument/2006/relationships" xmlns:p="http://schemas.openxmlformats.org/presentationml/2006/main">
   <p:cSld>
     <p:spTree>
@@ -4340,7 +4678,10 @@
           <a:bodyPr/>
           <a:lstStyle/>
           <a:p>
-            <a:endParaRPr lang="en-US" dirty="0"/>
+            <a:r>
+              <a:rPr lang="en-US" dirty="0"/>
+              <a:t>This guy is very cool, it runs the program a few times then sees what to optimize and then optimizes it just in time.</a:t>
+            </a:r>
           </a:p>
         </p:txBody>
       </p:sp>
@@ -4565,7 +4906,7 @@
 </p:sld>
 </file>
 
-<file path=ppt/slides/slide12.xml><?xml version="1.0" encoding="utf-8"?>
+<file path=ppt/slides/slide13.xml><?xml version="1.0" encoding="utf-8"?>
 <p:sld xmlns:a="http://schemas.openxmlformats.org/drawingml/2006/main" xmlns:r="http://schemas.openxmlformats.org/officeDocument/2006/relationships" xmlns:p="http://schemas.openxmlformats.org/presentationml/2006/main">
   <p:cSld>
     <p:spTree>
@@ -4872,7 +5213,7 @@
 </p:sld>
 </file>
 
-<file path=ppt/slides/slide13.xml><?xml version="1.0" encoding="utf-8"?>
+<file path=ppt/slides/slide14.xml><?xml version="1.0" encoding="utf-8"?>
 <p:sld xmlns:a="http://schemas.openxmlformats.org/drawingml/2006/main" xmlns:r="http://schemas.openxmlformats.org/officeDocument/2006/relationships" xmlns:p="http://schemas.openxmlformats.org/presentationml/2006/main">
   <p:cSld>
     <p:spTree>
@@ -5146,7 +5487,7 @@
 </p:sld>
 </file>
 
-<file path=ppt/slides/slide14.xml><?xml version="1.0" encoding="utf-8"?>
+<file path=ppt/slides/slide15.xml><?xml version="1.0" encoding="utf-8"?>
 <p:sld xmlns:a="http://schemas.openxmlformats.org/drawingml/2006/main" xmlns:r="http://schemas.openxmlformats.org/officeDocument/2006/relationships" xmlns:p="http://schemas.openxmlformats.org/presentationml/2006/main">
   <p:cSld>
     <p:spTree>
@@ -5420,7 +5761,7 @@
 </p:sld>
 </file>
 
-<file path=ppt/slides/slide15.xml><?xml version="1.0" encoding="utf-8"?>
+<file path=ppt/slides/slide16.xml><?xml version="1.0" encoding="utf-8"?>
 <p:sld xmlns:a="http://schemas.openxmlformats.org/drawingml/2006/main" xmlns:r="http://schemas.openxmlformats.org/officeDocument/2006/relationships" xmlns:p="http://schemas.openxmlformats.org/presentationml/2006/main">
   <p:cSld>
     <p:spTree>
@@ -5694,7 +6035,7 @@
 </p:sld>
 </file>
 
-<file path=ppt/slides/slide16.xml><?xml version="1.0" encoding="utf-8"?>
+<file path=ppt/slides/slide17.xml><?xml version="1.0" encoding="utf-8"?>
 <p:sld xmlns:a="http://schemas.openxmlformats.org/drawingml/2006/main" xmlns:r="http://schemas.openxmlformats.org/officeDocument/2006/relationships" xmlns:p="http://schemas.openxmlformats.org/presentationml/2006/main">
   <p:cSld>
     <p:spTree>
@@ -5968,7 +6309,7 @@
 </p:sld>
 </file>
 
-<file path=ppt/slides/slide17.xml><?xml version="1.0" encoding="utf-8"?>
+<file path=ppt/slides/slide18.xml><?xml version="1.0" encoding="utf-8"?>
 <p:sld xmlns:a="http://schemas.openxmlformats.org/drawingml/2006/main" xmlns:r="http://schemas.openxmlformats.org/officeDocument/2006/relationships" xmlns:p="http://schemas.openxmlformats.org/presentationml/2006/main">
   <p:cSld>
     <p:spTree>
@@ -6275,7 +6616,7 @@
 </p:sld>
 </file>
 
-<file path=ppt/slides/slide18.xml><?xml version="1.0" encoding="utf-8"?>
+<file path=ppt/slides/slide19.xml><?xml version="1.0" encoding="utf-8"?>
 <p:sld xmlns:a="http://schemas.openxmlformats.org/drawingml/2006/main" xmlns:r="http://schemas.openxmlformats.org/officeDocument/2006/relationships" xmlns:p="http://schemas.openxmlformats.org/presentationml/2006/main">
   <p:cSld>
     <p:spTree>
@@ -6540,280 +6881,6 @@
     <p:extLst>
       <p:ext uri="{BB962C8B-B14F-4D97-AF65-F5344CB8AC3E}">
         <p14:creationId xmlns:p14="http://schemas.microsoft.com/office/powerpoint/2010/main" val="3651787086"/>
-      </p:ext>
-    </p:extLst>
-  </p:cSld>
-  <p:clrMapOvr>
-    <a:masterClrMapping/>
-  </p:clrMapOvr>
-</p:sld>
-</file>
-
-<file path=ppt/slides/slide19.xml><?xml version="1.0" encoding="utf-8"?>
-<p:sld xmlns:a="http://schemas.openxmlformats.org/drawingml/2006/main" xmlns:r="http://schemas.openxmlformats.org/officeDocument/2006/relationships" xmlns:p="http://schemas.openxmlformats.org/presentationml/2006/main">
-  <p:cSld>
-    <p:spTree>
-      <p:nvGrpSpPr>
-        <p:cNvPr id="1" name="">
-          <a:extLst>
-            <a:ext uri="{FF2B5EF4-FFF2-40B4-BE49-F238E27FC236}">
-              <a16:creationId xmlns:a16="http://schemas.microsoft.com/office/drawing/2014/main" id="{4006BBBD-5C09-5940-6E05-8F30A57A4832}"/>
-            </a:ext>
-          </a:extLst>
-        </p:cNvPr>
-        <p:cNvGrpSpPr/>
-        <p:nvPr/>
-      </p:nvGrpSpPr>
-      <p:grpSpPr>
-        <a:xfrm>
-          <a:off x="0" y="0"/>
-          <a:ext cx="0" cy="0"/>
-          <a:chOff x="0" y="0"/>
-          <a:chExt cx="0" cy="0"/>
-        </a:xfrm>
-      </p:grpSpPr>
-      <p:sp>
-        <p:nvSpPr>
-          <p:cNvPr id="7" name="Content Placeholder 6">
-            <a:extLst>
-              <a:ext uri="{FF2B5EF4-FFF2-40B4-BE49-F238E27FC236}">
-                <a16:creationId xmlns:a16="http://schemas.microsoft.com/office/drawing/2014/main" id="{218FEBD3-B021-F0B6-B437-500EF2EE52D5}"/>
-              </a:ext>
-            </a:extLst>
-          </p:cNvPr>
-          <p:cNvSpPr>
-            <a:spLocks noGrp="1"/>
-          </p:cNvSpPr>
-          <p:nvPr>
-            <p:ph idx="1"/>
-          </p:nvPr>
-        </p:nvSpPr>
-        <p:spPr>
-          <a:xfrm>
-            <a:off x="838200" y="988399"/>
-            <a:ext cx="10515600" cy="5188566"/>
-          </a:xfrm>
-        </p:spPr>
-        <p:txBody>
-          <a:bodyPr/>
-          <a:lstStyle/>
-          <a:p>
-            <a:endParaRPr lang="en-US" dirty="0"/>
-          </a:p>
-        </p:txBody>
-      </p:sp>
-      <p:sp>
-        <p:nvSpPr>
-          <p:cNvPr id="4" name="Rectangle 3">
-            <a:extLst>
-              <a:ext uri="{FF2B5EF4-FFF2-40B4-BE49-F238E27FC236}">
-                <a16:creationId xmlns:a16="http://schemas.microsoft.com/office/drawing/2014/main" id="{6B734884-79B7-E49D-F8B9-7E24B1A4F9BC}"/>
-              </a:ext>
-            </a:extLst>
-          </p:cNvPr>
-          <p:cNvSpPr/>
-          <p:nvPr/>
-        </p:nvSpPr>
-        <p:spPr>
-          <a:xfrm>
-            <a:off x="0" y="0"/>
-            <a:ext cx="12192000" cy="468086"/>
-          </a:xfrm>
-          <a:prstGeom prst="rect">
-            <a:avLst/>
-          </a:prstGeom>
-          <a:solidFill>
-            <a:schemeClr val="bg2"/>
-          </a:solidFill>
-          <a:ln>
-            <a:noFill/>
-          </a:ln>
-        </p:spPr>
-        <p:style>
-          <a:lnRef idx="2">
-            <a:schemeClr val="accent1">
-              <a:shade val="15000"/>
-            </a:schemeClr>
-          </a:lnRef>
-          <a:fillRef idx="1">
-            <a:schemeClr val="accent1"/>
-          </a:fillRef>
-          <a:effectRef idx="0">
-            <a:schemeClr val="accent1"/>
-          </a:effectRef>
-          <a:fontRef idx="minor">
-            <a:schemeClr val="lt1"/>
-          </a:fontRef>
-        </p:style>
-        <p:txBody>
-          <a:bodyPr rtlCol="0" anchor="ctr"/>
-          <a:lstStyle/>
-          <a:p>
-            <a:pPr algn="ctr"/>
-            <a:endParaRPr lang="en-US" sz="1351"/>
-          </a:p>
-        </p:txBody>
-      </p:sp>
-      <p:sp>
-        <p:nvSpPr>
-          <p:cNvPr id="5" name="Oval 4">
-            <a:extLst>
-              <a:ext uri="{FF2B5EF4-FFF2-40B4-BE49-F238E27FC236}">
-                <a16:creationId xmlns:a16="http://schemas.microsoft.com/office/drawing/2014/main" id="{31E2FBF8-7E8C-B581-F42E-91DC5F9BE2A8}"/>
-              </a:ext>
-            </a:extLst>
-          </p:cNvPr>
-          <p:cNvSpPr/>
-          <p:nvPr/>
-        </p:nvSpPr>
-        <p:spPr>
-          <a:xfrm>
-            <a:off x="129189" y="108651"/>
-            <a:ext cx="246109" cy="250784"/>
-          </a:xfrm>
-          <a:prstGeom prst="ellipse">
-            <a:avLst/>
-          </a:prstGeom>
-          <a:solidFill>
-            <a:schemeClr val="accent1"/>
-          </a:solidFill>
-          <a:ln>
-            <a:noFill/>
-          </a:ln>
-        </p:spPr>
-        <p:style>
-          <a:lnRef idx="2">
-            <a:schemeClr val="accent1">
-              <a:shade val="15000"/>
-            </a:schemeClr>
-          </a:lnRef>
-          <a:fillRef idx="1">
-            <a:schemeClr val="accent1"/>
-          </a:fillRef>
-          <a:effectRef idx="0">
-            <a:schemeClr val="accent1"/>
-          </a:effectRef>
-          <a:fontRef idx="minor">
-            <a:schemeClr val="lt1"/>
-          </a:fontRef>
-        </p:style>
-        <p:txBody>
-          <a:bodyPr rtlCol="0" anchor="ctr"/>
-          <a:lstStyle/>
-          <a:p>
-            <a:pPr algn="ctr"/>
-            <a:endParaRPr lang="en-US"/>
-          </a:p>
-        </p:txBody>
-      </p:sp>
-      <p:sp>
-        <p:nvSpPr>
-          <p:cNvPr id="8" name="Oval 7">
-            <a:extLst>
-              <a:ext uri="{FF2B5EF4-FFF2-40B4-BE49-F238E27FC236}">
-                <a16:creationId xmlns:a16="http://schemas.microsoft.com/office/drawing/2014/main" id="{FC2F5809-2092-24E4-BC04-43C924B5C83A}"/>
-              </a:ext>
-            </a:extLst>
-          </p:cNvPr>
-          <p:cNvSpPr/>
-          <p:nvPr/>
-        </p:nvSpPr>
-        <p:spPr>
-          <a:xfrm>
-            <a:off x="504487" y="113785"/>
-            <a:ext cx="246109" cy="250784"/>
-          </a:xfrm>
-          <a:prstGeom prst="ellipse">
-            <a:avLst/>
-          </a:prstGeom>
-          <a:solidFill>
-            <a:schemeClr val="accent3"/>
-          </a:solidFill>
-          <a:ln>
-            <a:noFill/>
-          </a:ln>
-        </p:spPr>
-        <p:style>
-          <a:lnRef idx="2">
-            <a:schemeClr val="accent1">
-              <a:shade val="15000"/>
-            </a:schemeClr>
-          </a:lnRef>
-          <a:fillRef idx="1">
-            <a:schemeClr val="accent1"/>
-          </a:fillRef>
-          <a:effectRef idx="0">
-            <a:schemeClr val="accent1"/>
-          </a:effectRef>
-          <a:fontRef idx="minor">
-            <a:schemeClr val="lt1"/>
-          </a:fontRef>
-        </p:style>
-        <p:txBody>
-          <a:bodyPr rtlCol="0" anchor="ctr"/>
-          <a:lstStyle/>
-          <a:p>
-            <a:pPr algn="ctr"/>
-            <a:endParaRPr lang="en-US"/>
-          </a:p>
-        </p:txBody>
-      </p:sp>
-      <p:sp>
-        <p:nvSpPr>
-          <p:cNvPr id="9" name="Oval 8">
-            <a:extLst>
-              <a:ext uri="{FF2B5EF4-FFF2-40B4-BE49-F238E27FC236}">
-                <a16:creationId xmlns:a16="http://schemas.microsoft.com/office/drawing/2014/main" id="{D9172223-9867-C64D-D19E-6C8E4EEA16E7}"/>
-              </a:ext>
-            </a:extLst>
-          </p:cNvPr>
-          <p:cNvSpPr/>
-          <p:nvPr/>
-        </p:nvSpPr>
-        <p:spPr>
-          <a:xfrm>
-            <a:off x="879785" y="108651"/>
-            <a:ext cx="246109" cy="250784"/>
-          </a:xfrm>
-          <a:prstGeom prst="ellipse">
-            <a:avLst/>
-          </a:prstGeom>
-          <a:solidFill>
-            <a:schemeClr val="accent2"/>
-          </a:solidFill>
-          <a:ln>
-            <a:noFill/>
-          </a:ln>
-        </p:spPr>
-        <p:style>
-          <a:lnRef idx="2">
-            <a:schemeClr val="accent1">
-              <a:shade val="15000"/>
-            </a:schemeClr>
-          </a:lnRef>
-          <a:fillRef idx="1">
-            <a:schemeClr val="accent1"/>
-          </a:fillRef>
-          <a:effectRef idx="0">
-            <a:schemeClr val="accent1"/>
-          </a:effectRef>
-          <a:fontRef idx="minor">
-            <a:schemeClr val="lt1"/>
-          </a:fontRef>
-        </p:style>
-        <p:txBody>
-          <a:bodyPr rtlCol="0" anchor="ctr"/>
-          <a:lstStyle/>
-          <a:p>
-            <a:pPr algn="ctr"/>
-            <a:endParaRPr lang="en-US"/>
-          </a:p>
-        </p:txBody>
-      </p:sp>
-    </p:spTree>
-    <p:extLst>
-      <p:ext uri="{BB962C8B-B14F-4D97-AF65-F5344CB8AC3E}">
-        <p14:creationId xmlns:p14="http://schemas.microsoft.com/office/powerpoint/2010/main" val="3868304331"/>
       </p:ext>
     </p:extLst>
   </p:cSld>
@@ -7339,6 +7406,280 @@
         <p:cNvPr id="1" name="">
           <a:extLst>
             <a:ext uri="{FF2B5EF4-FFF2-40B4-BE49-F238E27FC236}">
+              <a16:creationId xmlns:a16="http://schemas.microsoft.com/office/drawing/2014/main" id="{4006BBBD-5C09-5940-6E05-8F30A57A4832}"/>
+            </a:ext>
+          </a:extLst>
+        </p:cNvPr>
+        <p:cNvGrpSpPr/>
+        <p:nvPr/>
+      </p:nvGrpSpPr>
+      <p:grpSpPr>
+        <a:xfrm>
+          <a:off x="0" y="0"/>
+          <a:ext cx="0" cy="0"/>
+          <a:chOff x="0" y="0"/>
+          <a:chExt cx="0" cy="0"/>
+        </a:xfrm>
+      </p:grpSpPr>
+      <p:sp>
+        <p:nvSpPr>
+          <p:cNvPr id="7" name="Content Placeholder 6">
+            <a:extLst>
+              <a:ext uri="{FF2B5EF4-FFF2-40B4-BE49-F238E27FC236}">
+                <a16:creationId xmlns:a16="http://schemas.microsoft.com/office/drawing/2014/main" id="{218FEBD3-B021-F0B6-B437-500EF2EE52D5}"/>
+              </a:ext>
+            </a:extLst>
+          </p:cNvPr>
+          <p:cNvSpPr>
+            <a:spLocks noGrp="1"/>
+          </p:cNvSpPr>
+          <p:nvPr>
+            <p:ph idx="1"/>
+          </p:nvPr>
+        </p:nvSpPr>
+        <p:spPr>
+          <a:xfrm>
+            <a:off x="838200" y="988399"/>
+            <a:ext cx="10515600" cy="5188566"/>
+          </a:xfrm>
+        </p:spPr>
+        <p:txBody>
+          <a:bodyPr/>
+          <a:lstStyle/>
+          <a:p>
+            <a:endParaRPr lang="en-US" dirty="0"/>
+          </a:p>
+        </p:txBody>
+      </p:sp>
+      <p:sp>
+        <p:nvSpPr>
+          <p:cNvPr id="4" name="Rectangle 3">
+            <a:extLst>
+              <a:ext uri="{FF2B5EF4-FFF2-40B4-BE49-F238E27FC236}">
+                <a16:creationId xmlns:a16="http://schemas.microsoft.com/office/drawing/2014/main" id="{6B734884-79B7-E49D-F8B9-7E24B1A4F9BC}"/>
+              </a:ext>
+            </a:extLst>
+          </p:cNvPr>
+          <p:cNvSpPr/>
+          <p:nvPr/>
+        </p:nvSpPr>
+        <p:spPr>
+          <a:xfrm>
+            <a:off x="0" y="0"/>
+            <a:ext cx="12192000" cy="468086"/>
+          </a:xfrm>
+          <a:prstGeom prst="rect">
+            <a:avLst/>
+          </a:prstGeom>
+          <a:solidFill>
+            <a:schemeClr val="bg2"/>
+          </a:solidFill>
+          <a:ln>
+            <a:noFill/>
+          </a:ln>
+        </p:spPr>
+        <p:style>
+          <a:lnRef idx="2">
+            <a:schemeClr val="accent1">
+              <a:shade val="15000"/>
+            </a:schemeClr>
+          </a:lnRef>
+          <a:fillRef idx="1">
+            <a:schemeClr val="accent1"/>
+          </a:fillRef>
+          <a:effectRef idx="0">
+            <a:schemeClr val="accent1"/>
+          </a:effectRef>
+          <a:fontRef idx="minor">
+            <a:schemeClr val="lt1"/>
+          </a:fontRef>
+        </p:style>
+        <p:txBody>
+          <a:bodyPr rtlCol="0" anchor="ctr"/>
+          <a:lstStyle/>
+          <a:p>
+            <a:pPr algn="ctr"/>
+            <a:endParaRPr lang="en-US" sz="1351"/>
+          </a:p>
+        </p:txBody>
+      </p:sp>
+      <p:sp>
+        <p:nvSpPr>
+          <p:cNvPr id="5" name="Oval 4">
+            <a:extLst>
+              <a:ext uri="{FF2B5EF4-FFF2-40B4-BE49-F238E27FC236}">
+                <a16:creationId xmlns:a16="http://schemas.microsoft.com/office/drawing/2014/main" id="{31E2FBF8-7E8C-B581-F42E-91DC5F9BE2A8}"/>
+              </a:ext>
+            </a:extLst>
+          </p:cNvPr>
+          <p:cNvSpPr/>
+          <p:nvPr/>
+        </p:nvSpPr>
+        <p:spPr>
+          <a:xfrm>
+            <a:off x="129189" y="108651"/>
+            <a:ext cx="246109" cy="250784"/>
+          </a:xfrm>
+          <a:prstGeom prst="ellipse">
+            <a:avLst/>
+          </a:prstGeom>
+          <a:solidFill>
+            <a:schemeClr val="accent1"/>
+          </a:solidFill>
+          <a:ln>
+            <a:noFill/>
+          </a:ln>
+        </p:spPr>
+        <p:style>
+          <a:lnRef idx="2">
+            <a:schemeClr val="accent1">
+              <a:shade val="15000"/>
+            </a:schemeClr>
+          </a:lnRef>
+          <a:fillRef idx="1">
+            <a:schemeClr val="accent1"/>
+          </a:fillRef>
+          <a:effectRef idx="0">
+            <a:schemeClr val="accent1"/>
+          </a:effectRef>
+          <a:fontRef idx="minor">
+            <a:schemeClr val="lt1"/>
+          </a:fontRef>
+        </p:style>
+        <p:txBody>
+          <a:bodyPr rtlCol="0" anchor="ctr"/>
+          <a:lstStyle/>
+          <a:p>
+            <a:pPr algn="ctr"/>
+            <a:endParaRPr lang="en-US"/>
+          </a:p>
+        </p:txBody>
+      </p:sp>
+      <p:sp>
+        <p:nvSpPr>
+          <p:cNvPr id="8" name="Oval 7">
+            <a:extLst>
+              <a:ext uri="{FF2B5EF4-FFF2-40B4-BE49-F238E27FC236}">
+                <a16:creationId xmlns:a16="http://schemas.microsoft.com/office/drawing/2014/main" id="{FC2F5809-2092-24E4-BC04-43C924B5C83A}"/>
+              </a:ext>
+            </a:extLst>
+          </p:cNvPr>
+          <p:cNvSpPr/>
+          <p:nvPr/>
+        </p:nvSpPr>
+        <p:spPr>
+          <a:xfrm>
+            <a:off x="504487" y="113785"/>
+            <a:ext cx="246109" cy="250784"/>
+          </a:xfrm>
+          <a:prstGeom prst="ellipse">
+            <a:avLst/>
+          </a:prstGeom>
+          <a:solidFill>
+            <a:schemeClr val="accent3"/>
+          </a:solidFill>
+          <a:ln>
+            <a:noFill/>
+          </a:ln>
+        </p:spPr>
+        <p:style>
+          <a:lnRef idx="2">
+            <a:schemeClr val="accent1">
+              <a:shade val="15000"/>
+            </a:schemeClr>
+          </a:lnRef>
+          <a:fillRef idx="1">
+            <a:schemeClr val="accent1"/>
+          </a:fillRef>
+          <a:effectRef idx="0">
+            <a:schemeClr val="accent1"/>
+          </a:effectRef>
+          <a:fontRef idx="minor">
+            <a:schemeClr val="lt1"/>
+          </a:fontRef>
+        </p:style>
+        <p:txBody>
+          <a:bodyPr rtlCol="0" anchor="ctr"/>
+          <a:lstStyle/>
+          <a:p>
+            <a:pPr algn="ctr"/>
+            <a:endParaRPr lang="en-US"/>
+          </a:p>
+        </p:txBody>
+      </p:sp>
+      <p:sp>
+        <p:nvSpPr>
+          <p:cNvPr id="9" name="Oval 8">
+            <a:extLst>
+              <a:ext uri="{FF2B5EF4-FFF2-40B4-BE49-F238E27FC236}">
+                <a16:creationId xmlns:a16="http://schemas.microsoft.com/office/drawing/2014/main" id="{D9172223-9867-C64D-D19E-6C8E4EEA16E7}"/>
+              </a:ext>
+            </a:extLst>
+          </p:cNvPr>
+          <p:cNvSpPr/>
+          <p:nvPr/>
+        </p:nvSpPr>
+        <p:spPr>
+          <a:xfrm>
+            <a:off x="879785" y="108651"/>
+            <a:ext cx="246109" cy="250784"/>
+          </a:xfrm>
+          <a:prstGeom prst="ellipse">
+            <a:avLst/>
+          </a:prstGeom>
+          <a:solidFill>
+            <a:schemeClr val="accent2"/>
+          </a:solidFill>
+          <a:ln>
+            <a:noFill/>
+          </a:ln>
+        </p:spPr>
+        <p:style>
+          <a:lnRef idx="2">
+            <a:schemeClr val="accent1">
+              <a:shade val="15000"/>
+            </a:schemeClr>
+          </a:lnRef>
+          <a:fillRef idx="1">
+            <a:schemeClr val="accent1"/>
+          </a:fillRef>
+          <a:effectRef idx="0">
+            <a:schemeClr val="accent1"/>
+          </a:effectRef>
+          <a:fontRef idx="minor">
+            <a:schemeClr val="lt1"/>
+          </a:fontRef>
+        </p:style>
+        <p:txBody>
+          <a:bodyPr rtlCol="0" anchor="ctr"/>
+          <a:lstStyle/>
+          <a:p>
+            <a:pPr algn="ctr"/>
+            <a:endParaRPr lang="en-US"/>
+          </a:p>
+        </p:txBody>
+      </p:sp>
+    </p:spTree>
+    <p:extLst>
+      <p:ext uri="{BB962C8B-B14F-4D97-AF65-F5344CB8AC3E}">
+        <p14:creationId xmlns:p14="http://schemas.microsoft.com/office/powerpoint/2010/main" val="3868304331"/>
+      </p:ext>
+    </p:extLst>
+  </p:cSld>
+  <p:clrMapOvr>
+    <a:masterClrMapping/>
+  </p:clrMapOvr>
+</p:sld>
+</file>
+
+<file path=ppt/slides/slide21.xml><?xml version="1.0" encoding="utf-8"?>
+<p:sld xmlns:a="http://schemas.openxmlformats.org/drawingml/2006/main" xmlns:r="http://schemas.openxmlformats.org/officeDocument/2006/relationships" xmlns:p="http://schemas.openxmlformats.org/presentationml/2006/main">
+  <p:cSld>
+    <p:spTree>
+      <p:nvGrpSpPr>
+        <p:cNvPr id="1" name="">
+          <a:extLst>
+            <a:ext uri="{FF2B5EF4-FFF2-40B4-BE49-F238E27FC236}">
               <a16:creationId xmlns:a16="http://schemas.microsoft.com/office/drawing/2014/main" id="{32BEE9FE-735E-DBE7-AEFF-6CA50E45287F}"/>
             </a:ext>
           </a:extLst>
@@ -7605,7 +7946,7 @@
 </p:sld>
 </file>
 
-<file path=ppt/slides/slide21.xml><?xml version="1.0" encoding="utf-8"?>
+<file path=ppt/slides/slide22.xml><?xml version="1.0" encoding="utf-8"?>
 <p:sld xmlns:a="http://schemas.openxmlformats.org/drawingml/2006/main" xmlns:r="http://schemas.openxmlformats.org/officeDocument/2006/relationships" xmlns:p="http://schemas.openxmlformats.org/presentationml/2006/main">
   <p:cSld>
     <p:spTree>
@@ -7879,7 +8220,7 @@
 </p:sld>
 </file>
 
-<file path=ppt/slides/slide22.xml><?xml version="1.0" encoding="utf-8"?>
+<file path=ppt/slides/slide23.xml><?xml version="1.0" encoding="utf-8"?>
 <p:sld xmlns:a="http://schemas.openxmlformats.org/drawingml/2006/main" xmlns:r="http://schemas.openxmlformats.org/officeDocument/2006/relationships" xmlns:p="http://schemas.openxmlformats.org/presentationml/2006/main">
   <p:cSld>
     <p:spTree>
@@ -8239,7 +8580,7 @@
 </p:sld>
 </file>
 
-<file path=ppt/slides/slide23.xml><?xml version="1.0" encoding="utf-8"?>
+<file path=ppt/slides/slide24.xml><?xml version="1.0" encoding="utf-8"?>
 <p:sld xmlns:a="http://schemas.openxmlformats.org/drawingml/2006/main" xmlns:r="http://schemas.openxmlformats.org/officeDocument/2006/relationships" xmlns:p="http://schemas.openxmlformats.org/presentationml/2006/main">
   <p:cSld>
     <p:spTree>
@@ -8583,7 +8924,7 @@
 </p:sld>
 </file>
 
-<file path=ppt/slides/slide24.xml><?xml version="1.0" encoding="utf-8"?>
+<file path=ppt/slides/slide25.xml><?xml version="1.0" encoding="utf-8"?>
 <p:sld xmlns:a="http://schemas.openxmlformats.org/drawingml/2006/main" xmlns:r="http://schemas.openxmlformats.org/officeDocument/2006/relationships" xmlns:p="http://schemas.openxmlformats.org/presentationml/2006/main">
   <p:cSld>
     <p:spTree>
@@ -11515,7 +11856,19 @@
           <a:p>
             <a:r>
               <a:rPr lang="en-US" dirty="0"/>
-              <a:t>It takes the source code and directly executes it.</a:t>
+              <a:t>It takes the source code, converts it to machine instructions and directly runs them.</a:t>
+            </a:r>
+          </a:p>
+          <a:p>
+            <a:r>
+              <a:rPr lang="en-US" dirty="0"/>
+              <a:t>The working of a interpreter is closely associated to how a debugger works.</a:t>
+            </a:r>
+          </a:p>
+          <a:p>
+            <a:r>
+              <a:rPr lang="en-US" dirty="0"/>
+              <a:t>This was developed to run projects or apps which are still under construction.</a:t>
             </a:r>
           </a:p>
         </p:txBody>
@@ -11749,7 +12102,7 @@
         <p:cNvPr id="1" name="">
           <a:extLst>
             <a:ext uri="{FF2B5EF4-FFF2-40B4-BE49-F238E27FC236}">
-              <a16:creationId xmlns:a16="http://schemas.microsoft.com/office/drawing/2014/main" id="{9C18E758-ED1E-A5DA-D6EF-E9DF5C699923}"/>
+              <a16:creationId xmlns:a16="http://schemas.microsoft.com/office/drawing/2014/main" id="{1131A72C-29C2-BD74-232A-47A2681EA540}"/>
             </a:ext>
           </a:extLst>
         </p:cNvPr>
@@ -11766,43 +12119,10 @@
       </p:grpSpPr>
       <p:sp>
         <p:nvSpPr>
-          <p:cNvPr id="6" name="Title 5">
-            <a:extLst>
-              <a:ext uri="{FF2B5EF4-FFF2-40B4-BE49-F238E27FC236}">
-                <a16:creationId xmlns:a16="http://schemas.microsoft.com/office/drawing/2014/main" id="{FA4C2B05-E648-9FA4-DCD7-B1EDB9F3BECF}"/>
-              </a:ext>
-            </a:extLst>
-          </p:cNvPr>
-          <p:cNvSpPr>
-            <a:spLocks noGrp="1"/>
-          </p:cNvSpPr>
-          <p:nvPr>
-            <p:ph type="title"/>
-          </p:nvPr>
-        </p:nvSpPr>
-        <p:spPr>
-          <a:xfrm>
-            <a:off x="838200" y="694547"/>
-            <a:ext cx="10515600" cy="1325563"/>
-          </a:xfrm>
-        </p:spPr>
-        <p:txBody>
-          <a:bodyPr/>
-          <a:lstStyle/>
-          <a:p>
-            <a:r>
-              <a:rPr lang="en-US" dirty="0"/>
-              <a:t>Compilers vs Interpreters</a:t>
-            </a:r>
-          </a:p>
-        </p:txBody>
-      </p:sp>
-      <p:sp>
-        <p:nvSpPr>
           <p:cNvPr id="7" name="Content Placeholder 6">
             <a:extLst>
               <a:ext uri="{FF2B5EF4-FFF2-40B4-BE49-F238E27FC236}">
-                <a16:creationId xmlns:a16="http://schemas.microsoft.com/office/drawing/2014/main" id="{D368607E-2AAD-DBDE-9480-8D578F7AC080}"/>
+                <a16:creationId xmlns:a16="http://schemas.microsoft.com/office/drawing/2014/main" id="{790D8155-F0DC-D2AE-4397-317E18D9EF9E}"/>
               </a:ext>
             </a:extLst>
           </p:cNvPr>
@@ -11815,8 +12135,8 @@
         </p:nvSpPr>
         <p:spPr>
           <a:xfrm>
-            <a:off x="838200" y="2254763"/>
-            <a:ext cx="10515600" cy="3922201"/>
+            <a:off x="838200" y="988399"/>
+            <a:ext cx="10515600" cy="5188566"/>
           </a:xfrm>
         </p:spPr>
         <p:txBody>
@@ -11825,34 +12145,54 @@
           <a:p>
             <a:r>
               <a:rPr lang="en-US" dirty="0"/>
-              <a:t>U can write an </a:t>
-            </a:r>
-            <a:r>
-              <a:rPr lang="en-US" dirty="0">
-                <a:solidFill>
-                  <a:schemeClr val="accent2"/>
-                </a:solidFill>
-              </a:rPr>
-              <a:t>interpreter for C </a:t>
-            </a:r>
+              <a:t>An interpreter generally uses these following strategies for program execution:</a:t>
+            </a:r>
+          </a:p>
+          <a:p>
+            <a:pPr marL="914389" lvl="1" indent="-457200">
+              <a:lnSpc>
+                <a:spcPct val="100000"/>
+              </a:lnSpc>
+              <a:buFont typeface="+mj-lt"/>
+              <a:buAutoNum type="arabicPeriod"/>
+            </a:pPr>
             <a:r>
               <a:rPr lang="en-US" dirty="0"/>
-              <a:t>and a </a:t>
-            </a:r>
-            <a:r>
-              <a:rPr lang="en-US" dirty="0">
-                <a:solidFill>
-                  <a:schemeClr val="accent1"/>
-                </a:solidFill>
-              </a:rPr>
-              <a:t>compiler for JavaScript</a:t>
-            </a:r>
+              <a:t>Parse the source code and perform its behavior directly. Early versions of LISP used this.</a:t>
+            </a:r>
+          </a:p>
+          <a:p>
+            <a:pPr marL="914389" lvl="1" indent="-457200">
+              <a:lnSpc>
+                <a:spcPct val="100000"/>
+              </a:lnSpc>
+              <a:buFont typeface="+mj-lt"/>
+              <a:buAutoNum type="arabicPeriod"/>
+            </a:pPr>
             <a:r>
               <a:rPr lang="en-US" dirty="0"/>
-              <a:t>.</a:t>
-            </a:r>
-          </a:p>
-          <a:p>
+              <a:t>Translate source code into some efficient intermediate representation and immediately execute that. Perl, Python, MATLAB, and Ruby are some examples.</a:t>
+            </a:r>
+          </a:p>
+          <a:p>
+            <a:pPr marL="914389" lvl="1" indent="-457200">
+              <a:lnSpc>
+                <a:spcPct val="100000"/>
+              </a:lnSpc>
+              <a:buFont typeface="+mj-lt"/>
+              <a:buAutoNum type="arabicPeriod"/>
+            </a:pPr>
+            <a:r>
+              <a:rPr lang="en-US" dirty="0"/>
+              <a:t>Explicitly execute stored precompiled bytecode made by a compiler and matched with the interpreter's virtual machine. – cite this</a:t>
+            </a:r>
+          </a:p>
+          <a:p>
+            <a:pPr>
+              <a:lnSpc>
+                <a:spcPct val="100000"/>
+              </a:lnSpc>
+            </a:pPr>
             <a:endParaRPr lang="en-US" dirty="0"/>
           </a:p>
         </p:txBody>
@@ -11862,7 +12202,7 @@
           <p:cNvPr id="4" name="Rectangle 3">
             <a:extLst>
               <a:ext uri="{FF2B5EF4-FFF2-40B4-BE49-F238E27FC236}">
-                <a16:creationId xmlns:a16="http://schemas.microsoft.com/office/drawing/2014/main" id="{F233A266-49F8-6F15-9B2E-4BDFA08D628A}"/>
+                <a16:creationId xmlns:a16="http://schemas.microsoft.com/office/drawing/2014/main" id="{75767946-92E9-826C-F841-5481195870F3}"/>
               </a:ext>
             </a:extLst>
           </p:cNvPr>
@@ -11914,7 +12254,7 @@
           <p:cNvPr id="5" name="Oval 4">
             <a:extLst>
               <a:ext uri="{FF2B5EF4-FFF2-40B4-BE49-F238E27FC236}">
-                <a16:creationId xmlns:a16="http://schemas.microsoft.com/office/drawing/2014/main" id="{6C2DB65A-3098-E41E-5444-5D4FDADFAAB2}"/>
+                <a16:creationId xmlns:a16="http://schemas.microsoft.com/office/drawing/2014/main" id="{CA3C996B-31F8-F6D0-932E-0E371E76FC41}"/>
               </a:ext>
             </a:extLst>
           </p:cNvPr>
@@ -11966,7 +12306,7 @@
           <p:cNvPr id="8" name="Oval 7">
             <a:extLst>
               <a:ext uri="{FF2B5EF4-FFF2-40B4-BE49-F238E27FC236}">
-                <a16:creationId xmlns:a16="http://schemas.microsoft.com/office/drawing/2014/main" id="{E833ED17-7925-7B42-2DA8-68FFB1A203C0}"/>
+                <a16:creationId xmlns:a16="http://schemas.microsoft.com/office/drawing/2014/main" id="{218686B6-36E8-8A91-C5A3-B4F783E84698}"/>
               </a:ext>
             </a:extLst>
           </p:cNvPr>
@@ -12018,7 +12358,7 @@
           <p:cNvPr id="9" name="Oval 8">
             <a:extLst>
               <a:ext uri="{FF2B5EF4-FFF2-40B4-BE49-F238E27FC236}">
-                <a16:creationId xmlns:a16="http://schemas.microsoft.com/office/drawing/2014/main" id="{649FFE16-93D7-CFAB-2B7F-C225D824A923}"/>
+                <a16:creationId xmlns:a16="http://schemas.microsoft.com/office/drawing/2014/main" id="{B64541C8-08F7-4437-1105-AF4830A477F8}"/>
               </a:ext>
             </a:extLst>
           </p:cNvPr>
@@ -12068,7 +12408,7 @@
     </p:spTree>
     <p:extLst>
       <p:ext uri="{BB962C8B-B14F-4D97-AF65-F5344CB8AC3E}">
-        <p14:creationId xmlns:p14="http://schemas.microsoft.com/office/powerpoint/2010/main" val="3444062210"/>
+        <p14:creationId xmlns:p14="http://schemas.microsoft.com/office/powerpoint/2010/main" val="1996648888"/>
       </p:ext>
     </p:extLst>
   </p:cSld>

--- a/Compilers.pptx
+++ b/Compilers.pptx
@@ -4988,6 +4988,24 @@
           <a:bodyPr/>
           <a:lstStyle/>
           <a:p>
+            <a:pPr marL="0" indent="0">
+              <a:buNone/>
+            </a:pPr>
+            <a:r>
+              <a:rPr lang="en-US" dirty="0"/>
+              <a:t>The Front End:</a:t>
+            </a:r>
+          </a:p>
+          <a:p>
+            <a:pPr lvl="1"/>
+            <a:r>
+              <a:rPr lang="en-US" dirty="0"/>
+              <a:t>This phase is again divided into </a:t>
+            </a:r>
+            <a:r>
+              <a:rPr lang="en-US"/>
+              <a:t>many subphases, </a:t>
+            </a:r>
             <a:endParaRPr lang="en-US" dirty="0"/>
           </a:p>
         </p:txBody>

--- a/Compilers.pptx
+++ b/Compilers.pptx
@@ -5,7 +5,7 @@
     <p:sldMasterId id="2147483648" r:id="rId1"/>
   </p:sldMasterIdLst>
   <p:notesMasterIdLst>
-    <p:notesMasterId r:id="rId27"/>
+    <p:notesMasterId r:id="rId24"/>
   </p:notesMasterIdLst>
   <p:sldIdLst>
     <p:sldId id="256" r:id="rId2"/>
@@ -21,18 +21,15 @@
     <p:sldId id="283" r:id="rId12"/>
     <p:sldId id="266" r:id="rId13"/>
     <p:sldId id="267" r:id="rId14"/>
-    <p:sldId id="284" r:id="rId15"/>
-    <p:sldId id="285" r:id="rId16"/>
-    <p:sldId id="286" r:id="rId17"/>
-    <p:sldId id="287" r:id="rId18"/>
-    <p:sldId id="272" r:id="rId19"/>
-    <p:sldId id="288" r:id="rId20"/>
-    <p:sldId id="289" r:id="rId21"/>
-    <p:sldId id="290" r:id="rId22"/>
-    <p:sldId id="291" r:id="rId23"/>
-    <p:sldId id="277" r:id="rId24"/>
-    <p:sldId id="292" r:id="rId25"/>
-    <p:sldId id="293" r:id="rId26"/>
+    <p:sldId id="295" r:id="rId15"/>
+    <p:sldId id="296" r:id="rId16"/>
+    <p:sldId id="297" r:id="rId17"/>
+    <p:sldId id="272" r:id="rId18"/>
+    <p:sldId id="298" r:id="rId19"/>
+    <p:sldId id="289" r:id="rId20"/>
+    <p:sldId id="299" r:id="rId21"/>
+    <p:sldId id="277" r:id="rId22"/>
+    <p:sldId id="293" r:id="rId23"/>
   </p:sldIdLst>
   <p:sldSz cx="12192000" cy="6858000"/>
   <p:notesSz cx="6858000" cy="9144000"/>
@@ -221,7 +218,7 @@
           <a:p>
             <a:fld id="{38EDD49F-153A-4071-8B24-3ACC5FD8EC71}" type="datetimeFigureOut">
               <a:rPr lang="en-US" smtClean="0"/>
-              <a:t>3/24/2025</a:t>
+              <a:t>3/30/2025</a:t>
             </a:fld>
             <a:endParaRPr lang="en-US"/>
           </a:p>
@@ -635,7 +632,7 @@
           <a:p>
             <a:fld id="{F9689AB9-72E6-45E9-B020-77FC3D4E28B9}" type="datetimeFigureOut">
               <a:rPr lang="en-US" smtClean="0"/>
-              <a:t>3/24/2025</a:t>
+              <a:t>3/30/2025</a:t>
             </a:fld>
             <a:endParaRPr lang="en-US"/>
           </a:p>
@@ -833,7 +830,7 @@
           <a:p>
             <a:fld id="{F9689AB9-72E6-45E9-B020-77FC3D4E28B9}" type="datetimeFigureOut">
               <a:rPr lang="en-US" smtClean="0"/>
-              <a:t>3/24/2025</a:t>
+              <a:t>3/30/2025</a:t>
             </a:fld>
             <a:endParaRPr lang="en-US"/>
           </a:p>
@@ -1041,7 +1038,7 @@
           <a:p>
             <a:fld id="{F9689AB9-72E6-45E9-B020-77FC3D4E28B9}" type="datetimeFigureOut">
               <a:rPr lang="en-US" smtClean="0"/>
-              <a:t>3/24/2025</a:t>
+              <a:t>3/30/2025</a:t>
             </a:fld>
             <a:endParaRPr lang="en-US"/>
           </a:p>
@@ -1239,7 +1236,7 @@
           <a:p>
             <a:fld id="{F9689AB9-72E6-45E9-B020-77FC3D4E28B9}" type="datetimeFigureOut">
               <a:rPr lang="en-US" smtClean="0"/>
-              <a:t>3/24/2025</a:t>
+              <a:t>3/30/2025</a:t>
             </a:fld>
             <a:endParaRPr lang="en-US"/>
           </a:p>
@@ -1514,7 +1511,7 @@
           <a:p>
             <a:fld id="{F9689AB9-72E6-45E9-B020-77FC3D4E28B9}" type="datetimeFigureOut">
               <a:rPr lang="en-US" smtClean="0"/>
-              <a:t>3/24/2025</a:t>
+              <a:t>3/30/2025</a:t>
             </a:fld>
             <a:endParaRPr lang="en-US"/>
           </a:p>
@@ -1779,7 +1776,7 @@
           <a:p>
             <a:fld id="{F9689AB9-72E6-45E9-B020-77FC3D4E28B9}" type="datetimeFigureOut">
               <a:rPr lang="en-US" smtClean="0"/>
-              <a:t>3/24/2025</a:t>
+              <a:t>3/30/2025</a:t>
             </a:fld>
             <a:endParaRPr lang="en-US"/>
           </a:p>
@@ -2191,7 +2188,7 @@
           <a:p>
             <a:fld id="{F9689AB9-72E6-45E9-B020-77FC3D4E28B9}" type="datetimeFigureOut">
               <a:rPr lang="en-US" smtClean="0"/>
-              <a:t>3/24/2025</a:t>
+              <a:t>3/30/2025</a:t>
             </a:fld>
             <a:endParaRPr lang="en-US"/>
           </a:p>
@@ -2332,7 +2329,7 @@
           <a:p>
             <a:fld id="{F9689AB9-72E6-45E9-B020-77FC3D4E28B9}" type="datetimeFigureOut">
               <a:rPr lang="en-US" smtClean="0"/>
-              <a:t>3/24/2025</a:t>
+              <a:t>3/30/2025</a:t>
             </a:fld>
             <a:endParaRPr lang="en-US"/>
           </a:p>
@@ -2445,7 +2442,7 @@
           <a:p>
             <a:fld id="{F9689AB9-72E6-45E9-B020-77FC3D4E28B9}" type="datetimeFigureOut">
               <a:rPr lang="en-US" smtClean="0"/>
-              <a:t>3/24/2025</a:t>
+              <a:t>3/30/2025</a:t>
             </a:fld>
             <a:endParaRPr lang="en-US"/>
           </a:p>
@@ -2756,7 +2753,7 @@
           <a:p>
             <a:fld id="{F9689AB9-72E6-45E9-B020-77FC3D4E28B9}" type="datetimeFigureOut">
               <a:rPr lang="en-US" smtClean="0"/>
-              <a:t>3/24/2025</a:t>
+              <a:t>3/30/2025</a:t>
             </a:fld>
             <a:endParaRPr lang="en-US"/>
           </a:p>
@@ -3044,7 +3041,7 @@
           <a:p>
             <a:fld id="{F9689AB9-72E6-45E9-B020-77FC3D4E28B9}" type="datetimeFigureOut">
               <a:rPr lang="en-US" smtClean="0"/>
-              <a:t>3/24/2025</a:t>
+              <a:t>3/30/2025</a:t>
             </a:fld>
             <a:endParaRPr lang="en-US"/>
           </a:p>
@@ -3285,7 +3282,7 @@
           <a:p>
             <a:fld id="{F9689AB9-72E6-45E9-B020-77FC3D4E28B9}" type="datetimeFigureOut">
               <a:rPr lang="en-US" smtClean="0"/>
-              <a:t>3/24/2025</a:t>
+              <a:t>3/30/2025</a:t>
             </a:fld>
             <a:endParaRPr lang="en-US"/>
           </a:p>
@@ -3727,6 +3724,9 @@
           <a:p>
             <a:r>
               <a:rPr lang="en-US" dirty="0">
+                <a:solidFill>
+                  <a:schemeClr val="accent6"/>
+                </a:solidFill>
                 <a:latin typeface="OCR A Extended" panose="02010509020102010303" pitchFamily="50" charset="0"/>
                 <a:ea typeface="Cascadia Mono" panose="020B0609020000020004" pitchFamily="49" charset="0"/>
                 <a:cs typeface="Cascadia Mono" panose="020B0609020000020004" pitchFamily="49" charset="0"/>
@@ -3759,7 +3759,15 @@
           <a:p>
             <a:r>
               <a:rPr lang="en-US" dirty="0"/>
-              <a:t>-Tadi Joshua Raj</a:t>
+              <a:t>-</a:t>
+            </a:r>
+            <a:r>
+              <a:rPr lang="en-US" dirty="0">
+                <a:solidFill>
+                  <a:schemeClr val="accent4"/>
+                </a:solidFill>
+              </a:rPr>
+              <a:t>Tadi Joshua Raj</a:t>
             </a:r>
           </a:p>
         </p:txBody>
@@ -4035,8 +4043,24 @@
           <a:lstStyle/>
           <a:p>
             <a:r>
-              <a:rPr lang="en-US" dirty="0"/>
-              <a:t>Compilers vs Interpreters</a:t>
+              <a:rPr lang="en-US" dirty="0">
+                <a:solidFill>
+                  <a:schemeClr val="accent5"/>
+                </a:solidFill>
+              </a:rPr>
+              <a:t>Compilers</a:t>
+            </a:r>
+            <a:r>
+              <a:rPr lang="en-US" dirty="0"/>
+              <a:t> vs </a:t>
+            </a:r>
+            <a:r>
+              <a:rPr lang="en-US" dirty="0">
+                <a:solidFill>
+                  <a:schemeClr val="accent6"/>
+                </a:solidFill>
+              </a:rPr>
+              <a:t>Interpreters</a:t>
             </a:r>
           </a:p>
         </p:txBody>
@@ -4064,40 +4088,132 @@
           </a:xfrm>
         </p:spPr>
         <p:txBody>
-          <a:bodyPr/>
-          <a:lstStyle/>
-          <a:p>
-            <a:r>
-              <a:rPr lang="en-US" dirty="0"/>
-              <a:t>U can write an </a:t>
-            </a:r>
-            <a:r>
-              <a:rPr lang="en-US" dirty="0">
-                <a:solidFill>
-                  <a:schemeClr val="accent2"/>
-                </a:solidFill>
+          <a:bodyPr>
+            <a:normAutofit/>
+          </a:bodyPr>
+          <a:lstStyle/>
+          <a:p>
+            <a:pPr rtl="0" fontAlgn="base">
+              <a:buFont typeface="Arial" panose="020B0604020202020204" pitchFamily="34" charset="0"/>
+              <a:buChar char="•"/>
+            </a:pPr>
+            <a:r>
+              <a:rPr lang="en-US" b="0" i="0" u="none" strike="noStrike" dirty="0">
+                <a:solidFill>
+                  <a:schemeClr val="accent4"/>
+                </a:solidFill>
+                <a:effectLst/>
+              </a:rPr>
+              <a:t>Fun fact</a:t>
+            </a:r>
+            <a:r>
+              <a:rPr lang="en-US" b="0" i="0" u="none" strike="noStrike" dirty="0">
+                <a:solidFill>
+                  <a:srgbClr val="CAD3F5"/>
+                </a:solidFill>
+                <a:effectLst/>
+              </a:rPr>
+              <a:t>: You can write an </a:t>
+            </a:r>
+            <a:r>
+              <a:rPr lang="en-US" b="0" i="0" u="none" strike="noStrike" dirty="0">
+                <a:solidFill>
+                  <a:srgbClr val="A6DA95"/>
+                </a:solidFill>
+                <a:effectLst/>
               </a:rPr>
               <a:t>interpreter for C </a:t>
             </a:r>
             <a:r>
-              <a:rPr lang="en-US" dirty="0"/>
+              <a:rPr lang="en-US" b="0" i="0" u="none" strike="noStrike" dirty="0">
+                <a:solidFill>
+                  <a:srgbClr val="CAD3F5"/>
+                </a:solidFill>
+                <a:effectLst/>
+              </a:rPr>
               <a:t>and a </a:t>
             </a:r>
             <a:r>
-              <a:rPr lang="en-US" dirty="0">
-                <a:solidFill>
-                  <a:schemeClr val="accent1"/>
-                </a:solidFill>
+              <a:rPr lang="en-US" b="0" i="0" u="none" strike="noStrike" dirty="0">
+                <a:solidFill>
+                  <a:srgbClr val="ED8796"/>
+                </a:solidFill>
+                <a:effectLst/>
               </a:rPr>
               <a:t>compiler for JavaScript</a:t>
             </a:r>
             <a:r>
-              <a:rPr lang="en-US" dirty="0"/>
+              <a:rPr lang="en-US" b="0" i="0" u="none" strike="noStrike" dirty="0">
+                <a:solidFill>
+                  <a:srgbClr val="CAD3F5"/>
+                </a:solidFill>
+                <a:effectLst/>
+              </a:rPr>
               <a:t>.</a:t>
             </a:r>
           </a:p>
           <a:p>
-            <a:endParaRPr lang="en-US" dirty="0"/>
+            <a:pPr rtl="0" fontAlgn="base">
+              <a:spcBef>
+                <a:spcPts val="1001"/>
+              </a:spcBef>
+              <a:buFont typeface="Arial" panose="020B0604020202020204" pitchFamily="34" charset="0"/>
+              <a:buChar char="•"/>
+            </a:pPr>
+            <a:r>
+              <a:rPr lang="en-US" b="0" i="0" u="none" strike="noStrike" dirty="0">
+                <a:solidFill>
+                  <a:schemeClr val="accent3"/>
+                </a:solidFill>
+                <a:effectLst/>
+              </a:rPr>
+              <a:t>Compiled code is very fast </a:t>
+            </a:r>
+            <a:r>
+              <a:rPr lang="en-US" b="0" i="0" u="none" strike="noStrike" dirty="0">
+                <a:solidFill>
+                  <a:srgbClr val="CAD3F5"/>
+                </a:solidFill>
+                <a:effectLst/>
+              </a:rPr>
+              <a:t>at runtime. Whereas interpreted code takes longer since it translates everything each time u run it.</a:t>
+            </a:r>
+          </a:p>
+          <a:p>
+            <a:pPr rtl="0" fontAlgn="base">
+              <a:spcBef>
+                <a:spcPts val="1001"/>
+              </a:spcBef>
+              <a:buFont typeface="Arial" panose="020B0604020202020204" pitchFamily="34" charset="0"/>
+              <a:buChar char="•"/>
+            </a:pPr>
+            <a:r>
+              <a:rPr lang="en-US" b="0" i="0" u="none" strike="noStrike" dirty="0">
+                <a:solidFill>
+                  <a:srgbClr val="CAD3F5"/>
+                </a:solidFill>
+                <a:effectLst/>
+              </a:rPr>
+              <a:t>Hence, compiled code is </a:t>
+            </a:r>
+            <a:r>
+              <a:rPr lang="en-US" b="0" i="0" u="none" strike="noStrike" dirty="0">
+                <a:solidFill>
+                  <a:schemeClr val="accent5"/>
+                </a:solidFill>
+                <a:effectLst/>
+              </a:rPr>
+              <a:t>beneficial if there is a large codebase</a:t>
+            </a:r>
+            <a:r>
+              <a:rPr lang="en-US" b="0" i="0" u="none" strike="noStrike" dirty="0">
+                <a:solidFill>
+                  <a:srgbClr val="CAD3F5"/>
+                </a:solidFill>
+                <a:effectLst/>
+              </a:rPr>
+              <a:t>, which would take very long time to compile.</a:t>
+            </a:r>
           </a:p>
         </p:txBody>
       </p:sp>
@@ -4368,10 +4484,121 @@
           </a:xfrm>
         </p:spPr>
         <p:txBody>
-          <a:bodyPr/>
-          <a:lstStyle/>
-          <a:p>
-            <a:endParaRPr lang="en-US" dirty="0"/>
+          <a:bodyPr anchor="t">
+            <a:normAutofit/>
+          </a:bodyPr>
+          <a:lstStyle/>
+          <a:p>
+            <a:pPr rtl="0" fontAlgn="base">
+              <a:buFont typeface="Arial" panose="020B0604020202020204" pitchFamily="34" charset="0"/>
+              <a:buChar char="•"/>
+            </a:pPr>
+            <a:r>
+              <a:rPr lang="en-US" b="0" i="0" u="none" strike="noStrike" dirty="0">
+                <a:solidFill>
+                  <a:srgbClr val="CAD3F5"/>
+                </a:solidFill>
+                <a:effectLst/>
+              </a:rPr>
+              <a:t>Whereas an </a:t>
+            </a:r>
+            <a:r>
+              <a:rPr lang="en-US" b="0" i="0" u="none" strike="noStrike" dirty="0">
+                <a:solidFill>
+                  <a:schemeClr val="accent1"/>
+                </a:solidFill>
+                <a:effectLst/>
+              </a:rPr>
+              <a:t>interpreter is beneficial in cases where, we need to debug the app</a:t>
+            </a:r>
+            <a:r>
+              <a:rPr lang="en-US" b="0" i="0" u="none" strike="noStrike" dirty="0">
+                <a:solidFill>
+                  <a:srgbClr val="CAD3F5"/>
+                </a:solidFill>
+                <a:effectLst/>
+              </a:rPr>
+              <a:t>, while its still in production.</a:t>
+            </a:r>
+            <a:endParaRPr lang="en-US" b="0" i="0" u="none" strike="noStrike" dirty="0">
+              <a:solidFill>
+                <a:srgbClr val="FFFFFF"/>
+              </a:solidFill>
+              <a:effectLst/>
+            </a:endParaRPr>
+          </a:p>
+          <a:p>
+            <a:pPr rtl="0" fontAlgn="base">
+              <a:spcBef>
+                <a:spcPts val="1417"/>
+              </a:spcBef>
+              <a:buFont typeface="Arial" panose="020B0604020202020204" pitchFamily="34" charset="0"/>
+              <a:buChar char="•"/>
+            </a:pPr>
+            <a:r>
+              <a:rPr lang="en-US" b="0" i="0" u="none" strike="noStrike" dirty="0">
+                <a:solidFill>
+                  <a:srgbClr val="CAD3F5"/>
+                </a:solidFill>
+                <a:effectLst/>
+              </a:rPr>
+              <a:t>Another </a:t>
+            </a:r>
+            <a:r>
+              <a:rPr lang="en-US" b="0" i="0" u="none" strike="noStrike" dirty="0">
+                <a:solidFill>
+                  <a:schemeClr val="accent5"/>
+                </a:solidFill>
+                <a:effectLst/>
+              </a:rPr>
+              <a:t>good feature of interpreted code is that, its very portable</a:t>
+            </a:r>
+            <a:r>
+              <a:rPr lang="en-US" b="0" i="0" u="none" strike="noStrike" dirty="0">
+                <a:solidFill>
+                  <a:srgbClr val="CAD3F5"/>
+                </a:solidFill>
+                <a:effectLst/>
+              </a:rPr>
+              <a:t>, any machine with the interpreter installed can run it.</a:t>
+            </a:r>
+          </a:p>
+          <a:p>
+            <a:pPr rtl="0" fontAlgn="base">
+              <a:spcBef>
+                <a:spcPts val="1417"/>
+              </a:spcBef>
+              <a:buFont typeface="Arial" panose="020B0604020202020204" pitchFamily="34" charset="0"/>
+              <a:buChar char="•"/>
+            </a:pPr>
+            <a:r>
+              <a:rPr lang="en-US" dirty="0"/>
+              <a:t>The </a:t>
+            </a:r>
+            <a:r>
+              <a:rPr lang="en-US" dirty="0">
+                <a:solidFill>
+                  <a:schemeClr val="accent1"/>
+                </a:solidFill>
+              </a:rPr>
+              <a:t>compiler</a:t>
+            </a:r>
+            <a:r>
+              <a:rPr lang="en-US" dirty="0"/>
+              <a:t> and the </a:t>
+            </a:r>
+            <a:r>
+              <a:rPr lang="en-US" dirty="0">
+                <a:solidFill>
+                  <a:schemeClr val="accent2"/>
+                </a:solidFill>
+              </a:rPr>
+              <a:t>interpreter</a:t>
+            </a:r>
+            <a:r>
+              <a:rPr lang="en-US" dirty="0"/>
+              <a:t> both have their own pros and cons; it depends on us to choose which works best.</a:t>
+            </a:r>
           </a:p>
         </p:txBody>
       </p:sp>
@@ -4637,8 +4864,8 @@
         </p:nvSpPr>
         <p:spPr>
           <a:xfrm>
-            <a:off x="838200" y="694547"/>
-            <a:ext cx="10515600" cy="1325563"/>
+            <a:off x="838200" y="694548"/>
+            <a:ext cx="10515600" cy="1063496"/>
           </a:xfrm>
         </p:spPr>
         <p:txBody>
@@ -4647,7 +4874,19 @@
           <a:p>
             <a:r>
               <a:rPr lang="en-US" dirty="0"/>
-              <a:t>Is JIT compiler better?</a:t>
+              <a:t>Is </a:t>
+            </a:r>
+            <a:r>
+              <a:rPr lang="en-US" dirty="0">
+                <a:solidFill>
+                  <a:schemeClr val="accent6"/>
+                </a:solidFill>
+              </a:rPr>
+              <a:t>JIT compiler</a:t>
+            </a:r>
+            <a:r>
+              <a:rPr lang="en-US" dirty="0"/>
+              <a:t> better?</a:t>
             </a:r>
           </a:p>
         </p:txBody>
@@ -4670,18 +4909,35 @@
         </p:nvSpPr>
         <p:spPr>
           <a:xfrm>
-            <a:off x="838200" y="2254763"/>
-            <a:ext cx="10515600" cy="3922201"/>
-          </a:xfrm>
-        </p:spPr>
-        <p:txBody>
-          <a:bodyPr/>
-          <a:lstStyle/>
-          <a:p>
-            <a:r>
-              <a:rPr lang="en-US" dirty="0"/>
-              <a:t>This guy is very cool, it runs the program a few times then sees what to optimize and then optimizes it just in time.</a:t>
-            </a:r>
+            <a:off x="838200" y="2107806"/>
+            <a:ext cx="10515600" cy="4189580"/>
+          </a:xfrm>
+        </p:spPr>
+        <p:txBody>
+          <a:bodyPr>
+            <a:normAutofit/>
+          </a:bodyPr>
+          <a:lstStyle/>
+          <a:p>
+            <a:r>
+              <a:rPr lang="en-US" dirty="0"/>
+              <a:t>The main idea behind a JIT compiler is to compile code during program execution, allowing for optimizations based on program’s behavior and the runtime environment.</a:t>
+            </a:r>
+          </a:p>
+          <a:p>
+            <a:r>
+              <a:rPr lang="en-US" dirty="0"/>
+              <a:t>A drawback to this is that you have to let the program run for some time to achieve optimized code, meaning apps built using this have longer start-up times.</a:t>
+            </a:r>
+          </a:p>
+          <a:p>
+            <a:r>
+              <a:rPr lang="en-US" dirty="0"/>
+              <a:t>A few examples are Java virtual machine, Google’s V8 used in chrome.</a:t>
+            </a:r>
+          </a:p>
+          <a:p>
+            <a:endParaRPr lang="en-US" dirty="0"/>
           </a:p>
         </p:txBody>
       </p:sp>
@@ -4957,7 +5213,27 @@
           <a:p>
             <a:r>
               <a:rPr lang="en-US" dirty="0"/>
-              <a:t>A deeper look at compilers</a:t>
+              <a:t>A </a:t>
+            </a:r>
+            <a:r>
+              <a:rPr lang="en-US" dirty="0">
+                <a:solidFill>
+                  <a:schemeClr val="accent6"/>
+                </a:solidFill>
+              </a:rPr>
+              <a:t>deeper look</a:t>
+            </a:r>
+            <a:r>
+              <a:rPr lang="en-US" dirty="0"/>
+              <a:t> at </a:t>
+            </a:r>
+            <a:r>
+              <a:rPr lang="en-US" dirty="0">
+                <a:solidFill>
+                  <a:schemeClr val="accent5"/>
+                </a:solidFill>
+              </a:rPr>
+              <a:t>compilers</a:t>
             </a:r>
           </a:p>
         </p:txBody>
@@ -4985,28 +5261,240 @@
           </a:xfrm>
         </p:spPr>
         <p:txBody>
-          <a:bodyPr/>
-          <a:lstStyle/>
-          <a:p>
-            <a:pPr marL="0" indent="0">
-              <a:buNone/>
+          <a:bodyPr>
+            <a:normAutofit/>
+          </a:bodyPr>
+          <a:lstStyle/>
+          <a:p>
+            <a:pPr rtl="0" fontAlgn="base">
+              <a:buFont typeface="Arial" panose="020B0604020202020204" pitchFamily="34" charset="0"/>
+              <a:buChar char="•"/>
             </a:pPr>
             <a:r>
-              <a:rPr lang="en-US" dirty="0"/>
-              <a:t>The Front End:</a:t>
-            </a:r>
-          </a:p>
-          <a:p>
-            <a:pPr lvl="1"/>
-            <a:r>
-              <a:rPr lang="en-US" dirty="0"/>
-              <a:t>This phase is again divided into </a:t>
-            </a:r>
-            <a:r>
-              <a:rPr lang="en-US"/>
-              <a:t>many subphases, </a:t>
-            </a:r>
-            <a:endParaRPr lang="en-US" dirty="0"/>
+              <a:rPr lang="en-US" b="0" i="0" u="none" strike="noStrike" dirty="0">
+                <a:solidFill>
+                  <a:srgbClr val="CAD3F5"/>
+                </a:solidFill>
+                <a:effectLst/>
+              </a:rPr>
+              <a:t>Due to </a:t>
+            </a:r>
+            <a:r>
+              <a:rPr lang="en-US" b="0" i="0" u="none" strike="noStrike" dirty="0">
+                <a:solidFill>
+                  <a:schemeClr val="accent1"/>
+                </a:solidFill>
+                <a:effectLst/>
+              </a:rPr>
+              <a:t>resource limitations</a:t>
+            </a:r>
+            <a:r>
+              <a:rPr lang="en-US" b="0" i="0" u="none" strike="noStrike" dirty="0">
+                <a:solidFill>
+                  <a:srgbClr val="CAD3F5"/>
+                </a:solidFill>
+                <a:effectLst/>
+              </a:rPr>
+              <a:t>, </a:t>
+            </a:r>
+            <a:r>
+              <a:rPr lang="en-US" b="0" i="0" u="none" strike="noStrike" dirty="0">
+                <a:solidFill>
+                  <a:schemeClr val="accent3"/>
+                </a:solidFill>
+                <a:effectLst/>
+              </a:rPr>
+              <a:t>compilers were split</a:t>
+            </a:r>
+            <a:r>
+              <a:rPr lang="en-US" b="0" i="0" u="none" strike="noStrike" dirty="0">
+                <a:solidFill>
+                  <a:srgbClr val="CAD3F5"/>
+                </a:solidFill>
+                <a:effectLst/>
+              </a:rPr>
+              <a:t> up into </a:t>
+            </a:r>
+            <a:r>
+              <a:rPr lang="en-US" b="0" i="0" u="none" strike="noStrike" dirty="0">
+                <a:solidFill>
+                  <a:schemeClr val="accent4"/>
+                </a:solidFill>
+                <a:effectLst/>
+              </a:rPr>
+              <a:t>multiple phases</a:t>
+            </a:r>
+            <a:r>
+              <a:rPr lang="en-US" b="0" i="0" u="none" strike="noStrike" dirty="0">
+                <a:solidFill>
+                  <a:srgbClr val="CAD3F5"/>
+                </a:solidFill>
+                <a:effectLst/>
+              </a:rPr>
+              <a:t>.</a:t>
+            </a:r>
+            <a:endParaRPr lang="en-US" b="0" i="0" u="none" strike="noStrike" dirty="0">
+              <a:solidFill>
+                <a:srgbClr val="FFFFFF"/>
+              </a:solidFill>
+              <a:effectLst/>
+            </a:endParaRPr>
+          </a:p>
+          <a:p>
+            <a:pPr rtl="0" fontAlgn="base">
+              <a:spcBef>
+                <a:spcPts val="1001"/>
+              </a:spcBef>
+              <a:buFont typeface="Arial" panose="020B0604020202020204" pitchFamily="34" charset="0"/>
+              <a:buChar char="•"/>
+            </a:pPr>
+            <a:r>
+              <a:rPr lang="en-US" b="0" i="0" u="none" strike="noStrike" dirty="0">
+                <a:solidFill>
+                  <a:srgbClr val="CAD3F5"/>
+                </a:solidFill>
+                <a:effectLst/>
+              </a:rPr>
+              <a:t>The </a:t>
+            </a:r>
+            <a:r>
+              <a:rPr lang="en-US" b="0" i="0" u="none" strike="noStrike" dirty="0">
+                <a:solidFill>
+                  <a:schemeClr val="accent2"/>
+                </a:solidFill>
+                <a:effectLst/>
+              </a:rPr>
+              <a:t>ability to compile in a single pass</a:t>
+            </a:r>
+            <a:r>
+              <a:rPr lang="en-US" b="0" i="0" u="none" strike="noStrike" dirty="0">
+                <a:solidFill>
+                  <a:srgbClr val="CAD3F5"/>
+                </a:solidFill>
+                <a:effectLst/>
+              </a:rPr>
+              <a:t> has been </a:t>
+            </a:r>
+            <a:r>
+              <a:rPr lang="en-US" b="0" i="0" u="none" strike="noStrike" dirty="0">
+                <a:solidFill>
+                  <a:schemeClr val="accent1"/>
+                </a:solidFill>
+                <a:effectLst/>
+              </a:rPr>
+              <a:t>seen as a benefit </a:t>
+            </a:r>
+            <a:r>
+              <a:rPr lang="en-US" b="0" i="0" u="none" strike="noStrike" dirty="0">
+                <a:solidFill>
+                  <a:srgbClr val="CAD3F5"/>
+                </a:solidFill>
+                <a:effectLst/>
+              </a:rPr>
+              <a:t>because it simplifies the job of writing a compiler.</a:t>
+            </a:r>
+            <a:endParaRPr lang="en-US" b="0" i="0" u="none" strike="noStrike" dirty="0">
+              <a:solidFill>
+                <a:srgbClr val="FFFFFF"/>
+              </a:solidFill>
+              <a:effectLst/>
+            </a:endParaRPr>
+          </a:p>
+          <a:p>
+            <a:pPr rtl="0" fontAlgn="base">
+              <a:spcBef>
+                <a:spcPts val="1001"/>
+              </a:spcBef>
+              <a:buFont typeface="Arial" panose="020B0604020202020204" pitchFamily="34" charset="0"/>
+              <a:buChar char="•"/>
+            </a:pPr>
+            <a:r>
+              <a:rPr lang="en-US" b="0" i="0" u="none" strike="noStrike" dirty="0">
+                <a:solidFill>
+                  <a:srgbClr val="CAD3F5"/>
+                </a:solidFill>
+                <a:effectLst/>
+              </a:rPr>
+              <a:t>Let us look at a </a:t>
+            </a:r>
+            <a:r>
+              <a:rPr lang="en-US" b="0" i="0" u="none" strike="noStrike" dirty="0">
+                <a:solidFill>
+                  <a:schemeClr val="accent5"/>
+                </a:solidFill>
+                <a:effectLst/>
+              </a:rPr>
+              <a:t>three-stage compiler</a:t>
+            </a:r>
+            <a:r>
+              <a:rPr lang="en-US" b="0" i="0" u="none" strike="noStrike" dirty="0">
+                <a:solidFill>
+                  <a:srgbClr val="CAD3F5"/>
+                </a:solidFill>
+                <a:effectLst/>
+              </a:rPr>
+              <a:t> i.e. a compiler which has a </a:t>
+            </a:r>
+            <a:r>
+              <a:rPr lang="en-US" b="0" i="0" u="none" strike="noStrike" dirty="0">
+                <a:solidFill>
+                  <a:schemeClr val="accent1"/>
+                </a:solidFill>
+                <a:effectLst/>
+              </a:rPr>
+              <a:t>frontend</a:t>
+            </a:r>
+            <a:r>
+              <a:rPr lang="en-US" b="0" i="0" u="none" strike="noStrike" dirty="0">
+                <a:solidFill>
+                  <a:srgbClr val="CAD3F5"/>
+                </a:solidFill>
+                <a:effectLst/>
+              </a:rPr>
+              <a:t>, </a:t>
+            </a:r>
+            <a:r>
+              <a:rPr lang="en-US" b="0" i="0" u="none" strike="noStrike" dirty="0">
+                <a:solidFill>
+                  <a:schemeClr val="accent3"/>
+                </a:solidFill>
+                <a:effectLst/>
+              </a:rPr>
+              <a:t>middle end</a:t>
+            </a:r>
+            <a:r>
+              <a:rPr lang="en-US" b="0" i="0" u="none" strike="noStrike" dirty="0">
+                <a:solidFill>
+                  <a:srgbClr val="CAD3F5"/>
+                </a:solidFill>
+                <a:effectLst/>
+              </a:rPr>
+              <a:t>, and a </a:t>
+            </a:r>
+            <a:r>
+              <a:rPr lang="en-US" b="0" i="0" u="none" strike="noStrike" dirty="0">
+                <a:solidFill>
+                  <a:schemeClr val="accent2"/>
+                </a:solidFill>
+                <a:effectLst/>
+              </a:rPr>
+              <a:t>backend</a:t>
+            </a:r>
+            <a:r>
+              <a:rPr lang="en-US" b="0" i="0" u="none" strike="noStrike" dirty="0">
+                <a:solidFill>
+                  <a:srgbClr val="CAD3F5"/>
+                </a:solidFill>
+                <a:effectLst/>
+              </a:rPr>
+              <a:t>. </a:t>
+            </a:r>
+            <a:endParaRPr lang="en-US" b="0" i="0" u="none" strike="noStrike" dirty="0">
+              <a:solidFill>
+                <a:srgbClr val="FFFFFF"/>
+              </a:solidFill>
+              <a:effectLst/>
+            </a:endParaRPr>
           </a:p>
         </p:txBody>
       </p:sp>
@@ -5239,7 +5727,7 @@
         <p:cNvPr id="1" name="">
           <a:extLst>
             <a:ext uri="{FF2B5EF4-FFF2-40B4-BE49-F238E27FC236}">
-              <a16:creationId xmlns:a16="http://schemas.microsoft.com/office/drawing/2014/main" id="{715EAF80-B67F-ED18-A5CE-F0702210F67F}"/>
+              <a16:creationId xmlns:a16="http://schemas.microsoft.com/office/drawing/2014/main" id="{765F2DC2-6C6F-3D0C-2A14-FDBD918D6188}"/>
             </a:ext>
           </a:extLst>
         </p:cNvPr>
@@ -5256,10 +5744,47 @@
       </p:grpSpPr>
       <p:sp>
         <p:nvSpPr>
+          <p:cNvPr id="6" name="Title 5">
+            <a:extLst>
+              <a:ext uri="{FF2B5EF4-FFF2-40B4-BE49-F238E27FC236}">
+                <a16:creationId xmlns:a16="http://schemas.microsoft.com/office/drawing/2014/main" id="{6102A683-B4B1-F154-86F4-DE1B05DE346A}"/>
+              </a:ext>
+            </a:extLst>
+          </p:cNvPr>
+          <p:cNvSpPr>
+            <a:spLocks noGrp="1"/>
+          </p:cNvSpPr>
+          <p:nvPr>
+            <p:ph type="title"/>
+          </p:nvPr>
+        </p:nvSpPr>
+        <p:spPr>
+          <a:xfrm>
+            <a:off x="838200" y="694547"/>
+            <a:ext cx="10515600" cy="1325563"/>
+          </a:xfrm>
+        </p:spPr>
+        <p:txBody>
+          <a:bodyPr/>
+          <a:lstStyle/>
+          <a:p>
+            <a:r>
+              <a:rPr lang="en-US" dirty="0">
+                <a:solidFill>
+                  <a:schemeClr val="accent1"/>
+                </a:solidFill>
+              </a:rPr>
+              <a:t>Front End</a:t>
+            </a:r>
+          </a:p>
+        </p:txBody>
+      </p:sp>
+      <p:sp>
+        <p:nvSpPr>
           <p:cNvPr id="7" name="Content Placeholder 6">
             <a:extLst>
               <a:ext uri="{FF2B5EF4-FFF2-40B4-BE49-F238E27FC236}">
-                <a16:creationId xmlns:a16="http://schemas.microsoft.com/office/drawing/2014/main" id="{A00C6BC0-B6E4-9EC4-54E4-8A588AABBFE1}"/>
+                <a16:creationId xmlns:a16="http://schemas.microsoft.com/office/drawing/2014/main" id="{277BAC98-532A-F648-B044-DACD925244D6}"/>
               </a:ext>
             </a:extLst>
           </p:cNvPr>
@@ -5272,15 +5797,209 @@
         </p:nvSpPr>
         <p:spPr>
           <a:xfrm>
-            <a:off x="838200" y="988399"/>
-            <a:ext cx="10515600" cy="5188566"/>
-          </a:xfrm>
-        </p:spPr>
-        <p:txBody>
-          <a:bodyPr/>
-          <a:lstStyle/>
-          <a:p>
-            <a:endParaRPr lang="en-US" dirty="0"/>
+            <a:off x="838200" y="2254763"/>
+            <a:ext cx="10515600" cy="3922201"/>
+          </a:xfrm>
+        </p:spPr>
+        <p:txBody>
+          <a:bodyPr>
+            <a:normAutofit lnSpcReduction="10000"/>
+          </a:bodyPr>
+          <a:lstStyle/>
+          <a:p>
+            <a:pPr rtl="0" fontAlgn="base">
+              <a:buFont typeface="Arial" panose="020B0604020202020204" pitchFamily="34" charset="0"/>
+              <a:buChar char="•"/>
+            </a:pPr>
+            <a:r>
+              <a:rPr lang="en-US" b="0" i="0" u="none" strike="noStrike" dirty="0">
+                <a:solidFill>
+                  <a:srgbClr val="CAD3F5"/>
+                </a:solidFill>
+                <a:effectLst/>
+              </a:rPr>
+              <a:t>While the frontend can be written as a single function, its </a:t>
+            </a:r>
+            <a:r>
+              <a:rPr lang="en-US" b="0" i="0" u="none" strike="noStrike" dirty="0">
+                <a:solidFill>
+                  <a:schemeClr val="accent6"/>
+                </a:solidFill>
+                <a:effectLst/>
+              </a:rPr>
+              <a:t>traditionally implemented and analyzed as several phases</a:t>
+            </a:r>
+            <a:r>
+              <a:rPr lang="en-US" b="0" i="0" u="none" strike="noStrike" dirty="0">
+                <a:solidFill>
+                  <a:srgbClr val="CAD3F5"/>
+                </a:solidFill>
+                <a:effectLst/>
+              </a:rPr>
+              <a:t>.</a:t>
+            </a:r>
+            <a:endParaRPr lang="en-US" b="0" i="0" u="none" strike="noStrike" dirty="0">
+              <a:solidFill>
+                <a:srgbClr val="FFFFFF"/>
+              </a:solidFill>
+              <a:effectLst/>
+            </a:endParaRPr>
+          </a:p>
+          <a:p>
+            <a:pPr rtl="0" fontAlgn="base">
+              <a:spcBef>
+                <a:spcPts val="1001"/>
+              </a:spcBef>
+              <a:buFont typeface="Arial" panose="020B0604020202020204" pitchFamily="34" charset="0"/>
+              <a:buChar char="•"/>
+            </a:pPr>
+            <a:r>
+              <a:rPr lang="en-US" b="0" i="0" u="none" strike="noStrike" dirty="0">
+                <a:solidFill>
+                  <a:srgbClr val="CAD3F5"/>
+                </a:solidFill>
+                <a:effectLst/>
+              </a:rPr>
+              <a:t>This method </a:t>
+            </a:r>
+            <a:r>
+              <a:rPr lang="en-US" b="0" i="0" u="none" strike="noStrike" dirty="0">
+                <a:solidFill>
+                  <a:schemeClr val="accent3"/>
+                </a:solidFill>
+                <a:effectLst/>
+              </a:rPr>
+              <a:t>enables modularity</a:t>
+            </a:r>
+            <a:r>
+              <a:rPr lang="en-US" b="0" i="0" u="none" strike="noStrike" dirty="0">
+                <a:solidFill>
+                  <a:srgbClr val="CAD3F5"/>
+                </a:solidFill>
+                <a:effectLst/>
+              </a:rPr>
+              <a:t>.</a:t>
+            </a:r>
+            <a:endParaRPr lang="en-US" b="0" i="0" u="none" strike="noStrike" dirty="0">
+              <a:solidFill>
+                <a:srgbClr val="FFFFFF"/>
+              </a:solidFill>
+              <a:effectLst/>
+            </a:endParaRPr>
+          </a:p>
+          <a:p>
+            <a:pPr rtl="0" fontAlgn="base">
+              <a:spcBef>
+                <a:spcPts val="1001"/>
+              </a:spcBef>
+              <a:buFont typeface="Arial" panose="020B0604020202020204" pitchFamily="34" charset="0"/>
+              <a:buChar char="•"/>
+            </a:pPr>
+            <a:r>
+              <a:rPr lang="en-US" b="0" i="0" u="none" strike="noStrike" dirty="0">
+                <a:solidFill>
+                  <a:srgbClr val="CAD3F5"/>
+                </a:solidFill>
+                <a:effectLst/>
+              </a:rPr>
+              <a:t>Most commonly its divided into </a:t>
+            </a:r>
+            <a:r>
+              <a:rPr lang="en-US" b="0" i="0" u="none" strike="noStrike" dirty="0">
+                <a:solidFill>
+                  <a:schemeClr val="accent4"/>
+                </a:solidFill>
+                <a:effectLst/>
+              </a:rPr>
+              <a:t>3 phases</a:t>
+            </a:r>
+            <a:r>
+              <a:rPr lang="en-US" b="0" i="0" u="none" strike="noStrike" dirty="0">
+                <a:solidFill>
+                  <a:srgbClr val="CAD3F5"/>
+                </a:solidFill>
+                <a:effectLst/>
+              </a:rPr>
+              <a:t>: (assuming </a:t>
+            </a:r>
+            <a:r>
+              <a:rPr lang="en-US" b="0" i="0" u="none" strike="noStrike" dirty="0">
+                <a:solidFill>
+                  <a:schemeClr val="accent1"/>
+                </a:solidFill>
+                <a:effectLst/>
+              </a:rPr>
+              <a:t>preprocessing</a:t>
+            </a:r>
+            <a:r>
+              <a:rPr lang="en-US" b="0" i="0" u="none" strike="noStrike" dirty="0">
+                <a:solidFill>
+                  <a:srgbClr val="CAD3F5"/>
+                </a:solidFill>
+                <a:effectLst/>
+              </a:rPr>
+              <a:t> is already done)</a:t>
+            </a:r>
+            <a:endParaRPr lang="en-US" b="0" i="0" u="none" strike="noStrike" dirty="0">
+              <a:solidFill>
+                <a:srgbClr val="FFFFFF"/>
+              </a:solidFill>
+              <a:effectLst/>
+            </a:endParaRPr>
+          </a:p>
+          <a:p>
+            <a:pPr marL="742950" lvl="1" indent="-285750" rtl="0" fontAlgn="base">
+              <a:spcBef>
+                <a:spcPts val="1134"/>
+              </a:spcBef>
+              <a:buFont typeface="Arial" panose="020B0604020202020204" pitchFamily="34" charset="0"/>
+              <a:buChar char="•"/>
+            </a:pPr>
+            <a:r>
+              <a:rPr lang="en-US" sz="2800" b="0" i="0" u="none" strike="noStrike" dirty="0">
+                <a:solidFill>
+                  <a:schemeClr val="accent2"/>
+                </a:solidFill>
+                <a:effectLst/>
+              </a:rPr>
+              <a:t>Lexical analysis</a:t>
+            </a:r>
+          </a:p>
+          <a:p>
+            <a:pPr marL="742950" lvl="1" indent="-285750" rtl="0" fontAlgn="base">
+              <a:spcBef>
+                <a:spcPts val="1134"/>
+              </a:spcBef>
+              <a:buFont typeface="Arial" panose="020B0604020202020204" pitchFamily="34" charset="0"/>
+              <a:buChar char="•"/>
+            </a:pPr>
+            <a:r>
+              <a:rPr lang="en-US" sz="2800" b="0" i="0" u="none" strike="noStrike" dirty="0">
+                <a:solidFill>
+                  <a:schemeClr val="accent4"/>
+                </a:solidFill>
+                <a:effectLst/>
+              </a:rPr>
+              <a:t>Syntax analysis</a:t>
+            </a:r>
+          </a:p>
+          <a:p>
+            <a:pPr marL="742950" lvl="1" indent="-285750" rtl="0" fontAlgn="base">
+              <a:spcBef>
+                <a:spcPts val="1134"/>
+              </a:spcBef>
+              <a:buFont typeface="Arial" panose="020B0604020202020204" pitchFamily="34" charset="0"/>
+              <a:buChar char="•"/>
+            </a:pPr>
+            <a:r>
+              <a:rPr lang="en-US" sz="2800" b="0" i="0" u="none" strike="noStrike" dirty="0">
+                <a:solidFill>
+                  <a:schemeClr val="accent5"/>
+                </a:solidFill>
+                <a:effectLst/>
+              </a:rPr>
+              <a:t>Semantic analysis</a:t>
+            </a:r>
           </a:p>
         </p:txBody>
       </p:sp>
@@ -5289,7 +6008,7 @@
           <p:cNvPr id="4" name="Rectangle 3">
             <a:extLst>
               <a:ext uri="{FF2B5EF4-FFF2-40B4-BE49-F238E27FC236}">
-                <a16:creationId xmlns:a16="http://schemas.microsoft.com/office/drawing/2014/main" id="{0F3F4EF6-5F98-55DE-5AEC-C51CDBFD5DD7}"/>
+                <a16:creationId xmlns:a16="http://schemas.microsoft.com/office/drawing/2014/main" id="{D7DE2B5C-E86D-EC09-D28F-8D1375C5DB2F}"/>
               </a:ext>
             </a:extLst>
           </p:cNvPr>
@@ -5341,7 +6060,7 @@
           <p:cNvPr id="5" name="Oval 4">
             <a:extLst>
               <a:ext uri="{FF2B5EF4-FFF2-40B4-BE49-F238E27FC236}">
-                <a16:creationId xmlns:a16="http://schemas.microsoft.com/office/drawing/2014/main" id="{847AD322-5550-375B-CF4D-DD936501487C}"/>
+                <a16:creationId xmlns:a16="http://schemas.microsoft.com/office/drawing/2014/main" id="{E7A7601D-86F5-01B4-F4EA-637C32F5472A}"/>
               </a:ext>
             </a:extLst>
           </p:cNvPr>
@@ -5393,7 +6112,7 @@
           <p:cNvPr id="8" name="Oval 7">
             <a:extLst>
               <a:ext uri="{FF2B5EF4-FFF2-40B4-BE49-F238E27FC236}">
-                <a16:creationId xmlns:a16="http://schemas.microsoft.com/office/drawing/2014/main" id="{4B065C95-A04B-0C6A-2F23-D6965CC6517B}"/>
+                <a16:creationId xmlns:a16="http://schemas.microsoft.com/office/drawing/2014/main" id="{07988C5B-A675-72FC-6731-A390FA389E81}"/>
               </a:ext>
             </a:extLst>
           </p:cNvPr>
@@ -5445,7 +6164,7 @@
           <p:cNvPr id="9" name="Oval 8">
             <a:extLst>
               <a:ext uri="{FF2B5EF4-FFF2-40B4-BE49-F238E27FC236}">
-                <a16:creationId xmlns:a16="http://schemas.microsoft.com/office/drawing/2014/main" id="{B7D64E3C-8A72-A20E-D294-C5A028D9F799}"/>
+                <a16:creationId xmlns:a16="http://schemas.microsoft.com/office/drawing/2014/main" id="{E4AE9CE9-349A-A1E4-015B-A1E55E3EA3D7}"/>
               </a:ext>
             </a:extLst>
           </p:cNvPr>
@@ -5495,7 +6214,7 @@
     </p:spTree>
     <p:extLst>
       <p:ext uri="{BB962C8B-B14F-4D97-AF65-F5344CB8AC3E}">
-        <p14:creationId xmlns:p14="http://schemas.microsoft.com/office/powerpoint/2010/main" val="2431755871"/>
+        <p14:creationId xmlns:p14="http://schemas.microsoft.com/office/powerpoint/2010/main" val="3491104301"/>
       </p:ext>
     </p:extLst>
   </p:cSld>
@@ -5513,7 +6232,7 @@
         <p:cNvPr id="1" name="">
           <a:extLst>
             <a:ext uri="{FF2B5EF4-FFF2-40B4-BE49-F238E27FC236}">
-              <a16:creationId xmlns:a16="http://schemas.microsoft.com/office/drawing/2014/main" id="{37F1FA02-40CA-84F0-7963-7834A12B3581}"/>
+              <a16:creationId xmlns:a16="http://schemas.microsoft.com/office/drawing/2014/main" id="{238A3CD9-01D9-467A-F4D6-B832A3A5CE73}"/>
             </a:ext>
           </a:extLst>
         </p:cNvPr>
@@ -5530,10 +6249,47 @@
       </p:grpSpPr>
       <p:sp>
         <p:nvSpPr>
+          <p:cNvPr id="6" name="Title 5">
+            <a:extLst>
+              <a:ext uri="{FF2B5EF4-FFF2-40B4-BE49-F238E27FC236}">
+                <a16:creationId xmlns:a16="http://schemas.microsoft.com/office/drawing/2014/main" id="{22053BE8-3B27-CC98-F5EB-D0917A4FD5DE}"/>
+              </a:ext>
+            </a:extLst>
+          </p:cNvPr>
+          <p:cNvSpPr>
+            <a:spLocks noGrp="1"/>
+          </p:cNvSpPr>
+          <p:nvPr>
+            <p:ph type="title"/>
+          </p:nvPr>
+        </p:nvSpPr>
+        <p:spPr>
+          <a:xfrm>
+            <a:off x="838200" y="694547"/>
+            <a:ext cx="10515600" cy="1325563"/>
+          </a:xfrm>
+        </p:spPr>
+        <p:txBody>
+          <a:bodyPr/>
+          <a:lstStyle/>
+          <a:p>
+            <a:r>
+              <a:rPr lang="en-US" dirty="0">
+                <a:solidFill>
+                  <a:schemeClr val="accent2"/>
+                </a:solidFill>
+              </a:rPr>
+              <a:t>Lexical Analysis</a:t>
+            </a:r>
+          </a:p>
+        </p:txBody>
+      </p:sp>
+      <p:sp>
+        <p:nvSpPr>
           <p:cNvPr id="7" name="Content Placeholder 6">
             <a:extLst>
               <a:ext uri="{FF2B5EF4-FFF2-40B4-BE49-F238E27FC236}">
-                <a16:creationId xmlns:a16="http://schemas.microsoft.com/office/drawing/2014/main" id="{E7104316-A825-F46A-A748-08E63FE64609}"/>
+                <a16:creationId xmlns:a16="http://schemas.microsoft.com/office/drawing/2014/main" id="{9FBE776F-A513-4CF0-1117-1C4B31D95C31}"/>
               </a:ext>
             </a:extLst>
           </p:cNvPr>
@@ -5546,13 +6302,267 @@
         </p:nvSpPr>
         <p:spPr>
           <a:xfrm>
-            <a:off x="838200" y="988399"/>
-            <a:ext cx="10515600" cy="5188566"/>
-          </a:xfrm>
-        </p:spPr>
-        <p:txBody>
-          <a:bodyPr/>
-          <a:lstStyle/>
+            <a:off x="838200" y="2254763"/>
+            <a:ext cx="10515600" cy="3922201"/>
+          </a:xfrm>
+        </p:spPr>
+        <p:txBody>
+          <a:bodyPr>
+            <a:normAutofit lnSpcReduction="10000"/>
+          </a:bodyPr>
+          <a:lstStyle/>
+          <a:p>
+            <a:r>
+              <a:rPr lang="en-US" dirty="0"/>
+              <a:t>Also called </a:t>
+            </a:r>
+            <a:r>
+              <a:rPr lang="en-US" dirty="0">
+                <a:solidFill>
+                  <a:schemeClr val="accent5"/>
+                </a:solidFill>
+              </a:rPr>
+              <a:t>tokenizer</a:t>
+            </a:r>
+            <a:r>
+              <a:rPr lang="en-US" dirty="0"/>
+              <a:t>, this </a:t>
+            </a:r>
+            <a:r>
+              <a:rPr lang="en-US" dirty="0">
+                <a:solidFill>
+                  <a:schemeClr val="accent2"/>
+                </a:solidFill>
+              </a:rPr>
+              <a:t>breaks down the source code</a:t>
+            </a:r>
+            <a:r>
+              <a:rPr lang="en-US" dirty="0"/>
+              <a:t> into a </a:t>
+            </a:r>
+            <a:r>
+              <a:rPr lang="en-US" dirty="0">
+                <a:solidFill>
+                  <a:schemeClr val="accent4"/>
+                </a:solidFill>
+              </a:rPr>
+              <a:t>sequence of small pieces</a:t>
+            </a:r>
+            <a:r>
+              <a:rPr lang="en-US" dirty="0"/>
+              <a:t> called </a:t>
+            </a:r>
+            <a:r>
+              <a:rPr lang="en-US" dirty="0">
+                <a:solidFill>
+                  <a:schemeClr val="accent1"/>
+                </a:solidFill>
+              </a:rPr>
+              <a:t>lexical tokens</a:t>
+            </a:r>
+            <a:r>
+              <a:rPr lang="en-US" dirty="0"/>
+              <a:t>. A </a:t>
+            </a:r>
+            <a:r>
+              <a:rPr lang="en-US" dirty="0">
+                <a:solidFill>
+                  <a:schemeClr val="accent3"/>
+                </a:solidFill>
+              </a:rPr>
+              <a:t>token</a:t>
+            </a:r>
+            <a:r>
+              <a:rPr lang="en-US" dirty="0"/>
+              <a:t> is a </a:t>
+            </a:r>
+            <a:r>
+              <a:rPr lang="en-US" dirty="0">
+                <a:solidFill>
+                  <a:schemeClr val="accent6"/>
+                </a:solidFill>
+              </a:rPr>
+              <a:t>name, value</a:t>
+            </a:r>
+            <a:r>
+              <a:rPr lang="en-US" dirty="0"/>
+              <a:t> </a:t>
+            </a:r>
+            <a:r>
+              <a:rPr lang="en-US" dirty="0">
+                <a:solidFill>
+                  <a:schemeClr val="accent3"/>
+                </a:solidFill>
+              </a:rPr>
+              <a:t>pair</a:t>
+            </a:r>
+            <a:r>
+              <a:rPr lang="en-US" dirty="0"/>
+              <a:t>.</a:t>
+            </a:r>
+          </a:p>
+          <a:p>
+            <a:r>
+              <a:rPr lang="en-US" dirty="0"/>
+              <a:t>There are </a:t>
+            </a:r>
+            <a:r>
+              <a:rPr lang="en-US" dirty="0">
+                <a:solidFill>
+                  <a:schemeClr val="accent2"/>
+                </a:solidFill>
+              </a:rPr>
+              <a:t>2 phases</a:t>
+            </a:r>
+            <a:r>
+              <a:rPr lang="en-US" dirty="0"/>
+              <a:t> here:</a:t>
+            </a:r>
+          </a:p>
+          <a:p>
+            <a:pPr lvl="1"/>
+            <a:r>
+              <a:rPr lang="en-US" dirty="0">
+                <a:solidFill>
+                  <a:schemeClr val="accent4"/>
+                </a:solidFill>
+              </a:rPr>
+              <a:t>Scanning</a:t>
+            </a:r>
+            <a:r>
+              <a:rPr lang="en-US" dirty="0"/>
+              <a:t>: segments the </a:t>
+            </a:r>
+            <a:r>
+              <a:rPr lang="en-US" dirty="0">
+                <a:solidFill>
+                  <a:schemeClr val="accent1"/>
+                </a:solidFill>
+              </a:rPr>
+              <a:t>text into units called lexemes </a:t>
+            </a:r>
+            <a:r>
+              <a:rPr lang="en-US" dirty="0"/>
+              <a:t>and assigns them a category.</a:t>
+            </a:r>
+          </a:p>
+          <a:p>
+            <a:pPr lvl="1"/>
+            <a:r>
+              <a:rPr lang="en-US" dirty="0">
+                <a:solidFill>
+                  <a:schemeClr val="accent5"/>
+                </a:solidFill>
+              </a:rPr>
+              <a:t>Evaluating</a:t>
+            </a:r>
+            <a:r>
+              <a:rPr lang="en-US" dirty="0"/>
+              <a:t>: converts </a:t>
+            </a:r>
+            <a:r>
+              <a:rPr lang="en-US" dirty="0">
+                <a:solidFill>
+                  <a:schemeClr val="accent3"/>
+                </a:solidFill>
+              </a:rPr>
+              <a:t>lexemes into a processed value</a:t>
+            </a:r>
+            <a:r>
+              <a:rPr lang="en-US" dirty="0"/>
+              <a:t>.</a:t>
+            </a:r>
+          </a:p>
+          <a:p>
+            <a:r>
+              <a:rPr lang="en-US" dirty="0"/>
+              <a:t>Some </a:t>
+            </a:r>
+            <a:r>
+              <a:rPr lang="en-US" dirty="0">
+                <a:solidFill>
+                  <a:schemeClr val="accent2"/>
+                </a:solidFill>
+              </a:rPr>
+              <a:t>common token categories</a:t>
+            </a:r>
+            <a:r>
+              <a:rPr lang="en-US" dirty="0"/>
+              <a:t> (assigned by the scanning phase) may include </a:t>
+            </a:r>
+            <a:r>
+              <a:rPr lang="en-US" dirty="0">
+                <a:solidFill>
+                  <a:schemeClr val="accent1"/>
+                </a:solidFill>
+              </a:rPr>
+              <a:t>identifiers</a:t>
+            </a:r>
+            <a:r>
+              <a:rPr lang="en-US" dirty="0"/>
+              <a:t>, </a:t>
+            </a:r>
+            <a:r>
+              <a:rPr lang="en-US" dirty="0">
+                <a:solidFill>
+                  <a:schemeClr val="accent6"/>
+                </a:solidFill>
+              </a:rPr>
+              <a:t>keywords</a:t>
+            </a:r>
+            <a:r>
+              <a:rPr lang="en-US" dirty="0"/>
+              <a:t>, </a:t>
+            </a:r>
+            <a:r>
+              <a:rPr lang="en-US" dirty="0">
+                <a:solidFill>
+                  <a:schemeClr val="accent5"/>
+                </a:solidFill>
+              </a:rPr>
+              <a:t>separators</a:t>
+            </a:r>
+            <a:r>
+              <a:rPr lang="en-US" dirty="0"/>
+              <a:t>, </a:t>
+            </a:r>
+            <a:r>
+              <a:rPr lang="en-US" dirty="0">
+                <a:solidFill>
+                  <a:schemeClr val="accent4"/>
+                </a:solidFill>
+              </a:rPr>
+              <a:t>operators</a:t>
+            </a:r>
+            <a:r>
+              <a:rPr lang="en-US" dirty="0"/>
+              <a:t>, </a:t>
+            </a:r>
+            <a:r>
+              <a:rPr lang="en-US" dirty="0">
+                <a:solidFill>
+                  <a:schemeClr val="accent3"/>
+                </a:solidFill>
+              </a:rPr>
+              <a:t>literals</a:t>
+            </a:r>
+            <a:r>
+              <a:rPr lang="en-US" dirty="0"/>
+              <a:t>, </a:t>
+            </a:r>
+            <a:r>
+              <a:rPr lang="en-US" dirty="0">
+                <a:solidFill>
+                  <a:schemeClr val="accent2"/>
+                </a:solidFill>
+              </a:rPr>
+              <a:t>comments</a:t>
+            </a:r>
+            <a:r>
+              <a:rPr lang="en-US" dirty="0"/>
+              <a:t> etc.</a:t>
+            </a:r>
+          </a:p>
           <a:p>
             <a:endParaRPr lang="en-US" dirty="0"/>
           </a:p>
@@ -5563,7 +6573,7 @@
           <p:cNvPr id="4" name="Rectangle 3">
             <a:extLst>
               <a:ext uri="{FF2B5EF4-FFF2-40B4-BE49-F238E27FC236}">
-                <a16:creationId xmlns:a16="http://schemas.microsoft.com/office/drawing/2014/main" id="{51756967-1BF0-B4DB-5533-A42B579C50EB}"/>
+                <a16:creationId xmlns:a16="http://schemas.microsoft.com/office/drawing/2014/main" id="{9C27A973-A32C-CEC8-7E6C-8C001E194801}"/>
               </a:ext>
             </a:extLst>
           </p:cNvPr>
@@ -5615,7 +6625,7 @@
           <p:cNvPr id="5" name="Oval 4">
             <a:extLst>
               <a:ext uri="{FF2B5EF4-FFF2-40B4-BE49-F238E27FC236}">
-                <a16:creationId xmlns:a16="http://schemas.microsoft.com/office/drawing/2014/main" id="{4ED86FEF-9C86-E5B5-E3E6-0072D34D5FC1}"/>
+                <a16:creationId xmlns:a16="http://schemas.microsoft.com/office/drawing/2014/main" id="{D5A21209-307F-2E49-10F9-52AD650648E2}"/>
               </a:ext>
             </a:extLst>
           </p:cNvPr>
@@ -5667,7 +6677,7 @@
           <p:cNvPr id="8" name="Oval 7">
             <a:extLst>
               <a:ext uri="{FF2B5EF4-FFF2-40B4-BE49-F238E27FC236}">
-                <a16:creationId xmlns:a16="http://schemas.microsoft.com/office/drawing/2014/main" id="{3C54FB61-6EAB-6449-C18B-F1AF4A480E1A}"/>
+                <a16:creationId xmlns:a16="http://schemas.microsoft.com/office/drawing/2014/main" id="{8FA5DFFA-71C6-D75F-737A-02A5F0811145}"/>
               </a:ext>
             </a:extLst>
           </p:cNvPr>
@@ -5719,7 +6729,7 @@
           <p:cNvPr id="9" name="Oval 8">
             <a:extLst>
               <a:ext uri="{FF2B5EF4-FFF2-40B4-BE49-F238E27FC236}">
-                <a16:creationId xmlns:a16="http://schemas.microsoft.com/office/drawing/2014/main" id="{5B5F4E08-F4EA-6EBD-5D27-50482205E87D}"/>
+                <a16:creationId xmlns:a16="http://schemas.microsoft.com/office/drawing/2014/main" id="{15775D5F-34DD-3032-E408-238FA604E5AC}"/>
               </a:ext>
             </a:extLst>
           </p:cNvPr>
@@ -5769,7 +6779,7 @@
     </p:spTree>
     <p:extLst>
       <p:ext uri="{BB962C8B-B14F-4D97-AF65-F5344CB8AC3E}">
-        <p14:creationId xmlns:p14="http://schemas.microsoft.com/office/powerpoint/2010/main" val="2370209695"/>
+        <p14:creationId xmlns:p14="http://schemas.microsoft.com/office/powerpoint/2010/main" val="1160848726"/>
       </p:ext>
     </p:extLst>
   </p:cSld>
@@ -5787,7 +6797,7 @@
         <p:cNvPr id="1" name="">
           <a:extLst>
             <a:ext uri="{FF2B5EF4-FFF2-40B4-BE49-F238E27FC236}">
-              <a16:creationId xmlns:a16="http://schemas.microsoft.com/office/drawing/2014/main" id="{853B9750-ACB3-B516-462A-A1F5F0134A8E}"/>
+              <a16:creationId xmlns:a16="http://schemas.microsoft.com/office/drawing/2014/main" id="{A0DA91DD-0450-29CF-F73B-2D858A158D2F}"/>
             </a:ext>
           </a:extLst>
         </p:cNvPr>
@@ -5804,10 +6814,47 @@
       </p:grpSpPr>
       <p:sp>
         <p:nvSpPr>
+          <p:cNvPr id="6" name="Title 5">
+            <a:extLst>
+              <a:ext uri="{FF2B5EF4-FFF2-40B4-BE49-F238E27FC236}">
+                <a16:creationId xmlns:a16="http://schemas.microsoft.com/office/drawing/2014/main" id="{CAB68C5B-AC18-B0B5-C570-9C3F8F8CB9E9}"/>
+              </a:ext>
+            </a:extLst>
+          </p:cNvPr>
+          <p:cNvSpPr>
+            <a:spLocks noGrp="1"/>
+          </p:cNvSpPr>
+          <p:nvPr>
+            <p:ph type="title"/>
+          </p:nvPr>
+        </p:nvSpPr>
+        <p:spPr>
+          <a:xfrm>
+            <a:off x="838200" y="694547"/>
+            <a:ext cx="10515600" cy="1325563"/>
+          </a:xfrm>
+        </p:spPr>
+        <p:txBody>
+          <a:bodyPr/>
+          <a:lstStyle/>
+          <a:p>
+            <a:r>
+              <a:rPr lang="en-US" dirty="0">
+                <a:solidFill>
+                  <a:schemeClr val="accent4"/>
+                </a:solidFill>
+              </a:rPr>
+              <a:t>Syntax Analysis</a:t>
+            </a:r>
+          </a:p>
+        </p:txBody>
+      </p:sp>
+      <p:sp>
+        <p:nvSpPr>
           <p:cNvPr id="7" name="Content Placeholder 6">
             <a:extLst>
               <a:ext uri="{FF2B5EF4-FFF2-40B4-BE49-F238E27FC236}">
-                <a16:creationId xmlns:a16="http://schemas.microsoft.com/office/drawing/2014/main" id="{DCA8F52A-CD28-6FC0-58E9-3EB4A8B76A54}"/>
+                <a16:creationId xmlns:a16="http://schemas.microsoft.com/office/drawing/2014/main" id="{DB51ED84-FA4B-77E2-AAAF-827970866E76}"/>
               </a:ext>
             </a:extLst>
           </p:cNvPr>
@@ -5820,15 +6867,120 @@
         </p:nvSpPr>
         <p:spPr>
           <a:xfrm>
-            <a:off x="838200" y="988399"/>
-            <a:ext cx="10515600" cy="5188566"/>
+            <a:off x="838200" y="2254763"/>
+            <a:ext cx="10515600" cy="3922201"/>
           </a:xfrm>
         </p:spPr>
         <p:txBody>
           <a:bodyPr/>
           <a:lstStyle/>
           <a:p>
-            <a:endParaRPr lang="en-US" dirty="0"/>
+            <a:r>
+              <a:rPr lang="en-US" dirty="0"/>
+              <a:t>Also </a:t>
+            </a:r>
+            <a:r>
+              <a:rPr lang="en-US" dirty="0">
+                <a:solidFill>
+                  <a:schemeClr val="accent3"/>
+                </a:solidFill>
+              </a:rPr>
+              <a:t>called parsing</a:t>
+            </a:r>
+            <a:r>
+              <a:rPr lang="en-US" dirty="0"/>
+              <a:t>, involves </a:t>
+            </a:r>
+            <a:r>
+              <a:rPr lang="en-US" dirty="0">
+                <a:solidFill>
+                  <a:schemeClr val="accent2"/>
+                </a:solidFill>
+              </a:rPr>
+              <a:t>going through the token sequence</a:t>
+            </a:r>
+            <a:r>
+              <a:rPr lang="en-US" dirty="0"/>
+              <a:t> </a:t>
+            </a:r>
+            <a:r>
+              <a:rPr lang="en-US" dirty="0">
+                <a:solidFill>
+                  <a:schemeClr val="accent5"/>
+                </a:solidFill>
+              </a:rPr>
+              <a:t>identify the structure</a:t>
+            </a:r>
+            <a:r>
+              <a:rPr lang="en-US" dirty="0"/>
+              <a:t> of the program</a:t>
+            </a:r>
+          </a:p>
+          <a:p>
+            <a:r>
+              <a:rPr lang="en-US" dirty="0"/>
+              <a:t>Using this it then </a:t>
+            </a:r>
+            <a:r>
+              <a:rPr lang="en-US" dirty="0">
+                <a:solidFill>
+                  <a:schemeClr val="accent6"/>
+                </a:solidFill>
+              </a:rPr>
+              <a:t>builds a parse tree</a:t>
+            </a:r>
+            <a:r>
+              <a:rPr lang="en-US" dirty="0"/>
+              <a:t>. Which </a:t>
+            </a:r>
+            <a:r>
+              <a:rPr lang="en-US" dirty="0">
+                <a:solidFill>
+                  <a:schemeClr val="accent1"/>
+                </a:solidFill>
+              </a:rPr>
+              <a:t>replaces</a:t>
+            </a:r>
+            <a:r>
+              <a:rPr lang="en-US" dirty="0"/>
+              <a:t> the </a:t>
+            </a:r>
+            <a:r>
+              <a:rPr lang="en-US" dirty="0">
+                <a:solidFill>
+                  <a:schemeClr val="accent3"/>
+                </a:solidFill>
+              </a:rPr>
+              <a:t>linear token sequence</a:t>
+            </a:r>
+            <a:r>
+              <a:rPr lang="en-US" dirty="0"/>
+              <a:t> with a </a:t>
+            </a:r>
+            <a:r>
+              <a:rPr lang="en-US" dirty="0">
+                <a:solidFill>
+                  <a:schemeClr val="accent4"/>
+                </a:solidFill>
+              </a:rPr>
+              <a:t>tree data structure</a:t>
+            </a:r>
+            <a:r>
+              <a:rPr lang="en-US" dirty="0"/>
+              <a:t> built according to some rules which </a:t>
+            </a:r>
+            <a:r>
+              <a:rPr lang="en-US" dirty="0">
+                <a:solidFill>
+                  <a:schemeClr val="accent2"/>
+                </a:solidFill>
+              </a:rPr>
+              <a:t>defines the language’s syntax</a:t>
+            </a:r>
+            <a:r>
+              <a:rPr lang="en-US" dirty="0"/>
+              <a:t>.</a:t>
+            </a:r>
           </a:p>
         </p:txBody>
       </p:sp>
@@ -5837,7 +6989,7 @@
           <p:cNvPr id="4" name="Rectangle 3">
             <a:extLst>
               <a:ext uri="{FF2B5EF4-FFF2-40B4-BE49-F238E27FC236}">
-                <a16:creationId xmlns:a16="http://schemas.microsoft.com/office/drawing/2014/main" id="{C65502F2-D6B2-27F5-E55D-3720A11DEB5F}"/>
+                <a16:creationId xmlns:a16="http://schemas.microsoft.com/office/drawing/2014/main" id="{CC37424C-F606-D097-0857-78882DF9C302}"/>
               </a:ext>
             </a:extLst>
           </p:cNvPr>
@@ -5889,7 +7041,7 @@
           <p:cNvPr id="5" name="Oval 4">
             <a:extLst>
               <a:ext uri="{FF2B5EF4-FFF2-40B4-BE49-F238E27FC236}">
-                <a16:creationId xmlns:a16="http://schemas.microsoft.com/office/drawing/2014/main" id="{B91518D8-1F06-18BE-078D-018F0CD37258}"/>
+                <a16:creationId xmlns:a16="http://schemas.microsoft.com/office/drawing/2014/main" id="{8360B51A-E53C-771F-1D5D-DAD1546C4C62}"/>
               </a:ext>
             </a:extLst>
           </p:cNvPr>
@@ -5941,7 +7093,7 @@
           <p:cNvPr id="8" name="Oval 7">
             <a:extLst>
               <a:ext uri="{FF2B5EF4-FFF2-40B4-BE49-F238E27FC236}">
-                <a16:creationId xmlns:a16="http://schemas.microsoft.com/office/drawing/2014/main" id="{774C9233-7474-C360-CFB2-8A06325A63BA}"/>
+                <a16:creationId xmlns:a16="http://schemas.microsoft.com/office/drawing/2014/main" id="{AC13B4B8-9048-50A8-54E4-FE8DC00160DC}"/>
               </a:ext>
             </a:extLst>
           </p:cNvPr>
@@ -5993,7 +7145,7 @@
           <p:cNvPr id="9" name="Oval 8">
             <a:extLst>
               <a:ext uri="{FF2B5EF4-FFF2-40B4-BE49-F238E27FC236}">
-                <a16:creationId xmlns:a16="http://schemas.microsoft.com/office/drawing/2014/main" id="{140DEC8A-EA63-18EC-1364-619FF770896B}"/>
+                <a16:creationId xmlns:a16="http://schemas.microsoft.com/office/drawing/2014/main" id="{898DB9FC-E0B9-7C02-1637-989D9EBBD57B}"/>
               </a:ext>
             </a:extLst>
           </p:cNvPr>
@@ -6043,7 +7195,7 @@
     </p:spTree>
     <p:extLst>
       <p:ext uri="{BB962C8B-B14F-4D97-AF65-F5344CB8AC3E}">
-        <p14:creationId xmlns:p14="http://schemas.microsoft.com/office/powerpoint/2010/main" val="1851556603"/>
+        <p14:creationId xmlns:p14="http://schemas.microsoft.com/office/powerpoint/2010/main" val="3317744677"/>
       </p:ext>
     </p:extLst>
   </p:cSld>
@@ -6054,280 +7206,6 @@
 </file>
 
 <file path=ppt/slides/slide17.xml><?xml version="1.0" encoding="utf-8"?>
-<p:sld xmlns:a="http://schemas.openxmlformats.org/drawingml/2006/main" xmlns:r="http://schemas.openxmlformats.org/officeDocument/2006/relationships" xmlns:p="http://schemas.openxmlformats.org/presentationml/2006/main">
-  <p:cSld>
-    <p:spTree>
-      <p:nvGrpSpPr>
-        <p:cNvPr id="1" name="">
-          <a:extLst>
-            <a:ext uri="{FF2B5EF4-FFF2-40B4-BE49-F238E27FC236}">
-              <a16:creationId xmlns:a16="http://schemas.microsoft.com/office/drawing/2014/main" id="{324F28D5-F54B-7146-993B-353967B8F63E}"/>
-            </a:ext>
-          </a:extLst>
-        </p:cNvPr>
-        <p:cNvGrpSpPr/>
-        <p:nvPr/>
-      </p:nvGrpSpPr>
-      <p:grpSpPr>
-        <a:xfrm>
-          <a:off x="0" y="0"/>
-          <a:ext cx="0" cy="0"/>
-          <a:chOff x="0" y="0"/>
-          <a:chExt cx="0" cy="0"/>
-        </a:xfrm>
-      </p:grpSpPr>
-      <p:sp>
-        <p:nvSpPr>
-          <p:cNvPr id="7" name="Content Placeholder 6">
-            <a:extLst>
-              <a:ext uri="{FF2B5EF4-FFF2-40B4-BE49-F238E27FC236}">
-                <a16:creationId xmlns:a16="http://schemas.microsoft.com/office/drawing/2014/main" id="{8AB08AB2-6307-1892-6A64-17DF995EA0C2}"/>
-              </a:ext>
-            </a:extLst>
-          </p:cNvPr>
-          <p:cNvSpPr>
-            <a:spLocks noGrp="1"/>
-          </p:cNvSpPr>
-          <p:nvPr>
-            <p:ph idx="1"/>
-          </p:nvPr>
-        </p:nvSpPr>
-        <p:spPr>
-          <a:xfrm>
-            <a:off x="838200" y="988399"/>
-            <a:ext cx="10515600" cy="5188566"/>
-          </a:xfrm>
-        </p:spPr>
-        <p:txBody>
-          <a:bodyPr/>
-          <a:lstStyle/>
-          <a:p>
-            <a:endParaRPr lang="en-US" dirty="0"/>
-          </a:p>
-        </p:txBody>
-      </p:sp>
-      <p:sp>
-        <p:nvSpPr>
-          <p:cNvPr id="4" name="Rectangle 3">
-            <a:extLst>
-              <a:ext uri="{FF2B5EF4-FFF2-40B4-BE49-F238E27FC236}">
-                <a16:creationId xmlns:a16="http://schemas.microsoft.com/office/drawing/2014/main" id="{A8B3D747-5CA6-E8D8-180C-B0C117649C60}"/>
-              </a:ext>
-            </a:extLst>
-          </p:cNvPr>
-          <p:cNvSpPr/>
-          <p:nvPr/>
-        </p:nvSpPr>
-        <p:spPr>
-          <a:xfrm>
-            <a:off x="0" y="0"/>
-            <a:ext cx="12192000" cy="468086"/>
-          </a:xfrm>
-          <a:prstGeom prst="rect">
-            <a:avLst/>
-          </a:prstGeom>
-          <a:solidFill>
-            <a:schemeClr val="bg2"/>
-          </a:solidFill>
-          <a:ln>
-            <a:noFill/>
-          </a:ln>
-        </p:spPr>
-        <p:style>
-          <a:lnRef idx="2">
-            <a:schemeClr val="accent1">
-              <a:shade val="15000"/>
-            </a:schemeClr>
-          </a:lnRef>
-          <a:fillRef idx="1">
-            <a:schemeClr val="accent1"/>
-          </a:fillRef>
-          <a:effectRef idx="0">
-            <a:schemeClr val="accent1"/>
-          </a:effectRef>
-          <a:fontRef idx="minor">
-            <a:schemeClr val="lt1"/>
-          </a:fontRef>
-        </p:style>
-        <p:txBody>
-          <a:bodyPr rtlCol="0" anchor="ctr"/>
-          <a:lstStyle/>
-          <a:p>
-            <a:pPr algn="ctr"/>
-            <a:endParaRPr lang="en-US" sz="1351"/>
-          </a:p>
-        </p:txBody>
-      </p:sp>
-      <p:sp>
-        <p:nvSpPr>
-          <p:cNvPr id="5" name="Oval 4">
-            <a:extLst>
-              <a:ext uri="{FF2B5EF4-FFF2-40B4-BE49-F238E27FC236}">
-                <a16:creationId xmlns:a16="http://schemas.microsoft.com/office/drawing/2014/main" id="{C3A52EBC-5DF7-03D3-C162-8895631C0873}"/>
-              </a:ext>
-            </a:extLst>
-          </p:cNvPr>
-          <p:cNvSpPr/>
-          <p:nvPr/>
-        </p:nvSpPr>
-        <p:spPr>
-          <a:xfrm>
-            <a:off x="129189" y="108651"/>
-            <a:ext cx="246109" cy="250784"/>
-          </a:xfrm>
-          <a:prstGeom prst="ellipse">
-            <a:avLst/>
-          </a:prstGeom>
-          <a:solidFill>
-            <a:schemeClr val="accent1"/>
-          </a:solidFill>
-          <a:ln>
-            <a:noFill/>
-          </a:ln>
-        </p:spPr>
-        <p:style>
-          <a:lnRef idx="2">
-            <a:schemeClr val="accent1">
-              <a:shade val="15000"/>
-            </a:schemeClr>
-          </a:lnRef>
-          <a:fillRef idx="1">
-            <a:schemeClr val="accent1"/>
-          </a:fillRef>
-          <a:effectRef idx="0">
-            <a:schemeClr val="accent1"/>
-          </a:effectRef>
-          <a:fontRef idx="minor">
-            <a:schemeClr val="lt1"/>
-          </a:fontRef>
-        </p:style>
-        <p:txBody>
-          <a:bodyPr rtlCol="0" anchor="ctr"/>
-          <a:lstStyle/>
-          <a:p>
-            <a:pPr algn="ctr"/>
-            <a:endParaRPr lang="en-US"/>
-          </a:p>
-        </p:txBody>
-      </p:sp>
-      <p:sp>
-        <p:nvSpPr>
-          <p:cNvPr id="8" name="Oval 7">
-            <a:extLst>
-              <a:ext uri="{FF2B5EF4-FFF2-40B4-BE49-F238E27FC236}">
-                <a16:creationId xmlns:a16="http://schemas.microsoft.com/office/drawing/2014/main" id="{982A4732-96A0-589C-1E30-58ED9FABA5B9}"/>
-              </a:ext>
-            </a:extLst>
-          </p:cNvPr>
-          <p:cNvSpPr/>
-          <p:nvPr/>
-        </p:nvSpPr>
-        <p:spPr>
-          <a:xfrm>
-            <a:off x="504487" y="113785"/>
-            <a:ext cx="246109" cy="250784"/>
-          </a:xfrm>
-          <a:prstGeom prst="ellipse">
-            <a:avLst/>
-          </a:prstGeom>
-          <a:solidFill>
-            <a:schemeClr val="accent3"/>
-          </a:solidFill>
-          <a:ln>
-            <a:noFill/>
-          </a:ln>
-        </p:spPr>
-        <p:style>
-          <a:lnRef idx="2">
-            <a:schemeClr val="accent1">
-              <a:shade val="15000"/>
-            </a:schemeClr>
-          </a:lnRef>
-          <a:fillRef idx="1">
-            <a:schemeClr val="accent1"/>
-          </a:fillRef>
-          <a:effectRef idx="0">
-            <a:schemeClr val="accent1"/>
-          </a:effectRef>
-          <a:fontRef idx="minor">
-            <a:schemeClr val="lt1"/>
-          </a:fontRef>
-        </p:style>
-        <p:txBody>
-          <a:bodyPr rtlCol="0" anchor="ctr"/>
-          <a:lstStyle/>
-          <a:p>
-            <a:pPr algn="ctr"/>
-            <a:endParaRPr lang="en-US"/>
-          </a:p>
-        </p:txBody>
-      </p:sp>
-      <p:sp>
-        <p:nvSpPr>
-          <p:cNvPr id="9" name="Oval 8">
-            <a:extLst>
-              <a:ext uri="{FF2B5EF4-FFF2-40B4-BE49-F238E27FC236}">
-                <a16:creationId xmlns:a16="http://schemas.microsoft.com/office/drawing/2014/main" id="{0B876252-CD70-298F-76E2-3F076A3C6C6D}"/>
-              </a:ext>
-            </a:extLst>
-          </p:cNvPr>
-          <p:cNvSpPr/>
-          <p:nvPr/>
-        </p:nvSpPr>
-        <p:spPr>
-          <a:xfrm>
-            <a:off x="879785" y="108651"/>
-            <a:ext cx="246109" cy="250784"/>
-          </a:xfrm>
-          <a:prstGeom prst="ellipse">
-            <a:avLst/>
-          </a:prstGeom>
-          <a:solidFill>
-            <a:schemeClr val="accent2"/>
-          </a:solidFill>
-          <a:ln>
-            <a:noFill/>
-          </a:ln>
-        </p:spPr>
-        <p:style>
-          <a:lnRef idx="2">
-            <a:schemeClr val="accent1">
-              <a:shade val="15000"/>
-            </a:schemeClr>
-          </a:lnRef>
-          <a:fillRef idx="1">
-            <a:schemeClr val="accent1"/>
-          </a:fillRef>
-          <a:effectRef idx="0">
-            <a:schemeClr val="accent1"/>
-          </a:effectRef>
-          <a:fontRef idx="minor">
-            <a:schemeClr val="lt1"/>
-          </a:fontRef>
-        </p:style>
-        <p:txBody>
-          <a:bodyPr rtlCol="0" anchor="ctr"/>
-          <a:lstStyle/>
-          <a:p>
-            <a:pPr algn="ctr"/>
-            <a:endParaRPr lang="en-US"/>
-          </a:p>
-        </p:txBody>
-      </p:sp>
-    </p:spTree>
-    <p:extLst>
-      <p:ext uri="{BB962C8B-B14F-4D97-AF65-F5344CB8AC3E}">
-        <p14:creationId xmlns:p14="http://schemas.microsoft.com/office/powerpoint/2010/main" val="2944349700"/>
-      </p:ext>
-    </p:extLst>
-  </p:cSld>
-  <p:clrMapOvr>
-    <a:masterClrMapping/>
-  </p:clrMapOvr>
-</p:sld>
-</file>
-
-<file path=ppt/slides/slide18.xml><?xml version="1.0" encoding="utf-8"?>
 <p:sld xmlns:a="http://schemas.openxmlformats.org/drawingml/2006/main" xmlns:r="http://schemas.openxmlformats.org/officeDocument/2006/relationships" xmlns:p="http://schemas.openxmlformats.org/presentationml/2006/main">
   <p:cSld>
     <p:spTree>
@@ -6377,8 +7255,12 @@
           <a:lstStyle/>
           <a:p>
             <a:r>
-              <a:rPr lang="en-US" dirty="0"/>
-              <a:t>Compiler optimization</a:t>
+              <a:rPr lang="en-US" dirty="0">
+                <a:solidFill>
+                  <a:schemeClr val="accent5"/>
+                </a:solidFill>
+              </a:rPr>
+              <a:t>Semantic Analysis</a:t>
             </a:r>
           </a:p>
         </p:txBody>
@@ -6406,8 +7288,171 @@
           </a:xfrm>
         </p:spPr>
         <p:txBody>
-          <a:bodyPr/>
-          <a:lstStyle/>
+          <a:bodyPr>
+            <a:normAutofit/>
+          </a:bodyPr>
+          <a:lstStyle/>
+          <a:p>
+            <a:r>
+              <a:rPr lang="en-US" dirty="0"/>
+              <a:t>This </a:t>
+            </a:r>
+            <a:r>
+              <a:rPr lang="en-US" dirty="0">
+                <a:solidFill>
+                  <a:schemeClr val="accent2"/>
+                </a:solidFill>
+              </a:rPr>
+              <a:t>takes the parse tree</a:t>
+            </a:r>
+            <a:r>
+              <a:rPr lang="en-US" dirty="0"/>
+              <a:t> and </a:t>
+            </a:r>
+            <a:r>
+              <a:rPr lang="en-US" dirty="0">
+                <a:solidFill>
+                  <a:schemeClr val="accent1"/>
+                </a:solidFill>
+              </a:rPr>
+              <a:t>builds the symbol table</a:t>
+            </a:r>
+            <a:r>
+              <a:rPr lang="en-US" dirty="0"/>
+              <a:t>, and </a:t>
+            </a:r>
+            <a:r>
+              <a:rPr lang="en-US" dirty="0">
+                <a:solidFill>
+                  <a:schemeClr val="accent4"/>
+                </a:solidFill>
+              </a:rPr>
+              <a:t>performs semantic checks </a:t>
+            </a:r>
+            <a:r>
+              <a:rPr lang="en-US" dirty="0"/>
+              <a:t>such as:</a:t>
+            </a:r>
+          </a:p>
+          <a:p>
+            <a:pPr lvl="1"/>
+            <a:r>
+              <a:rPr lang="en-US" dirty="0">
+                <a:solidFill>
+                  <a:schemeClr val="accent3"/>
+                </a:solidFill>
+              </a:rPr>
+              <a:t>Type checking</a:t>
+            </a:r>
+            <a:r>
+              <a:rPr lang="en-US" dirty="0"/>
+              <a:t>: checking for </a:t>
+            </a:r>
+            <a:r>
+              <a:rPr lang="en-US" dirty="0">
+                <a:solidFill>
+                  <a:schemeClr val="accent1"/>
+                </a:solidFill>
+              </a:rPr>
+              <a:t>type errors</a:t>
+            </a:r>
+            <a:r>
+              <a:rPr lang="en-US" dirty="0"/>
+              <a:t>.</a:t>
+            </a:r>
+          </a:p>
+          <a:p>
+            <a:pPr lvl="1"/>
+            <a:r>
+              <a:rPr lang="en-US" dirty="0">
+                <a:solidFill>
+                  <a:schemeClr val="accent6"/>
+                </a:solidFill>
+              </a:rPr>
+              <a:t>Object binding</a:t>
+            </a:r>
+            <a:r>
+              <a:rPr lang="en-US" dirty="0"/>
+              <a:t>: </a:t>
+            </a:r>
+            <a:r>
+              <a:rPr lang="en-US" dirty="0">
+                <a:solidFill>
+                  <a:schemeClr val="accent4"/>
+                </a:solidFill>
+              </a:rPr>
+              <a:t>associating variable and function references</a:t>
+            </a:r>
+            <a:r>
+              <a:rPr lang="en-US" dirty="0"/>
+              <a:t> </a:t>
+            </a:r>
+            <a:r>
+              <a:rPr lang="en-US" dirty="0">
+                <a:solidFill>
+                  <a:schemeClr val="accent6"/>
+                </a:solidFill>
+              </a:rPr>
+              <a:t>with their definitions</a:t>
+            </a:r>
+            <a:r>
+              <a:rPr lang="en-US" dirty="0"/>
+              <a:t>.</a:t>
+            </a:r>
+          </a:p>
+          <a:p>
+            <a:pPr lvl="1"/>
+            <a:r>
+              <a:rPr lang="en-US" dirty="0">
+                <a:solidFill>
+                  <a:schemeClr val="accent5"/>
+                </a:solidFill>
+              </a:rPr>
+              <a:t>Definite assignment</a:t>
+            </a:r>
+            <a:r>
+              <a:rPr lang="en-US" dirty="0"/>
+              <a:t>: requiring all local </a:t>
+            </a:r>
+            <a:r>
+              <a:rPr lang="en-US" dirty="0">
+                <a:solidFill>
+                  <a:schemeClr val="accent4"/>
+                </a:solidFill>
+              </a:rPr>
+              <a:t>variables</a:t>
+            </a:r>
+            <a:r>
+              <a:rPr lang="en-US" dirty="0"/>
+              <a:t> to be </a:t>
+            </a:r>
+            <a:r>
+              <a:rPr lang="en-US" dirty="0">
+                <a:solidFill>
+                  <a:schemeClr val="accent1"/>
+                </a:solidFill>
+              </a:rPr>
+              <a:t>initialized before use</a:t>
+            </a:r>
+            <a:r>
+              <a:rPr lang="en-US" dirty="0"/>
+              <a:t>.</a:t>
+            </a:r>
+          </a:p>
+          <a:p>
+            <a:r>
+              <a:rPr lang="en-US" dirty="0">
+                <a:solidFill>
+                  <a:schemeClr val="accent2"/>
+                </a:solidFill>
+              </a:rPr>
+              <a:t>In this phase the compiler throws errors</a:t>
+            </a:r>
+            <a:r>
+              <a:rPr lang="en-US" dirty="0"/>
+              <a:t> if incorrect code is present.</a:t>
+            </a:r>
+          </a:p>
           <a:p>
             <a:endParaRPr lang="en-US" dirty="0"/>
           </a:p>
@@ -6625,6 +7670,334 @@
     <p:extLst>
       <p:ext uri="{BB962C8B-B14F-4D97-AF65-F5344CB8AC3E}">
         <p14:creationId xmlns:p14="http://schemas.microsoft.com/office/powerpoint/2010/main" val="4276640222"/>
+      </p:ext>
+    </p:extLst>
+  </p:cSld>
+  <p:clrMapOvr>
+    <a:masterClrMapping/>
+  </p:clrMapOvr>
+</p:sld>
+</file>
+
+<file path=ppt/slides/slide18.xml><?xml version="1.0" encoding="utf-8"?>
+<p:sld xmlns:a="http://schemas.openxmlformats.org/drawingml/2006/main" xmlns:r="http://schemas.openxmlformats.org/officeDocument/2006/relationships" xmlns:p="http://schemas.openxmlformats.org/presentationml/2006/main">
+  <p:cSld>
+    <p:spTree>
+      <p:nvGrpSpPr>
+        <p:cNvPr id="1" name="">
+          <a:extLst>
+            <a:ext uri="{FF2B5EF4-FFF2-40B4-BE49-F238E27FC236}">
+              <a16:creationId xmlns:a16="http://schemas.microsoft.com/office/drawing/2014/main" id="{46EB8C80-9C0D-D0C3-2D29-E8CEFCA191F5}"/>
+            </a:ext>
+          </a:extLst>
+        </p:cNvPr>
+        <p:cNvGrpSpPr/>
+        <p:nvPr/>
+      </p:nvGrpSpPr>
+      <p:grpSpPr>
+        <a:xfrm>
+          <a:off x="0" y="0"/>
+          <a:ext cx="0" cy="0"/>
+          <a:chOff x="0" y="0"/>
+          <a:chExt cx="0" cy="0"/>
+        </a:xfrm>
+      </p:grpSpPr>
+      <p:sp>
+        <p:nvSpPr>
+          <p:cNvPr id="6" name="Title 5">
+            <a:extLst>
+              <a:ext uri="{FF2B5EF4-FFF2-40B4-BE49-F238E27FC236}">
+                <a16:creationId xmlns:a16="http://schemas.microsoft.com/office/drawing/2014/main" id="{06555A51-9BDA-EF5A-14A7-AB0ECC510905}"/>
+              </a:ext>
+            </a:extLst>
+          </p:cNvPr>
+          <p:cNvSpPr>
+            <a:spLocks noGrp="1"/>
+          </p:cNvSpPr>
+          <p:nvPr>
+            <p:ph type="title"/>
+          </p:nvPr>
+        </p:nvSpPr>
+        <p:spPr>
+          <a:xfrm>
+            <a:off x="838200" y="694547"/>
+            <a:ext cx="10515600" cy="1325563"/>
+          </a:xfrm>
+        </p:spPr>
+        <p:txBody>
+          <a:bodyPr/>
+          <a:lstStyle/>
+          <a:p>
+            <a:r>
+              <a:rPr lang="en-US" dirty="0">
+                <a:solidFill>
+                  <a:schemeClr val="accent3"/>
+                </a:solidFill>
+              </a:rPr>
+              <a:t>Optimization or Middle End</a:t>
+            </a:r>
+          </a:p>
+        </p:txBody>
+      </p:sp>
+      <p:sp>
+        <p:nvSpPr>
+          <p:cNvPr id="7" name="Content Placeholder 6">
+            <a:extLst>
+              <a:ext uri="{FF2B5EF4-FFF2-40B4-BE49-F238E27FC236}">
+                <a16:creationId xmlns:a16="http://schemas.microsoft.com/office/drawing/2014/main" id="{B501FDF9-8C30-6C3C-D49C-282EEEB02171}"/>
+              </a:ext>
+            </a:extLst>
+          </p:cNvPr>
+          <p:cNvSpPr>
+            <a:spLocks noGrp="1"/>
+          </p:cNvSpPr>
+          <p:nvPr>
+            <p:ph idx="1"/>
+          </p:nvPr>
+        </p:nvSpPr>
+        <p:spPr>
+          <a:xfrm>
+            <a:off x="838200" y="2254763"/>
+            <a:ext cx="10515600" cy="3922201"/>
+          </a:xfrm>
+        </p:spPr>
+        <p:txBody>
+          <a:bodyPr>
+            <a:normAutofit/>
+          </a:bodyPr>
+          <a:lstStyle/>
+          <a:p>
+            <a:r>
+              <a:rPr lang="en-US" dirty="0"/>
+              <a:t>There are many methods in which a compiler optimizes the code, here are a few:</a:t>
+            </a:r>
+          </a:p>
+          <a:p>
+            <a:r>
+              <a:rPr lang="en-US" dirty="0"/>
+              <a:t>Constant folding: It evaluates the constant expressions. Ex. 2 + 6 is replaced with 8 during compilation.</a:t>
+            </a:r>
+          </a:p>
+          <a:p>
+            <a:r>
+              <a:rPr lang="en-US" dirty="0"/>
+              <a:t>Constant propagation: It makes the variables constant if it finds it to be constant throughout. Ex. If x = 10, and y = x + 5; this is replaced with y = 15</a:t>
+            </a:r>
+          </a:p>
+        </p:txBody>
+      </p:sp>
+      <p:sp>
+        <p:nvSpPr>
+          <p:cNvPr id="4" name="Rectangle 3">
+            <a:extLst>
+              <a:ext uri="{FF2B5EF4-FFF2-40B4-BE49-F238E27FC236}">
+                <a16:creationId xmlns:a16="http://schemas.microsoft.com/office/drawing/2014/main" id="{E38D538A-3468-DD7D-2460-92FF29B7A714}"/>
+              </a:ext>
+            </a:extLst>
+          </p:cNvPr>
+          <p:cNvSpPr/>
+          <p:nvPr/>
+        </p:nvSpPr>
+        <p:spPr>
+          <a:xfrm>
+            <a:off x="0" y="0"/>
+            <a:ext cx="12192000" cy="468086"/>
+          </a:xfrm>
+          <a:prstGeom prst="rect">
+            <a:avLst/>
+          </a:prstGeom>
+          <a:solidFill>
+            <a:schemeClr val="bg2"/>
+          </a:solidFill>
+          <a:ln>
+            <a:noFill/>
+          </a:ln>
+        </p:spPr>
+        <p:style>
+          <a:lnRef idx="2">
+            <a:schemeClr val="accent1">
+              <a:shade val="15000"/>
+            </a:schemeClr>
+          </a:lnRef>
+          <a:fillRef idx="1">
+            <a:schemeClr val="accent1"/>
+          </a:fillRef>
+          <a:effectRef idx="0">
+            <a:schemeClr val="accent1"/>
+          </a:effectRef>
+          <a:fontRef idx="minor">
+            <a:schemeClr val="lt1"/>
+          </a:fontRef>
+        </p:style>
+        <p:txBody>
+          <a:bodyPr rtlCol="0" anchor="ctr"/>
+          <a:lstStyle/>
+          <a:p>
+            <a:pPr algn="ctr"/>
+            <a:endParaRPr lang="en-US" sz="1351"/>
+          </a:p>
+        </p:txBody>
+      </p:sp>
+      <p:sp>
+        <p:nvSpPr>
+          <p:cNvPr id="5" name="Oval 4">
+            <a:extLst>
+              <a:ext uri="{FF2B5EF4-FFF2-40B4-BE49-F238E27FC236}">
+                <a16:creationId xmlns:a16="http://schemas.microsoft.com/office/drawing/2014/main" id="{65C4732F-6824-8918-E084-6137CCD105BF}"/>
+              </a:ext>
+            </a:extLst>
+          </p:cNvPr>
+          <p:cNvSpPr/>
+          <p:nvPr/>
+        </p:nvSpPr>
+        <p:spPr>
+          <a:xfrm>
+            <a:off x="129189" y="108651"/>
+            <a:ext cx="246109" cy="250784"/>
+          </a:xfrm>
+          <a:prstGeom prst="ellipse">
+            <a:avLst/>
+          </a:prstGeom>
+          <a:solidFill>
+            <a:schemeClr val="accent1"/>
+          </a:solidFill>
+          <a:ln>
+            <a:noFill/>
+          </a:ln>
+        </p:spPr>
+        <p:style>
+          <a:lnRef idx="2">
+            <a:schemeClr val="accent1">
+              <a:shade val="15000"/>
+            </a:schemeClr>
+          </a:lnRef>
+          <a:fillRef idx="1">
+            <a:schemeClr val="accent1"/>
+          </a:fillRef>
+          <a:effectRef idx="0">
+            <a:schemeClr val="accent1"/>
+          </a:effectRef>
+          <a:fontRef idx="minor">
+            <a:schemeClr val="lt1"/>
+          </a:fontRef>
+        </p:style>
+        <p:txBody>
+          <a:bodyPr rtlCol="0" anchor="ctr"/>
+          <a:lstStyle/>
+          <a:p>
+            <a:pPr algn="ctr"/>
+            <a:endParaRPr lang="en-US"/>
+          </a:p>
+        </p:txBody>
+      </p:sp>
+      <p:sp>
+        <p:nvSpPr>
+          <p:cNvPr id="8" name="Oval 7">
+            <a:extLst>
+              <a:ext uri="{FF2B5EF4-FFF2-40B4-BE49-F238E27FC236}">
+                <a16:creationId xmlns:a16="http://schemas.microsoft.com/office/drawing/2014/main" id="{CB0A9C22-3BE3-2079-C34B-2859F148D71F}"/>
+              </a:ext>
+            </a:extLst>
+          </p:cNvPr>
+          <p:cNvSpPr/>
+          <p:nvPr/>
+        </p:nvSpPr>
+        <p:spPr>
+          <a:xfrm>
+            <a:off x="504487" y="113785"/>
+            <a:ext cx="246109" cy="250784"/>
+          </a:xfrm>
+          <a:prstGeom prst="ellipse">
+            <a:avLst/>
+          </a:prstGeom>
+          <a:solidFill>
+            <a:schemeClr val="accent3"/>
+          </a:solidFill>
+          <a:ln>
+            <a:noFill/>
+          </a:ln>
+        </p:spPr>
+        <p:style>
+          <a:lnRef idx="2">
+            <a:schemeClr val="accent1">
+              <a:shade val="15000"/>
+            </a:schemeClr>
+          </a:lnRef>
+          <a:fillRef idx="1">
+            <a:schemeClr val="accent1"/>
+          </a:fillRef>
+          <a:effectRef idx="0">
+            <a:schemeClr val="accent1"/>
+          </a:effectRef>
+          <a:fontRef idx="minor">
+            <a:schemeClr val="lt1"/>
+          </a:fontRef>
+        </p:style>
+        <p:txBody>
+          <a:bodyPr rtlCol="0" anchor="ctr"/>
+          <a:lstStyle/>
+          <a:p>
+            <a:pPr algn="ctr"/>
+            <a:endParaRPr lang="en-US"/>
+          </a:p>
+        </p:txBody>
+      </p:sp>
+      <p:sp>
+        <p:nvSpPr>
+          <p:cNvPr id="9" name="Oval 8">
+            <a:extLst>
+              <a:ext uri="{FF2B5EF4-FFF2-40B4-BE49-F238E27FC236}">
+                <a16:creationId xmlns:a16="http://schemas.microsoft.com/office/drawing/2014/main" id="{8171768A-33F2-8D5A-F3DA-E7C37302209E}"/>
+              </a:ext>
+            </a:extLst>
+          </p:cNvPr>
+          <p:cNvSpPr/>
+          <p:nvPr/>
+        </p:nvSpPr>
+        <p:spPr>
+          <a:xfrm>
+            <a:off x="879785" y="108651"/>
+            <a:ext cx="246109" cy="250784"/>
+          </a:xfrm>
+          <a:prstGeom prst="ellipse">
+            <a:avLst/>
+          </a:prstGeom>
+          <a:solidFill>
+            <a:schemeClr val="accent2"/>
+          </a:solidFill>
+          <a:ln>
+            <a:noFill/>
+          </a:ln>
+        </p:spPr>
+        <p:style>
+          <a:lnRef idx="2">
+            <a:schemeClr val="accent1">
+              <a:shade val="15000"/>
+            </a:schemeClr>
+          </a:lnRef>
+          <a:fillRef idx="1">
+            <a:schemeClr val="accent1"/>
+          </a:fillRef>
+          <a:effectRef idx="0">
+            <a:schemeClr val="accent1"/>
+          </a:effectRef>
+          <a:fontRef idx="minor">
+            <a:schemeClr val="lt1"/>
+          </a:fontRef>
+        </p:style>
+        <p:txBody>
+          <a:bodyPr rtlCol="0" anchor="ctr"/>
+          <a:lstStyle/>
+          <a:p>
+            <a:pPr algn="ctr"/>
+            <a:endParaRPr lang="en-US"/>
+          </a:p>
+        </p:txBody>
+      </p:sp>
+    </p:spTree>
+    <p:extLst>
+      <p:ext uri="{BB962C8B-B14F-4D97-AF65-F5344CB8AC3E}">
+        <p14:creationId xmlns:p14="http://schemas.microsoft.com/office/powerpoint/2010/main" val="431275765"/>
       </p:ext>
     </p:extLst>
   </p:cSld>
@@ -6642,7 +8015,7 @@
         <p:cNvPr id="1" name="">
           <a:extLst>
             <a:ext uri="{FF2B5EF4-FFF2-40B4-BE49-F238E27FC236}">
-              <a16:creationId xmlns:a16="http://schemas.microsoft.com/office/drawing/2014/main" id="{FBB8BBEA-B72C-22D9-9A34-E8E7E253C9C4}"/>
+              <a16:creationId xmlns:a16="http://schemas.microsoft.com/office/drawing/2014/main" id="{4006BBBD-5C09-5940-6E05-8F30A57A4832}"/>
             </a:ext>
           </a:extLst>
         </p:cNvPr>
@@ -6662,7 +8035,7 @@
           <p:cNvPr id="7" name="Content Placeholder 6">
             <a:extLst>
               <a:ext uri="{FF2B5EF4-FFF2-40B4-BE49-F238E27FC236}">
-                <a16:creationId xmlns:a16="http://schemas.microsoft.com/office/drawing/2014/main" id="{CE5E54DB-0E08-3A30-5E8E-BF61A8B4F450}"/>
+                <a16:creationId xmlns:a16="http://schemas.microsoft.com/office/drawing/2014/main" id="{218FEBD3-B021-F0B6-B437-500EF2EE52D5}"/>
               </a:ext>
             </a:extLst>
           </p:cNvPr>
@@ -6683,7 +8056,36 @@
           <a:bodyPr/>
           <a:lstStyle/>
           <a:p>
-            <a:endParaRPr lang="en-US" dirty="0"/>
+            <a:r>
+              <a:rPr lang="en-US" dirty="0"/>
+              <a:t>Dead code elimination: It removes that code which does not affect the program’s output. Ex. Removing the code after the return statement</a:t>
+            </a:r>
+          </a:p>
+          <a:p>
+            <a:r>
+              <a:rPr lang="en-US" dirty="0"/>
+              <a:t>Loop optimization: </a:t>
+            </a:r>
+          </a:p>
+          <a:p>
+            <a:pPr lvl="1"/>
+            <a:r>
+              <a:rPr lang="en-US" dirty="0"/>
+              <a:t>Loop invariant code motion: brings the code outside the loop if it notices that it does not change in the loop.</a:t>
+            </a:r>
+          </a:p>
+          <a:p>
+            <a:pPr lvl="1"/>
+            <a:r>
+              <a:rPr lang="en-US" dirty="0"/>
+              <a:t>Loop fusion: combines adjacent loops which iterate over the same data.</a:t>
+            </a:r>
+          </a:p>
+          <a:p>
+            <a:r>
+              <a:rPr lang="en-US" dirty="0"/>
+              <a:t>Inlining functions: it does this to remove the function call overhead, and allows for further optimizations like constant folding or loop unrolling.</a:t>
+            </a:r>
           </a:p>
         </p:txBody>
       </p:sp>
@@ -6692,7 +8094,7 @@
           <p:cNvPr id="4" name="Rectangle 3">
             <a:extLst>
               <a:ext uri="{FF2B5EF4-FFF2-40B4-BE49-F238E27FC236}">
-                <a16:creationId xmlns:a16="http://schemas.microsoft.com/office/drawing/2014/main" id="{96C3D7A8-F041-A238-5F17-8EA308298ED4}"/>
+                <a16:creationId xmlns:a16="http://schemas.microsoft.com/office/drawing/2014/main" id="{6B734884-79B7-E49D-F8B9-7E24B1A4F9BC}"/>
               </a:ext>
             </a:extLst>
           </p:cNvPr>
@@ -6744,7 +8146,7 @@
           <p:cNvPr id="5" name="Oval 4">
             <a:extLst>
               <a:ext uri="{FF2B5EF4-FFF2-40B4-BE49-F238E27FC236}">
-                <a16:creationId xmlns:a16="http://schemas.microsoft.com/office/drawing/2014/main" id="{99F86D32-6AF1-5091-CF8E-1DB773B48698}"/>
+                <a16:creationId xmlns:a16="http://schemas.microsoft.com/office/drawing/2014/main" id="{31E2FBF8-7E8C-B581-F42E-91DC5F9BE2A8}"/>
               </a:ext>
             </a:extLst>
           </p:cNvPr>
@@ -6796,7 +8198,7 @@
           <p:cNvPr id="8" name="Oval 7">
             <a:extLst>
               <a:ext uri="{FF2B5EF4-FFF2-40B4-BE49-F238E27FC236}">
-                <a16:creationId xmlns:a16="http://schemas.microsoft.com/office/drawing/2014/main" id="{E27E168E-475D-9784-12F7-4755DE03D82C}"/>
+                <a16:creationId xmlns:a16="http://schemas.microsoft.com/office/drawing/2014/main" id="{FC2F5809-2092-24E4-BC04-43C924B5C83A}"/>
               </a:ext>
             </a:extLst>
           </p:cNvPr>
@@ -6848,7 +8250,7 @@
           <p:cNvPr id="9" name="Oval 8">
             <a:extLst>
               <a:ext uri="{FF2B5EF4-FFF2-40B4-BE49-F238E27FC236}">
-                <a16:creationId xmlns:a16="http://schemas.microsoft.com/office/drawing/2014/main" id="{357E7E89-FC59-E0AB-1CB0-FAB110DBE5D1}"/>
+                <a16:creationId xmlns:a16="http://schemas.microsoft.com/office/drawing/2014/main" id="{D9172223-9867-C64D-D19E-6C8E4EEA16E7}"/>
               </a:ext>
             </a:extLst>
           </p:cNvPr>
@@ -6898,7 +8300,7 @@
     </p:spTree>
     <p:extLst>
       <p:ext uri="{BB962C8B-B14F-4D97-AF65-F5344CB8AC3E}">
-        <p14:creationId xmlns:p14="http://schemas.microsoft.com/office/powerpoint/2010/main" val="3651787086"/>
+        <p14:creationId xmlns:p14="http://schemas.microsoft.com/office/powerpoint/2010/main" val="3868304331"/>
       </p:ext>
     </p:extLst>
   </p:cSld>
@@ -7424,7 +8826,7 @@
         <p:cNvPr id="1" name="">
           <a:extLst>
             <a:ext uri="{FF2B5EF4-FFF2-40B4-BE49-F238E27FC236}">
-              <a16:creationId xmlns:a16="http://schemas.microsoft.com/office/drawing/2014/main" id="{4006BBBD-5C09-5940-6E05-8F30A57A4832}"/>
+              <a16:creationId xmlns:a16="http://schemas.microsoft.com/office/drawing/2014/main" id="{07524B7C-42F5-931A-0E77-CB5A7D176EC6}"/>
             </a:ext>
           </a:extLst>
         </p:cNvPr>
@@ -7441,10 +8843,47 @@
       </p:grpSpPr>
       <p:sp>
         <p:nvSpPr>
+          <p:cNvPr id="6" name="Title 5">
+            <a:extLst>
+              <a:ext uri="{FF2B5EF4-FFF2-40B4-BE49-F238E27FC236}">
+                <a16:creationId xmlns:a16="http://schemas.microsoft.com/office/drawing/2014/main" id="{9E76F04C-9615-3162-923D-918D11BF634E}"/>
+              </a:ext>
+            </a:extLst>
+          </p:cNvPr>
+          <p:cNvSpPr>
+            <a:spLocks noGrp="1"/>
+          </p:cNvSpPr>
+          <p:nvPr>
+            <p:ph type="title"/>
+          </p:nvPr>
+        </p:nvSpPr>
+        <p:spPr>
+          <a:xfrm>
+            <a:off x="838200" y="694548"/>
+            <a:ext cx="10515600" cy="938310"/>
+          </a:xfrm>
+        </p:spPr>
+        <p:txBody>
+          <a:bodyPr/>
+          <a:lstStyle/>
+          <a:p>
+            <a:r>
+              <a:rPr lang="en-US" dirty="0">
+                <a:solidFill>
+                  <a:schemeClr val="accent2"/>
+                </a:solidFill>
+              </a:rPr>
+              <a:t>Back End</a:t>
+            </a:r>
+          </a:p>
+        </p:txBody>
+      </p:sp>
+      <p:sp>
+        <p:nvSpPr>
           <p:cNvPr id="7" name="Content Placeholder 6">
             <a:extLst>
               <a:ext uri="{FF2B5EF4-FFF2-40B4-BE49-F238E27FC236}">
-                <a16:creationId xmlns:a16="http://schemas.microsoft.com/office/drawing/2014/main" id="{218FEBD3-B021-F0B6-B437-500EF2EE52D5}"/>
+                <a16:creationId xmlns:a16="http://schemas.microsoft.com/office/drawing/2014/main" id="{EB6888AD-89EE-58CF-58B9-48E48BDE4301}"/>
               </a:ext>
             </a:extLst>
           </p:cNvPr>
@@ -7457,15 +8896,46 @@
         </p:nvSpPr>
         <p:spPr>
           <a:xfrm>
-            <a:off x="838200" y="988399"/>
-            <a:ext cx="10515600" cy="5188566"/>
-          </a:xfrm>
-        </p:spPr>
-        <p:txBody>
-          <a:bodyPr/>
-          <a:lstStyle/>
-          <a:p>
-            <a:endParaRPr lang="en-US" dirty="0"/>
+            <a:off x="838200" y="1692730"/>
+            <a:ext cx="10515600" cy="4533900"/>
+          </a:xfrm>
+        </p:spPr>
+        <p:txBody>
+          <a:bodyPr>
+            <a:normAutofit/>
+          </a:bodyPr>
+          <a:lstStyle/>
+          <a:p>
+            <a:r>
+              <a:rPr lang="en-US" dirty="0"/>
+              <a:t>It takes the intermediate representation, and tries to optimize it using register allocation etc.</a:t>
+            </a:r>
+          </a:p>
+          <a:p>
+            <a:r>
+              <a:rPr lang="en-US" dirty="0"/>
+              <a:t>Register Allocation:</a:t>
+            </a:r>
+          </a:p>
+          <a:p>
+            <a:pPr lvl="1"/>
+            <a:r>
+              <a:rPr lang="en-US" dirty="0"/>
+              <a:t>The compiler decides which variables to store in CPU registers and which in memory.</a:t>
+            </a:r>
+          </a:p>
+          <a:p>
+            <a:pPr lvl="1"/>
+            <a:r>
+              <a:rPr lang="en-US" dirty="0"/>
+              <a:t>This step is crucial in optimizing the program’s performance since accessing registers is faster than memory.</a:t>
+            </a:r>
+          </a:p>
+          <a:p>
+            <a:r>
+              <a:rPr lang="en-US" dirty="0"/>
+              <a:t>The final step before the executable is formed is linking. The program may contain many modules, linking combines them into a single executable</a:t>
+            </a:r>
           </a:p>
         </p:txBody>
       </p:sp>
@@ -7474,7 +8944,7 @@
           <p:cNvPr id="4" name="Rectangle 3">
             <a:extLst>
               <a:ext uri="{FF2B5EF4-FFF2-40B4-BE49-F238E27FC236}">
-                <a16:creationId xmlns:a16="http://schemas.microsoft.com/office/drawing/2014/main" id="{6B734884-79B7-E49D-F8B9-7E24B1A4F9BC}"/>
+                <a16:creationId xmlns:a16="http://schemas.microsoft.com/office/drawing/2014/main" id="{C8BBBE78-25AF-A527-CBAF-096261552CB2}"/>
               </a:ext>
             </a:extLst>
           </p:cNvPr>
@@ -7526,7 +8996,7 @@
           <p:cNvPr id="5" name="Oval 4">
             <a:extLst>
               <a:ext uri="{FF2B5EF4-FFF2-40B4-BE49-F238E27FC236}">
-                <a16:creationId xmlns:a16="http://schemas.microsoft.com/office/drawing/2014/main" id="{31E2FBF8-7E8C-B581-F42E-91DC5F9BE2A8}"/>
+                <a16:creationId xmlns:a16="http://schemas.microsoft.com/office/drawing/2014/main" id="{4AFDBB2C-0AE4-C426-4892-24F2D2D12B04}"/>
               </a:ext>
             </a:extLst>
           </p:cNvPr>
@@ -7578,7 +9048,7 @@
           <p:cNvPr id="8" name="Oval 7">
             <a:extLst>
               <a:ext uri="{FF2B5EF4-FFF2-40B4-BE49-F238E27FC236}">
-                <a16:creationId xmlns:a16="http://schemas.microsoft.com/office/drawing/2014/main" id="{FC2F5809-2092-24E4-BC04-43C924B5C83A}"/>
+                <a16:creationId xmlns:a16="http://schemas.microsoft.com/office/drawing/2014/main" id="{07848A35-79BF-E34D-1184-0C39D1F4C7B0}"/>
               </a:ext>
             </a:extLst>
           </p:cNvPr>
@@ -7630,7 +9100,7 @@
           <p:cNvPr id="9" name="Oval 8">
             <a:extLst>
               <a:ext uri="{FF2B5EF4-FFF2-40B4-BE49-F238E27FC236}">
-                <a16:creationId xmlns:a16="http://schemas.microsoft.com/office/drawing/2014/main" id="{D9172223-9867-C64D-D19E-6C8E4EEA16E7}"/>
+                <a16:creationId xmlns:a16="http://schemas.microsoft.com/office/drawing/2014/main" id="{52FDA11F-8D94-52A7-9D88-550EDD858750}"/>
               </a:ext>
             </a:extLst>
           </p:cNvPr>
@@ -7680,7 +9150,7 @@
     </p:spTree>
     <p:extLst>
       <p:ext uri="{BB962C8B-B14F-4D97-AF65-F5344CB8AC3E}">
-        <p14:creationId xmlns:p14="http://schemas.microsoft.com/office/powerpoint/2010/main" val="3868304331"/>
+        <p14:creationId xmlns:p14="http://schemas.microsoft.com/office/powerpoint/2010/main" val="2177368432"/>
       </p:ext>
     </p:extLst>
   </p:cSld>
@@ -7691,554 +9161,6 @@
 </file>
 
 <file path=ppt/slides/slide21.xml><?xml version="1.0" encoding="utf-8"?>
-<p:sld xmlns:a="http://schemas.openxmlformats.org/drawingml/2006/main" xmlns:r="http://schemas.openxmlformats.org/officeDocument/2006/relationships" xmlns:p="http://schemas.openxmlformats.org/presentationml/2006/main">
-  <p:cSld>
-    <p:spTree>
-      <p:nvGrpSpPr>
-        <p:cNvPr id="1" name="">
-          <a:extLst>
-            <a:ext uri="{FF2B5EF4-FFF2-40B4-BE49-F238E27FC236}">
-              <a16:creationId xmlns:a16="http://schemas.microsoft.com/office/drawing/2014/main" id="{32BEE9FE-735E-DBE7-AEFF-6CA50E45287F}"/>
-            </a:ext>
-          </a:extLst>
-        </p:cNvPr>
-        <p:cNvGrpSpPr/>
-        <p:nvPr/>
-      </p:nvGrpSpPr>
-      <p:grpSpPr>
-        <a:xfrm>
-          <a:off x="0" y="0"/>
-          <a:ext cx="0" cy="0"/>
-          <a:chOff x="0" y="0"/>
-          <a:chExt cx="0" cy="0"/>
-        </a:xfrm>
-      </p:grpSpPr>
-      <p:sp>
-        <p:nvSpPr>
-          <p:cNvPr id="7" name="Content Placeholder 6">
-            <a:extLst>
-              <a:ext uri="{FF2B5EF4-FFF2-40B4-BE49-F238E27FC236}">
-                <a16:creationId xmlns:a16="http://schemas.microsoft.com/office/drawing/2014/main" id="{B7F217C8-13EE-6DE9-4130-6DEE15382423}"/>
-              </a:ext>
-            </a:extLst>
-          </p:cNvPr>
-          <p:cNvSpPr>
-            <a:spLocks noGrp="1"/>
-          </p:cNvSpPr>
-          <p:nvPr>
-            <p:ph idx="1"/>
-          </p:nvPr>
-        </p:nvSpPr>
-        <p:spPr>
-          <a:xfrm>
-            <a:off x="838200" y="988399"/>
-            <a:ext cx="10515600" cy="5188566"/>
-          </a:xfrm>
-        </p:spPr>
-        <p:txBody>
-          <a:bodyPr/>
-          <a:lstStyle/>
-          <a:p>
-            <a:endParaRPr lang="en-US" dirty="0"/>
-          </a:p>
-        </p:txBody>
-      </p:sp>
-      <p:sp>
-        <p:nvSpPr>
-          <p:cNvPr id="4" name="Rectangle 3">
-            <a:extLst>
-              <a:ext uri="{FF2B5EF4-FFF2-40B4-BE49-F238E27FC236}">
-                <a16:creationId xmlns:a16="http://schemas.microsoft.com/office/drawing/2014/main" id="{A1749CB8-47BC-D299-3D60-7B5E02CCEDC6}"/>
-              </a:ext>
-            </a:extLst>
-          </p:cNvPr>
-          <p:cNvSpPr/>
-          <p:nvPr/>
-        </p:nvSpPr>
-        <p:spPr>
-          <a:xfrm>
-            <a:off x="0" y="0"/>
-            <a:ext cx="12192000" cy="468086"/>
-          </a:xfrm>
-          <a:prstGeom prst="rect">
-            <a:avLst/>
-          </a:prstGeom>
-          <a:solidFill>
-            <a:schemeClr val="bg2"/>
-          </a:solidFill>
-          <a:ln>
-            <a:noFill/>
-          </a:ln>
-        </p:spPr>
-        <p:style>
-          <a:lnRef idx="2">
-            <a:schemeClr val="accent1">
-              <a:shade val="15000"/>
-            </a:schemeClr>
-          </a:lnRef>
-          <a:fillRef idx="1">
-            <a:schemeClr val="accent1"/>
-          </a:fillRef>
-          <a:effectRef idx="0">
-            <a:schemeClr val="accent1"/>
-          </a:effectRef>
-          <a:fontRef idx="minor">
-            <a:schemeClr val="lt1"/>
-          </a:fontRef>
-        </p:style>
-        <p:txBody>
-          <a:bodyPr rtlCol="0" anchor="ctr"/>
-          <a:lstStyle/>
-          <a:p>
-            <a:pPr algn="ctr"/>
-            <a:endParaRPr lang="en-US" sz="1351"/>
-          </a:p>
-        </p:txBody>
-      </p:sp>
-      <p:sp>
-        <p:nvSpPr>
-          <p:cNvPr id="5" name="Oval 4">
-            <a:extLst>
-              <a:ext uri="{FF2B5EF4-FFF2-40B4-BE49-F238E27FC236}">
-                <a16:creationId xmlns:a16="http://schemas.microsoft.com/office/drawing/2014/main" id="{06DD29D1-9863-6BAC-D8D2-246034C9F638}"/>
-              </a:ext>
-            </a:extLst>
-          </p:cNvPr>
-          <p:cNvSpPr/>
-          <p:nvPr/>
-        </p:nvSpPr>
-        <p:spPr>
-          <a:xfrm>
-            <a:off x="129189" y="108651"/>
-            <a:ext cx="246109" cy="250784"/>
-          </a:xfrm>
-          <a:prstGeom prst="ellipse">
-            <a:avLst/>
-          </a:prstGeom>
-          <a:solidFill>
-            <a:schemeClr val="accent1"/>
-          </a:solidFill>
-          <a:ln>
-            <a:noFill/>
-          </a:ln>
-        </p:spPr>
-        <p:style>
-          <a:lnRef idx="2">
-            <a:schemeClr val="accent1">
-              <a:shade val="15000"/>
-            </a:schemeClr>
-          </a:lnRef>
-          <a:fillRef idx="1">
-            <a:schemeClr val="accent1"/>
-          </a:fillRef>
-          <a:effectRef idx="0">
-            <a:schemeClr val="accent1"/>
-          </a:effectRef>
-          <a:fontRef idx="minor">
-            <a:schemeClr val="lt1"/>
-          </a:fontRef>
-        </p:style>
-        <p:txBody>
-          <a:bodyPr rtlCol="0" anchor="ctr"/>
-          <a:lstStyle/>
-          <a:p>
-            <a:pPr algn="ctr"/>
-            <a:endParaRPr lang="en-US"/>
-          </a:p>
-        </p:txBody>
-      </p:sp>
-      <p:sp>
-        <p:nvSpPr>
-          <p:cNvPr id="8" name="Oval 7">
-            <a:extLst>
-              <a:ext uri="{FF2B5EF4-FFF2-40B4-BE49-F238E27FC236}">
-                <a16:creationId xmlns:a16="http://schemas.microsoft.com/office/drawing/2014/main" id="{DFB32E11-85C1-B765-2B6C-2C0E033E888D}"/>
-              </a:ext>
-            </a:extLst>
-          </p:cNvPr>
-          <p:cNvSpPr/>
-          <p:nvPr/>
-        </p:nvSpPr>
-        <p:spPr>
-          <a:xfrm>
-            <a:off x="504487" y="113785"/>
-            <a:ext cx="246109" cy="250784"/>
-          </a:xfrm>
-          <a:prstGeom prst="ellipse">
-            <a:avLst/>
-          </a:prstGeom>
-          <a:solidFill>
-            <a:schemeClr val="accent3"/>
-          </a:solidFill>
-          <a:ln>
-            <a:noFill/>
-          </a:ln>
-        </p:spPr>
-        <p:style>
-          <a:lnRef idx="2">
-            <a:schemeClr val="accent1">
-              <a:shade val="15000"/>
-            </a:schemeClr>
-          </a:lnRef>
-          <a:fillRef idx="1">
-            <a:schemeClr val="accent1"/>
-          </a:fillRef>
-          <a:effectRef idx="0">
-            <a:schemeClr val="accent1"/>
-          </a:effectRef>
-          <a:fontRef idx="minor">
-            <a:schemeClr val="lt1"/>
-          </a:fontRef>
-        </p:style>
-        <p:txBody>
-          <a:bodyPr rtlCol="0" anchor="ctr"/>
-          <a:lstStyle/>
-          <a:p>
-            <a:pPr algn="ctr"/>
-            <a:endParaRPr lang="en-US"/>
-          </a:p>
-        </p:txBody>
-      </p:sp>
-      <p:sp>
-        <p:nvSpPr>
-          <p:cNvPr id="9" name="Oval 8">
-            <a:extLst>
-              <a:ext uri="{FF2B5EF4-FFF2-40B4-BE49-F238E27FC236}">
-                <a16:creationId xmlns:a16="http://schemas.microsoft.com/office/drawing/2014/main" id="{7C3B64ED-770C-A9C9-325E-D4068910481D}"/>
-              </a:ext>
-            </a:extLst>
-          </p:cNvPr>
-          <p:cNvSpPr/>
-          <p:nvPr/>
-        </p:nvSpPr>
-        <p:spPr>
-          <a:xfrm>
-            <a:off x="879785" y="108651"/>
-            <a:ext cx="246109" cy="250784"/>
-          </a:xfrm>
-          <a:prstGeom prst="ellipse">
-            <a:avLst/>
-          </a:prstGeom>
-          <a:solidFill>
-            <a:schemeClr val="accent2"/>
-          </a:solidFill>
-          <a:ln>
-            <a:noFill/>
-          </a:ln>
-        </p:spPr>
-        <p:style>
-          <a:lnRef idx="2">
-            <a:schemeClr val="accent1">
-              <a:shade val="15000"/>
-            </a:schemeClr>
-          </a:lnRef>
-          <a:fillRef idx="1">
-            <a:schemeClr val="accent1"/>
-          </a:fillRef>
-          <a:effectRef idx="0">
-            <a:schemeClr val="accent1"/>
-          </a:effectRef>
-          <a:fontRef idx="minor">
-            <a:schemeClr val="lt1"/>
-          </a:fontRef>
-        </p:style>
-        <p:txBody>
-          <a:bodyPr rtlCol="0" anchor="ctr"/>
-          <a:lstStyle/>
-          <a:p>
-            <a:pPr algn="ctr"/>
-            <a:endParaRPr lang="en-US"/>
-          </a:p>
-        </p:txBody>
-      </p:sp>
-    </p:spTree>
-    <p:extLst>
-      <p:ext uri="{BB962C8B-B14F-4D97-AF65-F5344CB8AC3E}">
-        <p14:creationId xmlns:p14="http://schemas.microsoft.com/office/powerpoint/2010/main" val="3093505509"/>
-      </p:ext>
-    </p:extLst>
-  </p:cSld>
-  <p:clrMapOvr>
-    <a:masterClrMapping/>
-  </p:clrMapOvr>
-</p:sld>
-</file>
-
-<file path=ppt/slides/slide22.xml><?xml version="1.0" encoding="utf-8"?>
-<p:sld xmlns:a="http://schemas.openxmlformats.org/drawingml/2006/main" xmlns:r="http://schemas.openxmlformats.org/officeDocument/2006/relationships" xmlns:p="http://schemas.openxmlformats.org/presentationml/2006/main">
-  <p:cSld>
-    <p:spTree>
-      <p:nvGrpSpPr>
-        <p:cNvPr id="1" name="">
-          <a:extLst>
-            <a:ext uri="{FF2B5EF4-FFF2-40B4-BE49-F238E27FC236}">
-              <a16:creationId xmlns:a16="http://schemas.microsoft.com/office/drawing/2014/main" id="{4C8068A4-40B4-C9D4-BD02-491C5B7FB052}"/>
-            </a:ext>
-          </a:extLst>
-        </p:cNvPr>
-        <p:cNvGrpSpPr/>
-        <p:nvPr/>
-      </p:nvGrpSpPr>
-      <p:grpSpPr>
-        <a:xfrm>
-          <a:off x="0" y="0"/>
-          <a:ext cx="0" cy="0"/>
-          <a:chOff x="0" y="0"/>
-          <a:chExt cx="0" cy="0"/>
-        </a:xfrm>
-      </p:grpSpPr>
-      <p:sp>
-        <p:nvSpPr>
-          <p:cNvPr id="7" name="Content Placeholder 6">
-            <a:extLst>
-              <a:ext uri="{FF2B5EF4-FFF2-40B4-BE49-F238E27FC236}">
-                <a16:creationId xmlns:a16="http://schemas.microsoft.com/office/drawing/2014/main" id="{B7824B80-2897-830F-34D5-3E02FE6DABB8}"/>
-              </a:ext>
-            </a:extLst>
-          </p:cNvPr>
-          <p:cNvSpPr>
-            <a:spLocks noGrp="1"/>
-          </p:cNvSpPr>
-          <p:nvPr>
-            <p:ph idx="1"/>
-          </p:nvPr>
-        </p:nvSpPr>
-        <p:spPr>
-          <a:xfrm>
-            <a:off x="838200" y="988399"/>
-            <a:ext cx="10515600" cy="5188566"/>
-          </a:xfrm>
-        </p:spPr>
-        <p:txBody>
-          <a:bodyPr/>
-          <a:lstStyle/>
-          <a:p>
-            <a:endParaRPr lang="en-US" dirty="0"/>
-          </a:p>
-        </p:txBody>
-      </p:sp>
-      <p:sp>
-        <p:nvSpPr>
-          <p:cNvPr id="4" name="Rectangle 3">
-            <a:extLst>
-              <a:ext uri="{FF2B5EF4-FFF2-40B4-BE49-F238E27FC236}">
-                <a16:creationId xmlns:a16="http://schemas.microsoft.com/office/drawing/2014/main" id="{D598E26D-29EF-ECA1-79BA-FF79AAC7CAF0}"/>
-              </a:ext>
-            </a:extLst>
-          </p:cNvPr>
-          <p:cNvSpPr/>
-          <p:nvPr/>
-        </p:nvSpPr>
-        <p:spPr>
-          <a:xfrm>
-            <a:off x="0" y="0"/>
-            <a:ext cx="12192000" cy="468086"/>
-          </a:xfrm>
-          <a:prstGeom prst="rect">
-            <a:avLst/>
-          </a:prstGeom>
-          <a:solidFill>
-            <a:schemeClr val="bg2"/>
-          </a:solidFill>
-          <a:ln>
-            <a:noFill/>
-          </a:ln>
-        </p:spPr>
-        <p:style>
-          <a:lnRef idx="2">
-            <a:schemeClr val="accent1">
-              <a:shade val="15000"/>
-            </a:schemeClr>
-          </a:lnRef>
-          <a:fillRef idx="1">
-            <a:schemeClr val="accent1"/>
-          </a:fillRef>
-          <a:effectRef idx="0">
-            <a:schemeClr val="accent1"/>
-          </a:effectRef>
-          <a:fontRef idx="minor">
-            <a:schemeClr val="lt1"/>
-          </a:fontRef>
-        </p:style>
-        <p:txBody>
-          <a:bodyPr rtlCol="0" anchor="ctr"/>
-          <a:lstStyle/>
-          <a:p>
-            <a:pPr algn="ctr"/>
-            <a:endParaRPr lang="en-US" sz="1351"/>
-          </a:p>
-        </p:txBody>
-      </p:sp>
-      <p:sp>
-        <p:nvSpPr>
-          <p:cNvPr id="5" name="Oval 4">
-            <a:extLst>
-              <a:ext uri="{FF2B5EF4-FFF2-40B4-BE49-F238E27FC236}">
-                <a16:creationId xmlns:a16="http://schemas.microsoft.com/office/drawing/2014/main" id="{E4269344-8580-7C33-2103-8527A67BD717}"/>
-              </a:ext>
-            </a:extLst>
-          </p:cNvPr>
-          <p:cNvSpPr/>
-          <p:nvPr/>
-        </p:nvSpPr>
-        <p:spPr>
-          <a:xfrm>
-            <a:off x="129189" y="108651"/>
-            <a:ext cx="246109" cy="250784"/>
-          </a:xfrm>
-          <a:prstGeom prst="ellipse">
-            <a:avLst/>
-          </a:prstGeom>
-          <a:solidFill>
-            <a:schemeClr val="accent1"/>
-          </a:solidFill>
-          <a:ln>
-            <a:noFill/>
-          </a:ln>
-        </p:spPr>
-        <p:style>
-          <a:lnRef idx="2">
-            <a:schemeClr val="accent1">
-              <a:shade val="15000"/>
-            </a:schemeClr>
-          </a:lnRef>
-          <a:fillRef idx="1">
-            <a:schemeClr val="accent1"/>
-          </a:fillRef>
-          <a:effectRef idx="0">
-            <a:schemeClr val="accent1"/>
-          </a:effectRef>
-          <a:fontRef idx="minor">
-            <a:schemeClr val="lt1"/>
-          </a:fontRef>
-        </p:style>
-        <p:txBody>
-          <a:bodyPr rtlCol="0" anchor="ctr"/>
-          <a:lstStyle/>
-          <a:p>
-            <a:pPr algn="ctr"/>
-            <a:endParaRPr lang="en-US"/>
-          </a:p>
-        </p:txBody>
-      </p:sp>
-      <p:sp>
-        <p:nvSpPr>
-          <p:cNvPr id="8" name="Oval 7">
-            <a:extLst>
-              <a:ext uri="{FF2B5EF4-FFF2-40B4-BE49-F238E27FC236}">
-                <a16:creationId xmlns:a16="http://schemas.microsoft.com/office/drawing/2014/main" id="{A78B6879-7BDB-4BBC-BF72-70E24FD34B65}"/>
-              </a:ext>
-            </a:extLst>
-          </p:cNvPr>
-          <p:cNvSpPr/>
-          <p:nvPr/>
-        </p:nvSpPr>
-        <p:spPr>
-          <a:xfrm>
-            <a:off x="504487" y="113785"/>
-            <a:ext cx="246109" cy="250784"/>
-          </a:xfrm>
-          <a:prstGeom prst="ellipse">
-            <a:avLst/>
-          </a:prstGeom>
-          <a:solidFill>
-            <a:schemeClr val="accent3"/>
-          </a:solidFill>
-          <a:ln>
-            <a:noFill/>
-          </a:ln>
-        </p:spPr>
-        <p:style>
-          <a:lnRef idx="2">
-            <a:schemeClr val="accent1">
-              <a:shade val="15000"/>
-            </a:schemeClr>
-          </a:lnRef>
-          <a:fillRef idx="1">
-            <a:schemeClr val="accent1"/>
-          </a:fillRef>
-          <a:effectRef idx="0">
-            <a:schemeClr val="accent1"/>
-          </a:effectRef>
-          <a:fontRef idx="minor">
-            <a:schemeClr val="lt1"/>
-          </a:fontRef>
-        </p:style>
-        <p:txBody>
-          <a:bodyPr rtlCol="0" anchor="ctr"/>
-          <a:lstStyle/>
-          <a:p>
-            <a:pPr algn="ctr"/>
-            <a:endParaRPr lang="en-US"/>
-          </a:p>
-        </p:txBody>
-      </p:sp>
-      <p:sp>
-        <p:nvSpPr>
-          <p:cNvPr id="9" name="Oval 8">
-            <a:extLst>
-              <a:ext uri="{FF2B5EF4-FFF2-40B4-BE49-F238E27FC236}">
-                <a16:creationId xmlns:a16="http://schemas.microsoft.com/office/drawing/2014/main" id="{9197FB46-B145-6CDA-F333-8A9C783D9C94}"/>
-              </a:ext>
-            </a:extLst>
-          </p:cNvPr>
-          <p:cNvSpPr/>
-          <p:nvPr/>
-        </p:nvSpPr>
-        <p:spPr>
-          <a:xfrm>
-            <a:off x="879785" y="108651"/>
-            <a:ext cx="246109" cy="250784"/>
-          </a:xfrm>
-          <a:prstGeom prst="ellipse">
-            <a:avLst/>
-          </a:prstGeom>
-          <a:solidFill>
-            <a:schemeClr val="accent2"/>
-          </a:solidFill>
-          <a:ln>
-            <a:noFill/>
-          </a:ln>
-        </p:spPr>
-        <p:style>
-          <a:lnRef idx="2">
-            <a:schemeClr val="accent1">
-              <a:shade val="15000"/>
-            </a:schemeClr>
-          </a:lnRef>
-          <a:fillRef idx="1">
-            <a:schemeClr val="accent1"/>
-          </a:fillRef>
-          <a:effectRef idx="0">
-            <a:schemeClr val="accent1"/>
-          </a:effectRef>
-          <a:fontRef idx="minor">
-            <a:schemeClr val="lt1"/>
-          </a:fontRef>
-        </p:style>
-        <p:txBody>
-          <a:bodyPr rtlCol="0" anchor="ctr"/>
-          <a:lstStyle/>
-          <a:p>
-            <a:pPr algn="ctr"/>
-            <a:endParaRPr lang="en-US"/>
-          </a:p>
-        </p:txBody>
-      </p:sp>
-    </p:spTree>
-    <p:extLst>
-      <p:ext uri="{BB962C8B-B14F-4D97-AF65-F5344CB8AC3E}">
-        <p14:creationId xmlns:p14="http://schemas.microsoft.com/office/powerpoint/2010/main" val="3748489237"/>
-      </p:ext>
-    </p:extLst>
-  </p:cSld>
-  <p:clrMapOvr>
-    <a:masterClrMapping/>
-  </p:clrMapOvr>
-</p:sld>
-</file>
-
-<file path=ppt/slides/slide23.xml><?xml version="1.0" encoding="utf-8"?>
 <p:sld xmlns:a="http://schemas.openxmlformats.org/drawingml/2006/main" xmlns:r="http://schemas.openxmlformats.org/officeDocument/2006/relationships" xmlns:p="http://schemas.openxmlformats.org/presentationml/2006/main">
   <p:cSld>
     <p:spTree>
@@ -8288,8 +9210,16 @@
           <a:lstStyle/>
           <a:p>
             <a:r>
-              <a:rPr lang="en-US" dirty="0"/>
-              <a:t>My own compiler:</a:t>
+              <a:rPr lang="en-US" dirty="0">
+                <a:solidFill>
+                  <a:schemeClr val="accent6"/>
+                </a:solidFill>
+              </a:rPr>
+              <a:t>My own compiler</a:t>
+            </a:r>
+            <a:r>
+              <a:rPr lang="en-US" dirty="0"/>
+              <a:t>:</a:t>
             </a:r>
           </a:p>
         </p:txBody>
@@ -8322,20 +9252,7 @@
           <a:p>
             <a:r>
               <a:rPr lang="en-US" dirty="0"/>
-              <a:t>The programming language name is “English Programming Language” or EPL for short</a:t>
-            </a:r>
-          </a:p>
-          <a:p>
-            <a:r>
-              <a:rPr lang="en-US" dirty="0"/>
-              <a:t>It can contain stuff like</a:t>
-            </a:r>
-            <a:br>
-              <a:rPr lang="en-US" dirty="0"/>
-            </a:br>
-            <a:r>
-              <a:rPr lang="en-US" dirty="0"/>
-              <a:t>can you please </a:t>
+              <a:t>The </a:t>
             </a:r>
             <a:r>
               <a:rPr lang="en-US" dirty="0">
@@ -8343,11 +9260,23 @@
                   <a:schemeClr val="accent1"/>
                 </a:solidFill>
               </a:rPr>
-              <a:t>print </a:t>
-            </a:r>
-            <a:r>
-              <a:rPr lang="en-US" dirty="0"/>
-              <a:t>stuff like </a:t>
+              <a:t>programming language</a:t>
+            </a:r>
+            <a:r>
+              <a:rPr lang="en-US" dirty="0"/>
+              <a:t> name is “</a:t>
+            </a:r>
+            <a:r>
+              <a:rPr lang="en-US" dirty="0">
+                <a:solidFill>
+                  <a:schemeClr val="accent4"/>
+                </a:solidFill>
+              </a:rPr>
+              <a:t>English Syntax Programming New</a:t>
+            </a:r>
+            <a:r>
+              <a:rPr lang="en-US" dirty="0"/>
+              <a:t>” or </a:t>
             </a:r>
             <a:r>
               <a:rPr lang="en-US" dirty="0">
@@ -8355,7 +9284,41 @@
                   <a:schemeClr val="accent2"/>
                 </a:solidFill>
               </a:rPr>
-              <a:t>“Hello World!!!”</a:t>
+              <a:t>ESPN</a:t>
+            </a:r>
+            <a:r>
+              <a:rPr lang="en-US" dirty="0"/>
+              <a:t> for short.</a:t>
+            </a:r>
+          </a:p>
+          <a:p>
+            <a:r>
+              <a:rPr lang="en-US" dirty="0"/>
+              <a:t>It can contain stuff like:</a:t>
+            </a:r>
+          </a:p>
+          <a:p>
+            <a:endParaRPr lang="en-US" dirty="0"/>
+          </a:p>
+          <a:p>
+            <a:endParaRPr lang="en-US" dirty="0"/>
+          </a:p>
+          <a:p>
+            <a:r>
+              <a:rPr lang="en-US" dirty="0"/>
+              <a:t>Here only </a:t>
+            </a:r>
+            <a:r>
+              <a:rPr lang="en-US" dirty="0">
+                <a:solidFill>
+                  <a:schemeClr val="accent1"/>
+                </a:solidFill>
+              </a:rPr>
+              <a:t>print</a:t>
+            </a:r>
+            <a:r>
+              <a:rPr lang="en-US" dirty="0"/>
+              <a:t> is read by my compiler and it </a:t>
             </a:r>
             <a:r>
               <a:rPr lang="en-US" dirty="0">
@@ -8363,17 +9326,24 @@
                   <a:schemeClr val="accent6"/>
                 </a:solidFill>
               </a:rPr>
+              <a:t>only prints whatever is present in</a:t>
+            </a:r>
+            <a:r>
+              <a:rPr lang="en-US" dirty="0"/>
+              <a:t> </a:t>
+            </a:r>
+            <a:r>
+              <a:rPr lang="en-US" dirty="0">
+                <a:solidFill>
+                  <a:schemeClr val="accent2"/>
+                </a:solidFill>
+              </a:rPr>
+              <a:t>double inverted commas</a:t>
+            </a:r>
+            <a:r>
+              <a:rPr lang="en-US" dirty="0"/>
               <a:t>.</a:t>
             </a:r>
-          </a:p>
-          <a:p>
-            <a:r>
-              <a:rPr lang="en-US" dirty="0"/>
-              <a:t>Here only print is read by my compiler and it only prints whatever is present in double inverted commas, the line ends with the full stop (replacement for semicolon)</a:t>
-            </a:r>
-          </a:p>
-          <a:p>
-            <a:endParaRPr lang="en-US" dirty="0"/>
           </a:p>
         </p:txBody>
       </p:sp>
@@ -8582,6 +9552,81 @@
           <a:p>
             <a:pPr algn="ctr"/>
             <a:endParaRPr lang="en-US"/>
+          </a:p>
+        </p:txBody>
+      </p:sp>
+      <p:sp>
+        <p:nvSpPr>
+          <p:cNvPr id="2" name="TextBox 1">
+            <a:extLst>
+              <a:ext uri="{FF2B5EF4-FFF2-40B4-BE49-F238E27FC236}">
+                <a16:creationId xmlns:a16="http://schemas.microsoft.com/office/drawing/2014/main" id="{6564BE8C-2B05-C0BB-4DB0-A1471DE5A9C7}"/>
+              </a:ext>
+            </a:extLst>
+          </p:cNvPr>
+          <p:cNvSpPr txBox="1"/>
+          <p:nvPr/>
+        </p:nvSpPr>
+        <p:spPr>
+          <a:xfrm>
+            <a:off x="1275961" y="3834510"/>
+            <a:ext cx="9640077" cy="578882"/>
+          </a:xfrm>
+          <a:prstGeom prst="roundRect">
+            <a:avLst/>
+          </a:prstGeom>
+          <a:solidFill>
+            <a:schemeClr val="tx1">
+              <a:lumMod val="10000"/>
+            </a:schemeClr>
+          </a:solidFill>
+        </p:spPr>
+        <p:txBody>
+          <a:bodyPr wrap="square" rtlCol="0">
+            <a:spAutoFit/>
+          </a:bodyPr>
+          <a:lstStyle/>
+          <a:p>
+            <a:r>
+              <a:rPr lang="en-US" sz="2800" dirty="0"/>
+              <a:t>can you please </a:t>
+            </a:r>
+            <a:r>
+              <a:rPr lang="en-US" sz="2800" dirty="0">
+                <a:solidFill>
+                  <a:schemeClr val="accent1"/>
+                </a:solidFill>
+              </a:rPr>
+              <a:t>print</a:t>
+            </a:r>
+            <a:r>
+              <a:rPr lang="en-US" sz="2800" dirty="0"/>
+              <a:t> stuff like </a:t>
+            </a:r>
+            <a:r>
+              <a:rPr lang="en-US" sz="2800" dirty="0">
+                <a:solidFill>
+                  <a:schemeClr val="accent2"/>
+                </a:solidFill>
+              </a:rPr>
+              <a:t>“</a:t>
+            </a:r>
+            <a:r>
+              <a:rPr lang="en-US" sz="2800" dirty="0">
+                <a:solidFill>
+                  <a:schemeClr val="accent3"/>
+                </a:solidFill>
+              </a:rPr>
+              <a:t>Hello World!!!</a:t>
+            </a:r>
+            <a:r>
+              <a:rPr lang="en-US" sz="2800" dirty="0">
+                <a:solidFill>
+                  <a:schemeClr val="accent2"/>
+                </a:solidFill>
+              </a:rPr>
+              <a:t>”</a:t>
+            </a:r>
           </a:p>
         </p:txBody>
       </p:sp>
@@ -8598,351 +9643,7 @@
 </p:sld>
 </file>
 
-<file path=ppt/slides/slide24.xml><?xml version="1.0" encoding="utf-8"?>
-<p:sld xmlns:a="http://schemas.openxmlformats.org/drawingml/2006/main" xmlns:r="http://schemas.openxmlformats.org/officeDocument/2006/relationships" xmlns:p="http://schemas.openxmlformats.org/presentationml/2006/main">
-  <p:cSld>
-    <p:spTree>
-      <p:nvGrpSpPr>
-        <p:cNvPr id="1" name="">
-          <a:extLst>
-            <a:ext uri="{FF2B5EF4-FFF2-40B4-BE49-F238E27FC236}">
-              <a16:creationId xmlns:a16="http://schemas.microsoft.com/office/drawing/2014/main" id="{D4BB2BCE-1F27-F9EB-3EDA-B2C1F2E70C3A}"/>
-            </a:ext>
-          </a:extLst>
-        </p:cNvPr>
-        <p:cNvGrpSpPr/>
-        <p:nvPr/>
-      </p:nvGrpSpPr>
-      <p:grpSpPr>
-        <a:xfrm>
-          <a:off x="0" y="0"/>
-          <a:ext cx="0" cy="0"/>
-          <a:chOff x="0" y="0"/>
-          <a:chExt cx="0" cy="0"/>
-        </a:xfrm>
-      </p:grpSpPr>
-      <p:sp>
-        <p:nvSpPr>
-          <p:cNvPr id="7" name="Content Placeholder 6">
-            <a:extLst>
-              <a:ext uri="{FF2B5EF4-FFF2-40B4-BE49-F238E27FC236}">
-                <a16:creationId xmlns:a16="http://schemas.microsoft.com/office/drawing/2014/main" id="{EC27B04B-0B42-BF7C-9066-0B82CCBAE0AB}"/>
-              </a:ext>
-            </a:extLst>
-          </p:cNvPr>
-          <p:cNvSpPr>
-            <a:spLocks noGrp="1"/>
-          </p:cNvSpPr>
-          <p:nvPr>
-            <p:ph idx="1"/>
-          </p:nvPr>
-        </p:nvSpPr>
-        <p:spPr>
-          <a:xfrm>
-            <a:off x="838200" y="988399"/>
-            <a:ext cx="10515600" cy="5188566"/>
-          </a:xfrm>
-        </p:spPr>
-        <p:txBody>
-          <a:bodyPr/>
-          <a:lstStyle/>
-          <a:p>
-            <a:r>
-              <a:rPr lang="en-US" dirty="0"/>
-              <a:t>It can even do things like</a:t>
-            </a:r>
-            <a:br>
-              <a:rPr lang="en-US" dirty="0"/>
-            </a:br>
-            <a:r>
-              <a:rPr lang="en-US" dirty="0"/>
-              <a:t>can you </a:t>
-            </a:r>
-            <a:r>
-              <a:rPr lang="en-US" dirty="0">
-                <a:solidFill>
-                  <a:schemeClr val="accent1"/>
-                </a:solidFill>
-              </a:rPr>
-              <a:t>let </a:t>
-            </a:r>
-            <a:r>
-              <a:rPr lang="en-US" dirty="0"/>
-              <a:t>‘x’ be of </a:t>
-            </a:r>
-            <a:r>
-              <a:rPr lang="en-US" dirty="0">
-                <a:solidFill>
-                  <a:schemeClr val="accent1"/>
-                </a:solidFill>
-              </a:rPr>
-              <a:t>type</a:t>
-            </a:r>
-            <a:r>
-              <a:rPr lang="en-US" dirty="0"/>
-              <a:t> </a:t>
-            </a:r>
-            <a:r>
-              <a:rPr lang="en-US" dirty="0">
-                <a:solidFill>
-                  <a:schemeClr val="accent5"/>
-                </a:solidFill>
-              </a:rPr>
-              <a:t>integer</a:t>
-            </a:r>
-            <a:r>
-              <a:rPr lang="en-US" dirty="0"/>
-              <a:t> “5”.</a:t>
-            </a:r>
-          </a:p>
-          <a:p>
-            <a:r>
-              <a:rPr lang="en-US" dirty="0"/>
-              <a:t>Basically, my compiler translates EPL into C code then it uses GCC to compile it into a binary lmao.</a:t>
-            </a:r>
-          </a:p>
-          <a:p>
-            <a:r>
-              <a:rPr lang="en-US" dirty="0"/>
-              <a:t>Here you could say that the c code is my intermediate representation.</a:t>
-            </a:r>
-          </a:p>
-          <a:p>
-            <a:r>
-              <a:rPr lang="en-US" dirty="0"/>
-              <a:t>The frontend part translates EPL into C, there is no optimization step, the backend is just GCC, hence the C code gets converted into machine code ready to be executed. (insaneee ik)</a:t>
-            </a:r>
-          </a:p>
-          <a:p>
-            <a:r>
-              <a:rPr lang="en-US" dirty="0"/>
-              <a:t>And also note, my compiler is written in C (oof)</a:t>
-            </a:r>
-          </a:p>
-        </p:txBody>
-      </p:sp>
-      <p:sp>
-        <p:nvSpPr>
-          <p:cNvPr id="4" name="Rectangle 3">
-            <a:extLst>
-              <a:ext uri="{FF2B5EF4-FFF2-40B4-BE49-F238E27FC236}">
-                <a16:creationId xmlns:a16="http://schemas.microsoft.com/office/drawing/2014/main" id="{50511AF6-3C49-345B-CCAE-D6BF2FDE6366}"/>
-              </a:ext>
-            </a:extLst>
-          </p:cNvPr>
-          <p:cNvSpPr/>
-          <p:nvPr/>
-        </p:nvSpPr>
-        <p:spPr>
-          <a:xfrm>
-            <a:off x="0" y="0"/>
-            <a:ext cx="12192000" cy="468086"/>
-          </a:xfrm>
-          <a:prstGeom prst="rect">
-            <a:avLst/>
-          </a:prstGeom>
-          <a:solidFill>
-            <a:schemeClr val="bg2"/>
-          </a:solidFill>
-          <a:ln>
-            <a:noFill/>
-          </a:ln>
-        </p:spPr>
-        <p:style>
-          <a:lnRef idx="2">
-            <a:schemeClr val="accent1">
-              <a:shade val="15000"/>
-            </a:schemeClr>
-          </a:lnRef>
-          <a:fillRef idx="1">
-            <a:schemeClr val="accent1"/>
-          </a:fillRef>
-          <a:effectRef idx="0">
-            <a:schemeClr val="accent1"/>
-          </a:effectRef>
-          <a:fontRef idx="minor">
-            <a:schemeClr val="lt1"/>
-          </a:fontRef>
-        </p:style>
-        <p:txBody>
-          <a:bodyPr rtlCol="0" anchor="ctr"/>
-          <a:lstStyle/>
-          <a:p>
-            <a:pPr algn="ctr"/>
-            <a:endParaRPr lang="en-US" sz="1351"/>
-          </a:p>
-        </p:txBody>
-      </p:sp>
-      <p:sp>
-        <p:nvSpPr>
-          <p:cNvPr id="5" name="Oval 4">
-            <a:extLst>
-              <a:ext uri="{FF2B5EF4-FFF2-40B4-BE49-F238E27FC236}">
-                <a16:creationId xmlns:a16="http://schemas.microsoft.com/office/drawing/2014/main" id="{A1AF8711-F559-0A4F-41B7-BF8E76C9026D}"/>
-              </a:ext>
-            </a:extLst>
-          </p:cNvPr>
-          <p:cNvSpPr/>
-          <p:nvPr/>
-        </p:nvSpPr>
-        <p:spPr>
-          <a:xfrm>
-            <a:off x="129189" y="108651"/>
-            <a:ext cx="246109" cy="250784"/>
-          </a:xfrm>
-          <a:prstGeom prst="ellipse">
-            <a:avLst/>
-          </a:prstGeom>
-          <a:solidFill>
-            <a:schemeClr val="accent1"/>
-          </a:solidFill>
-          <a:ln>
-            <a:noFill/>
-          </a:ln>
-        </p:spPr>
-        <p:style>
-          <a:lnRef idx="2">
-            <a:schemeClr val="accent1">
-              <a:shade val="15000"/>
-            </a:schemeClr>
-          </a:lnRef>
-          <a:fillRef idx="1">
-            <a:schemeClr val="accent1"/>
-          </a:fillRef>
-          <a:effectRef idx="0">
-            <a:schemeClr val="accent1"/>
-          </a:effectRef>
-          <a:fontRef idx="minor">
-            <a:schemeClr val="lt1"/>
-          </a:fontRef>
-        </p:style>
-        <p:txBody>
-          <a:bodyPr rtlCol="0" anchor="ctr"/>
-          <a:lstStyle/>
-          <a:p>
-            <a:pPr algn="ctr"/>
-            <a:endParaRPr lang="en-US"/>
-          </a:p>
-        </p:txBody>
-      </p:sp>
-      <p:sp>
-        <p:nvSpPr>
-          <p:cNvPr id="8" name="Oval 7">
-            <a:extLst>
-              <a:ext uri="{FF2B5EF4-FFF2-40B4-BE49-F238E27FC236}">
-                <a16:creationId xmlns:a16="http://schemas.microsoft.com/office/drawing/2014/main" id="{AC3E67B0-A6BC-7FB9-3653-D4F5F4EBD8F2}"/>
-              </a:ext>
-            </a:extLst>
-          </p:cNvPr>
-          <p:cNvSpPr/>
-          <p:nvPr/>
-        </p:nvSpPr>
-        <p:spPr>
-          <a:xfrm>
-            <a:off x="504487" y="113785"/>
-            <a:ext cx="246109" cy="250784"/>
-          </a:xfrm>
-          <a:prstGeom prst="ellipse">
-            <a:avLst/>
-          </a:prstGeom>
-          <a:solidFill>
-            <a:schemeClr val="accent3"/>
-          </a:solidFill>
-          <a:ln>
-            <a:noFill/>
-          </a:ln>
-        </p:spPr>
-        <p:style>
-          <a:lnRef idx="2">
-            <a:schemeClr val="accent1">
-              <a:shade val="15000"/>
-            </a:schemeClr>
-          </a:lnRef>
-          <a:fillRef idx="1">
-            <a:schemeClr val="accent1"/>
-          </a:fillRef>
-          <a:effectRef idx="0">
-            <a:schemeClr val="accent1"/>
-          </a:effectRef>
-          <a:fontRef idx="minor">
-            <a:schemeClr val="lt1"/>
-          </a:fontRef>
-        </p:style>
-        <p:txBody>
-          <a:bodyPr rtlCol="0" anchor="ctr"/>
-          <a:lstStyle/>
-          <a:p>
-            <a:pPr algn="ctr"/>
-            <a:endParaRPr lang="en-US"/>
-          </a:p>
-        </p:txBody>
-      </p:sp>
-      <p:sp>
-        <p:nvSpPr>
-          <p:cNvPr id="9" name="Oval 8">
-            <a:extLst>
-              <a:ext uri="{FF2B5EF4-FFF2-40B4-BE49-F238E27FC236}">
-                <a16:creationId xmlns:a16="http://schemas.microsoft.com/office/drawing/2014/main" id="{D39BFEC0-380A-3C95-FDF7-405FB3E0A021}"/>
-              </a:ext>
-            </a:extLst>
-          </p:cNvPr>
-          <p:cNvSpPr/>
-          <p:nvPr/>
-        </p:nvSpPr>
-        <p:spPr>
-          <a:xfrm>
-            <a:off x="879785" y="108651"/>
-            <a:ext cx="246109" cy="250784"/>
-          </a:xfrm>
-          <a:prstGeom prst="ellipse">
-            <a:avLst/>
-          </a:prstGeom>
-          <a:solidFill>
-            <a:schemeClr val="accent2"/>
-          </a:solidFill>
-          <a:ln>
-            <a:noFill/>
-          </a:ln>
-        </p:spPr>
-        <p:style>
-          <a:lnRef idx="2">
-            <a:schemeClr val="accent1">
-              <a:shade val="15000"/>
-            </a:schemeClr>
-          </a:lnRef>
-          <a:fillRef idx="1">
-            <a:schemeClr val="accent1"/>
-          </a:fillRef>
-          <a:effectRef idx="0">
-            <a:schemeClr val="accent1"/>
-          </a:effectRef>
-          <a:fontRef idx="minor">
-            <a:schemeClr val="lt1"/>
-          </a:fontRef>
-        </p:style>
-        <p:txBody>
-          <a:bodyPr rtlCol="0" anchor="ctr"/>
-          <a:lstStyle/>
-          <a:p>
-            <a:pPr algn="ctr"/>
-            <a:endParaRPr lang="en-US"/>
-          </a:p>
-        </p:txBody>
-      </p:sp>
-    </p:spTree>
-    <p:extLst>
-      <p:ext uri="{BB962C8B-B14F-4D97-AF65-F5344CB8AC3E}">
-        <p14:creationId xmlns:p14="http://schemas.microsoft.com/office/powerpoint/2010/main" val="898163375"/>
-      </p:ext>
-    </p:extLst>
-  </p:cSld>
-  <p:clrMapOvr>
-    <a:masterClrMapping/>
-  </p:clrMapOvr>
-</p:sld>
-</file>
-
-<file path=ppt/slides/slide25.xml><?xml version="1.0" encoding="utf-8"?>
+<file path=ppt/slides/slide22.xml><?xml version="1.0" encoding="utf-8"?>
 <p:sld xmlns:a="http://schemas.openxmlformats.org/drawingml/2006/main" xmlns:r="http://schemas.openxmlformats.org/officeDocument/2006/relationships" xmlns:p="http://schemas.openxmlformats.org/presentationml/2006/main">
   <p:cSld>
     <p:spTree>
@@ -8991,7 +9692,194 @@
           <a:bodyPr/>
           <a:lstStyle/>
           <a:p>
-            <a:endParaRPr lang="en-US" dirty="0"/>
+            <a:r>
+              <a:rPr lang="en-US" dirty="0">
+                <a:solidFill>
+                  <a:schemeClr val="accent2"/>
+                </a:solidFill>
+              </a:rPr>
+              <a:t>Front End</a:t>
+            </a:r>
+            <a:r>
+              <a:rPr lang="en-US" dirty="0"/>
+              <a:t>: I’ve made a </a:t>
+            </a:r>
+            <a:r>
+              <a:rPr lang="en-US" dirty="0">
+                <a:solidFill>
+                  <a:schemeClr val="accent1"/>
+                </a:solidFill>
+              </a:rPr>
+              <a:t>tokenizer</a:t>
+            </a:r>
+            <a:r>
+              <a:rPr lang="en-US" dirty="0">
+                <a:solidFill>
+                  <a:schemeClr val="accent5"/>
+                </a:solidFill>
+              </a:rPr>
+              <a:t> which tokenizes each print keyword</a:t>
+            </a:r>
+            <a:r>
+              <a:rPr lang="en-US" dirty="0"/>
+              <a:t>, there is </a:t>
+            </a:r>
+            <a:r>
+              <a:rPr lang="en-US" dirty="0">
+                <a:solidFill>
+                  <a:schemeClr val="accent4"/>
+                </a:solidFill>
+              </a:rPr>
+              <a:t>no parse tree built since its just one function</a:t>
+            </a:r>
+            <a:r>
+              <a:rPr lang="en-US" dirty="0"/>
+              <a:t>. It then </a:t>
+            </a:r>
+            <a:r>
+              <a:rPr lang="en-US" dirty="0">
+                <a:solidFill>
+                  <a:schemeClr val="accent3"/>
+                </a:solidFill>
+              </a:rPr>
+              <a:t>looks for a string to associate the print keyword to</a:t>
+            </a:r>
+            <a:r>
+              <a:rPr lang="en-US" dirty="0"/>
+              <a:t>.</a:t>
+            </a:r>
+          </a:p>
+          <a:p>
+            <a:r>
+              <a:rPr lang="en-US" dirty="0">
+                <a:solidFill>
+                  <a:schemeClr val="accent5"/>
+                </a:solidFill>
+              </a:rPr>
+              <a:t>IR (C code)</a:t>
+            </a:r>
+            <a:r>
+              <a:rPr lang="en-US" dirty="0"/>
+              <a:t>: It </a:t>
+            </a:r>
+            <a:r>
+              <a:rPr lang="en-US" dirty="0">
+                <a:solidFill>
+                  <a:schemeClr val="accent2"/>
+                </a:solidFill>
+              </a:rPr>
+              <a:t>generates ‘C’ code</a:t>
+            </a:r>
+            <a:r>
+              <a:rPr lang="en-US" dirty="0"/>
+              <a:t> </a:t>
+            </a:r>
+            <a:r>
+              <a:rPr lang="en-US" dirty="0">
+                <a:solidFill>
+                  <a:schemeClr val="accent6"/>
+                </a:solidFill>
+              </a:rPr>
+              <a:t>using the tokens</a:t>
+            </a:r>
+            <a:r>
+              <a:rPr lang="en-US" dirty="0"/>
+              <a:t>.</a:t>
+            </a:r>
+          </a:p>
+          <a:p>
+            <a:r>
+              <a:rPr lang="en-US" dirty="0">
+                <a:solidFill>
+                  <a:schemeClr val="accent3"/>
+                </a:solidFill>
+              </a:rPr>
+              <a:t>Middle End</a:t>
+            </a:r>
+            <a:r>
+              <a:rPr lang="en-US" dirty="0"/>
+              <a:t>: There is </a:t>
+            </a:r>
+            <a:r>
+              <a:rPr lang="en-US" dirty="0">
+                <a:solidFill>
+                  <a:schemeClr val="accent4"/>
+                </a:solidFill>
+              </a:rPr>
+              <a:t>no optimizer phase</a:t>
+            </a:r>
+            <a:r>
+              <a:rPr lang="en-US" dirty="0"/>
+              <a:t> for my compiler.</a:t>
+            </a:r>
+          </a:p>
+          <a:p>
+            <a:r>
+              <a:rPr lang="en-US" dirty="0">
+                <a:solidFill>
+                  <a:schemeClr val="accent1"/>
+                </a:solidFill>
+              </a:rPr>
+              <a:t>Back End</a:t>
+            </a:r>
+            <a:r>
+              <a:rPr lang="en-US" dirty="0"/>
+              <a:t>: </a:t>
+            </a:r>
+            <a:r>
+              <a:rPr lang="en-US" dirty="0">
+                <a:solidFill>
+                  <a:schemeClr val="accent2"/>
+                </a:solidFill>
+              </a:rPr>
+              <a:t>Compiles this code</a:t>
+            </a:r>
+            <a:r>
+              <a:rPr lang="en-US" dirty="0"/>
+              <a:t> using </a:t>
+            </a:r>
+            <a:r>
+              <a:rPr lang="en-US" dirty="0">
+                <a:solidFill>
+                  <a:schemeClr val="accent3"/>
+                </a:solidFill>
+              </a:rPr>
+              <a:t>GCC</a:t>
+            </a:r>
+            <a:r>
+              <a:rPr lang="en-US" dirty="0"/>
+              <a:t>.</a:t>
+            </a:r>
+          </a:p>
+          <a:p>
+            <a:r>
+              <a:rPr lang="en-US" dirty="0"/>
+              <a:t>This is </a:t>
+            </a:r>
+            <a:r>
+              <a:rPr lang="en-US" dirty="0">
+                <a:solidFill>
+                  <a:schemeClr val="accent4"/>
+                </a:solidFill>
+              </a:rPr>
+              <a:t>essentially a</a:t>
+            </a:r>
+            <a:r>
+              <a:rPr lang="en-US" dirty="0"/>
+              <a:t> </a:t>
+            </a:r>
+            <a:r>
+              <a:rPr lang="en-US" dirty="0">
+                <a:solidFill>
+                  <a:schemeClr val="accent5"/>
+                </a:solidFill>
+              </a:rPr>
+              <a:t>one pass compiler</a:t>
+            </a:r>
+            <a:r>
+              <a:rPr lang="en-US" dirty="0"/>
+              <a:t>.</a:t>
+            </a:r>
           </a:p>
         </p:txBody>
       </p:sp>
@@ -9267,7 +10155,31 @@
           <a:p>
             <a:r>
               <a:rPr lang="en-US" dirty="0"/>
-              <a:t>Why we use a compiler:</a:t>
+              <a:t>Why we </a:t>
+            </a:r>
+            <a:r>
+              <a:rPr lang="en-US" dirty="0">
+                <a:solidFill>
+                  <a:schemeClr val="accent1"/>
+                </a:solidFill>
+              </a:rPr>
+              <a:t>use</a:t>
+            </a:r>
+            <a:r>
+              <a:rPr lang="en-US" dirty="0"/>
+              <a:t> a </a:t>
+            </a:r>
+            <a:r>
+              <a:rPr lang="en-US" dirty="0">
+                <a:solidFill>
+                  <a:schemeClr val="accent6"/>
+                </a:solidFill>
+              </a:rPr>
+              <a:t>compiler</a:t>
+            </a:r>
+            <a:r>
+              <a:rPr lang="en-US" dirty="0"/>
+              <a:t>:</a:t>
             </a:r>
           </a:p>
         </p:txBody>
@@ -9304,7 +10216,27 @@
             </a:pPr>
             <a:r>
               <a:rPr lang="en-US" dirty="0"/>
-              <a:t>In the early 1950s, there were no programming languages, and all code had to be written directly in machine code!</a:t>
+              <a:t>In the early </a:t>
+            </a:r>
+            <a:r>
+              <a:rPr lang="en-US" dirty="0">
+                <a:solidFill>
+                  <a:schemeClr val="accent2"/>
+                </a:solidFill>
+              </a:rPr>
+              <a:t>1950s</a:t>
+            </a:r>
+            <a:r>
+              <a:rPr lang="en-US" dirty="0"/>
+              <a:t>, there were no programming languages, and all code had to be </a:t>
+            </a:r>
+            <a:r>
+              <a:rPr lang="en-US" dirty="0">
+                <a:solidFill>
+                  <a:schemeClr val="accent1"/>
+                </a:solidFill>
+              </a:rPr>
+              <a:t>written directly in machine code!</a:t>
             </a:r>
           </a:p>
           <a:p>
@@ -9314,7 +10246,19 @@
             </a:pPr>
             <a:r>
               <a:rPr lang="en-US" dirty="0"/>
-              <a:t>We needed a more efficient way to interact with computers.</a:t>
+              <a:t>We needed a </a:t>
+            </a:r>
+            <a:r>
+              <a:rPr lang="en-US" dirty="0">
+                <a:solidFill>
+                  <a:schemeClr val="accent2"/>
+                </a:solidFill>
+              </a:rPr>
+              <a:t>more efficient way </a:t>
+            </a:r>
+            <a:r>
+              <a:rPr lang="en-US" dirty="0"/>
+              <a:t>to interact with computers.</a:t>
             </a:r>
           </a:p>
           <a:p>
@@ -9324,7 +10268,31 @@
             </a:pPr>
             <a:r>
               <a:rPr lang="en-US" dirty="0"/>
-              <a:t>The solution was to write code in a higher-level programming language, which could then be translated into machine code using a compiler.</a:t>
+              <a:t>The solution was to write code in a </a:t>
+            </a:r>
+            <a:r>
+              <a:rPr lang="en-US" dirty="0">
+                <a:solidFill>
+                  <a:schemeClr val="accent1"/>
+                </a:solidFill>
+              </a:rPr>
+              <a:t>higher-level programming language</a:t>
+            </a:r>
+            <a:r>
+              <a:rPr lang="en-US" dirty="0"/>
+              <a:t>, which could then be translated </a:t>
+            </a:r>
+            <a:r>
+              <a:rPr lang="en-US" dirty="0">
+                <a:solidFill>
+                  <a:schemeClr val="accent2"/>
+                </a:solidFill>
+              </a:rPr>
+              <a:t>into machine code </a:t>
+            </a:r>
+            <a:r>
+              <a:rPr lang="en-US" dirty="0"/>
+              <a:t>using a compiler.</a:t>
             </a:r>
           </a:p>
         </p:txBody>
@@ -9600,8 +10568,28 @@
           <a:lstStyle/>
           <a:p>
             <a:r>
-              <a:rPr lang="en-US" dirty="0"/>
-              <a:t>History of Compilers:</a:t>
+              <a:rPr lang="en-US" dirty="0">
+                <a:solidFill>
+                  <a:schemeClr val="accent5"/>
+                </a:solidFill>
+              </a:rPr>
+              <a:t>History</a:t>
+            </a:r>
+            <a:r>
+              <a:rPr lang="en-US" dirty="0"/>
+              <a:t> of </a:t>
+            </a:r>
+            <a:r>
+              <a:rPr lang="en-US" dirty="0">
+                <a:solidFill>
+                  <a:schemeClr val="accent6"/>
+                </a:solidFill>
+              </a:rPr>
+              <a:t>Compilers</a:t>
+            </a:r>
+            <a:r>
+              <a:rPr lang="en-US" dirty="0"/>
+              <a:t>:</a:t>
             </a:r>
           </a:p>
         </p:txBody>
@@ -9629,7 +10617,9 @@
           </a:xfrm>
         </p:spPr>
         <p:txBody>
-          <a:bodyPr/>
+          <a:bodyPr>
+            <a:normAutofit/>
+          </a:bodyPr>
           <a:lstStyle/>
           <a:p>
             <a:pPr>
@@ -9638,7 +10628,73 @@
             </a:pPr>
             <a:r>
               <a:rPr lang="en-US" dirty="0"/>
-              <a:t>In 1957 the first programming language FORTRAN (FORmula TRANslation) was invented, its compiler translated complex mathematical formulae into efficient machine code.</a:t>
+              <a:t>In </a:t>
+            </a:r>
+            <a:r>
+              <a:rPr lang="en-US" dirty="0">
+                <a:solidFill>
+                  <a:schemeClr val="accent1"/>
+                </a:solidFill>
+              </a:rPr>
+              <a:t>1957</a:t>
+            </a:r>
+            <a:r>
+              <a:rPr lang="en-US" dirty="0"/>
+              <a:t> the </a:t>
+            </a:r>
+            <a:r>
+              <a:rPr lang="en-US" dirty="0">
+                <a:solidFill>
+                  <a:schemeClr val="accent3"/>
+                </a:solidFill>
+              </a:rPr>
+              <a:t>first programming language </a:t>
+            </a:r>
+            <a:r>
+              <a:rPr lang="en-US" dirty="0">
+                <a:solidFill>
+                  <a:schemeClr val="accent2"/>
+                </a:solidFill>
+              </a:rPr>
+              <a:t>FORTRAN</a:t>
+            </a:r>
+            <a:r>
+              <a:rPr lang="en-US" dirty="0"/>
+              <a:t> (FORmula TRANslation) was invented, its compiler translated complex </a:t>
+            </a:r>
+            <a:r>
+              <a:rPr lang="en-US" dirty="0">
+                <a:solidFill>
+                  <a:schemeClr val="accent4"/>
+                </a:solidFill>
+                <a:ea typeface="+mj-ea"/>
+                <a:cs typeface="+mj-cs"/>
+              </a:rPr>
+              <a:t>mathematical</a:t>
+            </a:r>
+            <a:r>
+              <a:rPr lang="en-US" dirty="0">
+                <a:solidFill>
+                  <a:schemeClr val="accent4"/>
+                </a:solidFill>
+              </a:rPr>
+              <a:t> formulae </a:t>
+            </a:r>
+            <a:r>
+              <a:rPr lang="en-US" dirty="0"/>
+              <a:t>into efficient </a:t>
+            </a:r>
+            <a:r>
+              <a:rPr lang="en-US" dirty="0">
+                <a:solidFill>
+                  <a:schemeClr val="accent6"/>
+                </a:solidFill>
+              </a:rPr>
+              <a:t>machine code</a:t>
+            </a:r>
+            <a:r>
+              <a:rPr lang="en-US" dirty="0"/>
+              <a:t>.</a:t>
             </a:r>
           </a:p>
           <a:p>
@@ -9648,7 +10704,43 @@
             </a:pPr>
             <a:r>
               <a:rPr lang="en-US" dirty="0"/>
-              <a:t>In 1958 LISP’s compiler introduced dynamic memory allocation and garbage collection.</a:t>
+              <a:t>In </a:t>
+            </a:r>
+            <a:r>
+              <a:rPr lang="en-US" dirty="0">
+                <a:solidFill>
+                  <a:schemeClr val="accent1"/>
+                </a:solidFill>
+              </a:rPr>
+              <a:t>1958</a:t>
+            </a:r>
+            <a:r>
+              <a:rPr lang="en-US" dirty="0"/>
+              <a:t> </a:t>
+            </a:r>
+            <a:r>
+              <a:rPr lang="en-US" dirty="0">
+                <a:solidFill>
+                  <a:schemeClr val="accent2"/>
+                </a:solidFill>
+              </a:rPr>
+              <a:t>LISP</a:t>
+            </a:r>
+            <a:r>
+              <a:rPr lang="en-US" dirty="0"/>
+              <a:t>’s compiler introduced </a:t>
+            </a:r>
+            <a:r>
+              <a:rPr lang="en-US" dirty="0">
+                <a:solidFill>
+                  <a:schemeClr val="accent3"/>
+                </a:solidFill>
+              </a:rPr>
+              <a:t>dynamic memory allocation and garbage collection</a:t>
+            </a:r>
+            <a:r>
+              <a:rPr lang="en-US" dirty="0"/>
+              <a:t>.</a:t>
             </a:r>
           </a:p>
           <a:p>
@@ -9658,7 +10750,43 @@
             </a:pPr>
             <a:r>
               <a:rPr lang="en-US" dirty="0"/>
-              <a:t>In 1959 COBOL’s compiler focused on portability, allowing the same code to run on different machines.</a:t>
+              <a:t>In </a:t>
+            </a:r>
+            <a:r>
+              <a:rPr lang="en-US" dirty="0">
+                <a:solidFill>
+                  <a:schemeClr val="accent1"/>
+                </a:solidFill>
+              </a:rPr>
+              <a:t>1959</a:t>
+            </a:r>
+            <a:r>
+              <a:rPr lang="en-US" dirty="0"/>
+              <a:t> </a:t>
+            </a:r>
+            <a:r>
+              <a:rPr lang="en-US" dirty="0">
+                <a:solidFill>
+                  <a:schemeClr val="accent5"/>
+                </a:solidFill>
+              </a:rPr>
+              <a:t>COBOL</a:t>
+            </a:r>
+            <a:r>
+              <a:rPr lang="en-US" dirty="0"/>
+              <a:t>’s compiler focused on </a:t>
+            </a:r>
+            <a:r>
+              <a:rPr lang="en-US" dirty="0">
+                <a:solidFill>
+                  <a:schemeClr val="accent2"/>
+                </a:solidFill>
+              </a:rPr>
+              <a:t>portability</a:t>
+            </a:r>
+            <a:r>
+              <a:rPr lang="en-US" dirty="0"/>
+              <a:t>, allowing the same code to run on different machines.</a:t>
             </a:r>
           </a:p>
         </p:txBody>
@@ -9935,39 +11063,151 @@
           <a:p>
             <a:r>
               <a:rPr lang="en-US" dirty="0"/>
-              <a:t>In 1960 ALGOL’s compiler introduced structured programming and syntax trees, which became critical for modern compiler design.</a:t>
-            </a:r>
-          </a:p>
-          <a:p>
-            <a:r>
-              <a:rPr lang="en-US" dirty="0"/>
-              <a:t>In 1972 C programming language was developed, requiring compilers to optimize for performance.</a:t>
-            </a:r>
-          </a:p>
-          <a:p>
-            <a:r>
-              <a:rPr lang="en-US" dirty="0"/>
-              <a:t>Coming to the modern era, we have made significant advancements in the compiler industry, these are some of the modern compiler used:</a:t>
+              <a:t>In </a:t>
+            </a:r>
+            <a:r>
+              <a:rPr lang="en-US" dirty="0">
+                <a:solidFill>
+                  <a:schemeClr val="accent1"/>
+                </a:solidFill>
+              </a:rPr>
+              <a:t>1960</a:t>
+            </a:r>
+            <a:r>
+              <a:rPr lang="en-US" dirty="0"/>
+              <a:t> </a:t>
+            </a:r>
+            <a:r>
+              <a:rPr lang="en-US" dirty="0">
+                <a:solidFill>
+                  <a:schemeClr val="accent2"/>
+                </a:solidFill>
+              </a:rPr>
+              <a:t>ALGOL</a:t>
+            </a:r>
+            <a:r>
+              <a:rPr lang="en-US" dirty="0"/>
+              <a:t>’s compiler introduced </a:t>
+            </a:r>
+            <a:r>
+              <a:rPr lang="en-US" dirty="0">
+                <a:solidFill>
+                  <a:schemeClr val="accent3"/>
+                </a:solidFill>
+              </a:rPr>
+              <a:t>structured programming and syntax trees</a:t>
+            </a:r>
+            <a:r>
+              <a:rPr lang="en-US" dirty="0"/>
+              <a:t>, which became critical for modern compiler design.</a:t>
+            </a:r>
+          </a:p>
+          <a:p>
+            <a:r>
+              <a:rPr lang="en-US" dirty="0"/>
+              <a:t>In </a:t>
+            </a:r>
+            <a:r>
+              <a:rPr lang="en-US" dirty="0">
+                <a:solidFill>
+                  <a:schemeClr val="accent1"/>
+                </a:solidFill>
+              </a:rPr>
+              <a:t>1972</a:t>
+            </a:r>
+            <a:r>
+              <a:rPr lang="en-US" dirty="0"/>
+              <a:t> </a:t>
+            </a:r>
+            <a:r>
+              <a:rPr lang="en-US" dirty="0">
+                <a:solidFill>
+                  <a:schemeClr val="accent2"/>
+                </a:solidFill>
+              </a:rPr>
+              <a:t>C programming language </a:t>
+            </a:r>
+            <a:r>
+              <a:rPr lang="en-US" dirty="0"/>
+              <a:t>was developed, requiring compilers to </a:t>
+            </a:r>
+            <a:r>
+              <a:rPr lang="en-US" dirty="0">
+                <a:solidFill>
+                  <a:schemeClr val="accent5"/>
+                </a:solidFill>
+              </a:rPr>
+              <a:t>optimize for performance</a:t>
+            </a:r>
+            <a:r>
+              <a:rPr lang="en-US" dirty="0"/>
+              <a:t>.</a:t>
+            </a:r>
+          </a:p>
+          <a:p>
+            <a:r>
+              <a:rPr lang="en-US" dirty="0"/>
+              <a:t>Coming to the </a:t>
+            </a:r>
+            <a:r>
+              <a:rPr lang="en-US" dirty="0">
+                <a:solidFill>
+                  <a:schemeClr val="accent4"/>
+                </a:solidFill>
+              </a:rPr>
+              <a:t>modern era</a:t>
+            </a:r>
+            <a:r>
+              <a:rPr lang="en-US" dirty="0"/>
+              <a:t>, we have made significant advancements in the compiler industry, these are some of the modern compiler used:</a:t>
             </a:r>
           </a:p>
           <a:p>
             <a:pPr lvl="1"/>
             <a:r>
-              <a:rPr lang="en-US" dirty="0"/>
-              <a:t>Just in time compiler (more on this later)</a:t>
+              <a:rPr lang="en-US" dirty="0">
+                <a:solidFill>
+                  <a:schemeClr val="accent2"/>
+                </a:solidFill>
+              </a:rPr>
+              <a:t>Just in time compiler </a:t>
+            </a:r>
+            <a:r>
+              <a:rPr lang="en-US" dirty="0"/>
+              <a:t>(more on this later)</a:t>
             </a:r>
           </a:p>
           <a:p>
             <a:pPr lvl="1"/>
             <a:r>
-              <a:rPr lang="en-US" dirty="0"/>
-              <a:t>Cross-platform compilers and so on</a:t>
-            </a:r>
-          </a:p>
-          <a:p>
-            <a:r>
-              <a:rPr lang="en-US" dirty="0"/>
-              <a:t>Some modern compilers even integrate AI to predict optimization strategies and improve performance.</a:t>
+              <a:rPr lang="en-US" dirty="0">
+                <a:solidFill>
+                  <a:schemeClr val="accent5"/>
+                </a:solidFill>
+              </a:rPr>
+              <a:t>Cross-platform compilers </a:t>
+            </a:r>
+            <a:r>
+              <a:rPr lang="en-US" dirty="0"/>
+              <a:t>and so on</a:t>
+            </a:r>
+          </a:p>
+          <a:p>
+            <a:r>
+              <a:rPr lang="en-US" dirty="0"/>
+              <a:t>Some modern compilers </a:t>
+            </a:r>
+            <a:r>
+              <a:rPr lang="en-US" dirty="0">
+                <a:solidFill>
+                  <a:schemeClr val="accent1"/>
+                </a:solidFill>
+              </a:rPr>
+              <a:t>even integrate AI</a:t>
+            </a:r>
+            <a:r>
+              <a:rPr lang="en-US" dirty="0"/>
+              <a:t> to predict optimization strategies and improve performance.</a:t>
             </a:r>
           </a:p>
         </p:txBody>
@@ -10244,7 +11484,19 @@
           <a:p>
             <a:r>
               <a:rPr lang="en-US" dirty="0"/>
-              <a:t>A modern compiler:</a:t>
+              <a:t>A modern </a:t>
+            </a:r>
+            <a:r>
+              <a:rPr lang="en-US" dirty="0">
+                <a:solidFill>
+                  <a:schemeClr val="accent6"/>
+                </a:solidFill>
+              </a:rPr>
+              <a:t>compiler</a:t>
+            </a:r>
+            <a:r>
+              <a:rPr lang="en-US" dirty="0"/>
+              <a:t>:</a:t>
             </a:r>
           </a:p>
         </p:txBody>
@@ -11424,7 +12676,19 @@
           <a:p>
             <a:r>
               <a:rPr lang="en-US" dirty="0"/>
-              <a:t>Let’s look at them briefly.</a:t>
+              <a:t>Let’s look at them </a:t>
+            </a:r>
+            <a:r>
+              <a:rPr lang="en-US" dirty="0">
+                <a:solidFill>
+                  <a:schemeClr val="accent2"/>
+                </a:solidFill>
+              </a:rPr>
+              <a:t>briefly</a:t>
+            </a:r>
+            <a:r>
+              <a:rPr lang="en-US" dirty="0"/>
+              <a:t>.</a:t>
             </a:r>
           </a:p>
         </p:txBody>
@@ -11508,23 +12772,79 @@
             <a:pPr lvl="1"/>
             <a:r>
               <a:rPr lang="en-US" dirty="0"/>
-              <a:t>Converts the code into an intermediate representation</a:t>
+              <a:t>Converts the code into an </a:t>
+            </a:r>
+            <a:r>
+              <a:rPr lang="en-US" dirty="0">
+                <a:solidFill>
+                  <a:schemeClr val="accent2"/>
+                </a:solidFill>
+              </a:rPr>
+              <a:t>intermediate representation</a:t>
             </a:r>
           </a:p>
           <a:p>
             <a:pPr lvl="1"/>
             <a:r>
               <a:rPr lang="en-US" dirty="0"/>
-              <a:t>It involves preprocessing, tokenizing, parsing, and then finally generating the IR.</a:t>
-            </a:r>
-          </a:p>
-          <a:p>
+              <a:t>It involves </a:t>
+            </a:r>
+            <a:r>
+              <a:rPr lang="en-US" dirty="0">
+                <a:solidFill>
+                  <a:schemeClr val="accent3"/>
+                </a:solidFill>
+              </a:rPr>
+              <a:t>preprocessing</a:t>
+            </a:r>
+            <a:r>
+              <a:rPr lang="en-US" dirty="0"/>
+              <a:t>, </a:t>
+            </a:r>
             <a:r>
               <a:rPr lang="en-US" dirty="0">
                 <a:solidFill>
                   <a:schemeClr val="accent4"/>
                 </a:solidFill>
               </a:rPr>
+              <a:t>tokenizing</a:t>
+            </a:r>
+            <a:r>
+              <a:rPr lang="en-US" dirty="0"/>
+              <a:t>, </a:t>
+            </a:r>
+            <a:r>
+              <a:rPr lang="en-US" dirty="0">
+                <a:solidFill>
+                  <a:schemeClr val="accent5"/>
+                </a:solidFill>
+              </a:rPr>
+              <a:t>parsing</a:t>
+            </a:r>
+            <a:r>
+              <a:rPr lang="en-US" dirty="0"/>
+              <a:t>, and then finally </a:t>
+            </a:r>
+            <a:r>
+              <a:rPr lang="en-US" dirty="0">
+                <a:solidFill>
+                  <a:schemeClr val="accent6"/>
+                </a:solidFill>
+              </a:rPr>
+              <a:t>generating the IR</a:t>
+            </a:r>
+            <a:r>
+              <a:rPr lang="en-US" dirty="0"/>
+              <a:t>.</a:t>
+            </a:r>
+          </a:p>
+          <a:p>
+            <a:r>
+              <a:rPr lang="en-US" dirty="0">
+                <a:solidFill>
+                  <a:schemeClr val="accent4"/>
+                </a:solidFill>
+              </a:rPr>
               <a:t>Optimization</a:t>
             </a:r>
             <a:r>
@@ -11536,14 +12856,74 @@
             <a:pPr lvl="1"/>
             <a:r>
               <a:rPr lang="en-US" dirty="0"/>
-              <a:t>The IR generated in the frontend is then optimized for either speed or space.</a:t>
+              <a:t>The IR generated in the frontend is then </a:t>
+            </a:r>
+            <a:r>
+              <a:rPr lang="en-US" dirty="0">
+                <a:solidFill>
+                  <a:schemeClr val="accent1"/>
+                </a:solidFill>
+              </a:rPr>
+              <a:t>optimized for either</a:t>
+            </a:r>
+            <a:r>
+              <a:rPr lang="en-US" dirty="0"/>
+              <a:t> </a:t>
+            </a:r>
+            <a:r>
+              <a:rPr lang="en-US" dirty="0">
+                <a:solidFill>
+                  <a:schemeClr val="accent3"/>
+                </a:solidFill>
+              </a:rPr>
+              <a:t>speed</a:t>
+            </a:r>
+            <a:r>
+              <a:rPr lang="en-US" dirty="0"/>
+              <a:t> or </a:t>
+            </a:r>
+            <a:r>
+              <a:rPr lang="en-US" dirty="0">
+                <a:solidFill>
+                  <a:schemeClr val="accent2"/>
+                </a:solidFill>
+              </a:rPr>
+              <a:t>space</a:t>
+            </a:r>
+            <a:r>
+              <a:rPr lang="en-US" dirty="0"/>
+              <a:t>.</a:t>
             </a:r>
           </a:p>
           <a:p>
             <a:pPr lvl="1"/>
             <a:r>
               <a:rPr lang="en-US" dirty="0"/>
-              <a:t>Such as loop optimization, dead code elimination etc.</a:t>
+              <a:t>Such as </a:t>
+            </a:r>
+            <a:r>
+              <a:rPr lang="en-US" dirty="0">
+                <a:solidFill>
+                  <a:schemeClr val="accent6"/>
+                </a:solidFill>
+              </a:rPr>
+              <a:t>loop optimization</a:t>
+            </a:r>
+            <a:r>
+              <a:rPr lang="en-US" dirty="0"/>
+              <a:t>, </a:t>
+            </a:r>
+            <a:r>
+              <a:rPr lang="en-US" dirty="0">
+                <a:solidFill>
+                  <a:schemeClr val="accent5"/>
+                </a:solidFill>
+              </a:rPr>
+              <a:t>dead code elimination</a:t>
+            </a:r>
+            <a:r>
+              <a:rPr lang="en-US" dirty="0"/>
+              <a:t> etc.</a:t>
             </a:r>
           </a:p>
           <a:p>
@@ -11564,7 +12944,31 @@
             <a:pPr lvl="1"/>
             <a:r>
               <a:rPr lang="en-US" dirty="0"/>
-              <a:t>It translates the optimized IR into machine code or assembly language specific to the target device.</a:t>
+              <a:t>It translates the optimized IR into </a:t>
+            </a:r>
+            <a:r>
+              <a:rPr lang="en-US" dirty="0">
+                <a:solidFill>
+                  <a:schemeClr val="accent3"/>
+                </a:solidFill>
+              </a:rPr>
+              <a:t>machine code</a:t>
+            </a:r>
+            <a:r>
+              <a:rPr lang="en-US" dirty="0"/>
+              <a:t> or assembly language </a:t>
+            </a:r>
+            <a:r>
+              <a:rPr lang="en-US" dirty="0">
+                <a:solidFill>
+                  <a:schemeClr val="accent6"/>
+                </a:solidFill>
+              </a:rPr>
+              <a:t>specific to the target device</a:t>
+            </a:r>
+            <a:r>
+              <a:rPr lang="en-US" dirty="0"/>
+              <a:t>.</a:t>
             </a:r>
           </a:p>
         </p:txBody>
@@ -11841,7 +13245,19 @@
           <a:p>
             <a:r>
               <a:rPr lang="en-US" dirty="0"/>
-              <a:t>What is an interpreter?</a:t>
+              <a:t>What is an </a:t>
+            </a:r>
+            <a:r>
+              <a:rPr lang="en-US" dirty="0">
+                <a:solidFill>
+                  <a:schemeClr val="accent5"/>
+                </a:solidFill>
+              </a:rPr>
+              <a:t>interpreter</a:t>
+            </a:r>
+            <a:r>
+              <a:rPr lang="en-US" dirty="0"/>
+              <a:t>?</a:t>
             </a:r>
           </a:p>
         </p:txBody>
@@ -11874,13 +13290,61 @@
           <a:p>
             <a:r>
               <a:rPr lang="en-US" dirty="0"/>
-              <a:t>It takes the source code, converts it to machine instructions and directly runs them.</a:t>
-            </a:r>
-          </a:p>
-          <a:p>
-            <a:r>
-              <a:rPr lang="en-US" dirty="0"/>
-              <a:t>The working of a interpreter is closely associated to how a debugger works.</a:t>
+              <a:t>It takes the </a:t>
+            </a:r>
+            <a:r>
+              <a:rPr lang="en-US" dirty="0">
+                <a:solidFill>
+                  <a:schemeClr val="accent1"/>
+                </a:solidFill>
+              </a:rPr>
+              <a:t>source code</a:t>
+            </a:r>
+            <a:r>
+              <a:rPr lang="en-US" dirty="0"/>
+              <a:t>, converts it to </a:t>
+            </a:r>
+            <a:r>
+              <a:rPr lang="en-US" dirty="0">
+                <a:solidFill>
+                  <a:schemeClr val="accent3"/>
+                </a:solidFill>
+              </a:rPr>
+              <a:t>machine instructions</a:t>
+            </a:r>
+            <a:r>
+              <a:rPr lang="en-US" dirty="0"/>
+              <a:t> and </a:t>
+            </a:r>
+            <a:r>
+              <a:rPr lang="en-US" dirty="0">
+                <a:solidFill>
+                  <a:schemeClr val="accent2"/>
+                </a:solidFill>
+              </a:rPr>
+              <a:t>directly runs them</a:t>
+            </a:r>
+            <a:r>
+              <a:rPr lang="en-US" dirty="0"/>
+              <a:t>.</a:t>
+            </a:r>
+          </a:p>
+          <a:p>
+            <a:r>
+              <a:rPr lang="en-US" dirty="0"/>
+              <a:t>The working of an interpreter is </a:t>
+            </a:r>
+            <a:r>
+              <a:rPr lang="en-US" dirty="0">
+                <a:solidFill>
+                  <a:schemeClr val="accent5"/>
+                </a:solidFill>
+              </a:rPr>
+              <a:t>closely associated to how a debugger works</a:t>
+            </a:r>
+            <a:r>
+              <a:rPr lang="en-US" dirty="0"/>
+              <a:t>.</a:t>
             </a:r>
           </a:p>
           <a:p>
@@ -12158,12 +13622,26 @@
           </a:xfrm>
         </p:spPr>
         <p:txBody>
-          <a:bodyPr/>
-          <a:lstStyle/>
-          <a:p>
-            <a:r>
-              <a:rPr lang="en-US" dirty="0"/>
-              <a:t>An interpreter generally uses these following strategies for program execution:</a:t>
+          <a:bodyPr>
+            <a:normAutofit/>
+          </a:bodyPr>
+          <a:lstStyle/>
+          <a:p>
+            <a:r>
+              <a:rPr lang="en-US" dirty="0"/>
+              <a:t>An interpreter generally uses these </a:t>
+            </a:r>
+            <a:r>
+              <a:rPr lang="en-US" dirty="0">
+                <a:solidFill>
+                  <a:schemeClr val="accent5"/>
+                </a:solidFill>
+              </a:rPr>
+              <a:t>following strategies for program execution</a:t>
+            </a:r>
+            <a:r>
+              <a:rPr lang="en-US" dirty="0"/>
+              <a:t>:</a:t>
             </a:r>
           </a:p>
           <a:p>
@@ -12175,8 +13653,28 @@
               <a:buAutoNum type="arabicPeriod"/>
             </a:pPr>
             <a:r>
-              <a:rPr lang="en-US" dirty="0"/>
-              <a:t>Parse the source code and perform its behavior directly. Early versions of LISP used this.</a:t>
+              <a:rPr lang="en-US" dirty="0">
+                <a:solidFill>
+                  <a:schemeClr val="accent1"/>
+                </a:solidFill>
+              </a:rPr>
+              <a:t>Parse the source code</a:t>
+            </a:r>
+            <a:r>
+              <a:rPr lang="en-US" dirty="0"/>
+              <a:t> and </a:t>
+            </a:r>
+            <a:r>
+              <a:rPr lang="en-US" dirty="0">
+                <a:solidFill>
+                  <a:schemeClr val="accent6"/>
+                </a:solidFill>
+              </a:rPr>
+              <a:t>perform its behavior directly</a:t>
+            </a:r>
+            <a:r>
+              <a:rPr lang="en-US" dirty="0"/>
+              <a:t>. Early versions of LISP used this.</a:t>
             </a:r>
           </a:p>
           <a:p>
@@ -12189,7 +13687,31 @@
             </a:pPr>
             <a:r>
               <a:rPr lang="en-US" dirty="0"/>
-              <a:t>Translate source code into some efficient intermediate representation and immediately execute that. Perl, Python, MATLAB, and Ruby are some examples.</a:t>
+              <a:t>Translate source code into </a:t>
+            </a:r>
+            <a:r>
+              <a:rPr lang="en-US" dirty="0">
+                <a:solidFill>
+                  <a:schemeClr val="accent4"/>
+                </a:solidFill>
+              </a:rPr>
+              <a:t>some efficient intermediate representation</a:t>
+            </a:r>
+            <a:r>
+              <a:rPr lang="en-US" dirty="0"/>
+              <a:t> and </a:t>
+            </a:r>
+            <a:r>
+              <a:rPr lang="en-US" dirty="0">
+                <a:solidFill>
+                  <a:schemeClr val="accent2"/>
+                </a:solidFill>
+              </a:rPr>
+              <a:t>immediately execute that</a:t>
+            </a:r>
+            <a:r>
+              <a:rPr lang="en-US" dirty="0"/>
+              <a:t>. Perl, Python, MATLAB, and Ruby are some examples.</a:t>
             </a:r>
           </a:p>
           <a:p>
@@ -12202,7 +13724,42 @@
             </a:pPr>
             <a:r>
               <a:rPr lang="en-US" dirty="0"/>
-              <a:t>Explicitly execute stored precompiled bytecode made by a compiler and matched with the interpreter's virtual machine. – cite this</a:t>
+              <a:t>Explicitly </a:t>
+            </a:r>
+            <a:r>
+              <a:rPr lang="en-US" dirty="0">
+                <a:solidFill>
+                  <a:schemeClr val="accent3"/>
+                </a:solidFill>
+              </a:rPr>
+              <a:t>execute stored precompiled bytecode</a:t>
+            </a:r>
+            <a:r>
+              <a:rPr lang="en-US" dirty="0"/>
+              <a:t> made by a compiler, which is </a:t>
+            </a:r>
+            <a:r>
+              <a:rPr lang="en-US" dirty="0">
+                <a:solidFill>
+                  <a:schemeClr val="accent5"/>
+                </a:solidFill>
+              </a:rPr>
+              <a:t>compatible with the interpreter's virtual machine</a:t>
+            </a:r>
+            <a:r>
+              <a:rPr lang="en-US" dirty="0"/>
+              <a:t>.</a:t>
+            </a:r>
+          </a:p>
+          <a:p>
+            <a:pPr>
+              <a:lnSpc>
+                <a:spcPct val="100000"/>
+              </a:lnSpc>
+            </a:pPr>
+            <a:r>
+              <a:rPr lang="en-US" dirty="0"/>
+              <a:t>Some systems, such as contemporary versions of BASIC and Java may also combine 2 and 3 types.</a:t>
             </a:r>
           </a:p>
           <a:p>

--- a/Compilers.pptx
+++ b/Compilers.pptx
@@ -4921,19 +4921,103 @@
           <a:p>
             <a:r>
               <a:rPr lang="en-US" dirty="0"/>
-              <a:t>The main idea behind a JIT compiler is to compile code during program execution, allowing for optimizations based on program’s behavior and the runtime environment.</a:t>
-            </a:r>
-          </a:p>
-          <a:p>
-            <a:r>
-              <a:rPr lang="en-US" dirty="0"/>
-              <a:t>A drawback to this is that you have to let the program run for some time to achieve optimized code, meaning apps built using this have longer start-up times.</a:t>
-            </a:r>
-          </a:p>
-          <a:p>
-            <a:r>
-              <a:rPr lang="en-US" dirty="0"/>
-              <a:t>A few examples are Java virtual machine, Google’s V8 used in chrome.</a:t>
+              <a:t>The main idea behind a JIT compiler is to </a:t>
+            </a:r>
+            <a:r>
+              <a:rPr lang="en-US" dirty="0">
+                <a:solidFill>
+                  <a:schemeClr val="accent1"/>
+                </a:solidFill>
+              </a:rPr>
+              <a:t>compile code during program execution</a:t>
+            </a:r>
+            <a:r>
+              <a:rPr lang="en-US" dirty="0"/>
+              <a:t>, </a:t>
+            </a:r>
+            <a:r>
+              <a:rPr lang="en-US" dirty="0">
+                <a:solidFill>
+                  <a:schemeClr val="accent2"/>
+                </a:solidFill>
+              </a:rPr>
+              <a:t>allowing for optimizations based on program’s behavior</a:t>
+            </a:r>
+            <a:r>
+              <a:rPr lang="en-US" dirty="0"/>
+              <a:t> and the runtime environment.</a:t>
+            </a:r>
+          </a:p>
+          <a:p>
+            <a:r>
+              <a:rPr lang="en-US" dirty="0"/>
+              <a:t>A </a:t>
+            </a:r>
+            <a:r>
+              <a:rPr lang="en-US" dirty="0">
+                <a:solidFill>
+                  <a:schemeClr val="accent4"/>
+                </a:solidFill>
+              </a:rPr>
+              <a:t>drawback</a:t>
+            </a:r>
+            <a:r>
+              <a:rPr lang="en-US" dirty="0"/>
+              <a:t> to this is that you </a:t>
+            </a:r>
+            <a:r>
+              <a:rPr lang="en-US" dirty="0">
+                <a:solidFill>
+                  <a:schemeClr val="accent6"/>
+                </a:solidFill>
+              </a:rPr>
+              <a:t>have to let the program run for some time</a:t>
+            </a:r>
+            <a:r>
+              <a:rPr lang="en-US" dirty="0"/>
+              <a:t> </a:t>
+            </a:r>
+            <a:r>
+              <a:rPr lang="en-US" dirty="0">
+                <a:solidFill>
+                  <a:schemeClr val="accent3"/>
+                </a:solidFill>
+              </a:rPr>
+              <a:t>to achieve optimized code</a:t>
+            </a:r>
+            <a:r>
+              <a:rPr lang="en-US" dirty="0"/>
+              <a:t>, meaning </a:t>
+            </a:r>
+            <a:r>
+              <a:rPr lang="en-US" dirty="0">
+                <a:solidFill>
+                  <a:schemeClr val="accent5"/>
+                </a:solidFill>
+              </a:rPr>
+              <a:t>apps built using this have longer start-up times</a:t>
+            </a:r>
+            <a:r>
+              <a:rPr lang="en-US" dirty="0"/>
+              <a:t>.</a:t>
+            </a:r>
+          </a:p>
+          <a:p>
+            <a:r>
+              <a:rPr lang="en-US" dirty="0"/>
+              <a:t>A few examples are </a:t>
+            </a:r>
+            <a:r>
+              <a:rPr lang="en-US" dirty="0">
+                <a:solidFill>
+                  <a:schemeClr val="accent1"/>
+                </a:solidFill>
+              </a:rPr>
+              <a:t>Java virtual machine, Google’s V8 used in chrome</a:t>
+            </a:r>
+            <a:r>
+              <a:rPr lang="en-US" dirty="0"/>
+              <a:t>.</a:t>
             </a:r>
           </a:p>
           <a:p>
@@ -7769,19 +7853,67 @@
           <a:p>
             <a:r>
               <a:rPr lang="en-US" dirty="0"/>
-              <a:t>There are many methods in which a compiler optimizes the code, here are a few:</a:t>
-            </a:r>
-          </a:p>
-          <a:p>
-            <a:r>
-              <a:rPr lang="en-US" dirty="0"/>
-              <a:t>Constant folding: It evaluates the constant expressions. Ex. 2 + 6 is replaced with 8 during compilation.</a:t>
-            </a:r>
-          </a:p>
-          <a:p>
-            <a:r>
-              <a:rPr lang="en-US" dirty="0"/>
-              <a:t>Constant propagation: It makes the variables constant if it finds it to be constant throughout. Ex. If x = 10, and y = x + 5; this is replaced with y = 15</a:t>
+              <a:t>There are </a:t>
+            </a:r>
+            <a:r>
+              <a:rPr lang="en-US" dirty="0">
+                <a:solidFill>
+                  <a:schemeClr val="accent1"/>
+                </a:solidFill>
+              </a:rPr>
+              <a:t>many methods in which a compiler optimizes the code</a:t>
+            </a:r>
+            <a:r>
+              <a:rPr lang="en-US" dirty="0"/>
+              <a:t>, here are a few:</a:t>
+            </a:r>
+          </a:p>
+          <a:p>
+            <a:r>
+              <a:rPr lang="en-US" dirty="0">
+                <a:solidFill>
+                  <a:schemeClr val="accent2"/>
+                </a:solidFill>
+              </a:rPr>
+              <a:t>Constant folding</a:t>
+            </a:r>
+            <a:r>
+              <a:rPr lang="en-US" dirty="0"/>
+              <a:t>: It evaluates the constant expressions. Ex. </a:t>
+            </a:r>
+            <a:r>
+              <a:rPr lang="en-US" dirty="0">
+                <a:solidFill>
+                  <a:schemeClr val="accent6"/>
+                </a:solidFill>
+              </a:rPr>
+              <a:t>2 + 6 is replaced with 8</a:t>
+            </a:r>
+            <a:r>
+              <a:rPr lang="en-US" dirty="0"/>
+              <a:t> during compilation.</a:t>
+            </a:r>
+          </a:p>
+          <a:p>
+            <a:r>
+              <a:rPr lang="en-US" dirty="0">
+                <a:solidFill>
+                  <a:schemeClr val="accent3"/>
+                </a:solidFill>
+              </a:rPr>
+              <a:t>Constant propagation</a:t>
+            </a:r>
+            <a:r>
+              <a:rPr lang="en-US" dirty="0"/>
+              <a:t>: It makes the variables constant if it finds it to be constant throughout. Ex. If </a:t>
+            </a:r>
+            <a:r>
+              <a:rPr lang="en-US" dirty="0">
+                <a:solidFill>
+                  <a:schemeClr val="accent4"/>
+                </a:solidFill>
+              </a:rPr>
+              <a:t>x = 10, and y = x + 5; this is replaced with y = 15</a:t>
             </a:r>
           </a:p>
         </p:txBody>
@@ -8048,43 +8180,182 @@
         </p:nvSpPr>
         <p:spPr>
           <a:xfrm>
-            <a:off x="838200" y="988399"/>
-            <a:ext cx="10515600" cy="5188566"/>
-          </a:xfrm>
-        </p:spPr>
-        <p:txBody>
-          <a:bodyPr/>
-          <a:lstStyle/>
-          <a:p>
-            <a:r>
-              <a:rPr lang="en-US" dirty="0"/>
-              <a:t>Dead code elimination: It removes that code which does not affect the program’s output. Ex. Removing the code after the return statement</a:t>
-            </a:r>
-          </a:p>
-          <a:p>
-            <a:r>
-              <a:rPr lang="en-US" dirty="0"/>
-              <a:t>Loop optimization: </a:t>
+            <a:off x="838200" y="865414"/>
+            <a:ext cx="10515600" cy="5633358"/>
+          </a:xfrm>
+        </p:spPr>
+        <p:txBody>
+          <a:bodyPr>
+            <a:normAutofit/>
+          </a:bodyPr>
+          <a:lstStyle/>
+          <a:p>
+            <a:r>
+              <a:rPr lang="en-US" dirty="0">
+                <a:solidFill>
+                  <a:schemeClr val="accent4"/>
+                </a:solidFill>
+              </a:rPr>
+              <a:t>Dead code elimination</a:t>
+            </a:r>
+            <a:r>
+              <a:rPr lang="en-US" dirty="0"/>
+              <a:t>: It </a:t>
+            </a:r>
+            <a:r>
+              <a:rPr lang="en-US" dirty="0">
+                <a:solidFill>
+                  <a:schemeClr val="accent1"/>
+                </a:solidFill>
+              </a:rPr>
+              <a:t>removes that code </a:t>
+            </a:r>
+            <a:r>
+              <a:rPr lang="en-US" dirty="0">
+                <a:solidFill>
+                  <a:schemeClr val="accent2"/>
+                </a:solidFill>
+              </a:rPr>
+              <a:t>which does not affect the program’s output</a:t>
+            </a:r>
+            <a:r>
+              <a:rPr lang="en-US" dirty="0"/>
+              <a:t>. Ex. Removing the code after the return statement</a:t>
+            </a:r>
+          </a:p>
+          <a:p>
+            <a:r>
+              <a:rPr lang="en-US" dirty="0">
+                <a:solidFill>
+                  <a:schemeClr val="accent5"/>
+                </a:solidFill>
+              </a:rPr>
+              <a:t>Loop optimization</a:t>
+            </a:r>
+            <a:r>
+              <a:rPr lang="en-US" dirty="0"/>
+              <a:t>: </a:t>
             </a:r>
           </a:p>
           <a:p>
             <a:pPr lvl="1"/>
             <a:r>
-              <a:rPr lang="en-US" dirty="0"/>
-              <a:t>Loop invariant code motion: brings the code outside the loop if it notices that it does not change in the loop.</a:t>
+              <a:rPr lang="en-US" dirty="0">
+                <a:solidFill>
+                  <a:schemeClr val="accent2"/>
+                </a:solidFill>
+              </a:rPr>
+              <a:t>Loop invariant code motion</a:t>
+            </a:r>
+            <a:r>
+              <a:rPr lang="en-US" dirty="0"/>
+              <a:t>: </a:t>
+            </a:r>
+            <a:r>
+              <a:rPr lang="en-US" dirty="0">
+                <a:solidFill>
+                  <a:schemeClr val="accent3"/>
+                </a:solidFill>
+              </a:rPr>
+              <a:t>brings the code outside the loop</a:t>
+            </a:r>
+            <a:r>
+              <a:rPr lang="en-US" dirty="0"/>
+              <a:t> </a:t>
+            </a:r>
+            <a:r>
+              <a:rPr lang="en-US" dirty="0">
+                <a:solidFill>
+                  <a:schemeClr val="accent5"/>
+                </a:solidFill>
+              </a:rPr>
+              <a:t>if it does not change in the loop</a:t>
+            </a:r>
+            <a:r>
+              <a:rPr lang="en-US" dirty="0"/>
+              <a:t>.</a:t>
             </a:r>
           </a:p>
           <a:p>
             <a:pPr lvl="1"/>
             <a:r>
-              <a:rPr lang="en-US" dirty="0"/>
-              <a:t>Loop fusion: combines adjacent loops which iterate over the same data.</a:t>
-            </a:r>
-          </a:p>
-          <a:p>
-            <a:r>
-              <a:rPr lang="en-US" dirty="0"/>
-              <a:t>Inlining functions: it does this to remove the function call overhead, and allows for further optimizations like constant folding or loop unrolling.</a:t>
+              <a:rPr lang="en-US" dirty="0">
+                <a:solidFill>
+                  <a:schemeClr val="accent1"/>
+                </a:solidFill>
+              </a:rPr>
+              <a:t>Loop fusion</a:t>
+            </a:r>
+            <a:r>
+              <a:rPr lang="en-US" dirty="0"/>
+              <a:t>: </a:t>
+            </a:r>
+            <a:r>
+              <a:rPr lang="en-US" dirty="0">
+                <a:solidFill>
+                  <a:schemeClr val="accent6"/>
+                </a:solidFill>
+              </a:rPr>
+              <a:t>combines adjacent loops </a:t>
+            </a:r>
+            <a:r>
+              <a:rPr lang="en-US" dirty="0">
+                <a:solidFill>
+                  <a:schemeClr val="accent4"/>
+                </a:solidFill>
+              </a:rPr>
+              <a:t>which iterate over the same data</a:t>
+            </a:r>
+            <a:r>
+              <a:rPr lang="en-US" dirty="0"/>
+              <a:t>.</a:t>
+            </a:r>
+          </a:p>
+          <a:p>
+            <a:r>
+              <a:rPr lang="en-US" dirty="0">
+                <a:solidFill>
+                  <a:schemeClr val="accent6"/>
+                </a:solidFill>
+              </a:rPr>
+              <a:t>Inlining functions</a:t>
+            </a:r>
+            <a:r>
+              <a:rPr lang="en-US" dirty="0"/>
+              <a:t>: it does this to </a:t>
+            </a:r>
+            <a:r>
+              <a:rPr lang="en-US" dirty="0">
+                <a:solidFill>
+                  <a:schemeClr val="accent2"/>
+                </a:solidFill>
+              </a:rPr>
+              <a:t>remove the function call overhead</a:t>
+            </a:r>
+            <a:r>
+              <a:rPr lang="en-US" dirty="0"/>
+              <a:t>, and </a:t>
+            </a:r>
+            <a:r>
+              <a:rPr lang="en-US" dirty="0">
+                <a:solidFill>
+                  <a:schemeClr val="accent1"/>
+                </a:solidFill>
+              </a:rPr>
+              <a:t>allows for further optimizations</a:t>
+            </a:r>
+            <a:r>
+              <a:rPr lang="en-US" dirty="0"/>
+              <a:t> like constant folding or loop unrolling.</a:t>
+            </a:r>
+          </a:p>
+          <a:p>
+            <a:pPr marL="0" indent="0">
+              <a:buNone/>
+            </a:pPr>
+            <a:r>
+              <a:rPr lang="en-US" dirty="0"/>
+              <a:t>And many more techniques.</a:t>
             </a:r>
           </a:p>
         </p:txBody>
@@ -8908,33 +9179,177 @@
           <a:p>
             <a:r>
               <a:rPr lang="en-US" dirty="0"/>
-              <a:t>It takes the intermediate representation, and tries to optimize it using register allocation etc.</a:t>
-            </a:r>
-          </a:p>
-          <a:p>
-            <a:r>
-              <a:rPr lang="en-US" dirty="0"/>
-              <a:t>Register Allocation:</a:t>
+              <a:t>It takes the </a:t>
+            </a:r>
+            <a:r>
+              <a:rPr lang="en-US" dirty="0">
+                <a:solidFill>
+                  <a:schemeClr val="accent3"/>
+                </a:solidFill>
+              </a:rPr>
+              <a:t>intermediate representation</a:t>
+            </a:r>
+            <a:r>
+              <a:rPr lang="en-US" dirty="0"/>
+              <a:t>, and </a:t>
+            </a:r>
+            <a:r>
+              <a:rPr lang="en-US" dirty="0">
+                <a:solidFill>
+                  <a:schemeClr val="accent5"/>
+                </a:solidFill>
+              </a:rPr>
+              <a:t>tries to optimize it using </a:t>
+            </a:r>
+            <a:r>
+              <a:rPr lang="en-US" dirty="0">
+                <a:solidFill>
+                  <a:schemeClr val="accent1"/>
+                </a:solidFill>
+              </a:rPr>
+              <a:t>register allocation </a:t>
+            </a:r>
+            <a:r>
+              <a:rPr lang="en-US" dirty="0">
+                <a:solidFill>
+                  <a:schemeClr val="accent5"/>
+                </a:solidFill>
+              </a:rPr>
+              <a:t>etc</a:t>
+            </a:r>
+            <a:r>
+              <a:rPr lang="en-US" dirty="0"/>
+              <a:t>.</a:t>
+            </a:r>
+          </a:p>
+          <a:p>
+            <a:r>
+              <a:rPr lang="en-US" dirty="0">
+                <a:solidFill>
+                  <a:schemeClr val="accent4"/>
+                </a:solidFill>
+              </a:rPr>
+              <a:t>Register Allocation</a:t>
+            </a:r>
+            <a:r>
+              <a:rPr lang="en-US" dirty="0"/>
+              <a:t>:</a:t>
             </a:r>
           </a:p>
           <a:p>
             <a:pPr lvl="1"/>
             <a:r>
               <a:rPr lang="en-US" dirty="0"/>
-              <a:t>The compiler decides which variables to store in CPU registers and which in memory.</a:t>
+              <a:t>The </a:t>
+            </a:r>
+            <a:r>
+              <a:rPr lang="en-US" dirty="0">
+                <a:solidFill>
+                  <a:schemeClr val="accent6"/>
+                </a:solidFill>
+              </a:rPr>
+              <a:t>compiler decides which variables</a:t>
+            </a:r>
+            <a:r>
+              <a:rPr lang="en-US" dirty="0"/>
+              <a:t> to </a:t>
+            </a:r>
+            <a:r>
+              <a:rPr lang="en-US" dirty="0">
+                <a:solidFill>
+                  <a:schemeClr val="accent5"/>
+                </a:solidFill>
+              </a:rPr>
+              <a:t>store in CPU registers</a:t>
+            </a:r>
+            <a:r>
+              <a:rPr lang="en-US" dirty="0"/>
+              <a:t> </a:t>
+            </a:r>
+            <a:r>
+              <a:rPr lang="en-US" dirty="0">
+                <a:solidFill>
+                  <a:schemeClr val="accent1"/>
+                </a:solidFill>
+              </a:rPr>
+              <a:t>and which in memory</a:t>
+            </a:r>
+            <a:r>
+              <a:rPr lang="en-US" dirty="0"/>
+              <a:t>.</a:t>
             </a:r>
           </a:p>
           <a:p>
             <a:pPr lvl="1"/>
             <a:r>
               <a:rPr lang="en-US" dirty="0"/>
-              <a:t>This step is crucial in optimizing the program’s performance since accessing registers is faster than memory.</a:t>
-            </a:r>
-          </a:p>
-          <a:p>
-            <a:r>
-              <a:rPr lang="en-US" dirty="0"/>
-              <a:t>The final step before the executable is formed is linking. The program may contain many modules, linking combines them into a single executable</a:t>
+              <a:t>This step is </a:t>
+            </a:r>
+            <a:r>
+              <a:rPr lang="en-US" dirty="0">
+                <a:solidFill>
+                  <a:schemeClr val="accent2"/>
+                </a:solidFill>
+              </a:rPr>
+              <a:t>crucial in optimizing the program’s performance</a:t>
+            </a:r>
+            <a:r>
+              <a:rPr lang="en-US" dirty="0"/>
+              <a:t> since </a:t>
+            </a:r>
+            <a:r>
+              <a:rPr lang="en-US" dirty="0">
+                <a:solidFill>
+                  <a:schemeClr val="accent5"/>
+                </a:solidFill>
+              </a:rPr>
+              <a:t>accessing registers is faster than memory</a:t>
+            </a:r>
+            <a:r>
+              <a:rPr lang="en-US" dirty="0"/>
+              <a:t>.</a:t>
+            </a:r>
+          </a:p>
+          <a:p>
+            <a:r>
+              <a:rPr lang="en-US" dirty="0"/>
+              <a:t>The </a:t>
+            </a:r>
+            <a:r>
+              <a:rPr lang="en-US" dirty="0">
+                <a:solidFill>
+                  <a:schemeClr val="accent1"/>
+                </a:solidFill>
+              </a:rPr>
+              <a:t>final step before the executable is formed </a:t>
+            </a:r>
+            <a:r>
+              <a:rPr lang="en-US" dirty="0"/>
+              <a:t>is </a:t>
+            </a:r>
+            <a:r>
+              <a:rPr lang="en-US" dirty="0">
+                <a:solidFill>
+                  <a:schemeClr val="accent2"/>
+                </a:solidFill>
+              </a:rPr>
+              <a:t>linking</a:t>
+            </a:r>
+            <a:r>
+              <a:rPr lang="en-US" dirty="0"/>
+              <a:t>. The </a:t>
+            </a:r>
+            <a:r>
+              <a:rPr lang="en-US" dirty="0">
+                <a:solidFill>
+                  <a:schemeClr val="accent4"/>
+                </a:solidFill>
+              </a:rPr>
+              <a:t>program may contain many modules, linking combines them into a single executable</a:t>
+            </a:r>
+            <a:r>
+              <a:rPr lang="en-US" dirty="0"/>
+              <a:t>.</a:t>
             </a:r>
           </a:p>
         </p:txBody>
